--- a/powerpoint/VitaChi_Präs.pptx
+++ b/powerpoint/VitaChi_Präs.pptx
@@ -7,6 +7,7 @@
   <p:sldIdLst>
     <p:sldId id="256" r:id="rId2"/>
     <p:sldId id="257" r:id="rId3"/>
+    <p:sldId id="258" r:id="rId4"/>
   </p:sldIdLst>
   <p:sldSz cx="12192000" cy="6858000"/>
   <p:notesSz cx="6858000" cy="9144000"/>
@@ -4662,6 +4663,96 @@
 </p:sld>
 </file>
 
+<file path=ppt/slides/slide3.xml><?xml version="1.0" encoding="utf-8"?>
+<p:sld xmlns:a="http://schemas.openxmlformats.org/drawingml/2006/main" xmlns:r="http://schemas.openxmlformats.org/officeDocument/2006/relationships" xmlns:p="http://schemas.openxmlformats.org/presentationml/2006/main">
+  <p:cSld>
+    <p:spTree>
+      <p:nvGrpSpPr>
+        <p:cNvPr id="1" name=""/>
+        <p:cNvGrpSpPr/>
+        <p:nvPr/>
+      </p:nvGrpSpPr>
+      <p:grpSpPr>
+        <a:xfrm>
+          <a:off x="0" y="0"/>
+          <a:ext cx="0" cy="0"/>
+          <a:chOff x="0" y="0"/>
+          <a:chExt cx="0" cy="0"/>
+        </a:xfrm>
+      </p:grpSpPr>
+      <p:sp>
+        <p:nvSpPr>
+          <p:cNvPr id="2" name="Titel 1">
+            <a:extLst>
+              <a:ext uri="{FF2B5EF4-FFF2-40B4-BE49-F238E27FC236}">
+                <a16:creationId xmlns:a16="http://schemas.microsoft.com/office/drawing/2014/main" id="{721F23DF-5CED-3144-8A0D-7673299CEC94}"/>
+              </a:ext>
+            </a:extLst>
+          </p:cNvPr>
+          <p:cNvSpPr>
+            <a:spLocks noGrp="1"/>
+          </p:cNvSpPr>
+          <p:nvPr>
+            <p:ph type="title"/>
+          </p:nvPr>
+        </p:nvSpPr>
+        <p:spPr/>
+        <p:txBody>
+          <a:bodyPr/>
+          <a:lstStyle/>
+          <a:p>
+            <a:r>
+              <a:rPr lang="de-DE" dirty="0"/>
+              <a:t>Arbeitsverteilung</a:t>
+            </a:r>
+          </a:p>
+        </p:txBody>
+      </p:sp>
+      <p:sp>
+        <p:nvSpPr>
+          <p:cNvPr id="3" name="Inhaltsplatzhalter 2">
+            <a:extLst>
+              <a:ext uri="{FF2B5EF4-FFF2-40B4-BE49-F238E27FC236}">
+                <a16:creationId xmlns:a16="http://schemas.microsoft.com/office/drawing/2014/main" id="{6DF8BC9F-B3FD-D94B-AD6E-E7FD19CE5A24}"/>
+              </a:ext>
+            </a:extLst>
+          </p:cNvPr>
+          <p:cNvSpPr>
+            <a:spLocks noGrp="1"/>
+          </p:cNvSpPr>
+          <p:nvPr>
+            <p:ph idx="1"/>
+          </p:nvPr>
+        </p:nvSpPr>
+        <p:spPr/>
+        <p:txBody>
+          <a:bodyPr/>
+          <a:lstStyle/>
+          <a:p>
+            <a:r>
+              <a:rPr lang="de-DE" dirty="0"/>
+              <a:t>Grafik zu Arbeitsstunden und </a:t>
+            </a:r>
+            <a:r>
+              <a:rPr lang="de-DE"/>
+              <a:t>Commits</a:t>
+            </a:r>
+          </a:p>
+        </p:txBody>
+      </p:sp>
+    </p:spTree>
+    <p:extLst>
+      <p:ext uri="{BB962C8B-B14F-4D97-AF65-F5344CB8AC3E}">
+        <p14:creationId xmlns:p14="http://schemas.microsoft.com/office/powerpoint/2010/main" val="1947262083"/>
+      </p:ext>
+    </p:extLst>
+  </p:cSld>
+  <p:clrMapOvr>
+    <a:masterClrMapping/>
+  </p:clrMapOvr>
+</p:sld>
+</file>
+
 <file path=ppt/theme/theme1.xml><?xml version="1.0" encoding="utf-8"?>
 <a:theme xmlns:a="http://schemas.openxmlformats.org/drawingml/2006/main" name="Rahmen">
   <a:themeElements>

--- a/powerpoint/VitaChi_Präs.pptx
+++ b/powerpoint/VitaChi_Präs.pptx
@@ -6,8 +6,13 @@
   </p:sldMasterIdLst>
   <p:sldIdLst>
     <p:sldId id="256" r:id="rId2"/>
-    <p:sldId id="257" r:id="rId3"/>
-    <p:sldId id="258" r:id="rId4"/>
+    <p:sldId id="261" r:id="rId3"/>
+    <p:sldId id="257" r:id="rId4"/>
+    <p:sldId id="258" r:id="rId5"/>
+    <p:sldId id="263" r:id="rId6"/>
+    <p:sldId id="260" r:id="rId7"/>
+    <p:sldId id="262" r:id="rId8"/>
+    <p:sldId id="259" r:id="rId9"/>
   </p:sldIdLst>
   <p:sldSz cx="12192000" cy="6858000"/>
   <p:notesSz cx="6858000" cy="9144000"/>
@@ -3575,6 +3580,408 @@
           <a:chExt cx="0" cy="0"/>
         </a:xfrm>
       </p:grpSpPr>
+      <p:sp useBgFill="1">
+        <p:nvSpPr>
+          <p:cNvPr id="8" name="Rectangle 7">
+            <a:extLst>
+              <a:ext uri="{FF2B5EF4-FFF2-40B4-BE49-F238E27FC236}">
+                <a16:creationId xmlns:a16="http://schemas.microsoft.com/office/drawing/2014/main" id="{80516254-1D9F-4F3A-9870-3A3280BE2BFE}"/>
+              </a:ext>
+              <a:ext uri="{C183D7F6-B498-43B3-948B-1728B52AA6E4}">
+                <adec:decorative xmlns:adec="http://schemas.microsoft.com/office/drawing/2017/decorative" val="1"/>
+              </a:ext>
+            </a:extLst>
+          </p:cNvPr>
+          <p:cNvSpPr>
+            <a:spLocks noGrp="1" noRot="1" noChangeAspect="1" noMove="1" noResize="1" noEditPoints="1" noAdjustHandles="1" noChangeArrowheads="1" noChangeShapeType="1" noTextEdit="1"/>
+          </p:cNvSpPr>
+          <p:nvPr>
+            <p:extLst>
+              <p:ext uri="{386F3935-93C4-4BCD-93E2-E3B085C9AB24}">
+                <p16:designElem xmlns:p16="http://schemas.microsoft.com/office/powerpoint/2015/main" val="1"/>
+              </p:ext>
+            </p:extLst>
+          </p:nvPr>
+        </p:nvSpPr>
+        <p:spPr>
+          <a:xfrm>
+            <a:off x="0" y="0"/>
+            <a:ext cx="12192000" cy="6858000"/>
+          </a:xfrm>
+          <a:prstGeom prst="rect">
+            <a:avLst/>
+          </a:prstGeom>
+          <a:ln>
+            <a:noFill/>
+          </a:ln>
+        </p:spPr>
+        <p:style>
+          <a:lnRef idx="2">
+            <a:schemeClr val="accent1">
+              <a:shade val="50000"/>
+            </a:schemeClr>
+          </a:lnRef>
+          <a:fillRef idx="1">
+            <a:schemeClr val="accent1"/>
+          </a:fillRef>
+          <a:effectRef idx="0">
+            <a:schemeClr val="accent1"/>
+          </a:effectRef>
+          <a:fontRef idx="minor">
+            <a:schemeClr val="lt1"/>
+          </a:fontRef>
+        </p:style>
+      </p:sp>
+      <p:sp>
+        <p:nvSpPr>
+          <p:cNvPr id="2" name="Titel 1">
+            <a:extLst>
+              <a:ext uri="{FF2B5EF4-FFF2-40B4-BE49-F238E27FC236}">
+                <a16:creationId xmlns:a16="http://schemas.microsoft.com/office/drawing/2014/main" id="{2A3F4926-06F5-094F-9B52-A10834A37B19}"/>
+              </a:ext>
+            </a:extLst>
+          </p:cNvPr>
+          <p:cNvSpPr>
+            <a:spLocks noGrp="1"/>
+          </p:cNvSpPr>
+          <p:nvPr>
+            <p:ph type="title"/>
+          </p:nvPr>
+        </p:nvSpPr>
+        <p:spPr>
+          <a:xfrm>
+            <a:off x="1539116" y="864108"/>
+            <a:ext cx="3412004" cy="5120639"/>
+          </a:xfrm>
+        </p:spPr>
+        <p:txBody>
+          <a:bodyPr>
+            <a:normAutofit/>
+          </a:bodyPr>
+          <a:lstStyle/>
+          <a:p>
+            <a:pPr algn="ctr"/>
+            <a:r>
+              <a:rPr lang="de-DE" sz="6000" b="1" dirty="0">
+                <a:solidFill>
+                  <a:srgbClr val="53A7EB"/>
+                </a:solidFill>
+              </a:rPr>
+              <a:t>Um was geht’s?</a:t>
+            </a:r>
+          </a:p>
+        </p:txBody>
+      </p:sp>
+      <p:sp>
+        <p:nvSpPr>
+          <p:cNvPr id="10" name="Rectangle 9">
+            <a:extLst>
+              <a:ext uri="{FF2B5EF4-FFF2-40B4-BE49-F238E27FC236}">
+                <a16:creationId xmlns:a16="http://schemas.microsoft.com/office/drawing/2014/main" id="{FC14672B-27A5-4CDA-ABAF-5E4CF4B41C23}"/>
+              </a:ext>
+              <a:ext uri="{C183D7F6-B498-43B3-948B-1728B52AA6E4}">
+                <adec:decorative xmlns:adec="http://schemas.microsoft.com/office/drawing/2017/decorative" val="1"/>
+              </a:ext>
+            </a:extLst>
+          </p:cNvPr>
+          <p:cNvSpPr>
+            <a:spLocks noGrp="1" noRot="1" noChangeAspect="1" noMove="1" noResize="1" noEditPoints="1" noAdjustHandles="1" noChangeArrowheads="1" noChangeShapeType="1" noTextEdit="1"/>
+          </p:cNvSpPr>
+          <p:nvPr>
+            <p:extLst>
+              <p:ext uri="{386F3935-93C4-4BCD-93E2-E3B085C9AB24}">
+                <p16:designElem xmlns:p16="http://schemas.microsoft.com/office/powerpoint/2015/main" val="1"/>
+              </p:ext>
+            </p:extLst>
+          </p:nvPr>
+        </p:nvSpPr>
+        <p:spPr>
+          <a:xfrm>
+            <a:off x="0" y="761999"/>
+            <a:ext cx="1286934" cy="5334001"/>
+          </a:xfrm>
+          <a:prstGeom prst="rect">
+            <a:avLst/>
+          </a:prstGeom>
+          <a:solidFill>
+            <a:schemeClr val="accent1"/>
+          </a:solidFill>
+          <a:ln>
+            <a:noFill/>
+          </a:ln>
+        </p:spPr>
+        <p:style>
+          <a:lnRef idx="2">
+            <a:schemeClr val="accent1">
+              <a:shade val="50000"/>
+            </a:schemeClr>
+          </a:lnRef>
+          <a:fillRef idx="1">
+            <a:schemeClr val="accent1"/>
+          </a:fillRef>
+          <a:effectRef idx="0">
+            <a:schemeClr val="accent1"/>
+          </a:effectRef>
+          <a:fontRef idx="minor">
+            <a:schemeClr val="lt1"/>
+          </a:fontRef>
+        </p:style>
+      </p:sp>
+      <p:cxnSp>
+        <p:nvCxnSpPr>
+          <p:cNvPr id="12" name="Straight Connector 11">
+            <a:extLst>
+              <a:ext uri="{FF2B5EF4-FFF2-40B4-BE49-F238E27FC236}">
+                <a16:creationId xmlns:a16="http://schemas.microsoft.com/office/drawing/2014/main" id="{8D89589C-2C90-4407-A995-05EC3DD7AB14}"/>
+              </a:ext>
+              <a:ext uri="{C183D7F6-B498-43B3-948B-1728B52AA6E4}">
+                <adec:decorative xmlns:adec="http://schemas.microsoft.com/office/drawing/2017/decorative" val="1"/>
+              </a:ext>
+            </a:extLst>
+          </p:cNvPr>
+          <p:cNvCxnSpPr>
+            <a:cxnSpLocks noGrp="1" noRot="1" noChangeAspect="1" noMove="1" noResize="1" noEditPoints="1" noAdjustHandles="1" noChangeArrowheads="1" noChangeShapeType="1"/>
+          </p:cNvCxnSpPr>
+          <p:nvPr>
+            <p:extLst>
+              <p:ext uri="{386F3935-93C4-4BCD-93E2-E3B085C9AB24}">
+                <p16:designElem xmlns:p16="http://schemas.microsoft.com/office/powerpoint/2015/main" val="1"/>
+              </p:ext>
+            </p:extLst>
+          </p:nvPr>
+        </p:nvCxnSpPr>
+        <p:spPr>
+          <a:xfrm>
+            <a:off x="4951129" y="2085681"/>
+            <a:ext cx="0" cy="2686639"/>
+          </a:xfrm>
+          <a:prstGeom prst="line">
+            <a:avLst/>
+          </a:prstGeom>
+          <a:ln w="12700">
+            <a:solidFill>
+              <a:schemeClr val="tx1">
+                <a:lumMod val="50000"/>
+                <a:lumOff val="50000"/>
+              </a:schemeClr>
+            </a:solidFill>
+          </a:ln>
+        </p:spPr>
+        <p:style>
+          <a:lnRef idx="1">
+            <a:schemeClr val="accent1"/>
+          </a:lnRef>
+          <a:fillRef idx="0">
+            <a:schemeClr val="accent1"/>
+          </a:fillRef>
+          <a:effectRef idx="0">
+            <a:schemeClr val="accent1"/>
+          </a:effectRef>
+          <a:fontRef idx="minor">
+            <a:schemeClr val="tx1"/>
+          </a:fontRef>
+        </p:style>
+      </p:cxnSp>
+      <p:sp>
+        <p:nvSpPr>
+          <p:cNvPr id="3" name="Inhaltsplatzhalter 2">
+            <a:extLst>
+              <a:ext uri="{FF2B5EF4-FFF2-40B4-BE49-F238E27FC236}">
+                <a16:creationId xmlns:a16="http://schemas.microsoft.com/office/drawing/2014/main" id="{68CFF8D7-253E-3840-9BB1-D324A158716F}"/>
+              </a:ext>
+            </a:extLst>
+          </p:cNvPr>
+          <p:cNvSpPr>
+            <a:spLocks noGrp="1"/>
+          </p:cNvSpPr>
+          <p:nvPr>
+            <p:ph idx="1"/>
+          </p:nvPr>
+        </p:nvSpPr>
+        <p:spPr>
+          <a:xfrm>
+            <a:off x="5289229" y="864108"/>
+            <a:ext cx="5910677" cy="5120640"/>
+          </a:xfrm>
+        </p:spPr>
+        <p:txBody>
+          <a:bodyPr>
+            <a:normAutofit/>
+          </a:bodyPr>
+          <a:lstStyle/>
+          <a:p>
+            <a:r>
+              <a:rPr lang="de-DE" dirty="0" err="1">
+                <a:solidFill>
+                  <a:schemeClr val="tx1"/>
+                </a:solidFill>
+              </a:rPr>
+              <a:t>Tracke</a:t>
+            </a:r>
+            <a:r>
+              <a:rPr lang="de-DE" dirty="0">
+                <a:solidFill>
+                  <a:schemeClr val="tx1"/>
+                </a:solidFill>
+              </a:rPr>
+              <a:t> dein Wohlbefinden</a:t>
+            </a:r>
+          </a:p>
+          <a:p>
+            <a:r>
+              <a:rPr lang="de-DE" dirty="0">
+                <a:solidFill>
+                  <a:schemeClr val="tx1"/>
+                </a:solidFill>
+              </a:rPr>
+              <a:t>Tätige Eingaben zu Essen, Schlaf, </a:t>
+            </a:r>
+            <a:r>
+              <a:rPr lang="de-DE" dirty="0" err="1">
+                <a:solidFill>
+                  <a:schemeClr val="tx1"/>
+                </a:solidFill>
+              </a:rPr>
+              <a:t>Aktivitä</a:t>
+            </a:r>
+            <a:r>
+              <a:rPr lang="de-DE" dirty="0">
+                <a:solidFill>
+                  <a:schemeClr val="tx1"/>
+                </a:solidFill>
+              </a:rPr>
+              <a:t> und Arbeit</a:t>
+            </a:r>
+          </a:p>
+          <a:p>
+            <a:r>
+              <a:rPr lang="de-DE" dirty="0">
+                <a:solidFill>
+                  <a:schemeClr val="tx1"/>
+                </a:solidFill>
+              </a:rPr>
+              <a:t>Avatar spiegelt dich wieder</a:t>
+            </a:r>
+          </a:p>
+          <a:p>
+            <a:endParaRPr lang="de-DE" dirty="0">
+              <a:solidFill>
+                <a:schemeClr val="tx1"/>
+              </a:solidFill>
+            </a:endParaRPr>
+          </a:p>
+          <a:p>
+            <a:endParaRPr lang="de-DE" dirty="0">
+              <a:solidFill>
+                <a:schemeClr val="tx1"/>
+              </a:solidFill>
+            </a:endParaRPr>
+          </a:p>
+        </p:txBody>
+      </p:sp>
+      <p:sp>
+        <p:nvSpPr>
+          <p:cNvPr id="14" name="Rectangle 13">
+            <a:extLst>
+              <a:ext uri="{FF2B5EF4-FFF2-40B4-BE49-F238E27FC236}">
+                <a16:creationId xmlns:a16="http://schemas.microsoft.com/office/drawing/2014/main" id="{9A206779-5C74-4555-94BC-5845C92EC3A8}"/>
+              </a:ext>
+              <a:ext uri="{C183D7F6-B498-43B3-948B-1728B52AA6E4}">
+                <adec:decorative xmlns:adec="http://schemas.microsoft.com/office/drawing/2017/decorative" val="1"/>
+              </a:ext>
+            </a:extLst>
+          </p:cNvPr>
+          <p:cNvSpPr>
+            <a:spLocks noGrp="1" noRot="1" noChangeAspect="1" noMove="1" noResize="1" noEditPoints="1" noAdjustHandles="1" noChangeArrowheads="1" noChangeShapeType="1" noTextEdit="1"/>
+          </p:cNvSpPr>
+          <p:nvPr>
+            <p:extLst>
+              <p:ext uri="{386F3935-93C4-4BCD-93E2-E3B085C9AB24}">
+                <p16:designElem xmlns:p16="http://schemas.microsoft.com/office/powerpoint/2015/main" val="1"/>
+              </p:ext>
+            </p:extLst>
+          </p:nvPr>
+        </p:nvSpPr>
+        <p:spPr>
+          <a:xfrm>
+            <a:off x="11683988" y="767825"/>
+            <a:ext cx="508012" cy="5328173"/>
+          </a:xfrm>
+          <a:prstGeom prst="rect">
+            <a:avLst/>
+          </a:prstGeom>
+          <a:solidFill>
+            <a:srgbClr val="C8C8C8">
+              <a:alpha val="50000"/>
+            </a:srgbClr>
+          </a:solidFill>
+          <a:ln>
+            <a:noFill/>
+          </a:ln>
+        </p:spPr>
+        <p:style>
+          <a:lnRef idx="2">
+            <a:schemeClr val="accent1">
+              <a:shade val="50000"/>
+            </a:schemeClr>
+          </a:lnRef>
+          <a:fillRef idx="1">
+            <a:schemeClr val="accent1"/>
+          </a:fillRef>
+          <a:effectRef idx="0">
+            <a:schemeClr val="accent1"/>
+          </a:effectRef>
+          <a:fontRef idx="minor">
+            <a:schemeClr val="lt1"/>
+          </a:fontRef>
+        </p:style>
+        <p:txBody>
+          <a:bodyPr rtlCol="0" anchor="ctr"/>
+          <a:lstStyle/>
+          <a:p>
+            <a:pPr algn="ctr"/>
+            <a:endParaRPr lang="en-US"/>
+          </a:p>
+        </p:txBody>
+      </p:sp>
+    </p:spTree>
+    <p:extLst>
+      <p:ext uri="{BB962C8B-B14F-4D97-AF65-F5344CB8AC3E}">
+        <p14:creationId xmlns:p14="http://schemas.microsoft.com/office/powerpoint/2010/main" val="1624488731"/>
+      </p:ext>
+    </p:extLst>
+  </p:cSld>
+  <p:clrMapOvr>
+    <a:masterClrMapping/>
+  </p:clrMapOvr>
+</p:sld>
+</file>
+
+<file path=ppt/slides/slide3.xml><?xml version="1.0" encoding="utf-8"?>
+<p:sld xmlns:a="http://schemas.openxmlformats.org/drawingml/2006/main" xmlns:r="http://schemas.openxmlformats.org/officeDocument/2006/relationships" xmlns:p="http://schemas.openxmlformats.org/presentationml/2006/main">
+  <p:cSld>
+    <p:bg>
+      <p:bgPr>
+        <a:solidFill>
+          <a:schemeClr val="bg1"/>
+        </a:solidFill>
+        <a:effectLst/>
+      </p:bgPr>
+    </p:bg>
+    <p:spTree>
+      <p:nvGrpSpPr>
+        <p:cNvPr id="1" name=""/>
+        <p:cNvGrpSpPr/>
+        <p:nvPr/>
+      </p:nvGrpSpPr>
+      <p:grpSpPr>
+        <a:xfrm>
+          <a:off x="0" y="0"/>
+          <a:ext cx="0" cy="0"/>
+          <a:chOff x="0" y="0"/>
+          <a:chExt cx="0" cy="0"/>
+        </a:xfrm>
+      </p:grpSpPr>
       <p:sp>
         <p:nvSpPr>
           <p:cNvPr id="15" name="Rectangle 14">
@@ -4650,6 +5057,104 @@
           </a:p>
         </p:txBody>
       </p:sp>
+      <p:sp>
+        <p:nvSpPr>
+          <p:cNvPr id="37" name="Wolke 36">
+            <a:extLst>
+              <a:ext uri="{FF2B5EF4-FFF2-40B4-BE49-F238E27FC236}">
+                <a16:creationId xmlns:a16="http://schemas.microsoft.com/office/drawing/2014/main" id="{24656458-3573-9941-A0B4-FA0C528F5F6A}"/>
+              </a:ext>
+            </a:extLst>
+          </p:cNvPr>
+          <p:cNvSpPr/>
+          <p:nvPr/>
+        </p:nvSpPr>
+        <p:spPr>
+          <a:xfrm>
+            <a:off x="10557069" y="-1479881"/>
+            <a:ext cx="3729497" cy="3211032"/>
+          </a:xfrm>
+          <a:prstGeom prst="cloud">
+            <a:avLst/>
+          </a:prstGeom>
+          <a:solidFill>
+            <a:schemeClr val="bg1"/>
+          </a:solidFill>
+        </p:spPr>
+        <p:style>
+          <a:lnRef idx="2">
+            <a:schemeClr val="accent1">
+              <a:shade val="50000"/>
+            </a:schemeClr>
+          </a:lnRef>
+          <a:fillRef idx="1">
+            <a:schemeClr val="accent1"/>
+          </a:fillRef>
+          <a:effectRef idx="0">
+            <a:schemeClr val="accent1"/>
+          </a:effectRef>
+          <a:fontRef idx="minor">
+            <a:schemeClr val="lt1"/>
+          </a:fontRef>
+        </p:style>
+        <p:txBody>
+          <a:bodyPr rtlCol="0" anchor="ctr"/>
+          <a:lstStyle/>
+          <a:p>
+            <a:pPr algn="ctr"/>
+            <a:endParaRPr lang="de-DE"/>
+          </a:p>
+        </p:txBody>
+      </p:sp>
+      <p:sp>
+        <p:nvSpPr>
+          <p:cNvPr id="38" name="Wolke 37">
+            <a:extLst>
+              <a:ext uri="{FF2B5EF4-FFF2-40B4-BE49-F238E27FC236}">
+                <a16:creationId xmlns:a16="http://schemas.microsoft.com/office/drawing/2014/main" id="{710503B2-8E41-9E42-9E4D-F4BCAEA29B8E}"/>
+              </a:ext>
+            </a:extLst>
+          </p:cNvPr>
+          <p:cNvSpPr/>
+          <p:nvPr/>
+        </p:nvSpPr>
+        <p:spPr>
+          <a:xfrm>
+            <a:off x="-2284608" y="5920280"/>
+            <a:ext cx="3895038" cy="3211032"/>
+          </a:xfrm>
+          <a:prstGeom prst="cloud">
+            <a:avLst/>
+          </a:prstGeom>
+          <a:solidFill>
+            <a:schemeClr val="bg1"/>
+          </a:solidFill>
+        </p:spPr>
+        <p:style>
+          <a:lnRef idx="2">
+            <a:schemeClr val="accent1">
+              <a:shade val="50000"/>
+            </a:schemeClr>
+          </a:lnRef>
+          <a:fillRef idx="1">
+            <a:schemeClr val="accent1"/>
+          </a:fillRef>
+          <a:effectRef idx="0">
+            <a:schemeClr val="accent1"/>
+          </a:effectRef>
+          <a:fontRef idx="minor">
+            <a:schemeClr val="lt1"/>
+          </a:fontRef>
+        </p:style>
+        <p:txBody>
+          <a:bodyPr rtlCol="0" anchor="ctr"/>
+          <a:lstStyle/>
+          <a:p>
+            <a:pPr algn="ctr"/>
+            <a:endParaRPr lang="de-DE"/>
+          </a:p>
+        </p:txBody>
+      </p:sp>
     </p:spTree>
     <p:extLst>
       <p:ext uri="{BB962C8B-B14F-4D97-AF65-F5344CB8AC3E}">
@@ -4663,7 +5168,445 @@
 </p:sld>
 </file>
 
-<file path=ppt/slides/slide3.xml><?xml version="1.0" encoding="utf-8"?>
+<file path=ppt/slides/slide4.xml><?xml version="1.0" encoding="utf-8"?>
+<p:sld xmlns:a="http://schemas.openxmlformats.org/drawingml/2006/main" xmlns:r="http://schemas.openxmlformats.org/officeDocument/2006/relationships" xmlns:p="http://schemas.openxmlformats.org/presentationml/2006/main">
+  <p:cSld>
+    <p:bg>
+      <p:bgPr>
+        <a:solidFill>
+          <a:schemeClr val="bg1"/>
+        </a:solidFill>
+        <a:effectLst/>
+      </p:bgPr>
+    </p:bg>
+    <p:spTree>
+      <p:nvGrpSpPr>
+        <p:cNvPr id="1" name=""/>
+        <p:cNvGrpSpPr/>
+        <p:nvPr/>
+      </p:nvGrpSpPr>
+      <p:grpSpPr>
+        <a:xfrm>
+          <a:off x="0" y="0"/>
+          <a:ext cx="0" cy="0"/>
+          <a:chOff x="0" y="0"/>
+          <a:chExt cx="0" cy="0"/>
+        </a:xfrm>
+      </p:grpSpPr>
+      <p:sp>
+        <p:nvSpPr>
+          <p:cNvPr id="10" name="Rectangle 9">
+            <a:extLst>
+              <a:ext uri="{FF2B5EF4-FFF2-40B4-BE49-F238E27FC236}">
+                <a16:creationId xmlns:a16="http://schemas.microsoft.com/office/drawing/2014/main" id="{DB8424AB-D56B-4256-866A-5B54DE93C20F}"/>
+              </a:ext>
+              <a:ext uri="{C183D7F6-B498-43B3-948B-1728B52AA6E4}">
+                <adec:decorative xmlns:adec="http://schemas.microsoft.com/office/drawing/2017/decorative" val="1"/>
+              </a:ext>
+            </a:extLst>
+          </p:cNvPr>
+          <p:cNvSpPr>
+            <a:spLocks noGrp="1" noRot="1" noChangeAspect="1" noMove="1" noResize="1" noEditPoints="1" noAdjustHandles="1" noChangeArrowheads="1" noChangeShapeType="1" noTextEdit="1"/>
+          </p:cNvSpPr>
+          <p:nvPr>
+            <p:extLst>
+              <p:ext uri="{386F3935-93C4-4BCD-93E2-E3B085C9AB24}">
+                <p16:designElem xmlns:p16="http://schemas.microsoft.com/office/powerpoint/2015/main" val="1"/>
+              </p:ext>
+            </p:extLst>
+          </p:nvPr>
+        </p:nvSpPr>
+        <p:spPr>
+          <a:xfrm>
+            <a:off x="0" y="761999"/>
+            <a:ext cx="9141619" cy="5334001"/>
+          </a:xfrm>
+          <a:prstGeom prst="rect">
+            <a:avLst/>
+          </a:prstGeom>
+          <a:solidFill>
+            <a:schemeClr val="accent1"/>
+          </a:solidFill>
+          <a:ln>
+            <a:noFill/>
+          </a:ln>
+        </p:spPr>
+        <p:style>
+          <a:lnRef idx="2">
+            <a:schemeClr val="accent1">
+              <a:shade val="50000"/>
+            </a:schemeClr>
+          </a:lnRef>
+          <a:fillRef idx="1">
+            <a:schemeClr val="accent1"/>
+          </a:fillRef>
+          <a:effectRef idx="0">
+            <a:schemeClr val="accent1"/>
+          </a:effectRef>
+          <a:fontRef idx="minor">
+            <a:schemeClr val="lt1"/>
+          </a:fontRef>
+        </p:style>
+      </p:sp>
+      <p:sp>
+        <p:nvSpPr>
+          <p:cNvPr id="12" name="Rectangle 11">
+            <a:extLst>
+              <a:ext uri="{FF2B5EF4-FFF2-40B4-BE49-F238E27FC236}">
+                <a16:creationId xmlns:a16="http://schemas.microsoft.com/office/drawing/2014/main" id="{FC999C28-AD33-4EB7-A5F1-C06D10A5FDF7}"/>
+              </a:ext>
+              <a:ext uri="{C183D7F6-B498-43B3-948B-1728B52AA6E4}">
+                <adec:decorative xmlns:adec="http://schemas.microsoft.com/office/drawing/2017/decorative" val="1"/>
+              </a:ext>
+            </a:extLst>
+          </p:cNvPr>
+          <p:cNvSpPr>
+            <a:spLocks noGrp="1" noRot="1" noChangeAspect="1" noMove="1" noResize="1" noEditPoints="1" noAdjustHandles="1" noChangeArrowheads="1" noChangeShapeType="1" noTextEdit="1"/>
+          </p:cNvSpPr>
+          <p:nvPr>
+            <p:extLst>
+              <p:ext uri="{386F3935-93C4-4BCD-93E2-E3B085C9AB24}">
+                <p16:designElem xmlns:p16="http://schemas.microsoft.com/office/powerpoint/2015/main" val="1"/>
+              </p:ext>
+            </p:extLst>
+          </p:nvPr>
+        </p:nvSpPr>
+        <p:spPr>
+          <a:xfrm>
+            <a:off x="9270263" y="761999"/>
+            <a:ext cx="2925318" cy="5334001"/>
+          </a:xfrm>
+          <a:prstGeom prst="rect">
+            <a:avLst/>
+          </a:prstGeom>
+          <a:solidFill>
+            <a:srgbClr val="C8C8C8">
+              <a:alpha val="49804"/>
+            </a:srgbClr>
+          </a:solidFill>
+          <a:ln>
+            <a:noFill/>
+          </a:ln>
+        </p:spPr>
+        <p:style>
+          <a:lnRef idx="2">
+            <a:schemeClr val="accent1">
+              <a:shade val="50000"/>
+            </a:schemeClr>
+          </a:lnRef>
+          <a:fillRef idx="1">
+            <a:schemeClr val="accent1"/>
+          </a:fillRef>
+          <a:effectRef idx="0">
+            <a:schemeClr val="accent1"/>
+          </a:effectRef>
+          <a:fontRef idx="minor">
+            <a:schemeClr val="lt1"/>
+          </a:fontRef>
+        </p:style>
+      </p:sp>
+      <p:sp useBgFill="1">
+        <p:nvSpPr>
+          <p:cNvPr id="14" name="Rectangle 13">
+            <a:extLst>
+              <a:ext uri="{FF2B5EF4-FFF2-40B4-BE49-F238E27FC236}">
+                <a16:creationId xmlns:a16="http://schemas.microsoft.com/office/drawing/2014/main" id="{0864E5C9-52C9-4572-AC75-548B9B9C2648}"/>
+              </a:ext>
+              <a:ext uri="{C183D7F6-B498-43B3-948B-1728B52AA6E4}">
+                <adec:decorative xmlns:adec="http://schemas.microsoft.com/office/drawing/2017/decorative" val="1"/>
+              </a:ext>
+            </a:extLst>
+          </p:cNvPr>
+          <p:cNvSpPr>
+            <a:spLocks noGrp="1" noRot="1" noChangeAspect="1" noMove="1" noResize="1" noEditPoints="1" noAdjustHandles="1" noChangeArrowheads="1" noChangeShapeType="1" noTextEdit="1"/>
+          </p:cNvSpPr>
+          <p:nvPr>
+            <p:extLst>
+              <p:ext uri="{386F3935-93C4-4BCD-93E2-E3B085C9AB24}">
+                <p16:designElem xmlns:p16="http://schemas.microsoft.com/office/powerpoint/2015/main" val="1"/>
+              </p:ext>
+            </p:extLst>
+          </p:nvPr>
+        </p:nvSpPr>
+        <p:spPr>
+          <a:xfrm>
+            <a:off x="0" y="0"/>
+            <a:ext cx="12191999" cy="6858000"/>
+          </a:xfrm>
+          <a:prstGeom prst="rect">
+            <a:avLst/>
+          </a:prstGeom>
+          <a:ln>
+            <a:noFill/>
+          </a:ln>
+        </p:spPr>
+        <p:style>
+          <a:lnRef idx="2">
+            <a:schemeClr val="accent1">
+              <a:shade val="50000"/>
+            </a:schemeClr>
+          </a:lnRef>
+          <a:fillRef idx="1">
+            <a:schemeClr val="accent1"/>
+          </a:fillRef>
+          <a:effectRef idx="0">
+            <a:schemeClr val="accent1"/>
+          </a:effectRef>
+          <a:fontRef idx="minor">
+            <a:schemeClr val="lt1"/>
+          </a:fontRef>
+        </p:style>
+        <p:txBody>
+          <a:bodyPr rtlCol="0" anchor="ctr"/>
+          <a:lstStyle/>
+          <a:p>
+            <a:pPr algn="ctr"/>
+            <a:endParaRPr lang="en-US"/>
+          </a:p>
+        </p:txBody>
+      </p:sp>
+      <p:sp>
+        <p:nvSpPr>
+          <p:cNvPr id="16" name="Rectangle 15">
+            <a:extLst>
+              <a:ext uri="{FF2B5EF4-FFF2-40B4-BE49-F238E27FC236}">
+                <a16:creationId xmlns:a16="http://schemas.microsoft.com/office/drawing/2014/main" id="{45CC6500-4DBD-4C34-BC14-2387FB483BEB}"/>
+              </a:ext>
+              <a:ext uri="{C183D7F6-B498-43B3-948B-1728B52AA6E4}">
+                <adec:decorative xmlns:adec="http://schemas.microsoft.com/office/drawing/2017/decorative" val="1"/>
+              </a:ext>
+            </a:extLst>
+          </p:cNvPr>
+          <p:cNvSpPr>
+            <a:spLocks noGrp="1" noRot="1" noChangeAspect="1" noMove="1" noResize="1" noEditPoints="1" noAdjustHandles="1" noChangeArrowheads="1" noChangeShapeType="1" noTextEdit="1"/>
+          </p:cNvSpPr>
+          <p:nvPr>
+            <p:extLst>
+              <p:ext uri="{386F3935-93C4-4BCD-93E2-E3B085C9AB24}">
+                <p16:designElem xmlns:p16="http://schemas.microsoft.com/office/powerpoint/2015/main" val="1"/>
+              </p:ext>
+            </p:extLst>
+          </p:nvPr>
+        </p:nvSpPr>
+        <p:spPr>
+          <a:xfrm>
+            <a:off x="1" y="761999"/>
+            <a:ext cx="4642228" cy="5334001"/>
+          </a:xfrm>
+          <a:prstGeom prst="rect">
+            <a:avLst/>
+          </a:prstGeom>
+          <a:solidFill>
+            <a:schemeClr val="accent1"/>
+          </a:solidFill>
+          <a:ln>
+            <a:noFill/>
+          </a:ln>
+        </p:spPr>
+        <p:style>
+          <a:lnRef idx="2">
+            <a:schemeClr val="accent1">
+              <a:shade val="50000"/>
+            </a:schemeClr>
+          </a:lnRef>
+          <a:fillRef idx="1">
+            <a:schemeClr val="accent1"/>
+          </a:fillRef>
+          <a:effectRef idx="0">
+            <a:schemeClr val="accent1"/>
+          </a:effectRef>
+          <a:fontRef idx="minor">
+            <a:schemeClr val="lt1"/>
+          </a:fontRef>
+        </p:style>
+      </p:sp>
+      <p:sp>
+        <p:nvSpPr>
+          <p:cNvPr id="2" name="Titel 1">
+            <a:extLst>
+              <a:ext uri="{FF2B5EF4-FFF2-40B4-BE49-F238E27FC236}">
+                <a16:creationId xmlns:a16="http://schemas.microsoft.com/office/drawing/2014/main" id="{721F23DF-5CED-3144-8A0D-7673299CEC94}"/>
+              </a:ext>
+            </a:extLst>
+          </p:cNvPr>
+          <p:cNvSpPr>
+            <a:spLocks noGrp="1"/>
+          </p:cNvSpPr>
+          <p:nvPr>
+            <p:ph type="title"/>
+          </p:nvPr>
+        </p:nvSpPr>
+        <p:spPr>
+          <a:xfrm>
+            <a:off x="1069849" y="1298448"/>
+            <a:ext cx="3258688" cy="3255264"/>
+          </a:xfrm>
+        </p:spPr>
+        <p:txBody>
+          <a:bodyPr vert="horz" lIns="91440" tIns="45720" rIns="91440" bIns="45720" rtlCol="0" anchor="b">
+            <a:normAutofit/>
+          </a:bodyPr>
+          <a:lstStyle/>
+          <a:p>
+            <a:r>
+              <a:rPr lang="en-US" sz="3200" spc="-100"/>
+              <a:t>Arbeitsverteilung</a:t>
+            </a:r>
+          </a:p>
+        </p:txBody>
+      </p:sp>
+      <p:sp>
+        <p:nvSpPr>
+          <p:cNvPr id="3" name="Inhaltsplatzhalter 2">
+            <a:extLst>
+              <a:ext uri="{FF2B5EF4-FFF2-40B4-BE49-F238E27FC236}">
+                <a16:creationId xmlns:a16="http://schemas.microsoft.com/office/drawing/2014/main" id="{6DF8BC9F-B3FD-D94B-AD6E-E7FD19CE5A24}"/>
+              </a:ext>
+            </a:extLst>
+          </p:cNvPr>
+          <p:cNvSpPr>
+            <a:spLocks noGrp="1"/>
+          </p:cNvSpPr>
+          <p:nvPr>
+            <p:ph idx="1"/>
+          </p:nvPr>
+        </p:nvSpPr>
+        <p:spPr>
+          <a:xfrm>
+            <a:off x="1100015" y="4670246"/>
+            <a:ext cx="3228521" cy="914400"/>
+          </a:xfrm>
+        </p:spPr>
+        <p:txBody>
+          <a:bodyPr vert="horz" lIns="91440" tIns="45720" rIns="91440" bIns="45720" rtlCol="0" anchor="t">
+            <a:normAutofit/>
+          </a:bodyPr>
+          <a:lstStyle/>
+          <a:p>
+            <a:pPr marL="0" indent="0">
+              <a:buNone/>
+            </a:pPr>
+            <a:r>
+              <a:rPr lang="en-US" sz="2200">
+                <a:solidFill>
+                  <a:schemeClr val="accent1">
+                    <a:lumMod val="20000"/>
+                    <a:lumOff val="80000"/>
+                  </a:schemeClr>
+                </a:solidFill>
+              </a:rPr>
+              <a:t>Grafik zu Arbeitsstunden und Commits</a:t>
+            </a:r>
+          </a:p>
+        </p:txBody>
+      </p:sp>
+      <p:pic>
+        <p:nvPicPr>
+          <p:cNvPr id="5" name="Grafik 4" descr="Balkendiagramm">
+            <a:extLst>
+              <a:ext uri="{FF2B5EF4-FFF2-40B4-BE49-F238E27FC236}">
+                <a16:creationId xmlns:a16="http://schemas.microsoft.com/office/drawing/2014/main" id="{82BD5DA6-0C8C-DA43-AAE6-9C72F5CC7744}"/>
+              </a:ext>
+            </a:extLst>
+          </p:cNvPr>
+          <p:cNvPicPr>
+            <a:picLocks noChangeAspect="1"/>
+          </p:cNvPicPr>
+          <p:nvPr/>
+        </p:nvPicPr>
+        <p:blipFill>
+          <a:blip r:embed="rId2">
+            <a:extLst>
+              <a:ext uri="{96DAC541-7B7A-43D3-8B79-37D633B846F1}">
+                <asvg:svgBlip xmlns:asvg="http://schemas.microsoft.com/office/drawing/2016/SVG/main" r:embed="rId3"/>
+              </a:ext>
+            </a:extLst>
+          </a:blip>
+          <a:stretch>
+            <a:fillRect/>
+          </a:stretch>
+        </p:blipFill>
+        <p:spPr>
+          <a:xfrm>
+            <a:off x="5638950" y="759599"/>
+            <a:ext cx="5330650" cy="5330650"/>
+          </a:xfrm>
+          <a:prstGeom prst="rect">
+            <a:avLst/>
+          </a:prstGeom>
+        </p:spPr>
+      </p:pic>
+      <p:sp>
+        <p:nvSpPr>
+          <p:cNvPr id="18" name="Rectangle 17">
+            <a:extLst>
+              <a:ext uri="{FF2B5EF4-FFF2-40B4-BE49-F238E27FC236}">
+                <a16:creationId xmlns:a16="http://schemas.microsoft.com/office/drawing/2014/main" id="{4E34A3B6-BAD2-4156-BDC6-4736248BFDE0}"/>
+              </a:ext>
+              <a:ext uri="{C183D7F6-B498-43B3-948B-1728B52AA6E4}">
+                <adec:decorative xmlns:adec="http://schemas.microsoft.com/office/drawing/2017/decorative" val="1"/>
+              </a:ext>
+            </a:extLst>
+          </p:cNvPr>
+          <p:cNvSpPr>
+            <a:spLocks noGrp="1" noRot="1" noChangeAspect="1" noMove="1" noResize="1" noEditPoints="1" noAdjustHandles="1" noChangeArrowheads="1" noChangeShapeType="1" noTextEdit="1"/>
+          </p:cNvSpPr>
+          <p:nvPr>
+            <p:extLst>
+              <p:ext uri="{386F3935-93C4-4BCD-93E2-E3B085C9AB24}">
+                <p16:designElem xmlns:p16="http://schemas.microsoft.com/office/powerpoint/2015/main" val="1"/>
+              </p:ext>
+            </p:extLst>
+          </p:nvPr>
+        </p:nvSpPr>
+        <p:spPr>
+          <a:xfrm>
+            <a:off x="11815864" y="758952"/>
+            <a:ext cx="384048" cy="5330952"/>
+          </a:xfrm>
+          <a:prstGeom prst="rect">
+            <a:avLst/>
+          </a:prstGeom>
+          <a:solidFill>
+            <a:srgbClr val="C8C8C8">
+              <a:alpha val="49804"/>
+            </a:srgbClr>
+          </a:solidFill>
+          <a:ln>
+            <a:noFill/>
+          </a:ln>
+        </p:spPr>
+        <p:style>
+          <a:lnRef idx="2">
+            <a:schemeClr val="accent1">
+              <a:shade val="50000"/>
+            </a:schemeClr>
+          </a:lnRef>
+          <a:fillRef idx="1">
+            <a:schemeClr val="accent1"/>
+          </a:fillRef>
+          <a:effectRef idx="0">
+            <a:schemeClr val="accent1"/>
+          </a:effectRef>
+          <a:fontRef idx="minor">
+            <a:schemeClr val="lt1"/>
+          </a:fontRef>
+        </p:style>
+      </p:sp>
+    </p:spTree>
+    <p:extLst>
+      <p:ext uri="{BB962C8B-B14F-4D97-AF65-F5344CB8AC3E}">
+        <p14:creationId xmlns:p14="http://schemas.microsoft.com/office/powerpoint/2010/main" val="1947262083"/>
+      </p:ext>
+    </p:extLst>
+  </p:cSld>
+  <p:clrMapOvr>
+    <a:masterClrMapping/>
+  </p:clrMapOvr>
+</p:sld>
+</file>
+
+<file path=ppt/slides/slide5.xml><?xml version="1.0" encoding="utf-8"?>
 <p:sld xmlns:a="http://schemas.openxmlformats.org/drawingml/2006/main" xmlns:r="http://schemas.openxmlformats.org/officeDocument/2006/relationships" xmlns:p="http://schemas.openxmlformats.org/presentationml/2006/main">
   <p:cSld>
     <p:spTree>
@@ -4685,7 +5628,7 @@
           <p:cNvPr id="2" name="Titel 1">
             <a:extLst>
               <a:ext uri="{FF2B5EF4-FFF2-40B4-BE49-F238E27FC236}">
-                <a16:creationId xmlns:a16="http://schemas.microsoft.com/office/drawing/2014/main" id="{721F23DF-5CED-3144-8A0D-7673299CEC94}"/>
+                <a16:creationId xmlns:a16="http://schemas.microsoft.com/office/drawing/2014/main" id="{3BF3C525-72EB-0643-B6C5-0E34C05466C2}"/>
               </a:ext>
             </a:extLst>
           </p:cNvPr>
@@ -4703,7 +5646,7 @@
           <a:p>
             <a:r>
               <a:rPr lang="de-DE" dirty="0"/>
-              <a:t>Arbeitsverteilung</a:t>
+              <a:t>Ziele </a:t>
             </a:r>
           </a:p>
         </p:txBody>
@@ -4713,7 +5656,7 @@
           <p:cNvPr id="3" name="Inhaltsplatzhalter 2">
             <a:extLst>
               <a:ext uri="{FF2B5EF4-FFF2-40B4-BE49-F238E27FC236}">
-                <a16:creationId xmlns:a16="http://schemas.microsoft.com/office/drawing/2014/main" id="{6DF8BC9F-B3FD-D94B-AD6E-E7FD19CE5A24}"/>
+                <a16:creationId xmlns:a16="http://schemas.microsoft.com/office/drawing/2014/main" id="{924623BB-5451-6F44-BEEB-C85AE6393483}"/>
               </a:ext>
             </a:extLst>
           </p:cNvPr>
@@ -4729,21 +5672,719 @@
           <a:bodyPr/>
           <a:lstStyle/>
           <a:p>
-            <a:r>
-              <a:rPr lang="de-DE" dirty="0"/>
-              <a:t>Grafik zu Arbeitsstunden und </a:t>
-            </a:r>
-            <a:r>
-              <a:rPr lang="de-DE"/>
-              <a:t>Commits</a:t>
-            </a:r>
+            <a:endParaRPr lang="de-DE"/>
           </a:p>
         </p:txBody>
       </p:sp>
     </p:spTree>
     <p:extLst>
       <p:ext uri="{BB962C8B-B14F-4D97-AF65-F5344CB8AC3E}">
-        <p14:creationId xmlns:p14="http://schemas.microsoft.com/office/powerpoint/2010/main" val="1947262083"/>
+        <p14:creationId xmlns:p14="http://schemas.microsoft.com/office/powerpoint/2010/main" val="3679296423"/>
+      </p:ext>
+    </p:extLst>
+  </p:cSld>
+  <p:clrMapOvr>
+    <a:masterClrMapping/>
+  </p:clrMapOvr>
+</p:sld>
+</file>
+
+<file path=ppt/slides/slide6.xml><?xml version="1.0" encoding="utf-8"?>
+<p:sld xmlns:a="http://schemas.openxmlformats.org/drawingml/2006/main" xmlns:r="http://schemas.openxmlformats.org/officeDocument/2006/relationships" xmlns:p="http://schemas.openxmlformats.org/presentationml/2006/main">
+  <p:cSld>
+    <p:spTree>
+      <p:nvGrpSpPr>
+        <p:cNvPr id="1" name=""/>
+        <p:cNvGrpSpPr/>
+        <p:nvPr/>
+      </p:nvGrpSpPr>
+      <p:grpSpPr>
+        <a:xfrm>
+          <a:off x="0" y="0"/>
+          <a:ext cx="0" cy="0"/>
+          <a:chOff x="0" y="0"/>
+          <a:chExt cx="0" cy="0"/>
+        </a:xfrm>
+      </p:grpSpPr>
+      <p:sp>
+        <p:nvSpPr>
+          <p:cNvPr id="2" name="Titel 1">
+            <a:extLst>
+              <a:ext uri="{FF2B5EF4-FFF2-40B4-BE49-F238E27FC236}">
+                <a16:creationId xmlns:a16="http://schemas.microsoft.com/office/drawing/2014/main" id="{274E5352-C72F-9340-9D67-A11FFB91DA06}"/>
+              </a:ext>
+            </a:extLst>
+          </p:cNvPr>
+          <p:cNvSpPr>
+            <a:spLocks noGrp="1"/>
+          </p:cNvSpPr>
+          <p:nvPr>
+            <p:ph type="title"/>
+          </p:nvPr>
+        </p:nvSpPr>
+        <p:spPr>
+          <a:xfrm>
+            <a:off x="252919" y="1404466"/>
+            <a:ext cx="2947482" cy="2114663"/>
+          </a:xfrm>
+        </p:spPr>
+        <p:txBody>
+          <a:bodyPr/>
+          <a:lstStyle/>
+          <a:p>
+            <a:pPr algn="ctr"/>
+            <a:r>
+              <a:rPr lang="de-DE" dirty="0"/>
+              <a:t>Hindernisse</a:t>
+            </a:r>
+          </a:p>
+        </p:txBody>
+      </p:sp>
+      <p:pic>
+        <p:nvPicPr>
+          <p:cNvPr id="5" name="Inhaltsplatzhalter 4" descr="Hochspannung">
+            <a:extLst>
+              <a:ext uri="{FF2B5EF4-FFF2-40B4-BE49-F238E27FC236}">
+                <a16:creationId xmlns:a16="http://schemas.microsoft.com/office/drawing/2014/main" id="{BC458074-C602-DE4E-B140-60E1B01FF340}"/>
+              </a:ext>
+            </a:extLst>
+          </p:cNvPr>
+          <p:cNvPicPr>
+            <a:picLocks noGrp="1" noChangeAspect="1"/>
+          </p:cNvPicPr>
+          <p:nvPr>
+            <p:ph idx="1"/>
+          </p:nvPr>
+        </p:nvPicPr>
+        <p:blipFill>
+          <a:blip r:embed="rId2">
+            <a:extLst>
+              <a:ext uri="{96DAC541-7B7A-43D3-8B79-37D633B846F1}">
+                <asvg:svgBlip xmlns:asvg="http://schemas.microsoft.com/office/drawing/2016/SVG/main" r:embed="rId3"/>
+              </a:ext>
+            </a:extLst>
+          </a:blip>
+          <a:stretch>
+            <a:fillRect/>
+          </a:stretch>
+        </p:blipFill>
+        <p:spPr>
+          <a:xfrm>
+            <a:off x="1008840" y="3306063"/>
+            <a:ext cx="1435640" cy="1435640"/>
+          </a:xfrm>
+        </p:spPr>
+      </p:pic>
+      <p:sp>
+        <p:nvSpPr>
+          <p:cNvPr id="7" name="Textfeld 6">
+            <a:extLst>
+              <a:ext uri="{FF2B5EF4-FFF2-40B4-BE49-F238E27FC236}">
+                <a16:creationId xmlns:a16="http://schemas.microsoft.com/office/drawing/2014/main" id="{C05A4B9D-EDBD-EA4E-8E33-AE1C344A4C2C}"/>
+              </a:ext>
+            </a:extLst>
+          </p:cNvPr>
+          <p:cNvSpPr txBox="1"/>
+          <p:nvPr/>
+        </p:nvSpPr>
+        <p:spPr>
+          <a:xfrm>
+            <a:off x="4612390" y="1934079"/>
+            <a:ext cx="5753101" cy="3170099"/>
+          </a:xfrm>
+          <a:prstGeom prst="rect">
+            <a:avLst/>
+          </a:prstGeom>
+          <a:noFill/>
+        </p:spPr>
+        <p:txBody>
+          <a:bodyPr wrap="square" rtlCol="0">
+            <a:spAutoFit/>
+          </a:bodyPr>
+          <a:lstStyle/>
+          <a:p>
+            <a:pPr marL="285750" lvl="0" indent="-285750">
+              <a:buFont typeface="Arial" panose="020B0604020202020204" pitchFamily="34" charset="0"/>
+              <a:buChar char="•"/>
+            </a:pPr>
+            <a:r>
+              <a:rPr lang="de-AT" sz="2000" b="1" dirty="0" err="1"/>
+              <a:t>KeyCloak</a:t>
+            </a:r>
+            <a:endParaRPr lang="de-AT" sz="2000" b="1" dirty="0"/>
+          </a:p>
+          <a:p>
+            <a:pPr marL="285750" lvl="0" indent="-285750">
+              <a:buFont typeface="Arial" panose="020B0604020202020204" pitchFamily="34" charset="0"/>
+              <a:buChar char="•"/>
+            </a:pPr>
+            <a:endParaRPr lang="de-AT" sz="2000" b="1" dirty="0"/>
+          </a:p>
+          <a:p>
+            <a:pPr marL="285750" lvl="0" indent="-285750">
+              <a:buFont typeface="Arial" panose="020B0604020202020204" pitchFamily="34" charset="0"/>
+              <a:buChar char="•"/>
+            </a:pPr>
+            <a:endParaRPr lang="de-AT" sz="2000" b="1" dirty="0"/>
+          </a:p>
+          <a:p>
+            <a:pPr marL="285750" lvl="0" indent="-285750">
+              <a:buFont typeface="Arial" panose="020B0604020202020204" pitchFamily="34" charset="0"/>
+              <a:buChar char="•"/>
+            </a:pPr>
+            <a:r>
+              <a:rPr lang="de-AT" sz="2000" b="1" dirty="0"/>
+              <a:t>Export der Animationen </a:t>
+            </a:r>
+          </a:p>
+          <a:p>
+            <a:pPr marL="285750" lvl="0" indent="-285750">
+              <a:buFont typeface="Arial" panose="020B0604020202020204" pitchFamily="34" charset="0"/>
+              <a:buChar char="•"/>
+            </a:pPr>
+            <a:endParaRPr lang="de-AT" sz="2000" b="1" dirty="0"/>
+          </a:p>
+          <a:p>
+            <a:pPr marL="285750" lvl="0" indent="-285750">
+              <a:buFont typeface="Arial" panose="020B0604020202020204" pitchFamily="34" charset="0"/>
+              <a:buChar char="•"/>
+            </a:pPr>
+            <a:endParaRPr lang="de-AT" sz="2000" b="1" dirty="0"/>
+          </a:p>
+          <a:p>
+            <a:pPr marL="285750" lvl="0" indent="-285750">
+              <a:buFont typeface="Arial" panose="020B0604020202020204" pitchFamily="34" charset="0"/>
+              <a:buChar char="•"/>
+            </a:pPr>
+            <a:r>
+              <a:rPr lang="de-AT" sz="2000" b="1" dirty="0"/>
+              <a:t>Drag &amp; Drop im Wohnzimmer</a:t>
+            </a:r>
+          </a:p>
+          <a:p>
+            <a:pPr marL="285750" lvl="0" indent="-285750">
+              <a:buFont typeface="Arial" panose="020B0604020202020204" pitchFamily="34" charset="0"/>
+              <a:buChar char="•"/>
+            </a:pPr>
+            <a:endParaRPr lang="de-AT" sz="2000" b="1" dirty="0"/>
+          </a:p>
+          <a:p>
+            <a:pPr marL="285750" lvl="0" indent="-285750">
+              <a:buFont typeface="Arial" panose="020B0604020202020204" pitchFamily="34" charset="0"/>
+              <a:buChar char="•"/>
+            </a:pPr>
+            <a:endParaRPr lang="de-AT" sz="2000" b="1" dirty="0"/>
+          </a:p>
+          <a:p>
+            <a:pPr marL="285750" lvl="0" indent="-285750">
+              <a:buFont typeface="Arial" panose="020B0604020202020204" pitchFamily="34" charset="0"/>
+              <a:buChar char="•"/>
+            </a:pPr>
+            <a:r>
+              <a:rPr lang="en-GB" sz="2000" b="1" dirty="0"/>
+              <a:t>Customized</a:t>
+            </a:r>
+            <a:r>
+              <a:rPr lang="de-AT" sz="2000" b="1" dirty="0"/>
+              <a:t> Design in </a:t>
+            </a:r>
+            <a:r>
+              <a:rPr lang="de-AT" sz="2000" b="1" dirty="0" err="1"/>
+              <a:t>Flutter</a:t>
+            </a:r>
+            <a:endParaRPr lang="de-AT" sz="2000" b="1" dirty="0"/>
+          </a:p>
+        </p:txBody>
+      </p:sp>
+    </p:spTree>
+    <p:extLst>
+      <p:ext uri="{BB962C8B-B14F-4D97-AF65-F5344CB8AC3E}">
+        <p14:creationId xmlns:p14="http://schemas.microsoft.com/office/powerpoint/2010/main" val="4255139152"/>
+      </p:ext>
+    </p:extLst>
+  </p:cSld>
+  <p:clrMapOvr>
+    <a:masterClrMapping/>
+  </p:clrMapOvr>
+</p:sld>
+</file>
+
+<file path=ppt/slides/slide7.xml><?xml version="1.0" encoding="utf-8"?>
+<p:sld xmlns:a="http://schemas.openxmlformats.org/drawingml/2006/main" xmlns:r="http://schemas.openxmlformats.org/officeDocument/2006/relationships" xmlns:p="http://schemas.openxmlformats.org/presentationml/2006/main">
+  <p:cSld>
+    <p:bg>
+      <p:bgPr>
+        <a:solidFill>
+          <a:schemeClr val="bg1"/>
+        </a:solidFill>
+        <a:effectLst/>
+      </p:bgPr>
+    </p:bg>
+    <p:spTree>
+      <p:nvGrpSpPr>
+        <p:cNvPr id="1" name=""/>
+        <p:cNvGrpSpPr/>
+        <p:nvPr/>
+      </p:nvGrpSpPr>
+      <p:grpSpPr>
+        <a:xfrm>
+          <a:off x="0" y="0"/>
+          <a:ext cx="0" cy="0"/>
+          <a:chOff x="0" y="0"/>
+          <a:chExt cx="0" cy="0"/>
+        </a:xfrm>
+      </p:grpSpPr>
+      <p:sp>
+        <p:nvSpPr>
+          <p:cNvPr id="13" name="Rectangle 12">
+            <a:extLst>
+              <a:ext uri="{FF2B5EF4-FFF2-40B4-BE49-F238E27FC236}">
+                <a16:creationId xmlns:a16="http://schemas.microsoft.com/office/drawing/2014/main" id="{17115F77-2FAE-4CA7-9A7F-10D5F2C8F831}"/>
+              </a:ext>
+              <a:ext uri="{C183D7F6-B498-43B3-948B-1728B52AA6E4}">
+                <adec:decorative xmlns:adec="http://schemas.microsoft.com/office/drawing/2017/decorative" val="1"/>
+              </a:ext>
+            </a:extLst>
+          </p:cNvPr>
+          <p:cNvSpPr>
+            <a:spLocks noGrp="1" noRot="1" noChangeAspect="1" noMove="1" noResize="1" noEditPoints="1" noAdjustHandles="1" noChangeArrowheads="1" noChangeShapeType="1" noTextEdit="1"/>
+          </p:cNvSpPr>
+          <p:nvPr>
+            <p:extLst>
+              <p:ext uri="{386F3935-93C4-4BCD-93E2-E3B085C9AB24}">
+                <p16:designElem xmlns:p16="http://schemas.microsoft.com/office/powerpoint/2015/main" val="1"/>
+              </p:ext>
+            </p:extLst>
+          </p:nvPr>
+        </p:nvSpPr>
+        <p:spPr>
+          <a:xfrm>
+            <a:off x="0" y="761999"/>
+            <a:ext cx="9141619" cy="5334001"/>
+          </a:xfrm>
+          <a:prstGeom prst="rect">
+            <a:avLst/>
+          </a:prstGeom>
+          <a:solidFill>
+            <a:schemeClr val="accent1"/>
+          </a:solidFill>
+          <a:ln>
+            <a:noFill/>
+          </a:ln>
+        </p:spPr>
+        <p:style>
+          <a:lnRef idx="2">
+            <a:schemeClr val="accent1">
+              <a:shade val="50000"/>
+            </a:schemeClr>
+          </a:lnRef>
+          <a:fillRef idx="1">
+            <a:schemeClr val="accent1"/>
+          </a:fillRef>
+          <a:effectRef idx="0">
+            <a:schemeClr val="accent1"/>
+          </a:effectRef>
+          <a:fontRef idx="minor">
+            <a:schemeClr val="lt1"/>
+          </a:fontRef>
+        </p:style>
+      </p:sp>
+      <p:sp>
+        <p:nvSpPr>
+          <p:cNvPr id="15" name="Rectangle 14">
+            <a:extLst>
+              <a:ext uri="{FF2B5EF4-FFF2-40B4-BE49-F238E27FC236}">
+                <a16:creationId xmlns:a16="http://schemas.microsoft.com/office/drawing/2014/main" id="{5CD4C046-A04C-46CC-AFA3-6B0621F628C8}"/>
+              </a:ext>
+              <a:ext uri="{C183D7F6-B498-43B3-948B-1728B52AA6E4}">
+                <adec:decorative xmlns:adec="http://schemas.microsoft.com/office/drawing/2017/decorative" val="1"/>
+              </a:ext>
+            </a:extLst>
+          </p:cNvPr>
+          <p:cNvSpPr>
+            <a:spLocks noGrp="1" noRot="1" noChangeAspect="1" noMove="1" noResize="1" noEditPoints="1" noAdjustHandles="1" noChangeArrowheads="1" noChangeShapeType="1" noTextEdit="1"/>
+          </p:cNvSpPr>
+          <p:nvPr>
+            <p:extLst>
+              <p:ext uri="{386F3935-93C4-4BCD-93E2-E3B085C9AB24}">
+                <p16:designElem xmlns:p16="http://schemas.microsoft.com/office/powerpoint/2015/main" val="1"/>
+              </p:ext>
+            </p:extLst>
+          </p:nvPr>
+        </p:nvSpPr>
+        <p:spPr>
+          <a:xfrm>
+            <a:off x="9270263" y="761999"/>
+            <a:ext cx="2925318" cy="5334001"/>
+          </a:xfrm>
+          <a:prstGeom prst="rect">
+            <a:avLst/>
+          </a:prstGeom>
+          <a:solidFill>
+            <a:srgbClr val="C8C8C8">
+              <a:alpha val="49804"/>
+            </a:srgbClr>
+          </a:solidFill>
+          <a:ln>
+            <a:noFill/>
+          </a:ln>
+        </p:spPr>
+        <p:style>
+          <a:lnRef idx="2">
+            <a:schemeClr val="accent1">
+              <a:shade val="50000"/>
+            </a:schemeClr>
+          </a:lnRef>
+          <a:fillRef idx="1">
+            <a:schemeClr val="accent1"/>
+          </a:fillRef>
+          <a:effectRef idx="0">
+            <a:schemeClr val="accent1"/>
+          </a:effectRef>
+          <a:fontRef idx="minor">
+            <a:schemeClr val="lt1"/>
+          </a:fontRef>
+        </p:style>
+      </p:sp>
+      <p:sp useBgFill="1">
+        <p:nvSpPr>
+          <p:cNvPr id="17" name="Rectangle 16">
+            <a:extLst>
+              <a:ext uri="{FF2B5EF4-FFF2-40B4-BE49-F238E27FC236}">
+                <a16:creationId xmlns:a16="http://schemas.microsoft.com/office/drawing/2014/main" id="{8A4DBD17-19AD-4376-A55A-C527EF944522}"/>
+              </a:ext>
+              <a:ext uri="{C183D7F6-B498-43B3-948B-1728B52AA6E4}">
+                <adec:decorative xmlns:adec="http://schemas.microsoft.com/office/drawing/2017/decorative" val="1"/>
+              </a:ext>
+            </a:extLst>
+          </p:cNvPr>
+          <p:cNvSpPr>
+            <a:spLocks noGrp="1" noRot="1" noChangeAspect="1" noMove="1" noResize="1" noEditPoints="1" noAdjustHandles="1" noChangeArrowheads="1" noChangeShapeType="1" noTextEdit="1"/>
+          </p:cNvSpPr>
+          <p:nvPr>
+            <p:extLst>
+              <p:ext uri="{386F3935-93C4-4BCD-93E2-E3B085C9AB24}">
+                <p16:designElem xmlns:p16="http://schemas.microsoft.com/office/powerpoint/2015/main" val="1"/>
+              </p:ext>
+            </p:extLst>
+          </p:nvPr>
+        </p:nvSpPr>
+        <p:spPr>
+          <a:xfrm>
+            <a:off x="0" y="0"/>
+            <a:ext cx="12191999" cy="6858000"/>
+          </a:xfrm>
+          <a:prstGeom prst="rect">
+            <a:avLst/>
+          </a:prstGeom>
+          <a:ln>
+            <a:noFill/>
+          </a:ln>
+        </p:spPr>
+        <p:style>
+          <a:lnRef idx="2">
+            <a:schemeClr val="accent1">
+              <a:shade val="50000"/>
+            </a:schemeClr>
+          </a:lnRef>
+          <a:fillRef idx="1">
+            <a:schemeClr val="accent1"/>
+          </a:fillRef>
+          <a:effectRef idx="0">
+            <a:schemeClr val="accent1"/>
+          </a:effectRef>
+          <a:fontRef idx="minor">
+            <a:schemeClr val="lt1"/>
+          </a:fontRef>
+        </p:style>
+        <p:txBody>
+          <a:bodyPr rtlCol="0" anchor="ctr"/>
+          <a:lstStyle/>
+          <a:p>
+            <a:pPr algn="ctr"/>
+            <a:endParaRPr lang="en-US"/>
+          </a:p>
+        </p:txBody>
+      </p:sp>
+      <p:sp>
+        <p:nvSpPr>
+          <p:cNvPr id="19" name="Rectangle 18">
+            <a:extLst>
+              <a:ext uri="{FF2B5EF4-FFF2-40B4-BE49-F238E27FC236}">
+                <a16:creationId xmlns:a16="http://schemas.microsoft.com/office/drawing/2014/main" id="{7DB7C943-6BFC-4A35-8DFA-0B204CD18B00}"/>
+              </a:ext>
+              <a:ext uri="{C183D7F6-B498-43B3-948B-1728B52AA6E4}">
+                <adec:decorative xmlns:adec="http://schemas.microsoft.com/office/drawing/2017/decorative" val="1"/>
+              </a:ext>
+            </a:extLst>
+          </p:cNvPr>
+          <p:cNvSpPr>
+            <a:spLocks noGrp="1" noRot="1" noChangeAspect="1" noMove="1" noResize="1" noEditPoints="1" noAdjustHandles="1" noChangeArrowheads="1" noChangeShapeType="1" noTextEdit="1"/>
+          </p:cNvSpPr>
+          <p:nvPr>
+            <p:extLst>
+              <p:ext uri="{386F3935-93C4-4BCD-93E2-E3B085C9AB24}">
+                <p16:designElem xmlns:p16="http://schemas.microsoft.com/office/powerpoint/2015/main" val="1"/>
+              </p:ext>
+            </p:extLst>
+          </p:nvPr>
+        </p:nvSpPr>
+        <p:spPr>
+          <a:xfrm>
+            <a:off x="0" y="761999"/>
+            <a:ext cx="7552943" cy="5334001"/>
+          </a:xfrm>
+          <a:prstGeom prst="rect">
+            <a:avLst/>
+          </a:prstGeom>
+          <a:solidFill>
+            <a:schemeClr val="accent1"/>
+          </a:solidFill>
+          <a:ln>
+            <a:noFill/>
+          </a:ln>
+        </p:spPr>
+        <p:style>
+          <a:lnRef idx="2">
+            <a:schemeClr val="accent1">
+              <a:shade val="50000"/>
+            </a:schemeClr>
+          </a:lnRef>
+          <a:fillRef idx="1">
+            <a:schemeClr val="accent1"/>
+          </a:fillRef>
+          <a:effectRef idx="0">
+            <a:schemeClr val="accent1"/>
+          </a:effectRef>
+          <a:fontRef idx="minor">
+            <a:schemeClr val="lt1"/>
+          </a:fontRef>
+        </p:style>
+      </p:sp>
+      <p:sp>
+        <p:nvSpPr>
+          <p:cNvPr id="2" name="Titel 1">
+            <a:extLst>
+              <a:ext uri="{FF2B5EF4-FFF2-40B4-BE49-F238E27FC236}">
+                <a16:creationId xmlns:a16="http://schemas.microsoft.com/office/drawing/2014/main" id="{5D10A982-B568-7442-B1D0-B4E7F9D8B57F}"/>
+              </a:ext>
+            </a:extLst>
+          </p:cNvPr>
+          <p:cNvSpPr>
+            <a:spLocks noGrp="1"/>
+          </p:cNvSpPr>
+          <p:nvPr>
+            <p:ph type="title"/>
+          </p:nvPr>
+        </p:nvSpPr>
+        <p:spPr>
+          <a:xfrm>
+            <a:off x="833852" y="3009900"/>
+            <a:ext cx="6068070" cy="1124712"/>
+          </a:xfrm>
+        </p:spPr>
+        <p:txBody>
+          <a:bodyPr vert="horz" lIns="91440" tIns="45720" rIns="91440" bIns="45720" rtlCol="0" anchor="b">
+            <a:normAutofit/>
+          </a:bodyPr>
+          <a:lstStyle/>
+          <a:p>
+            <a:r>
+              <a:rPr lang="en-US" sz="5900" spc="-100" dirty="0"/>
+              <a:t>Wie </a:t>
+            </a:r>
+            <a:r>
+              <a:rPr lang="en-US" sz="5900" spc="-100" dirty="0" err="1"/>
+              <a:t>geht’s</a:t>
+            </a:r>
+            <a:r>
+              <a:rPr lang="en-US" sz="5900" spc="-100" dirty="0"/>
+              <a:t> </a:t>
+            </a:r>
+            <a:r>
+              <a:rPr lang="en-US" sz="5900" spc="-100" dirty="0" err="1"/>
+              <a:t>weiter</a:t>
+            </a:r>
+            <a:r>
+              <a:rPr lang="en-US" sz="5900" spc="-100" dirty="0"/>
+              <a:t>? </a:t>
+            </a:r>
+          </a:p>
+        </p:txBody>
+      </p:sp>
+      <p:pic>
+        <p:nvPicPr>
+          <p:cNvPr id="8" name="Grafik 7">
+            <a:extLst>
+              <a:ext uri="{FF2B5EF4-FFF2-40B4-BE49-F238E27FC236}">
+                <a16:creationId xmlns:a16="http://schemas.microsoft.com/office/drawing/2014/main" id="{906E6032-5EFE-2940-ADE1-C92021226DA3}"/>
+              </a:ext>
+            </a:extLst>
+          </p:cNvPr>
+          <p:cNvPicPr>
+            <a:picLocks noChangeAspect="1"/>
+          </p:cNvPicPr>
+          <p:nvPr/>
+        </p:nvPicPr>
+        <p:blipFill rotWithShape="1">
+          <a:blip r:embed="rId2"/>
+          <a:srcRect l="19900" r="12699" b="3"/>
+          <a:stretch/>
+        </p:blipFill>
+        <p:spPr>
+          <a:xfrm>
+            <a:off x="8037574" y="759599"/>
+            <a:ext cx="3458249" cy="5330650"/>
+          </a:xfrm>
+          <a:prstGeom prst="rect">
+            <a:avLst/>
+          </a:prstGeom>
+        </p:spPr>
+      </p:pic>
+      <p:sp>
+        <p:nvSpPr>
+          <p:cNvPr id="21" name="Rectangle 20">
+            <a:extLst>
+              <a:ext uri="{FF2B5EF4-FFF2-40B4-BE49-F238E27FC236}">
+                <a16:creationId xmlns:a16="http://schemas.microsoft.com/office/drawing/2014/main" id="{79DF27D9-327F-4301-A56A-9A8EC61E6B4E}"/>
+              </a:ext>
+              <a:ext uri="{C183D7F6-B498-43B3-948B-1728B52AA6E4}">
+                <adec:decorative xmlns:adec="http://schemas.microsoft.com/office/drawing/2017/decorative" val="1"/>
+              </a:ext>
+            </a:extLst>
+          </p:cNvPr>
+          <p:cNvSpPr>
+            <a:spLocks noGrp="1" noRot="1" noChangeAspect="1" noMove="1" noResize="1" noEditPoints="1" noAdjustHandles="1" noChangeArrowheads="1" noChangeShapeType="1" noTextEdit="1"/>
+          </p:cNvSpPr>
+          <p:nvPr>
+            <p:extLst>
+              <p:ext uri="{386F3935-93C4-4BCD-93E2-E3B085C9AB24}">
+                <p16:designElem xmlns:p16="http://schemas.microsoft.com/office/powerpoint/2015/main" val="1"/>
+              </p:ext>
+            </p:extLst>
+          </p:nvPr>
+        </p:nvSpPr>
+        <p:spPr>
+          <a:xfrm>
+            <a:off x="11815864" y="758952"/>
+            <a:ext cx="384048" cy="5330952"/>
+          </a:xfrm>
+          <a:prstGeom prst="rect">
+            <a:avLst/>
+          </a:prstGeom>
+          <a:solidFill>
+            <a:srgbClr val="C8C8C8">
+              <a:alpha val="49804"/>
+            </a:srgbClr>
+          </a:solidFill>
+          <a:ln>
+            <a:noFill/>
+          </a:ln>
+        </p:spPr>
+        <p:style>
+          <a:lnRef idx="2">
+            <a:schemeClr val="accent1">
+              <a:shade val="50000"/>
+            </a:schemeClr>
+          </a:lnRef>
+          <a:fillRef idx="1">
+            <a:schemeClr val="accent1"/>
+          </a:fillRef>
+          <a:effectRef idx="0">
+            <a:schemeClr val="accent1"/>
+          </a:effectRef>
+          <a:fontRef idx="minor">
+            <a:schemeClr val="lt1"/>
+          </a:fontRef>
+        </p:style>
+      </p:sp>
+    </p:spTree>
+    <p:extLst>
+      <p:ext uri="{BB962C8B-B14F-4D97-AF65-F5344CB8AC3E}">
+        <p14:creationId xmlns:p14="http://schemas.microsoft.com/office/powerpoint/2010/main" val="90184059"/>
+      </p:ext>
+    </p:extLst>
+  </p:cSld>
+  <p:clrMapOvr>
+    <a:masterClrMapping/>
+  </p:clrMapOvr>
+</p:sld>
+</file>
+
+<file path=ppt/slides/slide8.xml><?xml version="1.0" encoding="utf-8"?>
+<p:sld xmlns:a="http://schemas.openxmlformats.org/drawingml/2006/main" xmlns:r="http://schemas.openxmlformats.org/officeDocument/2006/relationships" xmlns:p="http://schemas.openxmlformats.org/presentationml/2006/main">
+  <p:cSld>
+    <p:spTree>
+      <p:nvGrpSpPr>
+        <p:cNvPr id="1" name=""/>
+        <p:cNvGrpSpPr/>
+        <p:nvPr/>
+      </p:nvGrpSpPr>
+      <p:grpSpPr>
+        <a:xfrm>
+          <a:off x="0" y="0"/>
+          <a:ext cx="0" cy="0"/>
+          <a:chOff x="0" y="0"/>
+          <a:chExt cx="0" cy="0"/>
+        </a:xfrm>
+      </p:grpSpPr>
+      <p:sp>
+        <p:nvSpPr>
+          <p:cNvPr id="2" name="Titel 1">
+            <a:extLst>
+              <a:ext uri="{FF2B5EF4-FFF2-40B4-BE49-F238E27FC236}">
+                <a16:creationId xmlns:a16="http://schemas.microsoft.com/office/drawing/2014/main" id="{C51CC7BF-07C4-5F44-B0A3-93533E393119}"/>
+              </a:ext>
+            </a:extLst>
+          </p:cNvPr>
+          <p:cNvSpPr>
+            <a:spLocks noGrp="1"/>
+          </p:cNvSpPr>
+          <p:nvPr>
+            <p:ph type="ctrTitle"/>
+          </p:nvPr>
+        </p:nvSpPr>
+        <p:spPr/>
+        <p:txBody>
+          <a:bodyPr/>
+          <a:lstStyle/>
+          <a:p>
+            <a:r>
+              <a:rPr lang="de-DE" dirty="0"/>
+              <a:t>Danke für die Aufmerksamkeit</a:t>
+            </a:r>
+          </a:p>
+        </p:txBody>
+      </p:sp>
+      <p:sp>
+        <p:nvSpPr>
+          <p:cNvPr id="3" name="Untertitel 2">
+            <a:extLst>
+              <a:ext uri="{FF2B5EF4-FFF2-40B4-BE49-F238E27FC236}">
+                <a16:creationId xmlns:a16="http://schemas.microsoft.com/office/drawing/2014/main" id="{41F4940B-D5E8-9F49-8140-D94FE1503F32}"/>
+              </a:ext>
+            </a:extLst>
+          </p:cNvPr>
+          <p:cNvSpPr>
+            <a:spLocks noGrp="1"/>
+          </p:cNvSpPr>
+          <p:nvPr>
+            <p:ph type="subTitle" idx="1"/>
+          </p:nvPr>
+        </p:nvSpPr>
+        <p:spPr/>
+        <p:txBody>
+          <a:bodyPr/>
+          <a:lstStyle/>
+          <a:p>
+            <a:endParaRPr lang="de-DE"/>
+          </a:p>
+        </p:txBody>
+      </p:sp>
+    </p:spTree>
+    <p:extLst>
+      <p:ext uri="{BB962C8B-B14F-4D97-AF65-F5344CB8AC3E}">
+        <p14:creationId xmlns:p14="http://schemas.microsoft.com/office/powerpoint/2010/main" val="2635067140"/>
       </p:ext>
     </p:extLst>
   </p:cSld>

--- a/powerpoint/VitaChi_Präs.pptx
+++ b/powerpoint/VitaChi_Präs.pptx
@@ -3482,12 +3482,58 @@
           </a:p>
         </p:txBody>
       </p:sp>
+      <p:sp>
+        <p:nvSpPr>
+          <p:cNvPr id="27" name="Rechteck 26">
+            <a:extLst>
+              <a:ext uri="{FF2B5EF4-FFF2-40B4-BE49-F238E27FC236}">
+                <a16:creationId xmlns:a16="http://schemas.microsoft.com/office/drawing/2014/main" id="{A08E5A42-A0D3-0A4D-8936-9090500D89D4}"/>
+              </a:ext>
+            </a:extLst>
+          </p:cNvPr>
+          <p:cNvSpPr/>
+          <p:nvPr/>
+        </p:nvSpPr>
+        <p:spPr>
+          <a:xfrm>
+            <a:off x="0" y="0"/>
+            <a:ext cx="12192000" cy="6858000"/>
+          </a:xfrm>
+          <a:prstGeom prst="rect">
+            <a:avLst/>
+          </a:prstGeom>
+        </p:spPr>
+        <p:style>
+          <a:lnRef idx="2">
+            <a:schemeClr val="accent1">
+              <a:shade val="50000"/>
+            </a:schemeClr>
+          </a:lnRef>
+          <a:fillRef idx="1">
+            <a:schemeClr val="accent1"/>
+          </a:fillRef>
+          <a:effectRef idx="0">
+            <a:schemeClr val="accent1"/>
+          </a:effectRef>
+          <a:fontRef idx="minor">
+            <a:schemeClr val="lt1"/>
+          </a:fontRef>
+        </p:style>
+        <p:txBody>
+          <a:bodyPr rtlCol="0" anchor="ctr"/>
+          <a:lstStyle/>
+          <a:p>
+            <a:pPr algn="ctr"/>
+            <a:endParaRPr lang="de-DE" dirty="0"/>
+          </a:p>
+        </p:txBody>
+      </p:sp>
       <p:pic>
         <p:nvPicPr>
-          <p:cNvPr id="20" name="Grafik 19">
+          <p:cNvPr id="29" name="Grafik 28">
             <a:extLst>
               <a:ext uri="{FF2B5EF4-FFF2-40B4-BE49-F238E27FC236}">
-                <a16:creationId xmlns:a16="http://schemas.microsoft.com/office/drawing/2014/main" id="{FEAD1D1A-6431-584E-B252-0128270E8364}"/>
+                <a16:creationId xmlns:a16="http://schemas.microsoft.com/office/drawing/2014/main" id="{C455E8D6-2AA8-8647-A8C8-4E34596955AA}"/>
               </a:ext>
             </a:extLst>
           </p:cNvPr>
@@ -3504,44 +3550,53 @@
         </p:blipFill>
         <p:spPr>
           <a:xfrm>
-            <a:off x="3150263" y="2130759"/>
-            <a:ext cx="5891474" cy="2596482"/>
+            <a:off x="2749550" y="2037283"/>
+            <a:ext cx="6692900" cy="2949685"/>
           </a:xfrm>
           <a:prstGeom prst="rect">
             <a:avLst/>
           </a:prstGeom>
         </p:spPr>
       </p:pic>
-      <p:pic>
-        <p:nvPicPr>
-          <p:cNvPr id="26" name="Grafik 25">
+      <p:sp>
+        <p:nvSpPr>
+          <p:cNvPr id="30" name="Textfeld 29">
             <a:extLst>
               <a:ext uri="{FF2B5EF4-FFF2-40B4-BE49-F238E27FC236}">
-                <a16:creationId xmlns:a16="http://schemas.microsoft.com/office/drawing/2014/main" id="{8BFA5A9E-07B8-7541-B2EA-288346754648}"/>
+                <a16:creationId xmlns:a16="http://schemas.microsoft.com/office/drawing/2014/main" id="{7250BDFB-5BFC-2F45-8EF4-CC5E5C255820}"/>
               </a:ext>
             </a:extLst>
           </p:cNvPr>
-          <p:cNvPicPr>
-            <a:picLocks noChangeAspect="1"/>
-          </p:cNvPicPr>
+          <p:cNvSpPr txBox="1"/>
           <p:nvPr/>
-        </p:nvPicPr>
-        <p:blipFill>
-          <a:blip r:embed="rId3"/>
-          <a:stretch>
-            <a:fillRect/>
-          </a:stretch>
-        </p:blipFill>
-        <p:spPr>
-          <a:xfrm>
-            <a:off x="0" y="0"/>
-            <a:ext cx="12208934" cy="6858000"/>
+        </p:nvSpPr>
+        <p:spPr>
+          <a:xfrm flipH="1">
+            <a:off x="5122483" y="5372417"/>
+            <a:ext cx="1947033" cy="553998"/>
           </a:xfrm>
           <a:prstGeom prst="rect">
             <a:avLst/>
           </a:prstGeom>
-        </p:spPr>
-      </p:pic>
+          <a:noFill/>
+        </p:spPr>
+        <p:txBody>
+          <a:bodyPr wrap="square" rtlCol="0">
+            <a:spAutoFit/>
+          </a:bodyPr>
+          <a:lstStyle/>
+          <a:p>
+            <a:r>
+              <a:rPr lang="de-DE" sz="3000" dirty="0">
+                <a:solidFill>
+                  <a:schemeClr val="bg1"/>
+                </a:solidFill>
+              </a:rPr>
+              <a:t>2020 / 2021</a:t>
+            </a:r>
+          </a:p>
+        </p:txBody>
+      </p:sp>
     </p:spTree>
     <p:extLst>
       <p:ext uri="{BB962C8B-B14F-4D97-AF65-F5344CB8AC3E}">

--- a/powerpoint/VitaChi_Präs.pptx
+++ b/powerpoint/VitaChi_Präs.pptx
@@ -7,12 +7,13 @@
   <p:sldIdLst>
     <p:sldId id="256" r:id="rId2"/>
     <p:sldId id="261" r:id="rId3"/>
-    <p:sldId id="257" r:id="rId4"/>
-    <p:sldId id="258" r:id="rId5"/>
-    <p:sldId id="263" r:id="rId6"/>
-    <p:sldId id="260" r:id="rId7"/>
-    <p:sldId id="262" r:id="rId8"/>
-    <p:sldId id="259" r:id="rId9"/>
+    <p:sldId id="264" r:id="rId4"/>
+    <p:sldId id="257" r:id="rId5"/>
+    <p:sldId id="258" r:id="rId6"/>
+    <p:sldId id="263" r:id="rId7"/>
+    <p:sldId id="260" r:id="rId8"/>
+    <p:sldId id="262" r:id="rId9"/>
+    <p:sldId id="259" r:id="rId10"/>
   </p:sldIdLst>
   <p:sldSz cx="12192000" cy="6858000"/>
   <p:notesSz cx="6858000" cy="9144000"/>
@@ -4015,14 +4016,6 @@
 <file path=ppt/slides/slide3.xml><?xml version="1.0" encoding="utf-8"?>
 <p:sld xmlns:a="http://schemas.openxmlformats.org/drawingml/2006/main" xmlns:r="http://schemas.openxmlformats.org/officeDocument/2006/relationships" xmlns:p="http://schemas.openxmlformats.org/presentationml/2006/main">
   <p:cSld>
-    <p:bg>
-      <p:bgPr>
-        <a:solidFill>
-          <a:schemeClr val="bg1"/>
-        </a:solidFill>
-        <a:effectLst/>
-      </p:bgPr>
-    </p:bg>
     <p:spTree>
       <p:nvGrpSpPr>
         <p:cNvPr id="1" name=""/>
@@ -4039,1173 +4032,53 @@
       </p:grpSpPr>
       <p:sp>
         <p:nvSpPr>
-          <p:cNvPr id="15" name="Rectangle 14">
+          <p:cNvPr id="2" name="Titel 1">
             <a:extLst>
               <a:ext uri="{FF2B5EF4-FFF2-40B4-BE49-F238E27FC236}">
-                <a16:creationId xmlns:a16="http://schemas.microsoft.com/office/drawing/2014/main" id="{C162DF2A-64D1-4AA9-BA42-8A4063EADE09}"/>
-              </a:ext>
-              <a:ext uri="{C183D7F6-B498-43B3-948B-1728B52AA6E4}">
-                <adec:decorative xmlns:adec="http://schemas.microsoft.com/office/drawing/2017/decorative" val="1"/>
+                <a16:creationId xmlns:a16="http://schemas.microsoft.com/office/drawing/2014/main" id="{97A7764F-D219-AC49-829F-F5D254C79E5F}"/>
               </a:ext>
             </a:extLst>
           </p:cNvPr>
           <p:cNvSpPr>
-            <a:spLocks noGrp="1" noRot="1" noChangeAspect="1" noMove="1" noResize="1" noEditPoints="1" noAdjustHandles="1" noChangeArrowheads="1" noChangeShapeType="1" noTextEdit="1"/>
-          </p:cNvSpPr>
-          <p:nvPr>
-            <p:extLst>
-              <p:ext uri="{386F3935-93C4-4BCD-93E2-E3B085C9AB24}">
-                <p16:designElem xmlns:p16="http://schemas.microsoft.com/office/powerpoint/2015/main" val="1"/>
-              </p:ext>
-            </p:extLst>
-          </p:nvPr>
-        </p:nvSpPr>
-        <p:spPr>
-          <a:xfrm>
-            <a:off x="0" y="761999"/>
-            <a:ext cx="9141619" cy="5334001"/>
-          </a:xfrm>
-          <a:prstGeom prst="rect">
-            <a:avLst/>
-          </a:prstGeom>
-          <a:solidFill>
-            <a:schemeClr val="accent1"/>
-          </a:solidFill>
-          <a:ln>
-            <a:noFill/>
-          </a:ln>
-        </p:spPr>
-        <p:style>
-          <a:lnRef idx="2">
-            <a:schemeClr val="accent1">
-              <a:shade val="50000"/>
-            </a:schemeClr>
-          </a:lnRef>
-          <a:fillRef idx="1">
-            <a:schemeClr val="accent1"/>
-          </a:fillRef>
-          <a:effectRef idx="0">
-            <a:schemeClr val="accent1"/>
-          </a:effectRef>
-          <a:fontRef idx="minor">
-            <a:schemeClr val="lt1"/>
-          </a:fontRef>
-        </p:style>
-      </p:sp>
-      <p:sp>
-        <p:nvSpPr>
-          <p:cNvPr id="17" name="Rectangle 16">
+            <a:spLocks noGrp="1"/>
+          </p:cNvSpPr>
+          <p:nvPr>
+            <p:ph type="title"/>
+          </p:nvPr>
+        </p:nvSpPr>
+        <p:spPr/>
+        <p:txBody>
+          <a:bodyPr/>
+          <a:lstStyle/>
+          <a:p>
+            <a:r>
+              <a:rPr lang="de-DE"/>
+              <a:t>Emotionen</a:t>
+            </a:r>
+          </a:p>
+        </p:txBody>
+      </p:sp>
+      <p:sp>
+        <p:nvSpPr>
+          <p:cNvPr id="3" name="Inhaltsplatzhalter 2">
             <a:extLst>
               <a:ext uri="{FF2B5EF4-FFF2-40B4-BE49-F238E27FC236}">
-                <a16:creationId xmlns:a16="http://schemas.microsoft.com/office/drawing/2014/main" id="{5D7C1373-63AF-4A75-909E-990E05356670}"/>
-              </a:ext>
-              <a:ext uri="{C183D7F6-B498-43B3-948B-1728B52AA6E4}">
-                <adec:decorative xmlns:adec="http://schemas.microsoft.com/office/drawing/2017/decorative" val="1"/>
+                <a16:creationId xmlns:a16="http://schemas.microsoft.com/office/drawing/2014/main" id="{8AE5D77F-155F-DB41-8B85-B9AB6778DA2A}"/>
               </a:ext>
             </a:extLst>
           </p:cNvPr>
           <p:cNvSpPr>
-            <a:spLocks noGrp="1" noRot="1" noChangeAspect="1" noMove="1" noResize="1" noEditPoints="1" noAdjustHandles="1" noChangeArrowheads="1" noChangeShapeType="1" noTextEdit="1"/>
-          </p:cNvSpPr>
-          <p:nvPr>
-            <p:extLst>
-              <p:ext uri="{386F3935-93C4-4BCD-93E2-E3B085C9AB24}">
-                <p16:designElem xmlns:p16="http://schemas.microsoft.com/office/powerpoint/2015/main" val="1"/>
-              </p:ext>
-            </p:extLst>
-          </p:nvPr>
-        </p:nvSpPr>
-        <p:spPr>
-          <a:xfrm>
-            <a:off x="9270263" y="761999"/>
-            <a:ext cx="2925318" cy="5334001"/>
-          </a:xfrm>
-          <a:prstGeom prst="rect">
-            <a:avLst/>
-          </a:prstGeom>
-          <a:solidFill>
-            <a:srgbClr val="C8C8C8">
-              <a:alpha val="49804"/>
-            </a:srgbClr>
-          </a:solidFill>
-          <a:ln>
-            <a:noFill/>
-          </a:ln>
-        </p:spPr>
-        <p:style>
-          <a:lnRef idx="2">
-            <a:schemeClr val="accent1">
-              <a:shade val="50000"/>
-            </a:schemeClr>
-          </a:lnRef>
-          <a:fillRef idx="1">
-            <a:schemeClr val="accent1"/>
-          </a:fillRef>
-          <a:effectRef idx="0">
-            <a:schemeClr val="accent1"/>
-          </a:effectRef>
-          <a:fontRef idx="minor">
-            <a:schemeClr val="lt1"/>
-          </a:fontRef>
-        </p:style>
-      </p:sp>
-      <p:sp useBgFill="1">
-        <p:nvSpPr>
-          <p:cNvPr id="19" name="Rectangle 18">
-            <a:extLst>
-              <a:ext uri="{FF2B5EF4-FFF2-40B4-BE49-F238E27FC236}">
-                <a16:creationId xmlns:a16="http://schemas.microsoft.com/office/drawing/2014/main" id="{5BDAAE7A-177F-4691-8F07-36CBBA6113AB}"/>
-              </a:ext>
-              <a:ext uri="{C183D7F6-B498-43B3-948B-1728B52AA6E4}">
-                <adec:decorative xmlns:adec="http://schemas.microsoft.com/office/drawing/2017/decorative" val="1"/>
-              </a:ext>
-            </a:extLst>
-          </p:cNvPr>
-          <p:cNvSpPr>
-            <a:spLocks noGrp="1" noRot="1" noChangeAspect="1" noMove="1" noResize="1" noEditPoints="1" noAdjustHandles="1" noChangeArrowheads="1" noChangeShapeType="1" noTextEdit="1"/>
-          </p:cNvSpPr>
-          <p:nvPr>
-            <p:extLst>
-              <p:ext uri="{386F3935-93C4-4BCD-93E2-E3B085C9AB24}">
-                <p16:designElem xmlns:p16="http://schemas.microsoft.com/office/powerpoint/2015/main" val="1"/>
-              </p:ext>
-            </p:extLst>
-          </p:nvPr>
-        </p:nvSpPr>
-        <p:spPr>
-          <a:xfrm>
-            <a:off x="1790" y="0"/>
-            <a:ext cx="12192000" cy="6858000"/>
-          </a:xfrm>
-          <a:prstGeom prst="rect">
-            <a:avLst/>
-          </a:prstGeom>
-          <a:ln>
-            <a:noFill/>
-          </a:ln>
-        </p:spPr>
-        <p:style>
-          <a:lnRef idx="2">
-            <a:schemeClr val="accent1">
-              <a:shade val="50000"/>
-            </a:schemeClr>
-          </a:lnRef>
-          <a:fillRef idx="1">
-            <a:schemeClr val="accent1"/>
-          </a:fillRef>
-          <a:effectRef idx="0">
-            <a:schemeClr val="accent1"/>
-          </a:effectRef>
-          <a:fontRef idx="minor">
-            <a:schemeClr val="lt1"/>
-          </a:fontRef>
-        </p:style>
-        <p:txBody>
-          <a:bodyPr rtlCol="0" anchor="ctr"/>
-          <a:lstStyle/>
-          <a:p>
-            <a:pPr algn="ctr"/>
-            <a:endParaRPr lang="en-US" dirty="0"/>
-          </a:p>
-        </p:txBody>
-      </p:sp>
-      <p:sp>
-        <p:nvSpPr>
-          <p:cNvPr id="21" name="Rectangle 20">
-            <a:extLst>
-              <a:ext uri="{FF2B5EF4-FFF2-40B4-BE49-F238E27FC236}">
-                <a16:creationId xmlns:a16="http://schemas.microsoft.com/office/drawing/2014/main" id="{5BF82D1D-28BC-4216-A1EA-F7D9C6D1AA82}"/>
-              </a:ext>
-              <a:ext uri="{C183D7F6-B498-43B3-948B-1728B52AA6E4}">
-                <adec:decorative xmlns:adec="http://schemas.microsoft.com/office/drawing/2017/decorative" val="1"/>
-              </a:ext>
-            </a:extLst>
-          </p:cNvPr>
-          <p:cNvSpPr>
-            <a:spLocks noGrp="1" noRot="1" noChangeAspect="1" noMove="1" noResize="1" noEditPoints="1" noAdjustHandles="1" noChangeArrowheads="1" noChangeShapeType="1" noTextEdit="1"/>
-          </p:cNvSpPr>
-          <p:nvPr>
-            <p:extLst>
-              <p:ext uri="{386F3935-93C4-4BCD-93E2-E3B085C9AB24}">
-                <p16:designElem xmlns:p16="http://schemas.microsoft.com/office/powerpoint/2015/main" val="1"/>
-              </p:ext>
-            </p:extLst>
-          </p:nvPr>
-        </p:nvSpPr>
-        <p:spPr>
-          <a:xfrm>
-            <a:off x="0" y="761999"/>
-            <a:ext cx="1286934" cy="5334001"/>
-          </a:xfrm>
-          <a:prstGeom prst="rect">
-            <a:avLst/>
-          </a:prstGeom>
-          <a:solidFill>
-            <a:schemeClr val="accent1"/>
-          </a:solidFill>
-          <a:ln>
-            <a:noFill/>
-          </a:ln>
-        </p:spPr>
-        <p:style>
-          <a:lnRef idx="2">
-            <a:schemeClr val="accent1">
-              <a:shade val="50000"/>
-            </a:schemeClr>
-          </a:lnRef>
-          <a:fillRef idx="1">
-            <a:schemeClr val="accent1"/>
-          </a:fillRef>
-          <a:effectRef idx="0">
-            <a:schemeClr val="accent1"/>
-          </a:effectRef>
-          <a:fontRef idx="minor">
-            <a:schemeClr val="lt1"/>
-          </a:fontRef>
-        </p:style>
-      </p:sp>
-      <p:sp>
-        <p:nvSpPr>
-          <p:cNvPr id="23" name="Rectangle 22">
-            <a:extLst>
-              <a:ext uri="{FF2B5EF4-FFF2-40B4-BE49-F238E27FC236}">
-                <a16:creationId xmlns:a16="http://schemas.microsoft.com/office/drawing/2014/main" id="{60A1DC48-C242-4442-822C-570436B809FC}"/>
-              </a:ext>
-              <a:ext uri="{C183D7F6-B498-43B3-948B-1728B52AA6E4}">
-                <adec:decorative xmlns:adec="http://schemas.microsoft.com/office/drawing/2017/decorative" val="1"/>
-              </a:ext>
-            </a:extLst>
-          </p:cNvPr>
-          <p:cNvSpPr>
-            <a:spLocks noGrp="1" noRot="1" noChangeAspect="1" noMove="1" noResize="1" noEditPoints="1" noAdjustHandles="1" noChangeArrowheads="1" noChangeShapeType="1" noTextEdit="1"/>
-          </p:cNvSpPr>
-          <p:nvPr>
-            <p:extLst>
-              <p:ext uri="{386F3935-93C4-4BCD-93E2-E3B085C9AB24}">
-                <p16:designElem xmlns:p16="http://schemas.microsoft.com/office/powerpoint/2015/main" val="1"/>
-              </p:ext>
-            </p:extLst>
-          </p:nvPr>
-        </p:nvSpPr>
-        <p:spPr>
-          <a:xfrm>
-            <a:off x="11685778" y="767825"/>
-            <a:ext cx="508012" cy="5328173"/>
-          </a:xfrm>
-          <a:prstGeom prst="rect">
-            <a:avLst/>
-          </a:prstGeom>
-          <a:solidFill>
-            <a:srgbClr val="C8C8C8">
-              <a:alpha val="50000"/>
-            </a:srgbClr>
-          </a:solidFill>
-          <a:ln>
-            <a:noFill/>
-          </a:ln>
-        </p:spPr>
-        <p:style>
-          <a:lnRef idx="2">
-            <a:schemeClr val="accent1">
-              <a:shade val="50000"/>
-            </a:schemeClr>
-          </a:lnRef>
-          <a:fillRef idx="1">
-            <a:schemeClr val="accent1"/>
-          </a:fillRef>
-          <a:effectRef idx="0">
-            <a:schemeClr val="accent1"/>
-          </a:effectRef>
-          <a:fontRef idx="minor">
-            <a:schemeClr val="lt1"/>
-          </a:fontRef>
-        </p:style>
-        <p:txBody>
-          <a:bodyPr rtlCol="0" anchor="ctr"/>
-          <a:lstStyle/>
-          <a:p>
-            <a:pPr algn="ctr"/>
-            <a:endParaRPr lang="en-US"/>
-          </a:p>
-        </p:txBody>
-      </p:sp>
-      <p:pic>
-        <p:nvPicPr>
-          <p:cNvPr id="12" name="Grafik 11">
-            <a:extLst>
-              <a:ext uri="{FF2B5EF4-FFF2-40B4-BE49-F238E27FC236}">
-                <a16:creationId xmlns:a16="http://schemas.microsoft.com/office/drawing/2014/main" id="{3359FEF3-EF06-284A-8F16-E5DDD0F36618}"/>
-              </a:ext>
-            </a:extLst>
-          </p:cNvPr>
-          <p:cNvPicPr>
-            <a:picLocks noChangeAspect="1"/>
-          </p:cNvPicPr>
-          <p:nvPr/>
-        </p:nvPicPr>
-        <p:blipFill>
-          <a:blip r:embed="rId2"/>
-          <a:stretch>
-            <a:fillRect/>
-          </a:stretch>
-        </p:blipFill>
-        <p:spPr>
-          <a:xfrm>
-            <a:off x="0" y="-4636"/>
-            <a:ext cx="12293174" cy="6862636"/>
-          </a:xfrm>
-          <a:prstGeom prst="rect">
-            <a:avLst/>
-          </a:prstGeom>
-        </p:spPr>
-      </p:pic>
-      <p:sp>
-        <p:nvSpPr>
-          <p:cNvPr id="20" name="Titel 1">
-            <a:extLst>
-              <a:ext uri="{FF2B5EF4-FFF2-40B4-BE49-F238E27FC236}">
-                <a16:creationId xmlns:a16="http://schemas.microsoft.com/office/drawing/2014/main" id="{5079EB90-93AC-EC41-9A99-FD875851EC51}"/>
-              </a:ext>
-            </a:extLst>
-          </p:cNvPr>
-          <p:cNvSpPr>
-            <a:spLocks noGrp="1"/>
-          </p:cNvSpPr>
-          <p:nvPr>
-            <p:ph type="title"/>
-          </p:nvPr>
-        </p:nvSpPr>
-        <p:spPr>
-          <a:xfrm>
-            <a:off x="4321738" y="680278"/>
-            <a:ext cx="3548523" cy="1048512"/>
-          </a:xfrm>
-        </p:spPr>
-        <p:txBody>
-          <a:bodyPr vert="horz" lIns="91440" tIns="45720" rIns="91440" bIns="45720" rtlCol="0" anchor="b">
-            <a:normAutofit fontScale="90000"/>
-          </a:bodyPr>
-          <a:lstStyle/>
-          <a:p>
-            <a:r>
-              <a:rPr lang="en-US" sz="7200" b="1" spc="-100" dirty="0">
-                <a:solidFill>
-                  <a:schemeClr val="bg1"/>
-                </a:solidFill>
-              </a:rPr>
-              <a:t>Das Team</a:t>
-            </a:r>
-          </a:p>
-        </p:txBody>
-      </p:sp>
-      <p:sp>
-        <p:nvSpPr>
-          <p:cNvPr id="16" name="Oval 15">
-            <a:extLst>
-              <a:ext uri="{FF2B5EF4-FFF2-40B4-BE49-F238E27FC236}">
-                <a16:creationId xmlns:a16="http://schemas.microsoft.com/office/drawing/2014/main" id="{E672CD5F-4DC9-C144-8AA5-7229109DB33F}"/>
-              </a:ext>
-            </a:extLst>
-          </p:cNvPr>
-          <p:cNvSpPr/>
-          <p:nvPr/>
-        </p:nvSpPr>
-        <p:spPr>
-          <a:xfrm>
-            <a:off x="768930" y="2750198"/>
-            <a:ext cx="1690111" cy="1690111"/>
-          </a:xfrm>
-          <a:prstGeom prst="ellipse">
-            <a:avLst/>
-          </a:prstGeom>
-          <a:solidFill>
-            <a:schemeClr val="bg1"/>
-          </a:solidFill>
-        </p:spPr>
-        <p:style>
-          <a:lnRef idx="2">
-            <a:schemeClr val="accent1">
-              <a:shade val="50000"/>
-            </a:schemeClr>
-          </a:lnRef>
-          <a:fillRef idx="1">
-            <a:schemeClr val="accent1"/>
-          </a:fillRef>
-          <a:effectRef idx="0">
-            <a:schemeClr val="accent1"/>
-          </a:effectRef>
-          <a:fontRef idx="minor">
-            <a:schemeClr val="lt1"/>
-          </a:fontRef>
-        </p:style>
-        <p:txBody>
-          <a:bodyPr rtlCol="0" anchor="ctr"/>
-          <a:lstStyle/>
-          <a:p>
-            <a:pPr algn="ctr"/>
-            <a:endParaRPr lang="de-DE"/>
-          </a:p>
-        </p:txBody>
-      </p:sp>
-      <p:sp>
-        <p:nvSpPr>
-          <p:cNvPr id="22" name="Oval 21">
-            <a:extLst>
-              <a:ext uri="{FF2B5EF4-FFF2-40B4-BE49-F238E27FC236}">
-                <a16:creationId xmlns:a16="http://schemas.microsoft.com/office/drawing/2014/main" id="{476EC5B8-1CC6-5A40-B4AC-6A51155FB5A6}"/>
-              </a:ext>
-            </a:extLst>
-          </p:cNvPr>
-          <p:cNvSpPr/>
-          <p:nvPr/>
-        </p:nvSpPr>
-        <p:spPr>
-          <a:xfrm>
-            <a:off x="3034609" y="2750196"/>
-            <a:ext cx="1690111" cy="1690111"/>
-          </a:xfrm>
-          <a:prstGeom prst="ellipse">
-            <a:avLst/>
-          </a:prstGeom>
-          <a:solidFill>
-            <a:schemeClr val="bg1"/>
-          </a:solidFill>
-        </p:spPr>
-        <p:style>
-          <a:lnRef idx="2">
-            <a:schemeClr val="accent1">
-              <a:shade val="50000"/>
-            </a:schemeClr>
-          </a:lnRef>
-          <a:fillRef idx="1">
-            <a:schemeClr val="accent1"/>
-          </a:fillRef>
-          <a:effectRef idx="0">
-            <a:schemeClr val="accent1"/>
-          </a:effectRef>
-          <a:fontRef idx="minor">
-            <a:schemeClr val="lt1"/>
-          </a:fontRef>
-        </p:style>
-        <p:txBody>
-          <a:bodyPr rtlCol="0" anchor="ctr"/>
-          <a:lstStyle/>
-          <a:p>
-            <a:pPr algn="ctr"/>
-            <a:endParaRPr lang="de-DE"/>
-          </a:p>
-        </p:txBody>
-      </p:sp>
-      <p:sp>
-        <p:nvSpPr>
-          <p:cNvPr id="24" name="Oval 23">
-            <a:extLst>
-              <a:ext uri="{FF2B5EF4-FFF2-40B4-BE49-F238E27FC236}">
-                <a16:creationId xmlns:a16="http://schemas.microsoft.com/office/drawing/2014/main" id="{913A2ABD-6A6B-4340-B348-B706E3104CAF}"/>
-              </a:ext>
-            </a:extLst>
-          </p:cNvPr>
-          <p:cNvSpPr/>
-          <p:nvPr/>
-        </p:nvSpPr>
-        <p:spPr>
-          <a:xfrm>
-            <a:off x="5300288" y="2776100"/>
-            <a:ext cx="1690111" cy="1690111"/>
-          </a:xfrm>
-          <a:prstGeom prst="ellipse">
-            <a:avLst/>
-          </a:prstGeom>
-          <a:solidFill>
-            <a:schemeClr val="bg1"/>
-          </a:solidFill>
-        </p:spPr>
-        <p:style>
-          <a:lnRef idx="2">
-            <a:schemeClr val="accent1">
-              <a:shade val="50000"/>
-            </a:schemeClr>
-          </a:lnRef>
-          <a:fillRef idx="1">
-            <a:schemeClr val="accent1"/>
-          </a:fillRef>
-          <a:effectRef idx="0">
-            <a:schemeClr val="accent1"/>
-          </a:effectRef>
-          <a:fontRef idx="minor">
-            <a:schemeClr val="lt1"/>
-          </a:fontRef>
-        </p:style>
-        <p:txBody>
-          <a:bodyPr rtlCol="0" anchor="ctr"/>
-          <a:lstStyle/>
-          <a:p>
-            <a:pPr algn="ctr"/>
-            <a:endParaRPr lang="de-DE"/>
-          </a:p>
-        </p:txBody>
-      </p:sp>
-      <p:sp>
-        <p:nvSpPr>
-          <p:cNvPr id="25" name="Oval 24">
-            <a:extLst>
-              <a:ext uri="{FF2B5EF4-FFF2-40B4-BE49-F238E27FC236}">
-                <a16:creationId xmlns:a16="http://schemas.microsoft.com/office/drawing/2014/main" id="{322B8243-F9CD-5642-B1FF-D13D629E2261}"/>
-              </a:ext>
-            </a:extLst>
-          </p:cNvPr>
-          <p:cNvSpPr/>
-          <p:nvPr/>
-        </p:nvSpPr>
-        <p:spPr>
-          <a:xfrm>
-            <a:off x="7565967" y="2750195"/>
-            <a:ext cx="1690111" cy="1690111"/>
-          </a:xfrm>
-          <a:prstGeom prst="ellipse">
-            <a:avLst/>
-          </a:prstGeom>
-          <a:solidFill>
-            <a:schemeClr val="bg1"/>
-          </a:solidFill>
-        </p:spPr>
-        <p:style>
-          <a:lnRef idx="2">
-            <a:schemeClr val="accent1">
-              <a:shade val="50000"/>
-            </a:schemeClr>
-          </a:lnRef>
-          <a:fillRef idx="1">
-            <a:schemeClr val="accent1"/>
-          </a:fillRef>
-          <a:effectRef idx="0">
-            <a:schemeClr val="accent1"/>
-          </a:effectRef>
-          <a:fontRef idx="minor">
-            <a:schemeClr val="lt1"/>
-          </a:fontRef>
-        </p:style>
-        <p:txBody>
-          <a:bodyPr rtlCol="0" anchor="ctr"/>
-          <a:lstStyle/>
-          <a:p>
-            <a:pPr algn="ctr"/>
-            <a:endParaRPr lang="de-DE"/>
-          </a:p>
-        </p:txBody>
-      </p:sp>
-      <p:sp>
-        <p:nvSpPr>
-          <p:cNvPr id="27" name="Oval 26">
-            <a:extLst>
-              <a:ext uri="{FF2B5EF4-FFF2-40B4-BE49-F238E27FC236}">
-                <a16:creationId xmlns:a16="http://schemas.microsoft.com/office/drawing/2014/main" id="{58FD0DB1-BA8C-9840-8E16-8F57D5B0A163}"/>
-              </a:ext>
-            </a:extLst>
-          </p:cNvPr>
-          <p:cNvSpPr/>
-          <p:nvPr/>
-        </p:nvSpPr>
-        <p:spPr>
-          <a:xfrm>
-            <a:off x="9816870" y="2776100"/>
-            <a:ext cx="1690111" cy="1690111"/>
-          </a:xfrm>
-          <a:prstGeom prst="ellipse">
-            <a:avLst/>
-          </a:prstGeom>
-          <a:solidFill>
-            <a:schemeClr val="bg1"/>
-          </a:solidFill>
-        </p:spPr>
-        <p:style>
-          <a:lnRef idx="2">
-            <a:schemeClr val="accent1">
-              <a:shade val="50000"/>
-            </a:schemeClr>
-          </a:lnRef>
-          <a:fillRef idx="1">
-            <a:schemeClr val="accent1"/>
-          </a:fillRef>
-          <a:effectRef idx="0">
-            <a:schemeClr val="accent1"/>
-          </a:effectRef>
-          <a:fontRef idx="minor">
-            <a:schemeClr val="lt1"/>
-          </a:fontRef>
-        </p:style>
-        <p:txBody>
-          <a:bodyPr rtlCol="0" anchor="ctr"/>
-          <a:lstStyle/>
-          <a:p>
-            <a:pPr algn="ctr"/>
-            <a:endParaRPr lang="de-DE"/>
-          </a:p>
-        </p:txBody>
-      </p:sp>
-      <p:sp>
-        <p:nvSpPr>
-          <p:cNvPr id="28" name="Titel 1">
-            <a:extLst>
-              <a:ext uri="{FF2B5EF4-FFF2-40B4-BE49-F238E27FC236}">
-                <a16:creationId xmlns:a16="http://schemas.microsoft.com/office/drawing/2014/main" id="{2BDF8157-FA38-0845-9ACE-42D28848285E}"/>
-              </a:ext>
-            </a:extLst>
-          </p:cNvPr>
-          <p:cNvSpPr txBox="1">
-            <a:spLocks/>
-          </p:cNvSpPr>
-          <p:nvPr/>
-        </p:nvSpPr>
-        <p:spPr>
-          <a:xfrm>
-            <a:off x="631405" y="4745873"/>
-            <a:ext cx="1958050" cy="1174408"/>
-          </a:xfrm>
-          <a:prstGeom prst="rect">
-            <a:avLst/>
-          </a:prstGeom>
-        </p:spPr>
-        <p:txBody>
-          <a:bodyPr vert="horz" lIns="91440" tIns="45720" rIns="91440" bIns="45720" rtlCol="0" anchor="b">
-            <a:normAutofit fontScale="97500" lnSpcReduction="10000"/>
-          </a:bodyPr>
-          <a:lstStyle>
-            <a:lvl1pPr algn="l" defTabSz="914400" rtl="0" eaLnBrk="1" latinLnBrk="0" hangingPunct="1">
-              <a:lnSpc>
-                <a:spcPct val="90000"/>
-              </a:lnSpc>
-              <a:spcBef>
-                <a:spcPct val="0"/>
-              </a:spcBef>
-              <a:buNone/>
-              <a:defRPr sz="3600" kern="1200" spc="-60" baseline="0">
-                <a:solidFill>
-                  <a:srgbClr val="FFFFFF"/>
-                </a:solidFill>
-                <a:latin typeface="+mj-lt"/>
-                <a:ea typeface="+mj-ea"/>
-                <a:cs typeface="+mj-cs"/>
-              </a:defRPr>
-            </a:lvl1pPr>
-          </a:lstStyle>
-          <a:p>
-            <a:pPr algn="ctr"/>
-            <a:r>
-              <a:rPr lang="en-US" sz="2400" b="1" spc="-100" dirty="0">
-                <a:solidFill>
-                  <a:schemeClr val="bg1"/>
-                </a:solidFill>
-              </a:rPr>
-              <a:t>Markus Stadler</a:t>
-            </a:r>
-          </a:p>
-          <a:p>
-            <a:pPr algn="ctr"/>
-            <a:endParaRPr lang="en-US" sz="2000" b="1" spc="-100" dirty="0">
-              <a:solidFill>
-                <a:schemeClr val="bg1"/>
-              </a:solidFill>
-            </a:endParaRPr>
-          </a:p>
-          <a:p>
-            <a:pPr algn="ctr"/>
-            <a:r>
-              <a:rPr lang="en-US" sz="2000" b="1" spc="-100" dirty="0">
-                <a:solidFill>
-                  <a:schemeClr val="bg1"/>
-                </a:solidFill>
-              </a:rPr>
-              <a:t>Backend </a:t>
-            </a:r>
-            <a:br>
-              <a:rPr lang="en-US" sz="2000" b="1" spc="-100" dirty="0">
-                <a:solidFill>
-                  <a:schemeClr val="bg1"/>
-                </a:solidFill>
-              </a:rPr>
-            </a:br>
-            <a:r>
-              <a:rPr lang="en-US" sz="2000" b="1" spc="-100" dirty="0" err="1">
-                <a:solidFill>
-                  <a:schemeClr val="bg1"/>
-                </a:solidFill>
-              </a:rPr>
-              <a:t>Keycloak</a:t>
-            </a:r>
-            <a:endParaRPr lang="en-US" sz="2400" b="1" spc="-100" dirty="0">
-              <a:solidFill>
-                <a:schemeClr val="bg1"/>
-              </a:solidFill>
-            </a:endParaRPr>
-          </a:p>
-        </p:txBody>
-      </p:sp>
-      <p:sp>
-        <p:nvSpPr>
-          <p:cNvPr id="29" name="Titel 1">
-            <a:extLst>
-              <a:ext uri="{FF2B5EF4-FFF2-40B4-BE49-F238E27FC236}">
-                <a16:creationId xmlns:a16="http://schemas.microsoft.com/office/drawing/2014/main" id="{EB1B1D0A-FED2-9A4F-925A-F4AEB6214C65}"/>
-              </a:ext>
-            </a:extLst>
-          </p:cNvPr>
-          <p:cNvSpPr txBox="1">
-            <a:spLocks/>
-          </p:cNvSpPr>
-          <p:nvPr/>
-        </p:nvSpPr>
-        <p:spPr>
-          <a:xfrm>
-            <a:off x="2900639" y="4781681"/>
-            <a:ext cx="1958050" cy="941308"/>
-          </a:xfrm>
-          <a:prstGeom prst="rect">
-            <a:avLst/>
-          </a:prstGeom>
-        </p:spPr>
-        <p:txBody>
-          <a:bodyPr vert="horz" lIns="91440" tIns="45720" rIns="91440" bIns="45720" rtlCol="0" anchor="b">
-            <a:normAutofit fontScale="97500" lnSpcReduction="10000"/>
-          </a:bodyPr>
-          <a:lstStyle>
-            <a:lvl1pPr algn="l" defTabSz="914400" rtl="0" eaLnBrk="1" latinLnBrk="0" hangingPunct="1">
-              <a:lnSpc>
-                <a:spcPct val="90000"/>
-              </a:lnSpc>
-              <a:spcBef>
-                <a:spcPct val="0"/>
-              </a:spcBef>
-              <a:buNone/>
-              <a:defRPr sz="3600" kern="1200" spc="-60" baseline="0">
-                <a:solidFill>
-                  <a:srgbClr val="FFFFFF"/>
-                </a:solidFill>
-                <a:latin typeface="+mj-lt"/>
-                <a:ea typeface="+mj-ea"/>
-                <a:cs typeface="+mj-cs"/>
-              </a:defRPr>
-            </a:lvl1pPr>
-          </a:lstStyle>
-          <a:p>
-            <a:pPr algn="ctr"/>
-            <a:r>
-              <a:rPr lang="en-US" sz="2400" b="1" spc="-100" dirty="0">
-                <a:solidFill>
-                  <a:schemeClr val="bg1"/>
-                </a:solidFill>
-              </a:rPr>
-              <a:t>Noah </a:t>
-            </a:r>
-            <a:r>
-              <a:rPr lang="en-US" sz="2400" b="1" spc="-100" dirty="0" err="1">
-                <a:solidFill>
-                  <a:schemeClr val="bg1"/>
-                </a:solidFill>
-              </a:rPr>
-              <a:t>Stallinger</a:t>
-            </a:r>
-            <a:endParaRPr lang="en-US" sz="2400" b="1" spc="-100" dirty="0">
-              <a:solidFill>
-                <a:schemeClr val="bg1"/>
-              </a:solidFill>
-            </a:endParaRPr>
-          </a:p>
-          <a:p>
-            <a:pPr algn="ctr"/>
-            <a:endParaRPr lang="en-US" sz="2400" b="1" spc="-100" dirty="0">
-              <a:solidFill>
-                <a:schemeClr val="bg1"/>
-              </a:solidFill>
-            </a:endParaRPr>
-          </a:p>
-          <a:p>
-            <a:pPr algn="ctr"/>
-            <a:r>
-              <a:rPr lang="en-US" sz="2100" b="1" spc="-100" dirty="0">
-                <a:solidFill>
-                  <a:schemeClr val="bg1"/>
-                </a:solidFill>
-              </a:rPr>
-              <a:t>Frontend</a:t>
-            </a:r>
-          </a:p>
-        </p:txBody>
-      </p:sp>
-      <p:sp>
-        <p:nvSpPr>
-          <p:cNvPr id="30" name="Titel 1">
-            <a:extLst>
-              <a:ext uri="{FF2B5EF4-FFF2-40B4-BE49-F238E27FC236}">
-                <a16:creationId xmlns:a16="http://schemas.microsoft.com/office/drawing/2014/main" id="{DF255AD6-85F1-4744-92B1-7D4BBD40452D}"/>
-              </a:ext>
-            </a:extLst>
-          </p:cNvPr>
-          <p:cNvSpPr txBox="1">
-            <a:spLocks/>
-          </p:cNvSpPr>
-          <p:nvPr/>
-        </p:nvSpPr>
-        <p:spPr>
-          <a:xfrm>
-            <a:off x="5354261" y="4814289"/>
-            <a:ext cx="1578908" cy="1105991"/>
-          </a:xfrm>
-          <a:prstGeom prst="rect">
-            <a:avLst/>
-          </a:prstGeom>
-        </p:spPr>
-        <p:txBody>
-          <a:bodyPr vert="horz" lIns="91440" tIns="45720" rIns="91440" bIns="45720" rtlCol="0" anchor="b">
-            <a:normAutofit fontScale="75000" lnSpcReduction="20000"/>
-          </a:bodyPr>
-          <a:lstStyle>
-            <a:lvl1pPr algn="l" defTabSz="914400" rtl="0" eaLnBrk="1" latinLnBrk="0" hangingPunct="1">
-              <a:lnSpc>
-                <a:spcPct val="90000"/>
-              </a:lnSpc>
-              <a:spcBef>
-                <a:spcPct val="0"/>
-              </a:spcBef>
-              <a:buNone/>
-              <a:defRPr sz="3600" kern="1200" spc="-60" baseline="0">
-                <a:solidFill>
-                  <a:srgbClr val="FFFFFF"/>
-                </a:solidFill>
-                <a:latin typeface="+mj-lt"/>
-                <a:ea typeface="+mj-ea"/>
-                <a:cs typeface="+mj-cs"/>
-              </a:defRPr>
-            </a:lvl1pPr>
-          </a:lstStyle>
-          <a:p>
-            <a:pPr algn="ctr"/>
-            <a:r>
-              <a:rPr lang="en-US" sz="3100" b="1" spc="-100" dirty="0">
-                <a:solidFill>
-                  <a:schemeClr val="bg1"/>
-                </a:solidFill>
-              </a:rPr>
-              <a:t>Julian Haas</a:t>
-            </a:r>
-            <a:br>
-              <a:rPr lang="en-US" sz="3100" b="1" spc="-100" dirty="0">
-                <a:solidFill>
-                  <a:schemeClr val="bg1"/>
-                </a:solidFill>
-              </a:rPr>
-            </a:br>
-            <a:endParaRPr lang="en-US" sz="3100" b="1" spc="-100" dirty="0">
-              <a:solidFill>
-                <a:schemeClr val="bg1"/>
-              </a:solidFill>
-            </a:endParaRPr>
-          </a:p>
-          <a:p>
-            <a:pPr algn="ctr"/>
-            <a:r>
-              <a:rPr lang="en-US" sz="2700" b="1" spc="-100" dirty="0">
-                <a:solidFill>
-                  <a:schemeClr val="bg1"/>
-                </a:solidFill>
-              </a:rPr>
-              <a:t> </a:t>
-            </a:r>
-            <a:r>
-              <a:rPr lang="en-US" sz="2700" b="1" spc="-100" dirty="0" err="1">
-                <a:solidFill>
-                  <a:schemeClr val="bg1"/>
-                </a:solidFill>
-              </a:rPr>
-              <a:t>Animationen</a:t>
-            </a:r>
-            <a:r>
-              <a:rPr lang="en-US" sz="2700" b="1" spc="-100" dirty="0">
-                <a:solidFill>
-                  <a:schemeClr val="bg1"/>
-                </a:solidFill>
-              </a:rPr>
-              <a:t>  Backend</a:t>
-            </a:r>
-          </a:p>
-        </p:txBody>
-      </p:sp>
-      <p:sp>
-        <p:nvSpPr>
-          <p:cNvPr id="31" name="Titel 1">
-            <a:extLst>
-              <a:ext uri="{FF2B5EF4-FFF2-40B4-BE49-F238E27FC236}">
-                <a16:creationId xmlns:a16="http://schemas.microsoft.com/office/drawing/2014/main" id="{D84E3F59-DD13-AA40-8450-EB4EC53AA966}"/>
-              </a:ext>
-            </a:extLst>
-          </p:cNvPr>
-          <p:cNvSpPr txBox="1">
-            <a:spLocks/>
-          </p:cNvSpPr>
-          <p:nvPr/>
-        </p:nvSpPr>
-        <p:spPr>
-          <a:xfrm>
-            <a:off x="7428741" y="4814290"/>
-            <a:ext cx="1958050" cy="908699"/>
-          </a:xfrm>
-          <a:prstGeom prst="rect">
-            <a:avLst/>
-          </a:prstGeom>
-        </p:spPr>
-        <p:txBody>
-          <a:bodyPr vert="horz" lIns="91440" tIns="45720" rIns="91440" bIns="45720" rtlCol="0" anchor="b">
-            <a:normAutofit fontScale="97500" lnSpcReduction="10000"/>
-          </a:bodyPr>
-          <a:lstStyle>
-            <a:lvl1pPr algn="l" defTabSz="914400" rtl="0" eaLnBrk="1" latinLnBrk="0" hangingPunct="1">
-              <a:lnSpc>
-                <a:spcPct val="90000"/>
-              </a:lnSpc>
-              <a:spcBef>
-                <a:spcPct val="0"/>
-              </a:spcBef>
-              <a:buNone/>
-              <a:defRPr sz="3600" kern="1200" spc="-60" baseline="0">
-                <a:solidFill>
-                  <a:srgbClr val="FFFFFF"/>
-                </a:solidFill>
-                <a:latin typeface="+mj-lt"/>
-                <a:ea typeface="+mj-ea"/>
-                <a:cs typeface="+mj-cs"/>
-              </a:defRPr>
-            </a:lvl1pPr>
-          </a:lstStyle>
-          <a:p>
-            <a:pPr algn="ctr"/>
-            <a:r>
-              <a:rPr lang="en-US" sz="2400" b="1" spc="-100" dirty="0">
-                <a:solidFill>
-                  <a:schemeClr val="bg1"/>
-                </a:solidFill>
-              </a:rPr>
-              <a:t>Stephan </a:t>
-            </a:r>
-            <a:r>
-              <a:rPr lang="en-US" sz="2400" b="1" spc="-100" dirty="0" err="1">
-                <a:solidFill>
-                  <a:schemeClr val="bg1"/>
-                </a:solidFill>
-              </a:rPr>
-              <a:t>Herbe</a:t>
-            </a:r>
-            <a:endParaRPr lang="en-US" sz="2400" b="1" spc="-100" dirty="0">
-              <a:solidFill>
-                <a:schemeClr val="bg1"/>
-              </a:solidFill>
-            </a:endParaRPr>
-          </a:p>
-          <a:p>
-            <a:pPr algn="ctr"/>
-            <a:endParaRPr lang="en-US" sz="2400" b="1" spc="-100" dirty="0">
-              <a:solidFill>
-                <a:schemeClr val="bg1"/>
-              </a:solidFill>
-            </a:endParaRPr>
-          </a:p>
-          <a:p>
-            <a:pPr algn="ctr"/>
-            <a:r>
-              <a:rPr lang="en-US" sz="2100" b="1" spc="-100" dirty="0">
-                <a:solidFill>
-                  <a:schemeClr val="bg1"/>
-                </a:solidFill>
-              </a:rPr>
-              <a:t>Frontend</a:t>
-            </a:r>
-          </a:p>
-        </p:txBody>
-      </p:sp>
-      <p:sp>
-        <p:nvSpPr>
-          <p:cNvPr id="32" name="Titel 1">
-            <a:extLst>
-              <a:ext uri="{FF2B5EF4-FFF2-40B4-BE49-F238E27FC236}">
-                <a16:creationId xmlns:a16="http://schemas.microsoft.com/office/drawing/2014/main" id="{0A4473AB-DD8A-2246-9526-8BA8E275EF38}"/>
-              </a:ext>
-            </a:extLst>
-          </p:cNvPr>
-          <p:cNvSpPr txBox="1">
-            <a:spLocks/>
-          </p:cNvSpPr>
-          <p:nvPr/>
-        </p:nvSpPr>
-        <p:spPr>
-          <a:xfrm>
-            <a:off x="9682900" y="4814290"/>
-            <a:ext cx="1958050" cy="908699"/>
-          </a:xfrm>
-          <a:prstGeom prst="rect">
-            <a:avLst/>
-          </a:prstGeom>
-        </p:spPr>
-        <p:txBody>
-          <a:bodyPr vert="horz" lIns="91440" tIns="45720" rIns="91440" bIns="45720" rtlCol="0" anchor="b">
-            <a:normAutofit fontScale="97500" lnSpcReduction="10000"/>
-          </a:bodyPr>
-          <a:lstStyle>
-            <a:lvl1pPr algn="l" defTabSz="914400" rtl="0" eaLnBrk="1" latinLnBrk="0" hangingPunct="1">
-              <a:lnSpc>
-                <a:spcPct val="90000"/>
-              </a:lnSpc>
-              <a:spcBef>
-                <a:spcPct val="0"/>
-              </a:spcBef>
-              <a:buNone/>
-              <a:defRPr sz="3600" kern="1200" spc="-60" baseline="0">
-                <a:solidFill>
-                  <a:srgbClr val="FFFFFF"/>
-                </a:solidFill>
-                <a:latin typeface="+mj-lt"/>
-                <a:ea typeface="+mj-ea"/>
-                <a:cs typeface="+mj-cs"/>
-              </a:defRPr>
-            </a:lvl1pPr>
-          </a:lstStyle>
-          <a:p>
-            <a:pPr algn="ctr"/>
-            <a:r>
-              <a:rPr lang="en-US" sz="2400" b="1" spc="-100" dirty="0">
-                <a:solidFill>
-                  <a:schemeClr val="bg1"/>
-                </a:solidFill>
-              </a:rPr>
-              <a:t>Moritz </a:t>
-            </a:r>
-            <a:r>
-              <a:rPr lang="en-US" sz="2400" b="1" spc="-100" dirty="0" err="1">
-                <a:solidFill>
-                  <a:schemeClr val="bg1"/>
-                </a:solidFill>
-              </a:rPr>
-              <a:t>Weibold</a:t>
-            </a:r>
-            <a:endParaRPr lang="en-US" sz="2400" b="1" spc="-100" dirty="0">
-              <a:solidFill>
-                <a:schemeClr val="bg1"/>
-              </a:solidFill>
-            </a:endParaRPr>
-          </a:p>
-          <a:p>
-            <a:pPr algn="ctr"/>
-            <a:endParaRPr lang="en-US" sz="2400" b="1" spc="-100" dirty="0">
-              <a:solidFill>
-                <a:schemeClr val="bg1"/>
-              </a:solidFill>
-            </a:endParaRPr>
-          </a:p>
-          <a:p>
-            <a:pPr algn="ctr"/>
-            <a:r>
-              <a:rPr lang="en-US" sz="2100" b="1" spc="-100" dirty="0">
-                <a:solidFill>
-                  <a:schemeClr val="bg1"/>
-                </a:solidFill>
-              </a:rPr>
-              <a:t>Frontend</a:t>
-            </a:r>
-          </a:p>
-        </p:txBody>
-      </p:sp>
-      <p:sp>
-        <p:nvSpPr>
-          <p:cNvPr id="37" name="Wolke 36">
-            <a:extLst>
-              <a:ext uri="{FF2B5EF4-FFF2-40B4-BE49-F238E27FC236}">
-                <a16:creationId xmlns:a16="http://schemas.microsoft.com/office/drawing/2014/main" id="{24656458-3573-9941-A0B4-FA0C528F5F6A}"/>
-              </a:ext>
-            </a:extLst>
-          </p:cNvPr>
-          <p:cNvSpPr/>
-          <p:nvPr/>
-        </p:nvSpPr>
-        <p:spPr>
-          <a:xfrm>
-            <a:off x="10557069" y="-1479881"/>
-            <a:ext cx="3729497" cy="3211032"/>
-          </a:xfrm>
-          <a:prstGeom prst="cloud">
-            <a:avLst/>
-          </a:prstGeom>
-          <a:solidFill>
-            <a:schemeClr val="bg1"/>
-          </a:solidFill>
-        </p:spPr>
-        <p:style>
-          <a:lnRef idx="2">
-            <a:schemeClr val="accent1">
-              <a:shade val="50000"/>
-            </a:schemeClr>
-          </a:lnRef>
-          <a:fillRef idx="1">
-            <a:schemeClr val="accent1"/>
-          </a:fillRef>
-          <a:effectRef idx="0">
-            <a:schemeClr val="accent1"/>
-          </a:effectRef>
-          <a:fontRef idx="minor">
-            <a:schemeClr val="lt1"/>
-          </a:fontRef>
-        </p:style>
-        <p:txBody>
-          <a:bodyPr rtlCol="0" anchor="ctr"/>
-          <a:lstStyle/>
-          <a:p>
-            <a:pPr algn="ctr"/>
-            <a:endParaRPr lang="de-DE"/>
-          </a:p>
-        </p:txBody>
-      </p:sp>
-      <p:sp>
-        <p:nvSpPr>
-          <p:cNvPr id="38" name="Wolke 37">
-            <a:extLst>
-              <a:ext uri="{FF2B5EF4-FFF2-40B4-BE49-F238E27FC236}">
-                <a16:creationId xmlns:a16="http://schemas.microsoft.com/office/drawing/2014/main" id="{710503B2-8E41-9E42-9E4D-F4BCAEA29B8E}"/>
-              </a:ext>
-            </a:extLst>
-          </p:cNvPr>
-          <p:cNvSpPr/>
-          <p:nvPr/>
-        </p:nvSpPr>
-        <p:spPr>
-          <a:xfrm>
-            <a:off x="-2284608" y="5920280"/>
-            <a:ext cx="3895038" cy="3211032"/>
-          </a:xfrm>
-          <a:prstGeom prst="cloud">
-            <a:avLst/>
-          </a:prstGeom>
-          <a:solidFill>
-            <a:schemeClr val="bg1"/>
-          </a:solidFill>
-        </p:spPr>
-        <p:style>
-          <a:lnRef idx="2">
-            <a:schemeClr val="accent1">
-              <a:shade val="50000"/>
-            </a:schemeClr>
-          </a:lnRef>
-          <a:fillRef idx="1">
-            <a:schemeClr val="accent1"/>
-          </a:fillRef>
-          <a:effectRef idx="0">
-            <a:schemeClr val="accent1"/>
-          </a:effectRef>
-          <a:fontRef idx="minor">
-            <a:schemeClr val="lt1"/>
-          </a:fontRef>
-        </p:style>
-        <p:txBody>
-          <a:bodyPr rtlCol="0" anchor="ctr"/>
-          <a:lstStyle/>
-          <a:p>
-            <a:pPr algn="ctr"/>
+            <a:spLocks noGrp="1"/>
+          </p:cNvSpPr>
+          <p:nvPr>
+            <p:ph idx="1"/>
+          </p:nvPr>
+        </p:nvSpPr>
+        <p:spPr/>
+        <p:txBody>
+          <a:bodyPr/>
+          <a:lstStyle/>
+          <a:p>
             <a:endParaRPr lang="de-DE"/>
           </a:p>
         </p:txBody>
@@ -5213,7 +4086,7 @@
     </p:spTree>
     <p:extLst>
       <p:ext uri="{BB962C8B-B14F-4D97-AF65-F5344CB8AC3E}">
-        <p14:creationId xmlns:p14="http://schemas.microsoft.com/office/powerpoint/2010/main" val="3232779718"/>
+        <p14:creationId xmlns:p14="http://schemas.microsoft.com/office/powerpoint/2010/main" val="2120915873"/>
       </p:ext>
     </p:extLst>
   </p:cSld>
@@ -5250,10 +4123,10 @@
       </p:grpSpPr>
       <p:sp>
         <p:nvSpPr>
-          <p:cNvPr id="10" name="Rectangle 9">
+          <p:cNvPr id="15" name="Rectangle 14">
             <a:extLst>
               <a:ext uri="{FF2B5EF4-FFF2-40B4-BE49-F238E27FC236}">
-                <a16:creationId xmlns:a16="http://schemas.microsoft.com/office/drawing/2014/main" id="{DB8424AB-D56B-4256-866A-5B54DE93C20F}"/>
+                <a16:creationId xmlns:a16="http://schemas.microsoft.com/office/drawing/2014/main" id="{C162DF2A-64D1-4AA9-BA42-8A4063EADE09}"/>
               </a:ext>
               <a:ext uri="{C183D7F6-B498-43B3-948B-1728B52AA6E4}">
                 <adec:decorative xmlns:adec="http://schemas.microsoft.com/office/drawing/2017/decorative" val="1"/>
@@ -5305,10 +4178,10 @@
       </p:sp>
       <p:sp>
         <p:nvSpPr>
-          <p:cNvPr id="12" name="Rectangle 11">
+          <p:cNvPr id="17" name="Rectangle 16">
             <a:extLst>
               <a:ext uri="{FF2B5EF4-FFF2-40B4-BE49-F238E27FC236}">
-                <a16:creationId xmlns:a16="http://schemas.microsoft.com/office/drawing/2014/main" id="{FC999C28-AD33-4EB7-A5F1-C06D10A5FDF7}"/>
+                <a16:creationId xmlns:a16="http://schemas.microsoft.com/office/drawing/2014/main" id="{5D7C1373-63AF-4A75-909E-990E05356670}"/>
               </a:ext>
               <a:ext uri="{C183D7F6-B498-43B3-948B-1728B52AA6E4}">
                 <adec:decorative xmlns:adec="http://schemas.microsoft.com/office/drawing/2017/decorative" val="1"/>
@@ -5362,10 +4235,10 @@
       </p:sp>
       <p:sp useBgFill="1">
         <p:nvSpPr>
-          <p:cNvPr id="14" name="Rectangle 13">
+          <p:cNvPr id="19" name="Rectangle 18">
             <a:extLst>
               <a:ext uri="{FF2B5EF4-FFF2-40B4-BE49-F238E27FC236}">
-                <a16:creationId xmlns:a16="http://schemas.microsoft.com/office/drawing/2014/main" id="{0864E5C9-52C9-4572-AC75-548B9B9C2648}"/>
+                <a16:creationId xmlns:a16="http://schemas.microsoft.com/office/drawing/2014/main" id="{5BDAAE7A-177F-4691-8F07-36CBBA6113AB}"/>
               </a:ext>
               <a:ext uri="{C183D7F6-B498-43B3-948B-1728B52AA6E4}">
                 <adec:decorative xmlns:adec="http://schemas.microsoft.com/office/drawing/2017/decorative" val="1"/>
@@ -5385,8 +4258,8 @@
         </p:nvSpPr>
         <p:spPr>
           <a:xfrm>
-            <a:off x="0" y="0"/>
-            <a:ext cx="12191999" cy="6858000"/>
+            <a:off x="1790" y="0"/>
+            <a:ext cx="12192000" cy="6858000"/>
           </a:xfrm>
           <a:prstGeom prst="rect">
             <a:avLst/>
@@ -5416,16 +4289,16 @@
           <a:lstStyle/>
           <a:p>
             <a:pPr algn="ctr"/>
-            <a:endParaRPr lang="en-US"/>
-          </a:p>
-        </p:txBody>
-      </p:sp>
-      <p:sp>
-        <p:nvSpPr>
-          <p:cNvPr id="16" name="Rectangle 15">
+            <a:endParaRPr lang="en-US" dirty="0"/>
+          </a:p>
+        </p:txBody>
+      </p:sp>
+      <p:sp>
+        <p:nvSpPr>
+          <p:cNvPr id="21" name="Rectangle 20">
             <a:extLst>
               <a:ext uri="{FF2B5EF4-FFF2-40B4-BE49-F238E27FC236}">
-                <a16:creationId xmlns:a16="http://schemas.microsoft.com/office/drawing/2014/main" id="{45CC6500-4DBD-4C34-BC14-2387FB483BEB}"/>
+                <a16:creationId xmlns:a16="http://schemas.microsoft.com/office/drawing/2014/main" id="{5BF82D1D-28BC-4216-A1EA-F7D9C6D1AA82}"/>
               </a:ext>
               <a:ext uri="{C183D7F6-B498-43B3-948B-1728B52AA6E4}">
                 <adec:decorative xmlns:adec="http://schemas.microsoft.com/office/drawing/2017/decorative" val="1"/>
@@ -5445,8 +4318,8 @@
         </p:nvSpPr>
         <p:spPr>
           <a:xfrm>
-            <a:off x="1" y="761999"/>
-            <a:ext cx="4642228" cy="5334001"/>
+            <a:off x="0" y="761999"/>
+            <a:ext cx="1286934" cy="5334001"/>
           </a:xfrm>
           <a:prstGeom prst="rect">
             <a:avLst/>
@@ -5477,90 +4350,75 @@
       </p:sp>
       <p:sp>
         <p:nvSpPr>
-          <p:cNvPr id="2" name="Titel 1">
+          <p:cNvPr id="23" name="Rectangle 22">
             <a:extLst>
               <a:ext uri="{FF2B5EF4-FFF2-40B4-BE49-F238E27FC236}">
-                <a16:creationId xmlns:a16="http://schemas.microsoft.com/office/drawing/2014/main" id="{721F23DF-5CED-3144-8A0D-7673299CEC94}"/>
+                <a16:creationId xmlns:a16="http://schemas.microsoft.com/office/drawing/2014/main" id="{60A1DC48-C242-4442-822C-570436B809FC}"/>
+              </a:ext>
+              <a:ext uri="{C183D7F6-B498-43B3-948B-1728B52AA6E4}">
+                <adec:decorative xmlns:adec="http://schemas.microsoft.com/office/drawing/2017/decorative" val="1"/>
               </a:ext>
             </a:extLst>
           </p:cNvPr>
           <p:cNvSpPr>
-            <a:spLocks noGrp="1"/>
-          </p:cNvSpPr>
-          <p:nvPr>
-            <p:ph type="title"/>
-          </p:nvPr>
-        </p:nvSpPr>
-        <p:spPr>
-          <a:xfrm>
-            <a:off x="1069849" y="1298448"/>
-            <a:ext cx="3258688" cy="3255264"/>
-          </a:xfrm>
-        </p:spPr>
-        <p:txBody>
-          <a:bodyPr vert="horz" lIns="91440" tIns="45720" rIns="91440" bIns="45720" rtlCol="0" anchor="b">
-            <a:normAutofit/>
-          </a:bodyPr>
-          <a:lstStyle/>
-          <a:p>
-            <a:r>
-              <a:rPr lang="en-US" sz="3200" spc="-100"/>
-              <a:t>Arbeitsverteilung</a:t>
-            </a:r>
-          </a:p>
-        </p:txBody>
-      </p:sp>
-      <p:sp>
-        <p:nvSpPr>
-          <p:cNvPr id="3" name="Inhaltsplatzhalter 2">
+            <a:spLocks noGrp="1" noRot="1" noChangeAspect="1" noMove="1" noResize="1" noEditPoints="1" noAdjustHandles="1" noChangeArrowheads="1" noChangeShapeType="1" noTextEdit="1"/>
+          </p:cNvSpPr>
+          <p:nvPr>
+            <p:extLst>
+              <p:ext uri="{386F3935-93C4-4BCD-93E2-E3B085C9AB24}">
+                <p16:designElem xmlns:p16="http://schemas.microsoft.com/office/powerpoint/2015/main" val="1"/>
+              </p:ext>
+            </p:extLst>
+          </p:nvPr>
+        </p:nvSpPr>
+        <p:spPr>
+          <a:xfrm>
+            <a:off x="11685778" y="767825"/>
+            <a:ext cx="508012" cy="5328173"/>
+          </a:xfrm>
+          <a:prstGeom prst="rect">
+            <a:avLst/>
+          </a:prstGeom>
+          <a:solidFill>
+            <a:srgbClr val="C8C8C8">
+              <a:alpha val="50000"/>
+            </a:srgbClr>
+          </a:solidFill>
+          <a:ln>
+            <a:noFill/>
+          </a:ln>
+        </p:spPr>
+        <p:style>
+          <a:lnRef idx="2">
+            <a:schemeClr val="accent1">
+              <a:shade val="50000"/>
+            </a:schemeClr>
+          </a:lnRef>
+          <a:fillRef idx="1">
+            <a:schemeClr val="accent1"/>
+          </a:fillRef>
+          <a:effectRef idx="0">
+            <a:schemeClr val="accent1"/>
+          </a:effectRef>
+          <a:fontRef idx="minor">
+            <a:schemeClr val="lt1"/>
+          </a:fontRef>
+        </p:style>
+        <p:txBody>
+          <a:bodyPr rtlCol="0" anchor="ctr"/>
+          <a:lstStyle/>
+          <a:p>
+            <a:pPr algn="ctr"/>
+            <a:endParaRPr lang="en-US"/>
+          </a:p>
+        </p:txBody>
+      </p:sp>
+      <p:pic>
+        <p:nvPicPr>
+          <p:cNvPr id="12" name="Grafik 11">
             <a:extLst>
               <a:ext uri="{FF2B5EF4-FFF2-40B4-BE49-F238E27FC236}">
-                <a16:creationId xmlns:a16="http://schemas.microsoft.com/office/drawing/2014/main" id="{6DF8BC9F-B3FD-D94B-AD6E-E7FD19CE5A24}"/>
-              </a:ext>
-            </a:extLst>
-          </p:cNvPr>
-          <p:cNvSpPr>
-            <a:spLocks noGrp="1"/>
-          </p:cNvSpPr>
-          <p:nvPr>
-            <p:ph idx="1"/>
-          </p:nvPr>
-        </p:nvSpPr>
-        <p:spPr>
-          <a:xfrm>
-            <a:off x="1100015" y="4670246"/>
-            <a:ext cx="3228521" cy="914400"/>
-          </a:xfrm>
-        </p:spPr>
-        <p:txBody>
-          <a:bodyPr vert="horz" lIns="91440" tIns="45720" rIns="91440" bIns="45720" rtlCol="0" anchor="t">
-            <a:normAutofit/>
-          </a:bodyPr>
-          <a:lstStyle/>
-          <a:p>
-            <a:pPr marL="0" indent="0">
-              <a:buNone/>
-            </a:pPr>
-            <a:r>
-              <a:rPr lang="en-US" sz="2200">
-                <a:solidFill>
-                  <a:schemeClr val="accent1">
-                    <a:lumMod val="20000"/>
-                    <a:lumOff val="80000"/>
-                  </a:schemeClr>
-                </a:solidFill>
-              </a:rPr>
-              <a:t>Grafik zu Arbeitsstunden und Commits</a:t>
-            </a:r>
-          </a:p>
-        </p:txBody>
-      </p:sp>
-      <p:pic>
-        <p:nvPicPr>
-          <p:cNvPr id="5" name="Grafik 4" descr="Balkendiagramm">
-            <a:extLst>
-              <a:ext uri="{FF2B5EF4-FFF2-40B4-BE49-F238E27FC236}">
-                <a16:creationId xmlns:a16="http://schemas.microsoft.com/office/drawing/2014/main" id="{82BD5DA6-0C8C-DA43-AAE6-9C72F5CC7744}"/>
+                <a16:creationId xmlns:a16="http://schemas.microsoft.com/office/drawing/2014/main" id="{3359FEF3-EF06-284A-8F16-E5DDD0F36618}"/>
               </a:ext>
             </a:extLst>
           </p:cNvPr>
@@ -5570,21 +4428,15 @@
           <p:nvPr/>
         </p:nvPicPr>
         <p:blipFill>
-          <a:blip r:embed="rId2">
-            <a:extLst>
-              <a:ext uri="{96DAC541-7B7A-43D3-8B79-37D633B846F1}">
-                <asvg:svgBlip xmlns:asvg="http://schemas.microsoft.com/office/drawing/2016/SVG/main" r:embed="rId3"/>
-              </a:ext>
-            </a:extLst>
-          </a:blip>
+          <a:blip r:embed="rId2"/>
           <a:stretch>
             <a:fillRect/>
           </a:stretch>
         </p:blipFill>
         <p:spPr>
           <a:xfrm>
-            <a:off x="5638950" y="759599"/>
-            <a:ext cx="5330650" cy="5330650"/>
+            <a:off x="0" y="-4636"/>
+            <a:ext cx="12293174" cy="6862636"/>
           </a:xfrm>
           <a:prstGeom prst="rect">
             <a:avLst/>
@@ -5593,43 +4445,66 @@
       </p:pic>
       <p:sp>
         <p:nvSpPr>
-          <p:cNvPr id="18" name="Rectangle 17">
+          <p:cNvPr id="20" name="Titel 1">
             <a:extLst>
               <a:ext uri="{FF2B5EF4-FFF2-40B4-BE49-F238E27FC236}">
-                <a16:creationId xmlns:a16="http://schemas.microsoft.com/office/drawing/2014/main" id="{4E34A3B6-BAD2-4156-BDC6-4736248BFDE0}"/>
-              </a:ext>
-              <a:ext uri="{C183D7F6-B498-43B3-948B-1728B52AA6E4}">
-                <adec:decorative xmlns:adec="http://schemas.microsoft.com/office/drawing/2017/decorative" val="1"/>
+                <a16:creationId xmlns:a16="http://schemas.microsoft.com/office/drawing/2014/main" id="{5079EB90-93AC-EC41-9A99-FD875851EC51}"/>
               </a:ext>
             </a:extLst>
           </p:cNvPr>
           <p:cNvSpPr>
-            <a:spLocks noGrp="1" noRot="1" noChangeAspect="1" noMove="1" noResize="1" noEditPoints="1" noAdjustHandles="1" noChangeArrowheads="1" noChangeShapeType="1" noTextEdit="1"/>
-          </p:cNvSpPr>
-          <p:nvPr>
-            <p:extLst>
-              <p:ext uri="{386F3935-93C4-4BCD-93E2-E3B085C9AB24}">
-                <p16:designElem xmlns:p16="http://schemas.microsoft.com/office/powerpoint/2015/main" val="1"/>
-              </p:ext>
-            </p:extLst>
-          </p:nvPr>
-        </p:nvSpPr>
-        <p:spPr>
-          <a:xfrm>
-            <a:off x="11815864" y="758952"/>
-            <a:ext cx="384048" cy="5330952"/>
-          </a:xfrm>
-          <a:prstGeom prst="rect">
+            <a:spLocks noGrp="1"/>
+          </p:cNvSpPr>
+          <p:nvPr>
+            <p:ph type="title"/>
+          </p:nvPr>
+        </p:nvSpPr>
+        <p:spPr>
+          <a:xfrm>
+            <a:off x="4321738" y="680278"/>
+            <a:ext cx="3548523" cy="1048512"/>
+          </a:xfrm>
+        </p:spPr>
+        <p:txBody>
+          <a:bodyPr vert="horz" lIns="91440" tIns="45720" rIns="91440" bIns="45720" rtlCol="0" anchor="b">
+            <a:normAutofit fontScale="90000"/>
+          </a:bodyPr>
+          <a:lstStyle/>
+          <a:p>
+            <a:r>
+              <a:rPr lang="en-US" sz="7200" b="1" spc="-100" dirty="0">
+                <a:solidFill>
+                  <a:schemeClr val="bg1"/>
+                </a:solidFill>
+              </a:rPr>
+              <a:t>Das Team</a:t>
+            </a:r>
+          </a:p>
+        </p:txBody>
+      </p:sp>
+      <p:sp>
+        <p:nvSpPr>
+          <p:cNvPr id="16" name="Oval 15">
+            <a:extLst>
+              <a:ext uri="{FF2B5EF4-FFF2-40B4-BE49-F238E27FC236}">
+                <a16:creationId xmlns:a16="http://schemas.microsoft.com/office/drawing/2014/main" id="{E672CD5F-4DC9-C144-8AA5-7229109DB33F}"/>
+              </a:ext>
+            </a:extLst>
+          </p:cNvPr>
+          <p:cNvSpPr/>
+          <p:nvPr/>
+        </p:nvSpPr>
+        <p:spPr>
+          <a:xfrm>
+            <a:off x="768930" y="2750198"/>
+            <a:ext cx="1690111" cy="1690111"/>
+          </a:xfrm>
+          <a:prstGeom prst="ellipse">
             <a:avLst/>
           </a:prstGeom>
           <a:solidFill>
-            <a:srgbClr val="C8C8C8">
-              <a:alpha val="49804"/>
-            </a:srgbClr>
+            <a:schemeClr val="bg1"/>
           </a:solidFill>
-          <a:ln>
-            <a:noFill/>
-          </a:ln>
         </p:spPr>
         <p:style>
           <a:lnRef idx="2">
@@ -5647,11 +4522,782 @@
             <a:schemeClr val="lt1"/>
           </a:fontRef>
         </p:style>
+        <p:txBody>
+          <a:bodyPr rtlCol="0" anchor="ctr"/>
+          <a:lstStyle/>
+          <a:p>
+            <a:pPr algn="ctr"/>
+            <a:endParaRPr lang="de-DE"/>
+          </a:p>
+        </p:txBody>
+      </p:sp>
+      <p:sp>
+        <p:nvSpPr>
+          <p:cNvPr id="22" name="Oval 21">
+            <a:extLst>
+              <a:ext uri="{FF2B5EF4-FFF2-40B4-BE49-F238E27FC236}">
+                <a16:creationId xmlns:a16="http://schemas.microsoft.com/office/drawing/2014/main" id="{476EC5B8-1CC6-5A40-B4AC-6A51155FB5A6}"/>
+              </a:ext>
+            </a:extLst>
+          </p:cNvPr>
+          <p:cNvSpPr/>
+          <p:nvPr/>
+        </p:nvSpPr>
+        <p:spPr>
+          <a:xfrm>
+            <a:off x="3034609" y="2750196"/>
+            <a:ext cx="1690111" cy="1690111"/>
+          </a:xfrm>
+          <a:prstGeom prst="ellipse">
+            <a:avLst/>
+          </a:prstGeom>
+          <a:solidFill>
+            <a:schemeClr val="bg1"/>
+          </a:solidFill>
+        </p:spPr>
+        <p:style>
+          <a:lnRef idx="2">
+            <a:schemeClr val="accent1">
+              <a:shade val="50000"/>
+            </a:schemeClr>
+          </a:lnRef>
+          <a:fillRef idx="1">
+            <a:schemeClr val="accent1"/>
+          </a:fillRef>
+          <a:effectRef idx="0">
+            <a:schemeClr val="accent1"/>
+          </a:effectRef>
+          <a:fontRef idx="minor">
+            <a:schemeClr val="lt1"/>
+          </a:fontRef>
+        </p:style>
+        <p:txBody>
+          <a:bodyPr rtlCol="0" anchor="ctr"/>
+          <a:lstStyle/>
+          <a:p>
+            <a:pPr algn="ctr"/>
+            <a:endParaRPr lang="de-DE"/>
+          </a:p>
+        </p:txBody>
+      </p:sp>
+      <p:sp>
+        <p:nvSpPr>
+          <p:cNvPr id="24" name="Oval 23">
+            <a:extLst>
+              <a:ext uri="{FF2B5EF4-FFF2-40B4-BE49-F238E27FC236}">
+                <a16:creationId xmlns:a16="http://schemas.microsoft.com/office/drawing/2014/main" id="{913A2ABD-6A6B-4340-B348-B706E3104CAF}"/>
+              </a:ext>
+            </a:extLst>
+          </p:cNvPr>
+          <p:cNvSpPr/>
+          <p:nvPr/>
+        </p:nvSpPr>
+        <p:spPr>
+          <a:xfrm>
+            <a:off x="5300288" y="2776100"/>
+            <a:ext cx="1690111" cy="1690111"/>
+          </a:xfrm>
+          <a:prstGeom prst="ellipse">
+            <a:avLst/>
+          </a:prstGeom>
+          <a:solidFill>
+            <a:schemeClr val="bg1"/>
+          </a:solidFill>
+        </p:spPr>
+        <p:style>
+          <a:lnRef idx="2">
+            <a:schemeClr val="accent1">
+              <a:shade val="50000"/>
+            </a:schemeClr>
+          </a:lnRef>
+          <a:fillRef idx="1">
+            <a:schemeClr val="accent1"/>
+          </a:fillRef>
+          <a:effectRef idx="0">
+            <a:schemeClr val="accent1"/>
+          </a:effectRef>
+          <a:fontRef idx="minor">
+            <a:schemeClr val="lt1"/>
+          </a:fontRef>
+        </p:style>
+        <p:txBody>
+          <a:bodyPr rtlCol="0" anchor="ctr"/>
+          <a:lstStyle/>
+          <a:p>
+            <a:pPr algn="ctr"/>
+            <a:endParaRPr lang="de-DE"/>
+          </a:p>
+        </p:txBody>
+      </p:sp>
+      <p:sp>
+        <p:nvSpPr>
+          <p:cNvPr id="25" name="Oval 24">
+            <a:extLst>
+              <a:ext uri="{FF2B5EF4-FFF2-40B4-BE49-F238E27FC236}">
+                <a16:creationId xmlns:a16="http://schemas.microsoft.com/office/drawing/2014/main" id="{322B8243-F9CD-5642-B1FF-D13D629E2261}"/>
+              </a:ext>
+            </a:extLst>
+          </p:cNvPr>
+          <p:cNvSpPr/>
+          <p:nvPr/>
+        </p:nvSpPr>
+        <p:spPr>
+          <a:xfrm>
+            <a:off x="7565967" y="2750195"/>
+            <a:ext cx="1690111" cy="1690111"/>
+          </a:xfrm>
+          <a:prstGeom prst="ellipse">
+            <a:avLst/>
+          </a:prstGeom>
+          <a:solidFill>
+            <a:schemeClr val="bg1"/>
+          </a:solidFill>
+        </p:spPr>
+        <p:style>
+          <a:lnRef idx="2">
+            <a:schemeClr val="accent1">
+              <a:shade val="50000"/>
+            </a:schemeClr>
+          </a:lnRef>
+          <a:fillRef idx="1">
+            <a:schemeClr val="accent1"/>
+          </a:fillRef>
+          <a:effectRef idx="0">
+            <a:schemeClr val="accent1"/>
+          </a:effectRef>
+          <a:fontRef idx="minor">
+            <a:schemeClr val="lt1"/>
+          </a:fontRef>
+        </p:style>
+        <p:txBody>
+          <a:bodyPr rtlCol="0" anchor="ctr"/>
+          <a:lstStyle/>
+          <a:p>
+            <a:pPr algn="ctr"/>
+            <a:endParaRPr lang="de-DE"/>
+          </a:p>
+        </p:txBody>
+      </p:sp>
+      <p:sp>
+        <p:nvSpPr>
+          <p:cNvPr id="27" name="Oval 26">
+            <a:extLst>
+              <a:ext uri="{FF2B5EF4-FFF2-40B4-BE49-F238E27FC236}">
+                <a16:creationId xmlns:a16="http://schemas.microsoft.com/office/drawing/2014/main" id="{58FD0DB1-BA8C-9840-8E16-8F57D5B0A163}"/>
+              </a:ext>
+            </a:extLst>
+          </p:cNvPr>
+          <p:cNvSpPr/>
+          <p:nvPr/>
+        </p:nvSpPr>
+        <p:spPr>
+          <a:xfrm>
+            <a:off x="9816870" y="2776100"/>
+            <a:ext cx="1690111" cy="1690111"/>
+          </a:xfrm>
+          <a:prstGeom prst="ellipse">
+            <a:avLst/>
+          </a:prstGeom>
+          <a:solidFill>
+            <a:schemeClr val="bg1"/>
+          </a:solidFill>
+        </p:spPr>
+        <p:style>
+          <a:lnRef idx="2">
+            <a:schemeClr val="accent1">
+              <a:shade val="50000"/>
+            </a:schemeClr>
+          </a:lnRef>
+          <a:fillRef idx="1">
+            <a:schemeClr val="accent1"/>
+          </a:fillRef>
+          <a:effectRef idx="0">
+            <a:schemeClr val="accent1"/>
+          </a:effectRef>
+          <a:fontRef idx="minor">
+            <a:schemeClr val="lt1"/>
+          </a:fontRef>
+        </p:style>
+        <p:txBody>
+          <a:bodyPr rtlCol="0" anchor="ctr"/>
+          <a:lstStyle/>
+          <a:p>
+            <a:pPr algn="ctr"/>
+            <a:endParaRPr lang="de-DE"/>
+          </a:p>
+        </p:txBody>
+      </p:sp>
+      <p:sp>
+        <p:nvSpPr>
+          <p:cNvPr id="28" name="Titel 1">
+            <a:extLst>
+              <a:ext uri="{FF2B5EF4-FFF2-40B4-BE49-F238E27FC236}">
+                <a16:creationId xmlns:a16="http://schemas.microsoft.com/office/drawing/2014/main" id="{2BDF8157-FA38-0845-9ACE-42D28848285E}"/>
+              </a:ext>
+            </a:extLst>
+          </p:cNvPr>
+          <p:cNvSpPr txBox="1">
+            <a:spLocks/>
+          </p:cNvSpPr>
+          <p:nvPr/>
+        </p:nvSpPr>
+        <p:spPr>
+          <a:xfrm>
+            <a:off x="631405" y="4745873"/>
+            <a:ext cx="1958050" cy="1174408"/>
+          </a:xfrm>
+          <a:prstGeom prst="rect">
+            <a:avLst/>
+          </a:prstGeom>
+        </p:spPr>
+        <p:txBody>
+          <a:bodyPr vert="horz" lIns="91440" tIns="45720" rIns="91440" bIns="45720" rtlCol="0" anchor="b">
+            <a:normAutofit fontScale="97500" lnSpcReduction="10000"/>
+          </a:bodyPr>
+          <a:lstStyle>
+            <a:lvl1pPr algn="l" defTabSz="914400" rtl="0" eaLnBrk="1" latinLnBrk="0" hangingPunct="1">
+              <a:lnSpc>
+                <a:spcPct val="90000"/>
+              </a:lnSpc>
+              <a:spcBef>
+                <a:spcPct val="0"/>
+              </a:spcBef>
+              <a:buNone/>
+              <a:defRPr sz="3600" kern="1200" spc="-60" baseline="0">
+                <a:solidFill>
+                  <a:srgbClr val="FFFFFF"/>
+                </a:solidFill>
+                <a:latin typeface="+mj-lt"/>
+                <a:ea typeface="+mj-ea"/>
+                <a:cs typeface="+mj-cs"/>
+              </a:defRPr>
+            </a:lvl1pPr>
+          </a:lstStyle>
+          <a:p>
+            <a:pPr algn="ctr"/>
+            <a:r>
+              <a:rPr lang="en-US" sz="2400" b="1" spc="-100" dirty="0">
+                <a:solidFill>
+                  <a:schemeClr val="bg1"/>
+                </a:solidFill>
+              </a:rPr>
+              <a:t>Markus Stadler</a:t>
+            </a:r>
+          </a:p>
+          <a:p>
+            <a:pPr algn="ctr"/>
+            <a:endParaRPr lang="en-US" sz="2000" b="1" spc="-100" dirty="0">
+              <a:solidFill>
+                <a:schemeClr val="bg1"/>
+              </a:solidFill>
+            </a:endParaRPr>
+          </a:p>
+          <a:p>
+            <a:pPr algn="ctr"/>
+            <a:r>
+              <a:rPr lang="en-US" sz="2000" b="1" spc="-100" dirty="0">
+                <a:solidFill>
+                  <a:schemeClr val="bg1"/>
+                </a:solidFill>
+              </a:rPr>
+              <a:t>Backend </a:t>
+            </a:r>
+            <a:br>
+              <a:rPr lang="en-US" sz="2000" b="1" spc="-100" dirty="0">
+                <a:solidFill>
+                  <a:schemeClr val="bg1"/>
+                </a:solidFill>
+              </a:rPr>
+            </a:br>
+            <a:r>
+              <a:rPr lang="en-US" sz="2000" b="1" spc="-100" dirty="0" err="1">
+                <a:solidFill>
+                  <a:schemeClr val="bg1"/>
+                </a:solidFill>
+              </a:rPr>
+              <a:t>Keycloak</a:t>
+            </a:r>
+            <a:endParaRPr lang="en-US" sz="2400" b="1" spc="-100" dirty="0">
+              <a:solidFill>
+                <a:schemeClr val="bg1"/>
+              </a:solidFill>
+            </a:endParaRPr>
+          </a:p>
+        </p:txBody>
+      </p:sp>
+      <p:sp>
+        <p:nvSpPr>
+          <p:cNvPr id="29" name="Titel 1">
+            <a:extLst>
+              <a:ext uri="{FF2B5EF4-FFF2-40B4-BE49-F238E27FC236}">
+                <a16:creationId xmlns:a16="http://schemas.microsoft.com/office/drawing/2014/main" id="{EB1B1D0A-FED2-9A4F-925A-F4AEB6214C65}"/>
+              </a:ext>
+            </a:extLst>
+          </p:cNvPr>
+          <p:cNvSpPr txBox="1">
+            <a:spLocks/>
+          </p:cNvSpPr>
+          <p:nvPr/>
+        </p:nvSpPr>
+        <p:spPr>
+          <a:xfrm>
+            <a:off x="2900639" y="4781681"/>
+            <a:ext cx="1958050" cy="941308"/>
+          </a:xfrm>
+          <a:prstGeom prst="rect">
+            <a:avLst/>
+          </a:prstGeom>
+        </p:spPr>
+        <p:txBody>
+          <a:bodyPr vert="horz" lIns="91440" tIns="45720" rIns="91440" bIns="45720" rtlCol="0" anchor="b">
+            <a:normAutofit fontScale="97500" lnSpcReduction="10000"/>
+          </a:bodyPr>
+          <a:lstStyle>
+            <a:lvl1pPr algn="l" defTabSz="914400" rtl="0" eaLnBrk="1" latinLnBrk="0" hangingPunct="1">
+              <a:lnSpc>
+                <a:spcPct val="90000"/>
+              </a:lnSpc>
+              <a:spcBef>
+                <a:spcPct val="0"/>
+              </a:spcBef>
+              <a:buNone/>
+              <a:defRPr sz="3600" kern="1200" spc="-60" baseline="0">
+                <a:solidFill>
+                  <a:srgbClr val="FFFFFF"/>
+                </a:solidFill>
+                <a:latin typeface="+mj-lt"/>
+                <a:ea typeface="+mj-ea"/>
+                <a:cs typeface="+mj-cs"/>
+              </a:defRPr>
+            </a:lvl1pPr>
+          </a:lstStyle>
+          <a:p>
+            <a:pPr algn="ctr"/>
+            <a:r>
+              <a:rPr lang="en-US" sz="2400" b="1" spc="-100" dirty="0">
+                <a:solidFill>
+                  <a:schemeClr val="bg1"/>
+                </a:solidFill>
+              </a:rPr>
+              <a:t>Noah </a:t>
+            </a:r>
+            <a:r>
+              <a:rPr lang="en-US" sz="2400" b="1" spc="-100" dirty="0" err="1">
+                <a:solidFill>
+                  <a:schemeClr val="bg1"/>
+                </a:solidFill>
+              </a:rPr>
+              <a:t>Stallinger</a:t>
+            </a:r>
+            <a:endParaRPr lang="en-US" sz="2400" b="1" spc="-100" dirty="0">
+              <a:solidFill>
+                <a:schemeClr val="bg1"/>
+              </a:solidFill>
+            </a:endParaRPr>
+          </a:p>
+          <a:p>
+            <a:pPr algn="ctr"/>
+            <a:endParaRPr lang="en-US" sz="2400" b="1" spc="-100" dirty="0">
+              <a:solidFill>
+                <a:schemeClr val="bg1"/>
+              </a:solidFill>
+            </a:endParaRPr>
+          </a:p>
+          <a:p>
+            <a:pPr algn="ctr"/>
+            <a:r>
+              <a:rPr lang="en-US" sz="2100" b="1" spc="-100" dirty="0">
+                <a:solidFill>
+                  <a:schemeClr val="bg1"/>
+                </a:solidFill>
+              </a:rPr>
+              <a:t>Frontend</a:t>
+            </a:r>
+          </a:p>
+        </p:txBody>
+      </p:sp>
+      <p:sp>
+        <p:nvSpPr>
+          <p:cNvPr id="30" name="Titel 1">
+            <a:extLst>
+              <a:ext uri="{FF2B5EF4-FFF2-40B4-BE49-F238E27FC236}">
+                <a16:creationId xmlns:a16="http://schemas.microsoft.com/office/drawing/2014/main" id="{DF255AD6-85F1-4744-92B1-7D4BBD40452D}"/>
+              </a:ext>
+            </a:extLst>
+          </p:cNvPr>
+          <p:cNvSpPr txBox="1">
+            <a:spLocks/>
+          </p:cNvSpPr>
+          <p:nvPr/>
+        </p:nvSpPr>
+        <p:spPr>
+          <a:xfrm>
+            <a:off x="5354261" y="4814289"/>
+            <a:ext cx="1578908" cy="1105991"/>
+          </a:xfrm>
+          <a:prstGeom prst="rect">
+            <a:avLst/>
+          </a:prstGeom>
+        </p:spPr>
+        <p:txBody>
+          <a:bodyPr vert="horz" lIns="91440" tIns="45720" rIns="91440" bIns="45720" rtlCol="0" anchor="b">
+            <a:normAutofit fontScale="75000" lnSpcReduction="20000"/>
+          </a:bodyPr>
+          <a:lstStyle>
+            <a:lvl1pPr algn="l" defTabSz="914400" rtl="0" eaLnBrk="1" latinLnBrk="0" hangingPunct="1">
+              <a:lnSpc>
+                <a:spcPct val="90000"/>
+              </a:lnSpc>
+              <a:spcBef>
+                <a:spcPct val="0"/>
+              </a:spcBef>
+              <a:buNone/>
+              <a:defRPr sz="3600" kern="1200" spc="-60" baseline="0">
+                <a:solidFill>
+                  <a:srgbClr val="FFFFFF"/>
+                </a:solidFill>
+                <a:latin typeface="+mj-lt"/>
+                <a:ea typeface="+mj-ea"/>
+                <a:cs typeface="+mj-cs"/>
+              </a:defRPr>
+            </a:lvl1pPr>
+          </a:lstStyle>
+          <a:p>
+            <a:pPr algn="ctr"/>
+            <a:r>
+              <a:rPr lang="en-US" sz="3100" b="1" spc="-100" dirty="0">
+                <a:solidFill>
+                  <a:schemeClr val="bg1"/>
+                </a:solidFill>
+              </a:rPr>
+              <a:t>Julian Haas</a:t>
+            </a:r>
+            <a:br>
+              <a:rPr lang="en-US" sz="3100" b="1" spc="-100" dirty="0">
+                <a:solidFill>
+                  <a:schemeClr val="bg1"/>
+                </a:solidFill>
+              </a:rPr>
+            </a:br>
+            <a:endParaRPr lang="en-US" sz="3100" b="1" spc="-100" dirty="0">
+              <a:solidFill>
+                <a:schemeClr val="bg1"/>
+              </a:solidFill>
+            </a:endParaRPr>
+          </a:p>
+          <a:p>
+            <a:pPr algn="ctr"/>
+            <a:r>
+              <a:rPr lang="en-US" sz="2700" b="1" spc="-100" dirty="0">
+                <a:solidFill>
+                  <a:schemeClr val="bg1"/>
+                </a:solidFill>
+              </a:rPr>
+              <a:t> </a:t>
+            </a:r>
+            <a:r>
+              <a:rPr lang="en-US" sz="2700" b="1" spc="-100" dirty="0" err="1">
+                <a:solidFill>
+                  <a:schemeClr val="bg1"/>
+                </a:solidFill>
+              </a:rPr>
+              <a:t>Animationen</a:t>
+            </a:r>
+            <a:r>
+              <a:rPr lang="en-US" sz="2700" b="1" spc="-100" dirty="0">
+                <a:solidFill>
+                  <a:schemeClr val="bg1"/>
+                </a:solidFill>
+              </a:rPr>
+              <a:t>  Backend</a:t>
+            </a:r>
+          </a:p>
+        </p:txBody>
+      </p:sp>
+      <p:sp>
+        <p:nvSpPr>
+          <p:cNvPr id="31" name="Titel 1">
+            <a:extLst>
+              <a:ext uri="{FF2B5EF4-FFF2-40B4-BE49-F238E27FC236}">
+                <a16:creationId xmlns:a16="http://schemas.microsoft.com/office/drawing/2014/main" id="{D84E3F59-DD13-AA40-8450-EB4EC53AA966}"/>
+              </a:ext>
+            </a:extLst>
+          </p:cNvPr>
+          <p:cNvSpPr txBox="1">
+            <a:spLocks/>
+          </p:cNvSpPr>
+          <p:nvPr/>
+        </p:nvSpPr>
+        <p:spPr>
+          <a:xfrm>
+            <a:off x="7428741" y="4814290"/>
+            <a:ext cx="1958050" cy="908699"/>
+          </a:xfrm>
+          <a:prstGeom prst="rect">
+            <a:avLst/>
+          </a:prstGeom>
+        </p:spPr>
+        <p:txBody>
+          <a:bodyPr vert="horz" lIns="91440" tIns="45720" rIns="91440" bIns="45720" rtlCol="0" anchor="b">
+            <a:normAutofit fontScale="97500" lnSpcReduction="10000"/>
+          </a:bodyPr>
+          <a:lstStyle>
+            <a:lvl1pPr algn="l" defTabSz="914400" rtl="0" eaLnBrk="1" latinLnBrk="0" hangingPunct="1">
+              <a:lnSpc>
+                <a:spcPct val="90000"/>
+              </a:lnSpc>
+              <a:spcBef>
+                <a:spcPct val="0"/>
+              </a:spcBef>
+              <a:buNone/>
+              <a:defRPr sz="3600" kern="1200" spc="-60" baseline="0">
+                <a:solidFill>
+                  <a:srgbClr val="FFFFFF"/>
+                </a:solidFill>
+                <a:latin typeface="+mj-lt"/>
+                <a:ea typeface="+mj-ea"/>
+                <a:cs typeface="+mj-cs"/>
+              </a:defRPr>
+            </a:lvl1pPr>
+          </a:lstStyle>
+          <a:p>
+            <a:pPr algn="ctr"/>
+            <a:r>
+              <a:rPr lang="en-US" sz="2400" b="1" spc="-100" dirty="0">
+                <a:solidFill>
+                  <a:schemeClr val="bg1"/>
+                </a:solidFill>
+              </a:rPr>
+              <a:t>Stephan </a:t>
+            </a:r>
+            <a:r>
+              <a:rPr lang="en-US" sz="2400" b="1" spc="-100" dirty="0" err="1">
+                <a:solidFill>
+                  <a:schemeClr val="bg1"/>
+                </a:solidFill>
+              </a:rPr>
+              <a:t>Herbe</a:t>
+            </a:r>
+            <a:endParaRPr lang="en-US" sz="2400" b="1" spc="-100" dirty="0">
+              <a:solidFill>
+                <a:schemeClr val="bg1"/>
+              </a:solidFill>
+            </a:endParaRPr>
+          </a:p>
+          <a:p>
+            <a:pPr algn="ctr"/>
+            <a:endParaRPr lang="en-US" sz="2400" b="1" spc="-100" dirty="0">
+              <a:solidFill>
+                <a:schemeClr val="bg1"/>
+              </a:solidFill>
+            </a:endParaRPr>
+          </a:p>
+          <a:p>
+            <a:pPr algn="ctr"/>
+            <a:r>
+              <a:rPr lang="en-US" sz="2100" b="1" spc="-100" dirty="0">
+                <a:solidFill>
+                  <a:schemeClr val="bg1"/>
+                </a:solidFill>
+              </a:rPr>
+              <a:t>Frontend</a:t>
+            </a:r>
+          </a:p>
+        </p:txBody>
+      </p:sp>
+      <p:sp>
+        <p:nvSpPr>
+          <p:cNvPr id="32" name="Titel 1">
+            <a:extLst>
+              <a:ext uri="{FF2B5EF4-FFF2-40B4-BE49-F238E27FC236}">
+                <a16:creationId xmlns:a16="http://schemas.microsoft.com/office/drawing/2014/main" id="{0A4473AB-DD8A-2246-9526-8BA8E275EF38}"/>
+              </a:ext>
+            </a:extLst>
+          </p:cNvPr>
+          <p:cNvSpPr txBox="1">
+            <a:spLocks/>
+          </p:cNvSpPr>
+          <p:nvPr/>
+        </p:nvSpPr>
+        <p:spPr>
+          <a:xfrm>
+            <a:off x="9682900" y="4814290"/>
+            <a:ext cx="1958050" cy="908699"/>
+          </a:xfrm>
+          <a:prstGeom prst="rect">
+            <a:avLst/>
+          </a:prstGeom>
+        </p:spPr>
+        <p:txBody>
+          <a:bodyPr vert="horz" lIns="91440" tIns="45720" rIns="91440" bIns="45720" rtlCol="0" anchor="b">
+            <a:normAutofit fontScale="97500" lnSpcReduction="10000"/>
+          </a:bodyPr>
+          <a:lstStyle>
+            <a:lvl1pPr algn="l" defTabSz="914400" rtl="0" eaLnBrk="1" latinLnBrk="0" hangingPunct="1">
+              <a:lnSpc>
+                <a:spcPct val="90000"/>
+              </a:lnSpc>
+              <a:spcBef>
+                <a:spcPct val="0"/>
+              </a:spcBef>
+              <a:buNone/>
+              <a:defRPr sz="3600" kern="1200" spc="-60" baseline="0">
+                <a:solidFill>
+                  <a:srgbClr val="FFFFFF"/>
+                </a:solidFill>
+                <a:latin typeface="+mj-lt"/>
+                <a:ea typeface="+mj-ea"/>
+                <a:cs typeface="+mj-cs"/>
+              </a:defRPr>
+            </a:lvl1pPr>
+          </a:lstStyle>
+          <a:p>
+            <a:pPr algn="ctr"/>
+            <a:r>
+              <a:rPr lang="en-US" sz="2400" b="1" spc="-100" dirty="0">
+                <a:solidFill>
+                  <a:schemeClr val="bg1"/>
+                </a:solidFill>
+              </a:rPr>
+              <a:t>Moritz </a:t>
+            </a:r>
+            <a:r>
+              <a:rPr lang="en-US" sz="2400" b="1" spc="-100" dirty="0" err="1">
+                <a:solidFill>
+                  <a:schemeClr val="bg1"/>
+                </a:solidFill>
+              </a:rPr>
+              <a:t>Weibold</a:t>
+            </a:r>
+            <a:endParaRPr lang="en-US" sz="2400" b="1" spc="-100" dirty="0">
+              <a:solidFill>
+                <a:schemeClr val="bg1"/>
+              </a:solidFill>
+            </a:endParaRPr>
+          </a:p>
+          <a:p>
+            <a:pPr algn="ctr"/>
+            <a:endParaRPr lang="en-US" sz="2400" b="1" spc="-100" dirty="0">
+              <a:solidFill>
+                <a:schemeClr val="bg1"/>
+              </a:solidFill>
+            </a:endParaRPr>
+          </a:p>
+          <a:p>
+            <a:pPr algn="ctr"/>
+            <a:r>
+              <a:rPr lang="en-US" sz="2100" b="1" spc="-100" dirty="0">
+                <a:solidFill>
+                  <a:schemeClr val="bg1"/>
+                </a:solidFill>
+              </a:rPr>
+              <a:t>Frontend</a:t>
+            </a:r>
+          </a:p>
+        </p:txBody>
+      </p:sp>
+      <p:sp>
+        <p:nvSpPr>
+          <p:cNvPr id="37" name="Wolke 36">
+            <a:extLst>
+              <a:ext uri="{FF2B5EF4-FFF2-40B4-BE49-F238E27FC236}">
+                <a16:creationId xmlns:a16="http://schemas.microsoft.com/office/drawing/2014/main" id="{24656458-3573-9941-A0B4-FA0C528F5F6A}"/>
+              </a:ext>
+            </a:extLst>
+          </p:cNvPr>
+          <p:cNvSpPr/>
+          <p:nvPr/>
+        </p:nvSpPr>
+        <p:spPr>
+          <a:xfrm>
+            <a:off x="10557069" y="-1479881"/>
+            <a:ext cx="3729497" cy="3211032"/>
+          </a:xfrm>
+          <a:prstGeom prst="cloud">
+            <a:avLst/>
+          </a:prstGeom>
+          <a:solidFill>
+            <a:schemeClr val="bg1"/>
+          </a:solidFill>
+        </p:spPr>
+        <p:style>
+          <a:lnRef idx="2">
+            <a:schemeClr val="accent1">
+              <a:shade val="50000"/>
+            </a:schemeClr>
+          </a:lnRef>
+          <a:fillRef idx="1">
+            <a:schemeClr val="accent1"/>
+          </a:fillRef>
+          <a:effectRef idx="0">
+            <a:schemeClr val="accent1"/>
+          </a:effectRef>
+          <a:fontRef idx="minor">
+            <a:schemeClr val="lt1"/>
+          </a:fontRef>
+        </p:style>
+        <p:txBody>
+          <a:bodyPr rtlCol="0" anchor="ctr"/>
+          <a:lstStyle/>
+          <a:p>
+            <a:pPr algn="ctr"/>
+            <a:endParaRPr lang="de-DE"/>
+          </a:p>
+        </p:txBody>
+      </p:sp>
+      <p:sp>
+        <p:nvSpPr>
+          <p:cNvPr id="38" name="Wolke 37">
+            <a:extLst>
+              <a:ext uri="{FF2B5EF4-FFF2-40B4-BE49-F238E27FC236}">
+                <a16:creationId xmlns:a16="http://schemas.microsoft.com/office/drawing/2014/main" id="{710503B2-8E41-9E42-9E4D-F4BCAEA29B8E}"/>
+              </a:ext>
+            </a:extLst>
+          </p:cNvPr>
+          <p:cNvSpPr/>
+          <p:nvPr/>
+        </p:nvSpPr>
+        <p:spPr>
+          <a:xfrm>
+            <a:off x="-2284608" y="5920280"/>
+            <a:ext cx="3895038" cy="3211032"/>
+          </a:xfrm>
+          <a:prstGeom prst="cloud">
+            <a:avLst/>
+          </a:prstGeom>
+          <a:solidFill>
+            <a:schemeClr val="bg1"/>
+          </a:solidFill>
+        </p:spPr>
+        <p:style>
+          <a:lnRef idx="2">
+            <a:schemeClr val="accent1">
+              <a:shade val="50000"/>
+            </a:schemeClr>
+          </a:lnRef>
+          <a:fillRef idx="1">
+            <a:schemeClr val="accent1"/>
+          </a:fillRef>
+          <a:effectRef idx="0">
+            <a:schemeClr val="accent1"/>
+          </a:effectRef>
+          <a:fontRef idx="minor">
+            <a:schemeClr val="lt1"/>
+          </a:fontRef>
+        </p:style>
+        <p:txBody>
+          <a:bodyPr rtlCol="0" anchor="ctr"/>
+          <a:lstStyle/>
+          <a:p>
+            <a:pPr algn="ctr"/>
+            <a:endParaRPr lang="de-DE"/>
+          </a:p>
+        </p:txBody>
       </p:sp>
     </p:spTree>
     <p:extLst>
       <p:ext uri="{BB962C8B-B14F-4D97-AF65-F5344CB8AC3E}">
-        <p14:creationId xmlns:p14="http://schemas.microsoft.com/office/powerpoint/2010/main" val="1947262083"/>
+        <p14:creationId xmlns:p14="http://schemas.microsoft.com/office/powerpoint/2010/main" val="3232779718"/>
       </p:ext>
     </p:extLst>
   </p:cSld>
@@ -5664,6 +5310,14 @@
 <file path=ppt/slides/slide5.xml><?xml version="1.0" encoding="utf-8"?>
 <p:sld xmlns:a="http://schemas.openxmlformats.org/drawingml/2006/main" xmlns:r="http://schemas.openxmlformats.org/officeDocument/2006/relationships" xmlns:p="http://schemas.openxmlformats.org/presentationml/2006/main">
   <p:cSld>
+    <p:bg>
+      <p:bgPr>
+        <a:solidFill>
+          <a:schemeClr val="bg1"/>
+        </a:solidFill>
+        <a:effectLst/>
+      </p:bgPr>
+    </p:bg>
     <p:spTree>
       <p:nvGrpSpPr>
         <p:cNvPr id="1" name=""/>
@@ -5680,10 +5334,237 @@
       </p:grpSpPr>
       <p:sp>
         <p:nvSpPr>
+          <p:cNvPr id="10" name="Rectangle 9">
+            <a:extLst>
+              <a:ext uri="{FF2B5EF4-FFF2-40B4-BE49-F238E27FC236}">
+                <a16:creationId xmlns:a16="http://schemas.microsoft.com/office/drawing/2014/main" id="{DB8424AB-D56B-4256-866A-5B54DE93C20F}"/>
+              </a:ext>
+              <a:ext uri="{C183D7F6-B498-43B3-948B-1728B52AA6E4}">
+                <adec:decorative xmlns:adec="http://schemas.microsoft.com/office/drawing/2017/decorative" val="1"/>
+              </a:ext>
+            </a:extLst>
+          </p:cNvPr>
+          <p:cNvSpPr>
+            <a:spLocks noGrp="1" noRot="1" noChangeAspect="1" noMove="1" noResize="1" noEditPoints="1" noAdjustHandles="1" noChangeArrowheads="1" noChangeShapeType="1" noTextEdit="1"/>
+          </p:cNvSpPr>
+          <p:nvPr>
+            <p:extLst>
+              <p:ext uri="{386F3935-93C4-4BCD-93E2-E3B085C9AB24}">
+                <p16:designElem xmlns:p16="http://schemas.microsoft.com/office/powerpoint/2015/main" val="1"/>
+              </p:ext>
+            </p:extLst>
+          </p:nvPr>
+        </p:nvSpPr>
+        <p:spPr>
+          <a:xfrm>
+            <a:off x="0" y="761999"/>
+            <a:ext cx="9141619" cy="5334001"/>
+          </a:xfrm>
+          <a:prstGeom prst="rect">
+            <a:avLst/>
+          </a:prstGeom>
+          <a:solidFill>
+            <a:schemeClr val="accent1"/>
+          </a:solidFill>
+          <a:ln>
+            <a:noFill/>
+          </a:ln>
+        </p:spPr>
+        <p:style>
+          <a:lnRef idx="2">
+            <a:schemeClr val="accent1">
+              <a:shade val="50000"/>
+            </a:schemeClr>
+          </a:lnRef>
+          <a:fillRef idx="1">
+            <a:schemeClr val="accent1"/>
+          </a:fillRef>
+          <a:effectRef idx="0">
+            <a:schemeClr val="accent1"/>
+          </a:effectRef>
+          <a:fontRef idx="minor">
+            <a:schemeClr val="lt1"/>
+          </a:fontRef>
+        </p:style>
+      </p:sp>
+      <p:sp>
+        <p:nvSpPr>
+          <p:cNvPr id="12" name="Rectangle 11">
+            <a:extLst>
+              <a:ext uri="{FF2B5EF4-FFF2-40B4-BE49-F238E27FC236}">
+                <a16:creationId xmlns:a16="http://schemas.microsoft.com/office/drawing/2014/main" id="{FC999C28-AD33-4EB7-A5F1-C06D10A5FDF7}"/>
+              </a:ext>
+              <a:ext uri="{C183D7F6-B498-43B3-948B-1728B52AA6E4}">
+                <adec:decorative xmlns:adec="http://schemas.microsoft.com/office/drawing/2017/decorative" val="1"/>
+              </a:ext>
+            </a:extLst>
+          </p:cNvPr>
+          <p:cNvSpPr>
+            <a:spLocks noGrp="1" noRot="1" noChangeAspect="1" noMove="1" noResize="1" noEditPoints="1" noAdjustHandles="1" noChangeArrowheads="1" noChangeShapeType="1" noTextEdit="1"/>
+          </p:cNvSpPr>
+          <p:nvPr>
+            <p:extLst>
+              <p:ext uri="{386F3935-93C4-4BCD-93E2-E3B085C9AB24}">
+                <p16:designElem xmlns:p16="http://schemas.microsoft.com/office/powerpoint/2015/main" val="1"/>
+              </p:ext>
+            </p:extLst>
+          </p:nvPr>
+        </p:nvSpPr>
+        <p:spPr>
+          <a:xfrm>
+            <a:off x="9270263" y="761999"/>
+            <a:ext cx="2925318" cy="5334001"/>
+          </a:xfrm>
+          <a:prstGeom prst="rect">
+            <a:avLst/>
+          </a:prstGeom>
+          <a:solidFill>
+            <a:srgbClr val="C8C8C8">
+              <a:alpha val="49804"/>
+            </a:srgbClr>
+          </a:solidFill>
+          <a:ln>
+            <a:noFill/>
+          </a:ln>
+        </p:spPr>
+        <p:style>
+          <a:lnRef idx="2">
+            <a:schemeClr val="accent1">
+              <a:shade val="50000"/>
+            </a:schemeClr>
+          </a:lnRef>
+          <a:fillRef idx="1">
+            <a:schemeClr val="accent1"/>
+          </a:fillRef>
+          <a:effectRef idx="0">
+            <a:schemeClr val="accent1"/>
+          </a:effectRef>
+          <a:fontRef idx="minor">
+            <a:schemeClr val="lt1"/>
+          </a:fontRef>
+        </p:style>
+      </p:sp>
+      <p:sp useBgFill="1">
+        <p:nvSpPr>
+          <p:cNvPr id="14" name="Rectangle 13">
+            <a:extLst>
+              <a:ext uri="{FF2B5EF4-FFF2-40B4-BE49-F238E27FC236}">
+                <a16:creationId xmlns:a16="http://schemas.microsoft.com/office/drawing/2014/main" id="{0864E5C9-52C9-4572-AC75-548B9B9C2648}"/>
+              </a:ext>
+              <a:ext uri="{C183D7F6-B498-43B3-948B-1728B52AA6E4}">
+                <adec:decorative xmlns:adec="http://schemas.microsoft.com/office/drawing/2017/decorative" val="1"/>
+              </a:ext>
+            </a:extLst>
+          </p:cNvPr>
+          <p:cNvSpPr>
+            <a:spLocks noGrp="1" noRot="1" noChangeAspect="1" noMove="1" noResize="1" noEditPoints="1" noAdjustHandles="1" noChangeArrowheads="1" noChangeShapeType="1" noTextEdit="1"/>
+          </p:cNvSpPr>
+          <p:nvPr>
+            <p:extLst>
+              <p:ext uri="{386F3935-93C4-4BCD-93E2-E3B085C9AB24}">
+                <p16:designElem xmlns:p16="http://schemas.microsoft.com/office/powerpoint/2015/main" val="1"/>
+              </p:ext>
+            </p:extLst>
+          </p:nvPr>
+        </p:nvSpPr>
+        <p:spPr>
+          <a:xfrm>
+            <a:off x="0" y="0"/>
+            <a:ext cx="12191999" cy="6858000"/>
+          </a:xfrm>
+          <a:prstGeom prst="rect">
+            <a:avLst/>
+          </a:prstGeom>
+          <a:ln>
+            <a:noFill/>
+          </a:ln>
+        </p:spPr>
+        <p:style>
+          <a:lnRef idx="2">
+            <a:schemeClr val="accent1">
+              <a:shade val="50000"/>
+            </a:schemeClr>
+          </a:lnRef>
+          <a:fillRef idx="1">
+            <a:schemeClr val="accent1"/>
+          </a:fillRef>
+          <a:effectRef idx="0">
+            <a:schemeClr val="accent1"/>
+          </a:effectRef>
+          <a:fontRef idx="minor">
+            <a:schemeClr val="lt1"/>
+          </a:fontRef>
+        </p:style>
+        <p:txBody>
+          <a:bodyPr rtlCol="0" anchor="ctr"/>
+          <a:lstStyle/>
+          <a:p>
+            <a:pPr algn="ctr"/>
+            <a:endParaRPr lang="en-US"/>
+          </a:p>
+        </p:txBody>
+      </p:sp>
+      <p:sp>
+        <p:nvSpPr>
+          <p:cNvPr id="16" name="Rectangle 15">
+            <a:extLst>
+              <a:ext uri="{FF2B5EF4-FFF2-40B4-BE49-F238E27FC236}">
+                <a16:creationId xmlns:a16="http://schemas.microsoft.com/office/drawing/2014/main" id="{45CC6500-4DBD-4C34-BC14-2387FB483BEB}"/>
+              </a:ext>
+              <a:ext uri="{C183D7F6-B498-43B3-948B-1728B52AA6E4}">
+                <adec:decorative xmlns:adec="http://schemas.microsoft.com/office/drawing/2017/decorative" val="1"/>
+              </a:ext>
+            </a:extLst>
+          </p:cNvPr>
+          <p:cNvSpPr>
+            <a:spLocks noGrp="1" noRot="1" noChangeAspect="1" noMove="1" noResize="1" noEditPoints="1" noAdjustHandles="1" noChangeArrowheads="1" noChangeShapeType="1" noTextEdit="1"/>
+          </p:cNvSpPr>
+          <p:nvPr>
+            <p:extLst>
+              <p:ext uri="{386F3935-93C4-4BCD-93E2-E3B085C9AB24}">
+                <p16:designElem xmlns:p16="http://schemas.microsoft.com/office/powerpoint/2015/main" val="1"/>
+              </p:ext>
+            </p:extLst>
+          </p:nvPr>
+        </p:nvSpPr>
+        <p:spPr>
+          <a:xfrm>
+            <a:off x="1" y="761999"/>
+            <a:ext cx="4642228" cy="5334001"/>
+          </a:xfrm>
+          <a:prstGeom prst="rect">
+            <a:avLst/>
+          </a:prstGeom>
+          <a:solidFill>
+            <a:schemeClr val="accent1"/>
+          </a:solidFill>
+          <a:ln>
+            <a:noFill/>
+          </a:ln>
+        </p:spPr>
+        <p:style>
+          <a:lnRef idx="2">
+            <a:schemeClr val="accent1">
+              <a:shade val="50000"/>
+            </a:schemeClr>
+          </a:lnRef>
+          <a:fillRef idx="1">
+            <a:schemeClr val="accent1"/>
+          </a:fillRef>
+          <a:effectRef idx="0">
+            <a:schemeClr val="accent1"/>
+          </a:effectRef>
+          <a:fontRef idx="minor">
+            <a:schemeClr val="lt1"/>
+          </a:fontRef>
+        </p:style>
+      </p:sp>
+      <p:sp>
+        <p:nvSpPr>
           <p:cNvPr id="2" name="Titel 1">
             <a:extLst>
               <a:ext uri="{FF2B5EF4-FFF2-40B4-BE49-F238E27FC236}">
-                <a16:creationId xmlns:a16="http://schemas.microsoft.com/office/drawing/2014/main" id="{3BF3C525-72EB-0643-B6C5-0E34C05466C2}"/>
+                <a16:creationId xmlns:a16="http://schemas.microsoft.com/office/drawing/2014/main" id="{721F23DF-5CED-3144-8A0D-7673299CEC94}"/>
               </a:ext>
             </a:extLst>
           </p:cNvPr>
@@ -5694,14 +5575,21 @@
             <p:ph type="title"/>
           </p:nvPr>
         </p:nvSpPr>
-        <p:spPr/>
-        <p:txBody>
-          <a:bodyPr/>
-          <a:lstStyle/>
-          <a:p>
-            <a:r>
-              <a:rPr lang="de-DE" dirty="0"/>
-              <a:t>Ziele </a:t>
+        <p:spPr>
+          <a:xfrm>
+            <a:off x="1069849" y="1298448"/>
+            <a:ext cx="3258688" cy="3255264"/>
+          </a:xfrm>
+        </p:spPr>
+        <p:txBody>
+          <a:bodyPr vert="horz" lIns="91440" tIns="45720" rIns="91440" bIns="45720" rtlCol="0" anchor="b">
+            <a:normAutofit/>
+          </a:bodyPr>
+          <a:lstStyle/>
+          <a:p>
+            <a:r>
+              <a:rPr lang="en-US" sz="3200" spc="-100"/>
+              <a:t>Arbeitsverteilung</a:t>
             </a:r>
           </a:p>
         </p:txBody>
@@ -5711,7 +5599,7 @@
           <p:cNvPr id="3" name="Inhaltsplatzhalter 2">
             <a:extLst>
               <a:ext uri="{FF2B5EF4-FFF2-40B4-BE49-F238E27FC236}">
-                <a16:creationId xmlns:a16="http://schemas.microsoft.com/office/drawing/2014/main" id="{924623BB-5451-6F44-BEEB-C85AE6393483}"/>
+                <a16:creationId xmlns:a16="http://schemas.microsoft.com/office/drawing/2014/main" id="{6DF8BC9F-B3FD-D94B-AD6E-E7FD19CE5A24}"/>
               </a:ext>
             </a:extLst>
           </p:cNvPr>
@@ -5722,19 +5610,132 @@
             <p:ph idx="1"/>
           </p:nvPr>
         </p:nvSpPr>
-        <p:spPr/>
-        <p:txBody>
-          <a:bodyPr/>
-          <a:lstStyle/>
-          <a:p>
-            <a:endParaRPr lang="de-DE"/>
-          </a:p>
-        </p:txBody>
+        <p:spPr>
+          <a:xfrm>
+            <a:off x="1100015" y="4670246"/>
+            <a:ext cx="3228521" cy="914400"/>
+          </a:xfrm>
+        </p:spPr>
+        <p:txBody>
+          <a:bodyPr vert="horz" lIns="91440" tIns="45720" rIns="91440" bIns="45720" rtlCol="0" anchor="t">
+            <a:normAutofit/>
+          </a:bodyPr>
+          <a:lstStyle/>
+          <a:p>
+            <a:pPr marL="0" indent="0">
+              <a:buNone/>
+            </a:pPr>
+            <a:r>
+              <a:rPr lang="en-US" sz="2200">
+                <a:solidFill>
+                  <a:schemeClr val="accent1">
+                    <a:lumMod val="20000"/>
+                    <a:lumOff val="80000"/>
+                  </a:schemeClr>
+                </a:solidFill>
+              </a:rPr>
+              <a:t>Grafik zu Arbeitsstunden und Commits</a:t>
+            </a:r>
+          </a:p>
+        </p:txBody>
+      </p:sp>
+      <p:pic>
+        <p:nvPicPr>
+          <p:cNvPr id="5" name="Grafik 4" descr="Balkendiagramm">
+            <a:extLst>
+              <a:ext uri="{FF2B5EF4-FFF2-40B4-BE49-F238E27FC236}">
+                <a16:creationId xmlns:a16="http://schemas.microsoft.com/office/drawing/2014/main" id="{82BD5DA6-0C8C-DA43-AAE6-9C72F5CC7744}"/>
+              </a:ext>
+            </a:extLst>
+          </p:cNvPr>
+          <p:cNvPicPr>
+            <a:picLocks noChangeAspect="1"/>
+          </p:cNvPicPr>
+          <p:nvPr/>
+        </p:nvPicPr>
+        <p:blipFill>
+          <a:blip r:embed="rId2">
+            <a:extLst>
+              <a:ext uri="{96DAC541-7B7A-43D3-8B79-37D633B846F1}">
+                <asvg:svgBlip xmlns:asvg="http://schemas.microsoft.com/office/drawing/2016/SVG/main" r:embed="rId3"/>
+              </a:ext>
+            </a:extLst>
+          </a:blip>
+          <a:stretch>
+            <a:fillRect/>
+          </a:stretch>
+        </p:blipFill>
+        <p:spPr>
+          <a:xfrm>
+            <a:off x="5638950" y="759599"/>
+            <a:ext cx="5330650" cy="5330650"/>
+          </a:xfrm>
+          <a:prstGeom prst="rect">
+            <a:avLst/>
+          </a:prstGeom>
+        </p:spPr>
+      </p:pic>
+      <p:sp>
+        <p:nvSpPr>
+          <p:cNvPr id="18" name="Rectangle 17">
+            <a:extLst>
+              <a:ext uri="{FF2B5EF4-FFF2-40B4-BE49-F238E27FC236}">
+                <a16:creationId xmlns:a16="http://schemas.microsoft.com/office/drawing/2014/main" id="{4E34A3B6-BAD2-4156-BDC6-4736248BFDE0}"/>
+              </a:ext>
+              <a:ext uri="{C183D7F6-B498-43B3-948B-1728B52AA6E4}">
+                <adec:decorative xmlns:adec="http://schemas.microsoft.com/office/drawing/2017/decorative" val="1"/>
+              </a:ext>
+            </a:extLst>
+          </p:cNvPr>
+          <p:cNvSpPr>
+            <a:spLocks noGrp="1" noRot="1" noChangeAspect="1" noMove="1" noResize="1" noEditPoints="1" noAdjustHandles="1" noChangeArrowheads="1" noChangeShapeType="1" noTextEdit="1"/>
+          </p:cNvSpPr>
+          <p:nvPr>
+            <p:extLst>
+              <p:ext uri="{386F3935-93C4-4BCD-93E2-E3B085C9AB24}">
+                <p16:designElem xmlns:p16="http://schemas.microsoft.com/office/powerpoint/2015/main" val="1"/>
+              </p:ext>
+            </p:extLst>
+          </p:nvPr>
+        </p:nvSpPr>
+        <p:spPr>
+          <a:xfrm>
+            <a:off x="11815864" y="758952"/>
+            <a:ext cx="384048" cy="5330952"/>
+          </a:xfrm>
+          <a:prstGeom prst="rect">
+            <a:avLst/>
+          </a:prstGeom>
+          <a:solidFill>
+            <a:srgbClr val="C8C8C8">
+              <a:alpha val="49804"/>
+            </a:srgbClr>
+          </a:solidFill>
+          <a:ln>
+            <a:noFill/>
+          </a:ln>
+        </p:spPr>
+        <p:style>
+          <a:lnRef idx="2">
+            <a:schemeClr val="accent1">
+              <a:shade val="50000"/>
+            </a:schemeClr>
+          </a:lnRef>
+          <a:fillRef idx="1">
+            <a:schemeClr val="accent1"/>
+          </a:fillRef>
+          <a:effectRef idx="0">
+            <a:schemeClr val="accent1"/>
+          </a:effectRef>
+          <a:fontRef idx="minor">
+            <a:schemeClr val="lt1"/>
+          </a:fontRef>
+        </p:style>
       </p:sp>
     </p:spTree>
     <p:extLst>
       <p:ext uri="{BB962C8B-B14F-4D97-AF65-F5344CB8AC3E}">
-        <p14:creationId xmlns:p14="http://schemas.microsoft.com/office/powerpoint/2010/main" val="3679296423"/>
+        <p14:creationId xmlns:p14="http://schemas.microsoft.com/office/powerpoint/2010/main" val="1947262083"/>
       </p:ext>
     </p:extLst>
   </p:cSld>
@@ -5766,6 +5767,89 @@
           <p:cNvPr id="2" name="Titel 1">
             <a:extLst>
               <a:ext uri="{FF2B5EF4-FFF2-40B4-BE49-F238E27FC236}">
+                <a16:creationId xmlns:a16="http://schemas.microsoft.com/office/drawing/2014/main" id="{3BF3C525-72EB-0643-B6C5-0E34C05466C2}"/>
+              </a:ext>
+            </a:extLst>
+          </p:cNvPr>
+          <p:cNvSpPr>
+            <a:spLocks noGrp="1"/>
+          </p:cNvSpPr>
+          <p:nvPr>
+            <p:ph type="title"/>
+          </p:nvPr>
+        </p:nvSpPr>
+        <p:spPr/>
+        <p:txBody>
+          <a:bodyPr/>
+          <a:lstStyle/>
+          <a:p>
+            <a:r>
+              <a:rPr lang="de-DE" dirty="0"/>
+              <a:t>Ziele </a:t>
+            </a:r>
+          </a:p>
+        </p:txBody>
+      </p:sp>
+      <p:sp>
+        <p:nvSpPr>
+          <p:cNvPr id="3" name="Inhaltsplatzhalter 2">
+            <a:extLst>
+              <a:ext uri="{FF2B5EF4-FFF2-40B4-BE49-F238E27FC236}">
+                <a16:creationId xmlns:a16="http://schemas.microsoft.com/office/drawing/2014/main" id="{924623BB-5451-6F44-BEEB-C85AE6393483}"/>
+              </a:ext>
+            </a:extLst>
+          </p:cNvPr>
+          <p:cNvSpPr>
+            <a:spLocks noGrp="1"/>
+          </p:cNvSpPr>
+          <p:nvPr>
+            <p:ph idx="1"/>
+          </p:nvPr>
+        </p:nvSpPr>
+        <p:spPr/>
+        <p:txBody>
+          <a:bodyPr/>
+          <a:lstStyle/>
+          <a:p>
+            <a:endParaRPr lang="de-DE"/>
+          </a:p>
+        </p:txBody>
+      </p:sp>
+    </p:spTree>
+    <p:extLst>
+      <p:ext uri="{BB962C8B-B14F-4D97-AF65-F5344CB8AC3E}">
+        <p14:creationId xmlns:p14="http://schemas.microsoft.com/office/powerpoint/2010/main" val="3679296423"/>
+      </p:ext>
+    </p:extLst>
+  </p:cSld>
+  <p:clrMapOvr>
+    <a:masterClrMapping/>
+  </p:clrMapOvr>
+</p:sld>
+</file>
+
+<file path=ppt/slides/slide7.xml><?xml version="1.0" encoding="utf-8"?>
+<p:sld xmlns:a="http://schemas.openxmlformats.org/drawingml/2006/main" xmlns:r="http://schemas.openxmlformats.org/officeDocument/2006/relationships" xmlns:p="http://schemas.openxmlformats.org/presentationml/2006/main">
+  <p:cSld>
+    <p:spTree>
+      <p:nvGrpSpPr>
+        <p:cNvPr id="1" name=""/>
+        <p:cNvGrpSpPr/>
+        <p:nvPr/>
+      </p:nvGrpSpPr>
+      <p:grpSpPr>
+        <a:xfrm>
+          <a:off x="0" y="0"/>
+          <a:ext cx="0" cy="0"/>
+          <a:chOff x="0" y="0"/>
+          <a:chExt cx="0" cy="0"/>
+        </a:xfrm>
+      </p:grpSpPr>
+      <p:sp>
+        <p:nvSpPr>
+          <p:cNvPr id="2" name="Titel 1">
+            <a:extLst>
+              <a:ext uri="{FF2B5EF4-FFF2-40B4-BE49-F238E27FC236}">
                 <a16:creationId xmlns:a16="http://schemas.microsoft.com/office/drawing/2014/main" id="{274E5352-C72F-9340-9D67-A11FFB91DA06}"/>
               </a:ext>
             </a:extLst>
@@ -5964,7 +6048,7 @@
 </p:sld>
 </file>
 
-<file path=ppt/slides/slide7.xml><?xml version="1.0" encoding="utf-8"?>
+<file path=ppt/slides/slide8.xml><?xml version="1.0" encoding="utf-8"?>
 <p:sld xmlns:a="http://schemas.openxmlformats.org/drawingml/2006/main" xmlns:r="http://schemas.openxmlformats.org/officeDocument/2006/relationships" xmlns:p="http://schemas.openxmlformats.org/presentationml/2006/main">
   <p:cSld>
     <p:bg>
@@ -6366,7 +6450,7 @@
 </p:sld>
 </file>
 
-<file path=ppt/slides/slide8.xml><?xml version="1.0" encoding="utf-8"?>
+<file path=ppt/slides/slide9.xml><?xml version="1.0" encoding="utf-8"?>
 <p:sld xmlns:a="http://schemas.openxmlformats.org/drawingml/2006/main" xmlns:r="http://schemas.openxmlformats.org/officeDocument/2006/relationships" xmlns:p="http://schemas.openxmlformats.org/presentationml/2006/main">
   <p:cSld>
     <p:spTree>

--- a/powerpoint/VitaChi_Präs.pptx
+++ b/powerpoint/VitaChi_Präs.pptx
@@ -8,12 +8,13 @@
     <p:sldId id="256" r:id="rId2"/>
     <p:sldId id="261" r:id="rId3"/>
     <p:sldId id="264" r:id="rId4"/>
-    <p:sldId id="257" r:id="rId5"/>
-    <p:sldId id="258" r:id="rId6"/>
-    <p:sldId id="263" r:id="rId7"/>
-    <p:sldId id="260" r:id="rId8"/>
-    <p:sldId id="262" r:id="rId9"/>
-    <p:sldId id="259" r:id="rId10"/>
+    <p:sldId id="265" r:id="rId5"/>
+    <p:sldId id="257" r:id="rId6"/>
+    <p:sldId id="258" r:id="rId7"/>
+    <p:sldId id="263" r:id="rId8"/>
+    <p:sldId id="260" r:id="rId9"/>
+    <p:sldId id="262" r:id="rId10"/>
+    <p:sldId id="259" r:id="rId11"/>
   </p:sldIdLst>
   <p:sldSz cx="12192000" cy="6858000"/>
   <p:notesSz cx="6858000" cy="9144000"/>
@@ -3551,8 +3552,8 @@
         </p:blipFill>
         <p:spPr>
           <a:xfrm>
-            <a:off x="2749550" y="2037283"/>
-            <a:ext cx="6692900" cy="2949685"/>
+            <a:off x="3210909" y="2157487"/>
+            <a:ext cx="5770182" cy="2543026"/>
           </a:xfrm>
           <a:prstGeom prst="rect">
             <a:avLst/>
@@ -3573,8 +3574,8 @@
         </p:nvSpPr>
         <p:spPr>
           <a:xfrm flipH="1">
-            <a:off x="5122483" y="5372417"/>
-            <a:ext cx="1947033" cy="553998"/>
+            <a:off x="5116019" y="4876247"/>
+            <a:ext cx="1959962" cy="553998"/>
           </a:xfrm>
           <a:prstGeom prst="rect">
             <a:avLst/>
@@ -3602,6 +3603,89 @@
     <p:extLst>
       <p:ext uri="{BB962C8B-B14F-4D97-AF65-F5344CB8AC3E}">
         <p14:creationId xmlns:p14="http://schemas.microsoft.com/office/powerpoint/2010/main" val="1079298859"/>
+      </p:ext>
+    </p:extLst>
+  </p:cSld>
+  <p:clrMapOvr>
+    <a:masterClrMapping/>
+  </p:clrMapOvr>
+</p:sld>
+</file>
+
+<file path=ppt/slides/slide10.xml><?xml version="1.0" encoding="utf-8"?>
+<p:sld xmlns:a="http://schemas.openxmlformats.org/drawingml/2006/main" xmlns:r="http://schemas.openxmlformats.org/officeDocument/2006/relationships" xmlns:p="http://schemas.openxmlformats.org/presentationml/2006/main">
+  <p:cSld>
+    <p:spTree>
+      <p:nvGrpSpPr>
+        <p:cNvPr id="1" name=""/>
+        <p:cNvGrpSpPr/>
+        <p:nvPr/>
+      </p:nvGrpSpPr>
+      <p:grpSpPr>
+        <a:xfrm>
+          <a:off x="0" y="0"/>
+          <a:ext cx="0" cy="0"/>
+          <a:chOff x="0" y="0"/>
+          <a:chExt cx="0" cy="0"/>
+        </a:xfrm>
+      </p:grpSpPr>
+      <p:sp>
+        <p:nvSpPr>
+          <p:cNvPr id="2" name="Titel 1">
+            <a:extLst>
+              <a:ext uri="{FF2B5EF4-FFF2-40B4-BE49-F238E27FC236}">
+                <a16:creationId xmlns:a16="http://schemas.microsoft.com/office/drawing/2014/main" id="{C51CC7BF-07C4-5F44-B0A3-93533E393119}"/>
+              </a:ext>
+            </a:extLst>
+          </p:cNvPr>
+          <p:cNvSpPr>
+            <a:spLocks noGrp="1"/>
+          </p:cNvSpPr>
+          <p:nvPr>
+            <p:ph type="ctrTitle"/>
+          </p:nvPr>
+        </p:nvSpPr>
+        <p:spPr/>
+        <p:txBody>
+          <a:bodyPr/>
+          <a:lstStyle/>
+          <a:p>
+            <a:r>
+              <a:rPr lang="de-DE" dirty="0"/>
+              <a:t>Danke für die Aufmerksamkeit</a:t>
+            </a:r>
+          </a:p>
+        </p:txBody>
+      </p:sp>
+      <p:sp>
+        <p:nvSpPr>
+          <p:cNvPr id="3" name="Untertitel 2">
+            <a:extLst>
+              <a:ext uri="{FF2B5EF4-FFF2-40B4-BE49-F238E27FC236}">
+                <a16:creationId xmlns:a16="http://schemas.microsoft.com/office/drawing/2014/main" id="{41F4940B-D5E8-9F49-8140-D94FE1503F32}"/>
+              </a:ext>
+            </a:extLst>
+          </p:cNvPr>
+          <p:cNvSpPr>
+            <a:spLocks noGrp="1"/>
+          </p:cNvSpPr>
+          <p:nvPr>
+            <p:ph type="subTitle" idx="1"/>
+          </p:nvPr>
+        </p:nvSpPr>
+        <p:spPr/>
+        <p:txBody>
+          <a:bodyPr/>
+          <a:lstStyle/>
+          <a:p>
+            <a:endParaRPr lang="de-DE"/>
+          </a:p>
+        </p:txBody>
+      </p:sp>
+    </p:spTree>
+    <p:extLst>
+      <p:ext uri="{BB962C8B-B14F-4D97-AF65-F5344CB8AC3E}">
+        <p14:creationId xmlns:p14="http://schemas.microsoft.com/office/powerpoint/2010/main" val="2635067140"/>
       </p:ext>
     </p:extLst>
   </p:cSld>
@@ -3884,6 +3968,13 @@
             </a:r>
           </a:p>
           <a:p>
+            <a:endParaRPr lang="de-DE" dirty="0">
+              <a:solidFill>
+                <a:schemeClr val="tx1"/>
+              </a:solidFill>
+            </a:endParaRPr>
+          </a:p>
+          <a:p>
             <a:r>
               <a:rPr lang="de-DE" dirty="0">
                 <a:solidFill>
@@ -3910,13 +4001,20 @@
             </a:r>
           </a:p>
           <a:p>
+            <a:endParaRPr lang="de-DE" dirty="0">
+              <a:solidFill>
+                <a:schemeClr val="tx1"/>
+              </a:solidFill>
+            </a:endParaRPr>
+          </a:p>
+          <a:p>
             <a:r>
               <a:rPr lang="de-DE" dirty="0">
                 <a:solidFill>
                   <a:schemeClr val="tx1"/>
                 </a:solidFill>
               </a:rPr>
-              <a:t>Avatar spiegelt dich wieder</a:t>
+              <a:t>Avatar zeigt 5 verschiedene Emotionen</a:t>
             </a:r>
           </a:p>
           <a:p>
@@ -4052,37 +4150,162 @@
           <a:lstStyle/>
           <a:p>
             <a:r>
-              <a:rPr lang="de-DE"/>
+              <a:rPr lang="de-DE" dirty="0"/>
               <a:t>Emotionen</a:t>
             </a:r>
           </a:p>
         </p:txBody>
       </p:sp>
-      <p:sp>
-        <p:nvSpPr>
-          <p:cNvPr id="3" name="Inhaltsplatzhalter 2">
+      <p:pic>
+        <p:nvPicPr>
+          <p:cNvPr id="5" name="Grafik 4">
             <a:extLst>
               <a:ext uri="{FF2B5EF4-FFF2-40B4-BE49-F238E27FC236}">
-                <a16:creationId xmlns:a16="http://schemas.microsoft.com/office/drawing/2014/main" id="{8AE5D77F-155F-DB41-8B85-B9AB6778DA2A}"/>
+                <a16:creationId xmlns:a16="http://schemas.microsoft.com/office/drawing/2014/main" id="{4FC00378-A9FF-E246-9DEA-EA2A97D8140D}"/>
               </a:ext>
             </a:extLst>
           </p:cNvPr>
-          <p:cNvSpPr>
-            <a:spLocks noGrp="1"/>
-          </p:cNvSpPr>
-          <p:nvPr>
-            <p:ph idx="1"/>
-          </p:nvPr>
-        </p:nvSpPr>
-        <p:spPr/>
-        <p:txBody>
-          <a:bodyPr/>
-          <a:lstStyle/>
-          <a:p>
-            <a:endParaRPr lang="de-DE"/>
-          </a:p>
-        </p:txBody>
-      </p:sp>
+          <p:cNvPicPr>
+            <a:picLocks noChangeAspect="1"/>
+          </p:cNvPicPr>
+          <p:nvPr/>
+        </p:nvPicPr>
+        <p:blipFill>
+          <a:blip r:embed="rId2"/>
+          <a:stretch>
+            <a:fillRect/>
+          </a:stretch>
+        </p:blipFill>
+        <p:spPr>
+          <a:xfrm>
+            <a:off x="8849033" y="1748123"/>
+            <a:ext cx="3632200" cy="3771900"/>
+          </a:xfrm>
+          <a:prstGeom prst="rect">
+            <a:avLst/>
+          </a:prstGeom>
+        </p:spPr>
+      </p:pic>
+      <p:pic>
+        <p:nvPicPr>
+          <p:cNvPr id="7" name="Grafik 6">
+            <a:extLst>
+              <a:ext uri="{FF2B5EF4-FFF2-40B4-BE49-F238E27FC236}">
+                <a16:creationId xmlns:a16="http://schemas.microsoft.com/office/drawing/2014/main" id="{7DC06F20-50FD-7F48-91F3-2272B174A2F8}"/>
+              </a:ext>
+            </a:extLst>
+          </p:cNvPr>
+          <p:cNvPicPr>
+            <a:picLocks noChangeAspect="1"/>
+          </p:cNvPicPr>
+          <p:nvPr/>
+        </p:nvPicPr>
+        <p:blipFill>
+          <a:blip r:embed="rId3"/>
+          <a:stretch>
+            <a:fillRect/>
+          </a:stretch>
+        </p:blipFill>
+        <p:spPr>
+          <a:xfrm>
+            <a:off x="6728436" y="1799373"/>
+            <a:ext cx="3632200" cy="3771900"/>
+          </a:xfrm>
+          <a:prstGeom prst="rect">
+            <a:avLst/>
+          </a:prstGeom>
+        </p:spPr>
+      </p:pic>
+      <p:pic>
+        <p:nvPicPr>
+          <p:cNvPr id="9" name="Grafik 8">
+            <a:extLst>
+              <a:ext uri="{FF2B5EF4-FFF2-40B4-BE49-F238E27FC236}">
+                <a16:creationId xmlns:a16="http://schemas.microsoft.com/office/drawing/2014/main" id="{E7FB4287-2572-434E-B5B7-1C98B986BCC1}"/>
+              </a:ext>
+            </a:extLst>
+          </p:cNvPr>
+          <p:cNvPicPr>
+            <a:picLocks noChangeAspect="1"/>
+          </p:cNvPicPr>
+          <p:nvPr/>
+        </p:nvPicPr>
+        <p:blipFill>
+          <a:blip r:embed="rId4"/>
+          <a:stretch>
+            <a:fillRect/>
+          </a:stretch>
+        </p:blipFill>
+        <p:spPr>
+          <a:xfrm>
+            <a:off x="4494113" y="1748123"/>
+            <a:ext cx="3632200" cy="3771900"/>
+          </a:xfrm>
+          <a:prstGeom prst="rect">
+            <a:avLst/>
+          </a:prstGeom>
+        </p:spPr>
+      </p:pic>
+      <p:pic>
+        <p:nvPicPr>
+          <p:cNvPr id="11" name="Grafik 10">
+            <a:extLst>
+              <a:ext uri="{FF2B5EF4-FFF2-40B4-BE49-F238E27FC236}">
+                <a16:creationId xmlns:a16="http://schemas.microsoft.com/office/drawing/2014/main" id="{DC7943E5-92B2-8A4C-9EE7-1B46C02226D9}"/>
+              </a:ext>
+            </a:extLst>
+          </p:cNvPr>
+          <p:cNvPicPr>
+            <a:picLocks noChangeAspect="1"/>
+          </p:cNvPicPr>
+          <p:nvPr/>
+        </p:nvPicPr>
+        <p:blipFill>
+          <a:blip r:embed="rId5"/>
+          <a:stretch>
+            <a:fillRect/>
+          </a:stretch>
+        </p:blipFill>
+        <p:spPr>
+          <a:xfrm>
+            <a:off x="2373516" y="1850622"/>
+            <a:ext cx="3632200" cy="3771900"/>
+          </a:xfrm>
+          <a:prstGeom prst="rect">
+            <a:avLst/>
+          </a:prstGeom>
+        </p:spPr>
+      </p:pic>
+      <p:pic>
+        <p:nvPicPr>
+          <p:cNvPr id="13" name="Grafik 12">
+            <a:extLst>
+              <a:ext uri="{FF2B5EF4-FFF2-40B4-BE49-F238E27FC236}">
+                <a16:creationId xmlns:a16="http://schemas.microsoft.com/office/drawing/2014/main" id="{3FC7A4C9-4DCB-FC43-8220-C261D06F4D8D}"/>
+              </a:ext>
+            </a:extLst>
+          </p:cNvPr>
+          <p:cNvPicPr>
+            <a:picLocks noChangeAspect="1"/>
+          </p:cNvPicPr>
+          <p:nvPr/>
+        </p:nvPicPr>
+        <p:blipFill>
+          <a:blip r:embed="rId6"/>
+          <a:stretch>
+            <a:fillRect/>
+          </a:stretch>
+        </p:blipFill>
+        <p:spPr>
+          <a:xfrm>
+            <a:off x="323144" y="1720349"/>
+            <a:ext cx="3757648" cy="3902173"/>
+          </a:xfrm>
+          <a:prstGeom prst="rect">
+            <a:avLst/>
+          </a:prstGeom>
+        </p:spPr>
+      </p:pic>
     </p:spTree>
     <p:extLst>
       <p:ext uri="{BB962C8B-B14F-4D97-AF65-F5344CB8AC3E}">
@@ -4099,14 +4322,6 @@
 <file path=ppt/slides/slide4.xml><?xml version="1.0" encoding="utf-8"?>
 <p:sld xmlns:a="http://schemas.openxmlformats.org/drawingml/2006/main" xmlns:r="http://schemas.openxmlformats.org/officeDocument/2006/relationships" xmlns:p="http://schemas.openxmlformats.org/presentationml/2006/main">
   <p:cSld>
-    <p:bg>
-      <p:bgPr>
-        <a:solidFill>
-          <a:schemeClr val="bg1"/>
-        </a:solidFill>
-        <a:effectLst/>
-      </p:bgPr>
-    </p:bg>
     <p:spTree>
       <p:nvGrpSpPr>
         <p:cNvPr id="1" name=""/>
@@ -4121,304 +4336,12 @@
           <a:chExt cx="0" cy="0"/>
         </a:xfrm>
       </p:grpSpPr>
-      <p:sp>
-        <p:nvSpPr>
-          <p:cNvPr id="15" name="Rectangle 14">
+      <p:pic>
+        <p:nvPicPr>
+          <p:cNvPr id="2" name="Grafik 1">
             <a:extLst>
               <a:ext uri="{FF2B5EF4-FFF2-40B4-BE49-F238E27FC236}">
-                <a16:creationId xmlns:a16="http://schemas.microsoft.com/office/drawing/2014/main" id="{C162DF2A-64D1-4AA9-BA42-8A4063EADE09}"/>
-              </a:ext>
-              <a:ext uri="{C183D7F6-B498-43B3-948B-1728B52AA6E4}">
-                <adec:decorative xmlns:adec="http://schemas.microsoft.com/office/drawing/2017/decorative" val="1"/>
-              </a:ext>
-            </a:extLst>
-          </p:cNvPr>
-          <p:cNvSpPr>
-            <a:spLocks noGrp="1" noRot="1" noChangeAspect="1" noMove="1" noResize="1" noEditPoints="1" noAdjustHandles="1" noChangeArrowheads="1" noChangeShapeType="1" noTextEdit="1"/>
-          </p:cNvSpPr>
-          <p:nvPr>
-            <p:extLst>
-              <p:ext uri="{386F3935-93C4-4BCD-93E2-E3B085C9AB24}">
-                <p16:designElem xmlns:p16="http://schemas.microsoft.com/office/powerpoint/2015/main" val="1"/>
-              </p:ext>
-            </p:extLst>
-          </p:nvPr>
-        </p:nvSpPr>
-        <p:spPr>
-          <a:xfrm>
-            <a:off x="0" y="761999"/>
-            <a:ext cx="9141619" cy="5334001"/>
-          </a:xfrm>
-          <a:prstGeom prst="rect">
-            <a:avLst/>
-          </a:prstGeom>
-          <a:solidFill>
-            <a:schemeClr val="accent1"/>
-          </a:solidFill>
-          <a:ln>
-            <a:noFill/>
-          </a:ln>
-        </p:spPr>
-        <p:style>
-          <a:lnRef idx="2">
-            <a:schemeClr val="accent1">
-              <a:shade val="50000"/>
-            </a:schemeClr>
-          </a:lnRef>
-          <a:fillRef idx="1">
-            <a:schemeClr val="accent1"/>
-          </a:fillRef>
-          <a:effectRef idx="0">
-            <a:schemeClr val="accent1"/>
-          </a:effectRef>
-          <a:fontRef idx="minor">
-            <a:schemeClr val="lt1"/>
-          </a:fontRef>
-        </p:style>
-      </p:sp>
-      <p:sp>
-        <p:nvSpPr>
-          <p:cNvPr id="17" name="Rectangle 16">
-            <a:extLst>
-              <a:ext uri="{FF2B5EF4-FFF2-40B4-BE49-F238E27FC236}">
-                <a16:creationId xmlns:a16="http://schemas.microsoft.com/office/drawing/2014/main" id="{5D7C1373-63AF-4A75-909E-990E05356670}"/>
-              </a:ext>
-              <a:ext uri="{C183D7F6-B498-43B3-948B-1728B52AA6E4}">
-                <adec:decorative xmlns:adec="http://schemas.microsoft.com/office/drawing/2017/decorative" val="1"/>
-              </a:ext>
-            </a:extLst>
-          </p:cNvPr>
-          <p:cNvSpPr>
-            <a:spLocks noGrp="1" noRot="1" noChangeAspect="1" noMove="1" noResize="1" noEditPoints="1" noAdjustHandles="1" noChangeArrowheads="1" noChangeShapeType="1" noTextEdit="1"/>
-          </p:cNvSpPr>
-          <p:nvPr>
-            <p:extLst>
-              <p:ext uri="{386F3935-93C4-4BCD-93E2-E3B085C9AB24}">
-                <p16:designElem xmlns:p16="http://schemas.microsoft.com/office/powerpoint/2015/main" val="1"/>
-              </p:ext>
-            </p:extLst>
-          </p:nvPr>
-        </p:nvSpPr>
-        <p:spPr>
-          <a:xfrm>
-            <a:off x="9270263" y="761999"/>
-            <a:ext cx="2925318" cy="5334001"/>
-          </a:xfrm>
-          <a:prstGeom prst="rect">
-            <a:avLst/>
-          </a:prstGeom>
-          <a:solidFill>
-            <a:srgbClr val="C8C8C8">
-              <a:alpha val="49804"/>
-            </a:srgbClr>
-          </a:solidFill>
-          <a:ln>
-            <a:noFill/>
-          </a:ln>
-        </p:spPr>
-        <p:style>
-          <a:lnRef idx="2">
-            <a:schemeClr val="accent1">
-              <a:shade val="50000"/>
-            </a:schemeClr>
-          </a:lnRef>
-          <a:fillRef idx="1">
-            <a:schemeClr val="accent1"/>
-          </a:fillRef>
-          <a:effectRef idx="0">
-            <a:schemeClr val="accent1"/>
-          </a:effectRef>
-          <a:fontRef idx="minor">
-            <a:schemeClr val="lt1"/>
-          </a:fontRef>
-        </p:style>
-      </p:sp>
-      <p:sp useBgFill="1">
-        <p:nvSpPr>
-          <p:cNvPr id="19" name="Rectangle 18">
-            <a:extLst>
-              <a:ext uri="{FF2B5EF4-FFF2-40B4-BE49-F238E27FC236}">
-                <a16:creationId xmlns:a16="http://schemas.microsoft.com/office/drawing/2014/main" id="{5BDAAE7A-177F-4691-8F07-36CBBA6113AB}"/>
-              </a:ext>
-              <a:ext uri="{C183D7F6-B498-43B3-948B-1728B52AA6E4}">
-                <adec:decorative xmlns:adec="http://schemas.microsoft.com/office/drawing/2017/decorative" val="1"/>
-              </a:ext>
-            </a:extLst>
-          </p:cNvPr>
-          <p:cNvSpPr>
-            <a:spLocks noGrp="1" noRot="1" noChangeAspect="1" noMove="1" noResize="1" noEditPoints="1" noAdjustHandles="1" noChangeArrowheads="1" noChangeShapeType="1" noTextEdit="1"/>
-          </p:cNvSpPr>
-          <p:nvPr>
-            <p:extLst>
-              <p:ext uri="{386F3935-93C4-4BCD-93E2-E3B085C9AB24}">
-                <p16:designElem xmlns:p16="http://schemas.microsoft.com/office/powerpoint/2015/main" val="1"/>
-              </p:ext>
-            </p:extLst>
-          </p:nvPr>
-        </p:nvSpPr>
-        <p:spPr>
-          <a:xfrm>
-            <a:off x="1790" y="0"/>
-            <a:ext cx="12192000" cy="6858000"/>
-          </a:xfrm>
-          <a:prstGeom prst="rect">
-            <a:avLst/>
-          </a:prstGeom>
-          <a:ln>
-            <a:noFill/>
-          </a:ln>
-        </p:spPr>
-        <p:style>
-          <a:lnRef idx="2">
-            <a:schemeClr val="accent1">
-              <a:shade val="50000"/>
-            </a:schemeClr>
-          </a:lnRef>
-          <a:fillRef idx="1">
-            <a:schemeClr val="accent1"/>
-          </a:fillRef>
-          <a:effectRef idx="0">
-            <a:schemeClr val="accent1"/>
-          </a:effectRef>
-          <a:fontRef idx="minor">
-            <a:schemeClr val="lt1"/>
-          </a:fontRef>
-        </p:style>
-        <p:txBody>
-          <a:bodyPr rtlCol="0" anchor="ctr"/>
-          <a:lstStyle/>
-          <a:p>
-            <a:pPr algn="ctr"/>
-            <a:endParaRPr lang="en-US" dirty="0"/>
-          </a:p>
-        </p:txBody>
-      </p:sp>
-      <p:sp>
-        <p:nvSpPr>
-          <p:cNvPr id="21" name="Rectangle 20">
-            <a:extLst>
-              <a:ext uri="{FF2B5EF4-FFF2-40B4-BE49-F238E27FC236}">
-                <a16:creationId xmlns:a16="http://schemas.microsoft.com/office/drawing/2014/main" id="{5BF82D1D-28BC-4216-A1EA-F7D9C6D1AA82}"/>
-              </a:ext>
-              <a:ext uri="{C183D7F6-B498-43B3-948B-1728B52AA6E4}">
-                <adec:decorative xmlns:adec="http://schemas.microsoft.com/office/drawing/2017/decorative" val="1"/>
-              </a:ext>
-            </a:extLst>
-          </p:cNvPr>
-          <p:cNvSpPr>
-            <a:spLocks noGrp="1" noRot="1" noChangeAspect="1" noMove="1" noResize="1" noEditPoints="1" noAdjustHandles="1" noChangeArrowheads="1" noChangeShapeType="1" noTextEdit="1"/>
-          </p:cNvSpPr>
-          <p:nvPr>
-            <p:extLst>
-              <p:ext uri="{386F3935-93C4-4BCD-93E2-E3B085C9AB24}">
-                <p16:designElem xmlns:p16="http://schemas.microsoft.com/office/powerpoint/2015/main" val="1"/>
-              </p:ext>
-            </p:extLst>
-          </p:nvPr>
-        </p:nvSpPr>
-        <p:spPr>
-          <a:xfrm>
-            <a:off x="0" y="761999"/>
-            <a:ext cx="1286934" cy="5334001"/>
-          </a:xfrm>
-          <a:prstGeom prst="rect">
-            <a:avLst/>
-          </a:prstGeom>
-          <a:solidFill>
-            <a:schemeClr val="accent1"/>
-          </a:solidFill>
-          <a:ln>
-            <a:noFill/>
-          </a:ln>
-        </p:spPr>
-        <p:style>
-          <a:lnRef idx="2">
-            <a:schemeClr val="accent1">
-              <a:shade val="50000"/>
-            </a:schemeClr>
-          </a:lnRef>
-          <a:fillRef idx="1">
-            <a:schemeClr val="accent1"/>
-          </a:fillRef>
-          <a:effectRef idx="0">
-            <a:schemeClr val="accent1"/>
-          </a:effectRef>
-          <a:fontRef idx="minor">
-            <a:schemeClr val="lt1"/>
-          </a:fontRef>
-        </p:style>
-      </p:sp>
-      <p:sp>
-        <p:nvSpPr>
-          <p:cNvPr id="23" name="Rectangle 22">
-            <a:extLst>
-              <a:ext uri="{FF2B5EF4-FFF2-40B4-BE49-F238E27FC236}">
-                <a16:creationId xmlns:a16="http://schemas.microsoft.com/office/drawing/2014/main" id="{60A1DC48-C242-4442-822C-570436B809FC}"/>
-              </a:ext>
-              <a:ext uri="{C183D7F6-B498-43B3-948B-1728B52AA6E4}">
-                <adec:decorative xmlns:adec="http://schemas.microsoft.com/office/drawing/2017/decorative" val="1"/>
-              </a:ext>
-            </a:extLst>
-          </p:cNvPr>
-          <p:cNvSpPr>
-            <a:spLocks noGrp="1" noRot="1" noChangeAspect="1" noMove="1" noResize="1" noEditPoints="1" noAdjustHandles="1" noChangeArrowheads="1" noChangeShapeType="1" noTextEdit="1"/>
-          </p:cNvSpPr>
-          <p:nvPr>
-            <p:extLst>
-              <p:ext uri="{386F3935-93C4-4BCD-93E2-E3B085C9AB24}">
-                <p16:designElem xmlns:p16="http://schemas.microsoft.com/office/powerpoint/2015/main" val="1"/>
-              </p:ext>
-            </p:extLst>
-          </p:nvPr>
-        </p:nvSpPr>
-        <p:spPr>
-          <a:xfrm>
-            <a:off x="11685778" y="767825"/>
-            <a:ext cx="508012" cy="5328173"/>
-          </a:xfrm>
-          <a:prstGeom prst="rect">
-            <a:avLst/>
-          </a:prstGeom>
-          <a:solidFill>
-            <a:srgbClr val="C8C8C8">
-              <a:alpha val="50000"/>
-            </a:srgbClr>
-          </a:solidFill>
-          <a:ln>
-            <a:noFill/>
-          </a:ln>
-        </p:spPr>
-        <p:style>
-          <a:lnRef idx="2">
-            <a:schemeClr val="accent1">
-              <a:shade val="50000"/>
-            </a:schemeClr>
-          </a:lnRef>
-          <a:fillRef idx="1">
-            <a:schemeClr val="accent1"/>
-          </a:fillRef>
-          <a:effectRef idx="0">
-            <a:schemeClr val="accent1"/>
-          </a:effectRef>
-          <a:fontRef idx="minor">
-            <a:schemeClr val="lt1"/>
-          </a:fontRef>
-        </p:style>
-        <p:txBody>
-          <a:bodyPr rtlCol="0" anchor="ctr"/>
-          <a:lstStyle/>
-          <a:p>
-            <a:pPr algn="ctr"/>
-            <a:endParaRPr lang="en-US"/>
-          </a:p>
-        </p:txBody>
-      </p:sp>
-      <p:pic>
-        <p:nvPicPr>
-          <p:cNvPr id="12" name="Grafik 11">
-            <a:extLst>
-              <a:ext uri="{FF2B5EF4-FFF2-40B4-BE49-F238E27FC236}">
-                <a16:creationId xmlns:a16="http://schemas.microsoft.com/office/drawing/2014/main" id="{3359FEF3-EF06-284A-8F16-E5DDD0F36618}"/>
+                <a16:creationId xmlns:a16="http://schemas.microsoft.com/office/drawing/2014/main" id="{9DEDB320-F9A9-9D49-9D6A-846026A97BC9}"/>
               </a:ext>
             </a:extLst>
           </p:cNvPr>
@@ -4435,59 +4358,140 @@
         </p:blipFill>
         <p:spPr>
           <a:xfrm>
-            <a:off x="0" y="-4636"/>
-            <a:ext cx="12293174" cy="6862636"/>
+            <a:off x="8487983" y="1543050"/>
+            <a:ext cx="3632200" cy="3771900"/>
           </a:xfrm>
           <a:prstGeom prst="rect">
             <a:avLst/>
           </a:prstGeom>
         </p:spPr>
       </p:pic>
-      <p:sp>
-        <p:nvSpPr>
-          <p:cNvPr id="20" name="Titel 1">
+      <p:pic>
+        <p:nvPicPr>
+          <p:cNvPr id="3" name="Grafik 2">
             <a:extLst>
               <a:ext uri="{FF2B5EF4-FFF2-40B4-BE49-F238E27FC236}">
-                <a16:creationId xmlns:a16="http://schemas.microsoft.com/office/drawing/2014/main" id="{5079EB90-93AC-EC41-9A99-FD875851EC51}"/>
+                <a16:creationId xmlns:a16="http://schemas.microsoft.com/office/drawing/2014/main" id="{B7428D50-6546-F345-A3DF-5276D021CC0E}"/>
               </a:ext>
             </a:extLst>
           </p:cNvPr>
-          <p:cNvSpPr>
-            <a:spLocks noGrp="1"/>
-          </p:cNvSpPr>
-          <p:nvPr>
-            <p:ph type="title"/>
-          </p:nvPr>
-        </p:nvSpPr>
-        <p:spPr>
-          <a:xfrm>
-            <a:off x="4321738" y="680278"/>
-            <a:ext cx="3548523" cy="1048512"/>
-          </a:xfrm>
-        </p:spPr>
-        <p:txBody>
-          <a:bodyPr vert="horz" lIns="91440" tIns="45720" rIns="91440" bIns="45720" rtlCol="0" anchor="b">
-            <a:normAutofit fontScale="90000"/>
-          </a:bodyPr>
-          <a:lstStyle/>
-          <a:p>
-            <a:r>
-              <a:rPr lang="en-US" sz="7200" b="1" spc="-100" dirty="0">
-                <a:solidFill>
-                  <a:schemeClr val="bg1"/>
-                </a:solidFill>
-              </a:rPr>
-              <a:t>Das Team</a:t>
-            </a:r>
-          </a:p>
-        </p:txBody>
-      </p:sp>
-      <p:sp>
-        <p:nvSpPr>
-          <p:cNvPr id="16" name="Oval 15">
+          <p:cNvPicPr>
+            <a:picLocks noChangeAspect="1"/>
+          </p:cNvPicPr>
+          <p:nvPr/>
+        </p:nvPicPr>
+        <p:blipFill>
+          <a:blip r:embed="rId3"/>
+          <a:stretch>
+            <a:fillRect/>
+          </a:stretch>
+        </p:blipFill>
+        <p:spPr>
+          <a:xfrm>
+            <a:off x="6327297" y="1681790"/>
+            <a:ext cx="3632200" cy="3771900"/>
+          </a:xfrm>
+          <a:prstGeom prst="rect">
+            <a:avLst/>
+          </a:prstGeom>
+        </p:spPr>
+      </p:pic>
+      <p:pic>
+        <p:nvPicPr>
+          <p:cNvPr id="4" name="Grafik 3">
             <a:extLst>
               <a:ext uri="{FF2B5EF4-FFF2-40B4-BE49-F238E27FC236}">
-                <a16:creationId xmlns:a16="http://schemas.microsoft.com/office/drawing/2014/main" id="{E672CD5F-4DC9-C144-8AA5-7229109DB33F}"/>
+                <a16:creationId xmlns:a16="http://schemas.microsoft.com/office/drawing/2014/main" id="{64F75EAF-CCC6-0E48-9974-4D4896859C69}"/>
+              </a:ext>
+            </a:extLst>
+          </p:cNvPr>
+          <p:cNvPicPr>
+            <a:picLocks noChangeAspect="1"/>
+          </p:cNvPicPr>
+          <p:nvPr/>
+        </p:nvPicPr>
+        <p:blipFill>
+          <a:blip r:embed="rId4"/>
+          <a:stretch>
+            <a:fillRect/>
+          </a:stretch>
+        </p:blipFill>
+        <p:spPr>
+          <a:xfrm>
+            <a:off x="4094794" y="1681790"/>
+            <a:ext cx="3632200" cy="3771900"/>
+          </a:xfrm>
+          <a:prstGeom prst="rect">
+            <a:avLst/>
+          </a:prstGeom>
+        </p:spPr>
+      </p:pic>
+      <p:pic>
+        <p:nvPicPr>
+          <p:cNvPr id="5" name="Grafik 4">
+            <a:extLst>
+              <a:ext uri="{FF2B5EF4-FFF2-40B4-BE49-F238E27FC236}">
+                <a16:creationId xmlns:a16="http://schemas.microsoft.com/office/drawing/2014/main" id="{3ABD38AF-CD44-1546-A296-064177F45B22}"/>
+              </a:ext>
+            </a:extLst>
+          </p:cNvPr>
+          <p:cNvPicPr>
+            <a:picLocks noChangeAspect="1"/>
+          </p:cNvPicPr>
+          <p:nvPr/>
+        </p:nvPicPr>
+        <p:blipFill>
+          <a:blip r:embed="rId5"/>
+          <a:stretch>
+            <a:fillRect/>
+          </a:stretch>
+        </p:blipFill>
+        <p:spPr>
+          <a:xfrm>
+            <a:off x="1906159" y="1671891"/>
+            <a:ext cx="3632200" cy="3771900"/>
+          </a:xfrm>
+          <a:prstGeom prst="rect">
+            <a:avLst/>
+          </a:prstGeom>
+        </p:spPr>
+      </p:pic>
+      <p:pic>
+        <p:nvPicPr>
+          <p:cNvPr id="6" name="Grafik 5">
+            <a:extLst>
+              <a:ext uri="{FF2B5EF4-FFF2-40B4-BE49-F238E27FC236}">
+                <a16:creationId xmlns:a16="http://schemas.microsoft.com/office/drawing/2014/main" id="{23327C6A-508F-3049-8ADF-FE142A87B7B0}"/>
+              </a:ext>
+            </a:extLst>
+          </p:cNvPr>
+          <p:cNvPicPr>
+            <a:picLocks noChangeAspect="1"/>
+          </p:cNvPicPr>
+          <p:nvPr/>
+        </p:nvPicPr>
+        <p:blipFill>
+          <a:blip r:embed="rId6"/>
+          <a:stretch>
+            <a:fillRect/>
+          </a:stretch>
+        </p:blipFill>
+        <p:spPr>
+          <a:xfrm>
+            <a:off x="-312991" y="1606755"/>
+            <a:ext cx="3757648" cy="3902173"/>
+          </a:xfrm>
+          <a:prstGeom prst="rect">
+            <a:avLst/>
+          </a:prstGeom>
+        </p:spPr>
+      </p:pic>
+      <p:sp>
+        <p:nvSpPr>
+          <p:cNvPr id="7" name="Ecken des Rechtecks auf der gleichen Seite abrunden 6">
+            <a:extLst>
+              <a:ext uri="{FF2B5EF4-FFF2-40B4-BE49-F238E27FC236}">
+                <a16:creationId xmlns:a16="http://schemas.microsoft.com/office/drawing/2014/main" id="{DE9A0A7F-A9FF-B747-99B0-560169F0CD10}"/>
               </a:ext>
             </a:extLst>
           </p:cNvPr>
@@ -4496,15 +4500,12 @@
         </p:nvSpPr>
         <p:spPr>
           <a:xfrm>
-            <a:off x="768930" y="2750198"/>
-            <a:ext cx="1690111" cy="1690111"/>
-          </a:xfrm>
-          <a:prstGeom prst="ellipse">
+            <a:off x="0" y="5025424"/>
+            <a:ext cx="12192000" cy="2510072"/>
+          </a:xfrm>
+          <a:prstGeom prst="round2SameRect">
             <a:avLst/>
           </a:prstGeom>
-          <a:solidFill>
-            <a:schemeClr val="bg1"/>
-          </a:solidFill>
         </p:spPr>
         <p:style>
           <a:lnRef idx="2">
@@ -4527,777 +4528,17 @@
           <a:lstStyle/>
           <a:p>
             <a:pPr algn="ctr"/>
-            <a:endParaRPr lang="de-DE"/>
-          </a:p>
-        </p:txBody>
-      </p:sp>
-      <p:sp>
-        <p:nvSpPr>
-          <p:cNvPr id="22" name="Oval 21">
-            <a:extLst>
-              <a:ext uri="{FF2B5EF4-FFF2-40B4-BE49-F238E27FC236}">
-                <a16:creationId xmlns:a16="http://schemas.microsoft.com/office/drawing/2014/main" id="{476EC5B8-1CC6-5A40-B4AC-6A51155FB5A6}"/>
-              </a:ext>
-            </a:extLst>
-          </p:cNvPr>
-          <p:cNvSpPr/>
-          <p:nvPr/>
-        </p:nvSpPr>
-        <p:spPr>
-          <a:xfrm>
-            <a:off x="3034609" y="2750196"/>
-            <a:ext cx="1690111" cy="1690111"/>
-          </a:xfrm>
-          <a:prstGeom prst="ellipse">
-            <a:avLst/>
-          </a:prstGeom>
-          <a:solidFill>
-            <a:schemeClr val="bg1"/>
-          </a:solidFill>
-        </p:spPr>
-        <p:style>
-          <a:lnRef idx="2">
-            <a:schemeClr val="accent1">
-              <a:shade val="50000"/>
-            </a:schemeClr>
-          </a:lnRef>
-          <a:fillRef idx="1">
-            <a:schemeClr val="accent1"/>
-          </a:fillRef>
-          <a:effectRef idx="0">
-            <a:schemeClr val="accent1"/>
-          </a:effectRef>
-          <a:fontRef idx="minor">
-            <a:schemeClr val="lt1"/>
-          </a:fontRef>
-        </p:style>
-        <p:txBody>
-          <a:bodyPr rtlCol="0" anchor="ctr"/>
-          <a:lstStyle/>
-          <a:p>
-            <a:pPr algn="ctr"/>
-            <a:endParaRPr lang="de-DE"/>
-          </a:p>
-        </p:txBody>
-      </p:sp>
-      <p:sp>
-        <p:nvSpPr>
-          <p:cNvPr id="24" name="Oval 23">
-            <a:extLst>
-              <a:ext uri="{FF2B5EF4-FFF2-40B4-BE49-F238E27FC236}">
-                <a16:creationId xmlns:a16="http://schemas.microsoft.com/office/drawing/2014/main" id="{913A2ABD-6A6B-4340-B348-B706E3104CAF}"/>
-              </a:ext>
-            </a:extLst>
-          </p:cNvPr>
-          <p:cNvSpPr/>
-          <p:nvPr/>
-        </p:nvSpPr>
-        <p:spPr>
-          <a:xfrm>
-            <a:off x="5300288" y="2776100"/>
-            <a:ext cx="1690111" cy="1690111"/>
-          </a:xfrm>
-          <a:prstGeom prst="ellipse">
-            <a:avLst/>
-          </a:prstGeom>
-          <a:solidFill>
-            <a:schemeClr val="bg1"/>
-          </a:solidFill>
-        </p:spPr>
-        <p:style>
-          <a:lnRef idx="2">
-            <a:schemeClr val="accent1">
-              <a:shade val="50000"/>
-            </a:schemeClr>
-          </a:lnRef>
-          <a:fillRef idx="1">
-            <a:schemeClr val="accent1"/>
-          </a:fillRef>
-          <a:effectRef idx="0">
-            <a:schemeClr val="accent1"/>
-          </a:effectRef>
-          <a:fontRef idx="minor">
-            <a:schemeClr val="lt1"/>
-          </a:fontRef>
-        </p:style>
-        <p:txBody>
-          <a:bodyPr rtlCol="0" anchor="ctr"/>
-          <a:lstStyle/>
-          <a:p>
-            <a:pPr algn="ctr"/>
-            <a:endParaRPr lang="de-DE"/>
-          </a:p>
-        </p:txBody>
-      </p:sp>
-      <p:sp>
-        <p:nvSpPr>
-          <p:cNvPr id="25" name="Oval 24">
-            <a:extLst>
-              <a:ext uri="{FF2B5EF4-FFF2-40B4-BE49-F238E27FC236}">
-                <a16:creationId xmlns:a16="http://schemas.microsoft.com/office/drawing/2014/main" id="{322B8243-F9CD-5642-B1FF-D13D629E2261}"/>
-              </a:ext>
-            </a:extLst>
-          </p:cNvPr>
-          <p:cNvSpPr/>
-          <p:nvPr/>
-        </p:nvSpPr>
-        <p:spPr>
-          <a:xfrm>
-            <a:off x="7565967" y="2750195"/>
-            <a:ext cx="1690111" cy="1690111"/>
-          </a:xfrm>
-          <a:prstGeom prst="ellipse">
-            <a:avLst/>
-          </a:prstGeom>
-          <a:solidFill>
-            <a:schemeClr val="bg1"/>
-          </a:solidFill>
-        </p:spPr>
-        <p:style>
-          <a:lnRef idx="2">
-            <a:schemeClr val="accent1">
-              <a:shade val="50000"/>
-            </a:schemeClr>
-          </a:lnRef>
-          <a:fillRef idx="1">
-            <a:schemeClr val="accent1"/>
-          </a:fillRef>
-          <a:effectRef idx="0">
-            <a:schemeClr val="accent1"/>
-          </a:effectRef>
-          <a:fontRef idx="minor">
-            <a:schemeClr val="lt1"/>
-          </a:fontRef>
-        </p:style>
-        <p:txBody>
-          <a:bodyPr rtlCol="0" anchor="ctr"/>
-          <a:lstStyle/>
-          <a:p>
-            <a:pPr algn="ctr"/>
-            <a:endParaRPr lang="de-DE"/>
-          </a:p>
-        </p:txBody>
-      </p:sp>
-      <p:sp>
-        <p:nvSpPr>
-          <p:cNvPr id="27" name="Oval 26">
-            <a:extLst>
-              <a:ext uri="{FF2B5EF4-FFF2-40B4-BE49-F238E27FC236}">
-                <a16:creationId xmlns:a16="http://schemas.microsoft.com/office/drawing/2014/main" id="{58FD0DB1-BA8C-9840-8E16-8F57D5B0A163}"/>
-              </a:ext>
-            </a:extLst>
-          </p:cNvPr>
-          <p:cNvSpPr/>
-          <p:nvPr/>
-        </p:nvSpPr>
-        <p:spPr>
-          <a:xfrm>
-            <a:off x="9816870" y="2776100"/>
-            <a:ext cx="1690111" cy="1690111"/>
-          </a:xfrm>
-          <a:prstGeom prst="ellipse">
-            <a:avLst/>
-          </a:prstGeom>
-          <a:solidFill>
-            <a:schemeClr val="bg1"/>
-          </a:solidFill>
-        </p:spPr>
-        <p:style>
-          <a:lnRef idx="2">
-            <a:schemeClr val="accent1">
-              <a:shade val="50000"/>
-            </a:schemeClr>
-          </a:lnRef>
-          <a:fillRef idx="1">
-            <a:schemeClr val="accent1"/>
-          </a:fillRef>
-          <a:effectRef idx="0">
-            <a:schemeClr val="accent1"/>
-          </a:effectRef>
-          <a:fontRef idx="minor">
-            <a:schemeClr val="lt1"/>
-          </a:fontRef>
-        </p:style>
-        <p:txBody>
-          <a:bodyPr rtlCol="0" anchor="ctr"/>
-          <a:lstStyle/>
-          <a:p>
-            <a:pPr algn="ctr"/>
-            <a:endParaRPr lang="de-DE"/>
-          </a:p>
-        </p:txBody>
-      </p:sp>
-      <p:sp>
-        <p:nvSpPr>
-          <p:cNvPr id="28" name="Titel 1">
-            <a:extLst>
-              <a:ext uri="{FF2B5EF4-FFF2-40B4-BE49-F238E27FC236}">
-                <a16:creationId xmlns:a16="http://schemas.microsoft.com/office/drawing/2014/main" id="{2BDF8157-FA38-0845-9ACE-42D28848285E}"/>
-              </a:ext>
-            </a:extLst>
-          </p:cNvPr>
-          <p:cNvSpPr txBox="1">
-            <a:spLocks/>
-          </p:cNvSpPr>
-          <p:nvPr/>
-        </p:nvSpPr>
-        <p:spPr>
-          <a:xfrm>
-            <a:off x="631405" y="4745873"/>
-            <a:ext cx="1958050" cy="1174408"/>
-          </a:xfrm>
-          <a:prstGeom prst="rect">
-            <a:avLst/>
-          </a:prstGeom>
-        </p:spPr>
-        <p:txBody>
-          <a:bodyPr vert="horz" lIns="91440" tIns="45720" rIns="91440" bIns="45720" rtlCol="0" anchor="b">
-            <a:normAutofit fontScale="97500" lnSpcReduction="10000"/>
-          </a:bodyPr>
-          <a:lstStyle>
-            <a:lvl1pPr algn="l" defTabSz="914400" rtl="0" eaLnBrk="1" latinLnBrk="0" hangingPunct="1">
-              <a:lnSpc>
-                <a:spcPct val="90000"/>
-              </a:lnSpc>
-              <a:spcBef>
-                <a:spcPct val="0"/>
-              </a:spcBef>
-              <a:buNone/>
-              <a:defRPr sz="3600" kern="1200" spc="-60" baseline="0">
-                <a:solidFill>
-                  <a:srgbClr val="FFFFFF"/>
-                </a:solidFill>
-                <a:latin typeface="+mj-lt"/>
-                <a:ea typeface="+mj-ea"/>
-                <a:cs typeface="+mj-cs"/>
-              </a:defRPr>
-            </a:lvl1pPr>
-          </a:lstStyle>
-          <a:p>
-            <a:pPr algn="ctr"/>
-            <a:r>
-              <a:rPr lang="en-US" sz="2400" b="1" spc="-100" dirty="0">
-                <a:solidFill>
-                  <a:schemeClr val="bg1"/>
-                </a:solidFill>
-              </a:rPr>
-              <a:t>Markus Stadler</a:t>
-            </a:r>
-          </a:p>
-          <a:p>
-            <a:pPr algn="ctr"/>
-            <a:endParaRPr lang="en-US" sz="2000" b="1" spc="-100" dirty="0">
-              <a:solidFill>
-                <a:schemeClr val="bg1"/>
-              </a:solidFill>
-            </a:endParaRPr>
-          </a:p>
-          <a:p>
-            <a:pPr algn="ctr"/>
-            <a:r>
-              <a:rPr lang="en-US" sz="2000" b="1" spc="-100" dirty="0">
-                <a:solidFill>
-                  <a:schemeClr val="bg1"/>
-                </a:solidFill>
-              </a:rPr>
-              <a:t>Backend </a:t>
-            </a:r>
-            <a:br>
-              <a:rPr lang="en-US" sz="2000" b="1" spc="-100" dirty="0">
-                <a:solidFill>
-                  <a:schemeClr val="bg1"/>
-                </a:solidFill>
-              </a:rPr>
-            </a:br>
-            <a:r>
-              <a:rPr lang="en-US" sz="2000" b="1" spc="-100" dirty="0" err="1">
-                <a:solidFill>
-                  <a:schemeClr val="bg1"/>
-                </a:solidFill>
-              </a:rPr>
-              <a:t>Keycloak</a:t>
-            </a:r>
-            <a:endParaRPr lang="en-US" sz="2400" b="1" spc="-100" dirty="0">
-              <a:solidFill>
-                <a:schemeClr val="bg1"/>
-              </a:solidFill>
-            </a:endParaRPr>
-          </a:p>
-        </p:txBody>
-      </p:sp>
-      <p:sp>
-        <p:nvSpPr>
-          <p:cNvPr id="29" name="Titel 1">
-            <a:extLst>
-              <a:ext uri="{FF2B5EF4-FFF2-40B4-BE49-F238E27FC236}">
-                <a16:creationId xmlns:a16="http://schemas.microsoft.com/office/drawing/2014/main" id="{EB1B1D0A-FED2-9A4F-925A-F4AEB6214C65}"/>
-              </a:ext>
-            </a:extLst>
-          </p:cNvPr>
-          <p:cNvSpPr txBox="1">
-            <a:spLocks/>
-          </p:cNvSpPr>
-          <p:nvPr/>
-        </p:nvSpPr>
-        <p:spPr>
-          <a:xfrm>
-            <a:off x="2900639" y="4781681"/>
-            <a:ext cx="1958050" cy="941308"/>
-          </a:xfrm>
-          <a:prstGeom prst="rect">
-            <a:avLst/>
-          </a:prstGeom>
-        </p:spPr>
-        <p:txBody>
-          <a:bodyPr vert="horz" lIns="91440" tIns="45720" rIns="91440" bIns="45720" rtlCol="0" anchor="b">
-            <a:normAutofit fontScale="97500" lnSpcReduction="10000"/>
-          </a:bodyPr>
-          <a:lstStyle>
-            <a:lvl1pPr algn="l" defTabSz="914400" rtl="0" eaLnBrk="1" latinLnBrk="0" hangingPunct="1">
-              <a:lnSpc>
-                <a:spcPct val="90000"/>
-              </a:lnSpc>
-              <a:spcBef>
-                <a:spcPct val="0"/>
-              </a:spcBef>
-              <a:buNone/>
-              <a:defRPr sz="3600" kern="1200" spc="-60" baseline="0">
-                <a:solidFill>
-                  <a:srgbClr val="FFFFFF"/>
-                </a:solidFill>
-                <a:latin typeface="+mj-lt"/>
-                <a:ea typeface="+mj-ea"/>
-                <a:cs typeface="+mj-cs"/>
-              </a:defRPr>
-            </a:lvl1pPr>
-          </a:lstStyle>
-          <a:p>
-            <a:pPr algn="ctr"/>
-            <a:r>
-              <a:rPr lang="en-US" sz="2400" b="1" spc="-100" dirty="0">
-                <a:solidFill>
-                  <a:schemeClr val="bg1"/>
-                </a:solidFill>
-              </a:rPr>
-              <a:t>Noah </a:t>
-            </a:r>
-            <a:r>
-              <a:rPr lang="en-US" sz="2400" b="1" spc="-100" dirty="0" err="1">
-                <a:solidFill>
-                  <a:schemeClr val="bg1"/>
-                </a:solidFill>
-              </a:rPr>
-              <a:t>Stallinger</a:t>
-            </a:r>
-            <a:endParaRPr lang="en-US" sz="2400" b="1" spc="-100" dirty="0">
-              <a:solidFill>
-                <a:schemeClr val="bg1"/>
-              </a:solidFill>
-            </a:endParaRPr>
-          </a:p>
-          <a:p>
-            <a:pPr algn="ctr"/>
-            <a:endParaRPr lang="en-US" sz="2400" b="1" spc="-100" dirty="0">
-              <a:solidFill>
-                <a:schemeClr val="bg1"/>
-              </a:solidFill>
-            </a:endParaRPr>
-          </a:p>
-          <a:p>
-            <a:pPr algn="ctr"/>
-            <a:r>
-              <a:rPr lang="en-US" sz="2100" b="1" spc="-100" dirty="0">
-                <a:solidFill>
-                  <a:schemeClr val="bg1"/>
-                </a:solidFill>
-              </a:rPr>
-              <a:t>Frontend</a:t>
-            </a:r>
-          </a:p>
-        </p:txBody>
-      </p:sp>
-      <p:sp>
-        <p:nvSpPr>
-          <p:cNvPr id="30" name="Titel 1">
-            <a:extLst>
-              <a:ext uri="{FF2B5EF4-FFF2-40B4-BE49-F238E27FC236}">
-                <a16:creationId xmlns:a16="http://schemas.microsoft.com/office/drawing/2014/main" id="{DF255AD6-85F1-4744-92B1-7D4BBD40452D}"/>
-              </a:ext>
-            </a:extLst>
-          </p:cNvPr>
-          <p:cNvSpPr txBox="1">
-            <a:spLocks/>
-          </p:cNvSpPr>
-          <p:nvPr/>
-        </p:nvSpPr>
-        <p:spPr>
-          <a:xfrm>
-            <a:off x="5354261" y="4814289"/>
-            <a:ext cx="1578908" cy="1105991"/>
-          </a:xfrm>
-          <a:prstGeom prst="rect">
-            <a:avLst/>
-          </a:prstGeom>
-        </p:spPr>
-        <p:txBody>
-          <a:bodyPr vert="horz" lIns="91440" tIns="45720" rIns="91440" bIns="45720" rtlCol="0" anchor="b">
-            <a:normAutofit fontScale="75000" lnSpcReduction="20000"/>
-          </a:bodyPr>
-          <a:lstStyle>
-            <a:lvl1pPr algn="l" defTabSz="914400" rtl="0" eaLnBrk="1" latinLnBrk="0" hangingPunct="1">
-              <a:lnSpc>
-                <a:spcPct val="90000"/>
-              </a:lnSpc>
-              <a:spcBef>
-                <a:spcPct val="0"/>
-              </a:spcBef>
-              <a:buNone/>
-              <a:defRPr sz="3600" kern="1200" spc="-60" baseline="0">
-                <a:solidFill>
-                  <a:srgbClr val="FFFFFF"/>
-                </a:solidFill>
-                <a:latin typeface="+mj-lt"/>
-                <a:ea typeface="+mj-ea"/>
-                <a:cs typeface="+mj-cs"/>
-              </a:defRPr>
-            </a:lvl1pPr>
-          </a:lstStyle>
-          <a:p>
-            <a:pPr algn="ctr"/>
-            <a:r>
-              <a:rPr lang="en-US" sz="3100" b="1" spc="-100" dirty="0">
-                <a:solidFill>
-                  <a:schemeClr val="bg1"/>
-                </a:solidFill>
-              </a:rPr>
-              <a:t>Julian Haas</a:t>
-            </a:r>
-            <a:br>
-              <a:rPr lang="en-US" sz="3100" b="1" spc="-100" dirty="0">
-                <a:solidFill>
-                  <a:schemeClr val="bg1"/>
-                </a:solidFill>
-              </a:rPr>
-            </a:br>
-            <a:endParaRPr lang="en-US" sz="3100" b="1" spc="-100" dirty="0">
-              <a:solidFill>
-                <a:schemeClr val="bg1"/>
-              </a:solidFill>
-            </a:endParaRPr>
-          </a:p>
-          <a:p>
-            <a:pPr algn="ctr"/>
-            <a:r>
-              <a:rPr lang="en-US" sz="2700" b="1" spc="-100" dirty="0">
-                <a:solidFill>
-                  <a:schemeClr val="bg1"/>
-                </a:solidFill>
-              </a:rPr>
-              <a:t> </a:t>
-            </a:r>
-            <a:r>
-              <a:rPr lang="en-US" sz="2700" b="1" spc="-100" dirty="0" err="1">
-                <a:solidFill>
-                  <a:schemeClr val="bg1"/>
-                </a:solidFill>
-              </a:rPr>
-              <a:t>Animationen</a:t>
-            </a:r>
-            <a:r>
-              <a:rPr lang="en-US" sz="2700" b="1" spc="-100" dirty="0">
-                <a:solidFill>
-                  <a:schemeClr val="bg1"/>
-                </a:solidFill>
-              </a:rPr>
-              <a:t>  Backend</a:t>
-            </a:r>
-          </a:p>
-        </p:txBody>
-      </p:sp>
-      <p:sp>
-        <p:nvSpPr>
-          <p:cNvPr id="31" name="Titel 1">
-            <a:extLst>
-              <a:ext uri="{FF2B5EF4-FFF2-40B4-BE49-F238E27FC236}">
-                <a16:creationId xmlns:a16="http://schemas.microsoft.com/office/drawing/2014/main" id="{D84E3F59-DD13-AA40-8450-EB4EC53AA966}"/>
-              </a:ext>
-            </a:extLst>
-          </p:cNvPr>
-          <p:cNvSpPr txBox="1">
-            <a:spLocks/>
-          </p:cNvSpPr>
-          <p:nvPr/>
-        </p:nvSpPr>
-        <p:spPr>
-          <a:xfrm>
-            <a:off x="7428741" y="4814290"/>
-            <a:ext cx="1958050" cy="908699"/>
-          </a:xfrm>
-          <a:prstGeom prst="rect">
-            <a:avLst/>
-          </a:prstGeom>
-        </p:spPr>
-        <p:txBody>
-          <a:bodyPr vert="horz" lIns="91440" tIns="45720" rIns="91440" bIns="45720" rtlCol="0" anchor="b">
-            <a:normAutofit fontScale="97500" lnSpcReduction="10000"/>
-          </a:bodyPr>
-          <a:lstStyle>
-            <a:lvl1pPr algn="l" defTabSz="914400" rtl="0" eaLnBrk="1" latinLnBrk="0" hangingPunct="1">
-              <a:lnSpc>
-                <a:spcPct val="90000"/>
-              </a:lnSpc>
-              <a:spcBef>
-                <a:spcPct val="0"/>
-              </a:spcBef>
-              <a:buNone/>
-              <a:defRPr sz="3600" kern="1200" spc="-60" baseline="0">
-                <a:solidFill>
-                  <a:srgbClr val="FFFFFF"/>
-                </a:solidFill>
-                <a:latin typeface="+mj-lt"/>
-                <a:ea typeface="+mj-ea"/>
-                <a:cs typeface="+mj-cs"/>
-              </a:defRPr>
-            </a:lvl1pPr>
-          </a:lstStyle>
-          <a:p>
-            <a:pPr algn="ctr"/>
-            <a:r>
-              <a:rPr lang="en-US" sz="2400" b="1" spc="-100" dirty="0">
-                <a:solidFill>
-                  <a:schemeClr val="bg1"/>
-                </a:solidFill>
-              </a:rPr>
-              <a:t>Stephan </a:t>
-            </a:r>
-            <a:r>
-              <a:rPr lang="en-US" sz="2400" b="1" spc="-100" dirty="0" err="1">
-                <a:solidFill>
-                  <a:schemeClr val="bg1"/>
-                </a:solidFill>
-              </a:rPr>
-              <a:t>Herbe</a:t>
-            </a:r>
-            <a:endParaRPr lang="en-US" sz="2400" b="1" spc="-100" dirty="0">
-              <a:solidFill>
-                <a:schemeClr val="bg1"/>
-              </a:solidFill>
-            </a:endParaRPr>
-          </a:p>
-          <a:p>
-            <a:pPr algn="ctr"/>
-            <a:endParaRPr lang="en-US" sz="2400" b="1" spc="-100" dirty="0">
-              <a:solidFill>
-                <a:schemeClr val="bg1"/>
-              </a:solidFill>
-            </a:endParaRPr>
-          </a:p>
-          <a:p>
-            <a:pPr algn="ctr"/>
-            <a:r>
-              <a:rPr lang="en-US" sz="2100" b="1" spc="-100" dirty="0">
-                <a:solidFill>
-                  <a:schemeClr val="bg1"/>
-                </a:solidFill>
-              </a:rPr>
-              <a:t>Frontend</a:t>
-            </a:r>
-          </a:p>
-        </p:txBody>
-      </p:sp>
-      <p:sp>
-        <p:nvSpPr>
-          <p:cNvPr id="32" name="Titel 1">
-            <a:extLst>
-              <a:ext uri="{FF2B5EF4-FFF2-40B4-BE49-F238E27FC236}">
-                <a16:creationId xmlns:a16="http://schemas.microsoft.com/office/drawing/2014/main" id="{0A4473AB-DD8A-2246-9526-8BA8E275EF38}"/>
-              </a:ext>
-            </a:extLst>
-          </p:cNvPr>
-          <p:cNvSpPr txBox="1">
-            <a:spLocks/>
-          </p:cNvSpPr>
-          <p:nvPr/>
-        </p:nvSpPr>
-        <p:spPr>
-          <a:xfrm>
-            <a:off x="9682900" y="4814290"/>
-            <a:ext cx="1958050" cy="908699"/>
-          </a:xfrm>
-          <a:prstGeom prst="rect">
-            <a:avLst/>
-          </a:prstGeom>
-        </p:spPr>
-        <p:txBody>
-          <a:bodyPr vert="horz" lIns="91440" tIns="45720" rIns="91440" bIns="45720" rtlCol="0" anchor="b">
-            <a:normAutofit fontScale="97500" lnSpcReduction="10000"/>
-          </a:bodyPr>
-          <a:lstStyle>
-            <a:lvl1pPr algn="l" defTabSz="914400" rtl="0" eaLnBrk="1" latinLnBrk="0" hangingPunct="1">
-              <a:lnSpc>
-                <a:spcPct val="90000"/>
-              </a:lnSpc>
-              <a:spcBef>
-                <a:spcPct val="0"/>
-              </a:spcBef>
-              <a:buNone/>
-              <a:defRPr sz="3600" kern="1200" spc="-60" baseline="0">
-                <a:solidFill>
-                  <a:srgbClr val="FFFFFF"/>
-                </a:solidFill>
-                <a:latin typeface="+mj-lt"/>
-                <a:ea typeface="+mj-ea"/>
-                <a:cs typeface="+mj-cs"/>
-              </a:defRPr>
-            </a:lvl1pPr>
-          </a:lstStyle>
-          <a:p>
-            <a:pPr algn="ctr"/>
-            <a:r>
-              <a:rPr lang="en-US" sz="2400" b="1" spc="-100" dirty="0">
-                <a:solidFill>
-                  <a:schemeClr val="bg1"/>
-                </a:solidFill>
-              </a:rPr>
-              <a:t>Moritz </a:t>
-            </a:r>
-            <a:r>
-              <a:rPr lang="en-US" sz="2400" b="1" spc="-100" dirty="0" err="1">
-                <a:solidFill>
-                  <a:schemeClr val="bg1"/>
-                </a:solidFill>
-              </a:rPr>
-              <a:t>Weibold</a:t>
-            </a:r>
-            <a:endParaRPr lang="en-US" sz="2400" b="1" spc="-100" dirty="0">
-              <a:solidFill>
-                <a:schemeClr val="bg1"/>
-              </a:solidFill>
-            </a:endParaRPr>
-          </a:p>
-          <a:p>
-            <a:pPr algn="ctr"/>
-            <a:endParaRPr lang="en-US" sz="2400" b="1" spc="-100" dirty="0">
-              <a:solidFill>
-                <a:schemeClr val="bg1"/>
-              </a:solidFill>
-            </a:endParaRPr>
-          </a:p>
-          <a:p>
-            <a:pPr algn="ctr"/>
-            <a:r>
-              <a:rPr lang="en-US" sz="2100" b="1" spc="-100" dirty="0">
-                <a:solidFill>
-                  <a:schemeClr val="bg1"/>
-                </a:solidFill>
-              </a:rPr>
-              <a:t>Frontend</a:t>
-            </a:r>
-          </a:p>
-        </p:txBody>
-      </p:sp>
-      <p:sp>
-        <p:nvSpPr>
-          <p:cNvPr id="37" name="Wolke 36">
-            <a:extLst>
-              <a:ext uri="{FF2B5EF4-FFF2-40B4-BE49-F238E27FC236}">
-                <a16:creationId xmlns:a16="http://schemas.microsoft.com/office/drawing/2014/main" id="{24656458-3573-9941-A0B4-FA0C528F5F6A}"/>
-              </a:ext>
-            </a:extLst>
-          </p:cNvPr>
-          <p:cNvSpPr/>
-          <p:nvPr/>
-        </p:nvSpPr>
-        <p:spPr>
-          <a:xfrm>
-            <a:off x="10557069" y="-1479881"/>
-            <a:ext cx="3729497" cy="3211032"/>
-          </a:xfrm>
-          <a:prstGeom prst="cloud">
-            <a:avLst/>
-          </a:prstGeom>
-          <a:solidFill>
-            <a:schemeClr val="bg1"/>
-          </a:solidFill>
-        </p:spPr>
-        <p:style>
-          <a:lnRef idx="2">
-            <a:schemeClr val="accent1">
-              <a:shade val="50000"/>
-            </a:schemeClr>
-          </a:lnRef>
-          <a:fillRef idx="1">
-            <a:schemeClr val="accent1"/>
-          </a:fillRef>
-          <a:effectRef idx="0">
-            <a:schemeClr val="accent1"/>
-          </a:effectRef>
-          <a:fontRef idx="minor">
-            <a:schemeClr val="lt1"/>
-          </a:fontRef>
-        </p:style>
-        <p:txBody>
-          <a:bodyPr rtlCol="0" anchor="ctr"/>
-          <a:lstStyle/>
-          <a:p>
-            <a:pPr algn="ctr"/>
-            <a:endParaRPr lang="de-DE"/>
-          </a:p>
-        </p:txBody>
-      </p:sp>
-      <p:sp>
-        <p:nvSpPr>
-          <p:cNvPr id="38" name="Wolke 37">
-            <a:extLst>
-              <a:ext uri="{FF2B5EF4-FFF2-40B4-BE49-F238E27FC236}">
-                <a16:creationId xmlns:a16="http://schemas.microsoft.com/office/drawing/2014/main" id="{710503B2-8E41-9E42-9E4D-F4BCAEA29B8E}"/>
-              </a:ext>
-            </a:extLst>
-          </p:cNvPr>
-          <p:cNvSpPr/>
-          <p:nvPr/>
-        </p:nvSpPr>
-        <p:spPr>
-          <a:xfrm>
-            <a:off x="-2284608" y="5920280"/>
-            <a:ext cx="3895038" cy="3211032"/>
-          </a:xfrm>
-          <a:prstGeom prst="cloud">
-            <a:avLst/>
-          </a:prstGeom>
-          <a:solidFill>
-            <a:schemeClr val="bg1"/>
-          </a:solidFill>
-        </p:spPr>
-        <p:style>
-          <a:lnRef idx="2">
-            <a:schemeClr val="accent1">
-              <a:shade val="50000"/>
-            </a:schemeClr>
-          </a:lnRef>
-          <a:fillRef idx="1">
-            <a:schemeClr val="accent1"/>
-          </a:fillRef>
-          <a:effectRef idx="0">
-            <a:schemeClr val="accent1"/>
-          </a:effectRef>
-          <a:fontRef idx="minor">
-            <a:schemeClr val="lt1"/>
-          </a:fontRef>
-        </p:style>
-        <p:txBody>
-          <a:bodyPr rtlCol="0" anchor="ctr"/>
-          <a:lstStyle/>
-          <a:p>
-            <a:pPr algn="ctr"/>
-            <a:endParaRPr lang="de-DE"/>
+            <a:r>
+              <a:rPr lang="de-DE" sz="4800" dirty="0"/>
+              <a:t>Die Emotionen</a:t>
+            </a:r>
           </a:p>
         </p:txBody>
       </p:sp>
     </p:spTree>
     <p:extLst>
       <p:ext uri="{BB962C8B-B14F-4D97-AF65-F5344CB8AC3E}">
-        <p14:creationId xmlns:p14="http://schemas.microsoft.com/office/powerpoint/2010/main" val="3232779718"/>
+        <p14:creationId xmlns:p14="http://schemas.microsoft.com/office/powerpoint/2010/main" val="2571870553"/>
       </p:ext>
     </p:extLst>
   </p:cSld>
@@ -5334,10 +4575,10 @@
       </p:grpSpPr>
       <p:sp>
         <p:nvSpPr>
-          <p:cNvPr id="10" name="Rectangle 9">
+          <p:cNvPr id="15" name="Rectangle 14">
             <a:extLst>
               <a:ext uri="{FF2B5EF4-FFF2-40B4-BE49-F238E27FC236}">
-                <a16:creationId xmlns:a16="http://schemas.microsoft.com/office/drawing/2014/main" id="{DB8424AB-D56B-4256-866A-5B54DE93C20F}"/>
+                <a16:creationId xmlns:a16="http://schemas.microsoft.com/office/drawing/2014/main" id="{C162DF2A-64D1-4AA9-BA42-8A4063EADE09}"/>
               </a:ext>
               <a:ext uri="{C183D7F6-B498-43B3-948B-1728B52AA6E4}">
                 <adec:decorative xmlns:adec="http://schemas.microsoft.com/office/drawing/2017/decorative" val="1"/>
@@ -5389,10 +4630,10 @@
       </p:sp>
       <p:sp>
         <p:nvSpPr>
-          <p:cNvPr id="12" name="Rectangle 11">
+          <p:cNvPr id="17" name="Rectangle 16">
             <a:extLst>
               <a:ext uri="{FF2B5EF4-FFF2-40B4-BE49-F238E27FC236}">
-                <a16:creationId xmlns:a16="http://schemas.microsoft.com/office/drawing/2014/main" id="{FC999C28-AD33-4EB7-A5F1-C06D10A5FDF7}"/>
+                <a16:creationId xmlns:a16="http://schemas.microsoft.com/office/drawing/2014/main" id="{5D7C1373-63AF-4A75-909E-990E05356670}"/>
               </a:ext>
               <a:ext uri="{C183D7F6-B498-43B3-948B-1728B52AA6E4}">
                 <adec:decorative xmlns:adec="http://schemas.microsoft.com/office/drawing/2017/decorative" val="1"/>
@@ -5446,10 +4687,10 @@
       </p:sp>
       <p:sp useBgFill="1">
         <p:nvSpPr>
-          <p:cNvPr id="14" name="Rectangle 13">
+          <p:cNvPr id="19" name="Rectangle 18">
             <a:extLst>
               <a:ext uri="{FF2B5EF4-FFF2-40B4-BE49-F238E27FC236}">
-                <a16:creationId xmlns:a16="http://schemas.microsoft.com/office/drawing/2014/main" id="{0864E5C9-52C9-4572-AC75-548B9B9C2648}"/>
+                <a16:creationId xmlns:a16="http://schemas.microsoft.com/office/drawing/2014/main" id="{5BDAAE7A-177F-4691-8F07-36CBBA6113AB}"/>
               </a:ext>
               <a:ext uri="{C183D7F6-B498-43B3-948B-1728B52AA6E4}">
                 <adec:decorative xmlns:adec="http://schemas.microsoft.com/office/drawing/2017/decorative" val="1"/>
@@ -5469,8 +4710,8 @@
         </p:nvSpPr>
         <p:spPr>
           <a:xfrm>
-            <a:off x="0" y="0"/>
-            <a:ext cx="12191999" cy="6858000"/>
+            <a:off x="1790" y="0"/>
+            <a:ext cx="12192000" cy="6858000"/>
           </a:xfrm>
           <a:prstGeom prst="rect">
             <a:avLst/>
@@ -5500,16 +4741,16 @@
           <a:lstStyle/>
           <a:p>
             <a:pPr algn="ctr"/>
-            <a:endParaRPr lang="en-US"/>
-          </a:p>
-        </p:txBody>
-      </p:sp>
-      <p:sp>
-        <p:nvSpPr>
-          <p:cNvPr id="16" name="Rectangle 15">
+            <a:endParaRPr lang="en-US" dirty="0"/>
+          </a:p>
+        </p:txBody>
+      </p:sp>
+      <p:sp>
+        <p:nvSpPr>
+          <p:cNvPr id="21" name="Rectangle 20">
             <a:extLst>
               <a:ext uri="{FF2B5EF4-FFF2-40B4-BE49-F238E27FC236}">
-                <a16:creationId xmlns:a16="http://schemas.microsoft.com/office/drawing/2014/main" id="{45CC6500-4DBD-4C34-BC14-2387FB483BEB}"/>
+                <a16:creationId xmlns:a16="http://schemas.microsoft.com/office/drawing/2014/main" id="{5BF82D1D-28BC-4216-A1EA-F7D9C6D1AA82}"/>
               </a:ext>
               <a:ext uri="{C183D7F6-B498-43B3-948B-1728B52AA6E4}">
                 <adec:decorative xmlns:adec="http://schemas.microsoft.com/office/drawing/2017/decorative" val="1"/>
@@ -5529,8 +4770,8 @@
         </p:nvSpPr>
         <p:spPr>
           <a:xfrm>
-            <a:off x="1" y="761999"/>
-            <a:ext cx="4642228" cy="5334001"/>
+            <a:off x="0" y="761999"/>
+            <a:ext cx="1286934" cy="5334001"/>
           </a:xfrm>
           <a:prstGeom prst="rect">
             <a:avLst/>
@@ -5561,90 +4802,75 @@
       </p:sp>
       <p:sp>
         <p:nvSpPr>
-          <p:cNvPr id="2" name="Titel 1">
+          <p:cNvPr id="23" name="Rectangle 22">
             <a:extLst>
               <a:ext uri="{FF2B5EF4-FFF2-40B4-BE49-F238E27FC236}">
-                <a16:creationId xmlns:a16="http://schemas.microsoft.com/office/drawing/2014/main" id="{721F23DF-5CED-3144-8A0D-7673299CEC94}"/>
+                <a16:creationId xmlns:a16="http://schemas.microsoft.com/office/drawing/2014/main" id="{60A1DC48-C242-4442-822C-570436B809FC}"/>
+              </a:ext>
+              <a:ext uri="{C183D7F6-B498-43B3-948B-1728B52AA6E4}">
+                <adec:decorative xmlns:adec="http://schemas.microsoft.com/office/drawing/2017/decorative" val="1"/>
               </a:ext>
             </a:extLst>
           </p:cNvPr>
           <p:cNvSpPr>
-            <a:spLocks noGrp="1"/>
-          </p:cNvSpPr>
-          <p:nvPr>
-            <p:ph type="title"/>
-          </p:nvPr>
-        </p:nvSpPr>
-        <p:spPr>
-          <a:xfrm>
-            <a:off x="1069849" y="1298448"/>
-            <a:ext cx="3258688" cy="3255264"/>
-          </a:xfrm>
-        </p:spPr>
-        <p:txBody>
-          <a:bodyPr vert="horz" lIns="91440" tIns="45720" rIns="91440" bIns="45720" rtlCol="0" anchor="b">
-            <a:normAutofit/>
-          </a:bodyPr>
-          <a:lstStyle/>
-          <a:p>
-            <a:r>
-              <a:rPr lang="en-US" sz="3200" spc="-100"/>
-              <a:t>Arbeitsverteilung</a:t>
-            </a:r>
-          </a:p>
-        </p:txBody>
-      </p:sp>
-      <p:sp>
-        <p:nvSpPr>
-          <p:cNvPr id="3" name="Inhaltsplatzhalter 2">
+            <a:spLocks noGrp="1" noRot="1" noChangeAspect="1" noMove="1" noResize="1" noEditPoints="1" noAdjustHandles="1" noChangeArrowheads="1" noChangeShapeType="1" noTextEdit="1"/>
+          </p:cNvSpPr>
+          <p:nvPr>
+            <p:extLst>
+              <p:ext uri="{386F3935-93C4-4BCD-93E2-E3B085C9AB24}">
+                <p16:designElem xmlns:p16="http://schemas.microsoft.com/office/powerpoint/2015/main" val="1"/>
+              </p:ext>
+            </p:extLst>
+          </p:nvPr>
+        </p:nvSpPr>
+        <p:spPr>
+          <a:xfrm>
+            <a:off x="11685778" y="767825"/>
+            <a:ext cx="508012" cy="5328173"/>
+          </a:xfrm>
+          <a:prstGeom prst="rect">
+            <a:avLst/>
+          </a:prstGeom>
+          <a:solidFill>
+            <a:srgbClr val="C8C8C8">
+              <a:alpha val="50000"/>
+            </a:srgbClr>
+          </a:solidFill>
+          <a:ln>
+            <a:noFill/>
+          </a:ln>
+        </p:spPr>
+        <p:style>
+          <a:lnRef idx="2">
+            <a:schemeClr val="accent1">
+              <a:shade val="50000"/>
+            </a:schemeClr>
+          </a:lnRef>
+          <a:fillRef idx="1">
+            <a:schemeClr val="accent1"/>
+          </a:fillRef>
+          <a:effectRef idx="0">
+            <a:schemeClr val="accent1"/>
+          </a:effectRef>
+          <a:fontRef idx="minor">
+            <a:schemeClr val="lt1"/>
+          </a:fontRef>
+        </p:style>
+        <p:txBody>
+          <a:bodyPr rtlCol="0" anchor="ctr"/>
+          <a:lstStyle/>
+          <a:p>
+            <a:pPr algn="ctr"/>
+            <a:endParaRPr lang="en-US"/>
+          </a:p>
+        </p:txBody>
+      </p:sp>
+      <p:pic>
+        <p:nvPicPr>
+          <p:cNvPr id="12" name="Grafik 11">
             <a:extLst>
               <a:ext uri="{FF2B5EF4-FFF2-40B4-BE49-F238E27FC236}">
-                <a16:creationId xmlns:a16="http://schemas.microsoft.com/office/drawing/2014/main" id="{6DF8BC9F-B3FD-D94B-AD6E-E7FD19CE5A24}"/>
-              </a:ext>
-            </a:extLst>
-          </p:cNvPr>
-          <p:cNvSpPr>
-            <a:spLocks noGrp="1"/>
-          </p:cNvSpPr>
-          <p:nvPr>
-            <p:ph idx="1"/>
-          </p:nvPr>
-        </p:nvSpPr>
-        <p:spPr>
-          <a:xfrm>
-            <a:off x="1100015" y="4670246"/>
-            <a:ext cx="3228521" cy="914400"/>
-          </a:xfrm>
-        </p:spPr>
-        <p:txBody>
-          <a:bodyPr vert="horz" lIns="91440" tIns="45720" rIns="91440" bIns="45720" rtlCol="0" anchor="t">
-            <a:normAutofit/>
-          </a:bodyPr>
-          <a:lstStyle/>
-          <a:p>
-            <a:pPr marL="0" indent="0">
-              <a:buNone/>
-            </a:pPr>
-            <a:r>
-              <a:rPr lang="en-US" sz="2200">
-                <a:solidFill>
-                  <a:schemeClr val="accent1">
-                    <a:lumMod val="20000"/>
-                    <a:lumOff val="80000"/>
-                  </a:schemeClr>
-                </a:solidFill>
-              </a:rPr>
-              <a:t>Grafik zu Arbeitsstunden und Commits</a:t>
-            </a:r>
-          </a:p>
-        </p:txBody>
-      </p:sp>
-      <p:pic>
-        <p:nvPicPr>
-          <p:cNvPr id="5" name="Grafik 4" descr="Balkendiagramm">
-            <a:extLst>
-              <a:ext uri="{FF2B5EF4-FFF2-40B4-BE49-F238E27FC236}">
-                <a16:creationId xmlns:a16="http://schemas.microsoft.com/office/drawing/2014/main" id="{82BD5DA6-0C8C-DA43-AAE6-9C72F5CC7744}"/>
+                <a16:creationId xmlns:a16="http://schemas.microsoft.com/office/drawing/2014/main" id="{3359FEF3-EF06-284A-8F16-E5DDD0F36618}"/>
               </a:ext>
             </a:extLst>
           </p:cNvPr>
@@ -5654,21 +4880,15 @@
           <p:nvPr/>
         </p:nvPicPr>
         <p:blipFill>
-          <a:blip r:embed="rId2">
-            <a:extLst>
-              <a:ext uri="{96DAC541-7B7A-43D3-8B79-37D633B846F1}">
-                <asvg:svgBlip xmlns:asvg="http://schemas.microsoft.com/office/drawing/2016/SVG/main" r:embed="rId3"/>
-              </a:ext>
-            </a:extLst>
-          </a:blip>
+          <a:blip r:embed="rId2"/>
           <a:stretch>
             <a:fillRect/>
           </a:stretch>
         </p:blipFill>
         <p:spPr>
           <a:xfrm>
-            <a:off x="5638950" y="759599"/>
-            <a:ext cx="5330650" cy="5330650"/>
+            <a:off x="0" y="-4636"/>
+            <a:ext cx="12293174" cy="6862636"/>
           </a:xfrm>
           <a:prstGeom prst="rect">
             <a:avLst/>
@@ -5677,43 +4897,66 @@
       </p:pic>
       <p:sp>
         <p:nvSpPr>
-          <p:cNvPr id="18" name="Rectangle 17">
+          <p:cNvPr id="20" name="Titel 1">
             <a:extLst>
               <a:ext uri="{FF2B5EF4-FFF2-40B4-BE49-F238E27FC236}">
-                <a16:creationId xmlns:a16="http://schemas.microsoft.com/office/drawing/2014/main" id="{4E34A3B6-BAD2-4156-BDC6-4736248BFDE0}"/>
-              </a:ext>
-              <a:ext uri="{C183D7F6-B498-43B3-948B-1728B52AA6E4}">
-                <adec:decorative xmlns:adec="http://schemas.microsoft.com/office/drawing/2017/decorative" val="1"/>
+                <a16:creationId xmlns:a16="http://schemas.microsoft.com/office/drawing/2014/main" id="{5079EB90-93AC-EC41-9A99-FD875851EC51}"/>
               </a:ext>
             </a:extLst>
           </p:cNvPr>
           <p:cNvSpPr>
-            <a:spLocks noGrp="1" noRot="1" noChangeAspect="1" noMove="1" noResize="1" noEditPoints="1" noAdjustHandles="1" noChangeArrowheads="1" noChangeShapeType="1" noTextEdit="1"/>
-          </p:cNvSpPr>
-          <p:nvPr>
-            <p:extLst>
-              <p:ext uri="{386F3935-93C4-4BCD-93E2-E3B085C9AB24}">
-                <p16:designElem xmlns:p16="http://schemas.microsoft.com/office/powerpoint/2015/main" val="1"/>
-              </p:ext>
-            </p:extLst>
-          </p:nvPr>
-        </p:nvSpPr>
-        <p:spPr>
-          <a:xfrm>
-            <a:off x="11815864" y="758952"/>
-            <a:ext cx="384048" cy="5330952"/>
-          </a:xfrm>
-          <a:prstGeom prst="rect">
+            <a:spLocks noGrp="1"/>
+          </p:cNvSpPr>
+          <p:nvPr>
+            <p:ph type="title"/>
+          </p:nvPr>
+        </p:nvSpPr>
+        <p:spPr>
+          <a:xfrm>
+            <a:off x="4321738" y="680278"/>
+            <a:ext cx="3548523" cy="1048512"/>
+          </a:xfrm>
+        </p:spPr>
+        <p:txBody>
+          <a:bodyPr vert="horz" lIns="91440" tIns="45720" rIns="91440" bIns="45720" rtlCol="0" anchor="b">
+            <a:normAutofit fontScale="90000"/>
+          </a:bodyPr>
+          <a:lstStyle/>
+          <a:p>
+            <a:r>
+              <a:rPr lang="en-US" sz="7200" b="1" spc="-100" dirty="0">
+                <a:solidFill>
+                  <a:schemeClr val="bg1"/>
+                </a:solidFill>
+              </a:rPr>
+              <a:t>Das Team</a:t>
+            </a:r>
+          </a:p>
+        </p:txBody>
+      </p:sp>
+      <p:sp>
+        <p:nvSpPr>
+          <p:cNvPr id="16" name="Oval 15">
+            <a:extLst>
+              <a:ext uri="{FF2B5EF4-FFF2-40B4-BE49-F238E27FC236}">
+                <a16:creationId xmlns:a16="http://schemas.microsoft.com/office/drawing/2014/main" id="{E672CD5F-4DC9-C144-8AA5-7229109DB33F}"/>
+              </a:ext>
+            </a:extLst>
+          </p:cNvPr>
+          <p:cNvSpPr/>
+          <p:nvPr/>
+        </p:nvSpPr>
+        <p:spPr>
+          <a:xfrm>
+            <a:off x="768930" y="2750198"/>
+            <a:ext cx="1690111" cy="1690111"/>
+          </a:xfrm>
+          <a:prstGeom prst="ellipse">
             <a:avLst/>
           </a:prstGeom>
           <a:solidFill>
-            <a:srgbClr val="C8C8C8">
-              <a:alpha val="49804"/>
-            </a:srgbClr>
+            <a:schemeClr val="bg1"/>
           </a:solidFill>
-          <a:ln>
-            <a:noFill/>
-          </a:ln>
         </p:spPr>
         <p:style>
           <a:lnRef idx="2">
@@ -5731,11 +4974,782 @@
             <a:schemeClr val="lt1"/>
           </a:fontRef>
         </p:style>
+        <p:txBody>
+          <a:bodyPr rtlCol="0" anchor="ctr"/>
+          <a:lstStyle/>
+          <a:p>
+            <a:pPr algn="ctr"/>
+            <a:endParaRPr lang="de-DE"/>
+          </a:p>
+        </p:txBody>
+      </p:sp>
+      <p:sp>
+        <p:nvSpPr>
+          <p:cNvPr id="22" name="Oval 21">
+            <a:extLst>
+              <a:ext uri="{FF2B5EF4-FFF2-40B4-BE49-F238E27FC236}">
+                <a16:creationId xmlns:a16="http://schemas.microsoft.com/office/drawing/2014/main" id="{476EC5B8-1CC6-5A40-B4AC-6A51155FB5A6}"/>
+              </a:ext>
+            </a:extLst>
+          </p:cNvPr>
+          <p:cNvSpPr/>
+          <p:nvPr/>
+        </p:nvSpPr>
+        <p:spPr>
+          <a:xfrm>
+            <a:off x="3034609" y="2750196"/>
+            <a:ext cx="1690111" cy="1690111"/>
+          </a:xfrm>
+          <a:prstGeom prst="ellipse">
+            <a:avLst/>
+          </a:prstGeom>
+          <a:solidFill>
+            <a:schemeClr val="bg1"/>
+          </a:solidFill>
+        </p:spPr>
+        <p:style>
+          <a:lnRef idx="2">
+            <a:schemeClr val="accent1">
+              <a:shade val="50000"/>
+            </a:schemeClr>
+          </a:lnRef>
+          <a:fillRef idx="1">
+            <a:schemeClr val="accent1"/>
+          </a:fillRef>
+          <a:effectRef idx="0">
+            <a:schemeClr val="accent1"/>
+          </a:effectRef>
+          <a:fontRef idx="minor">
+            <a:schemeClr val="lt1"/>
+          </a:fontRef>
+        </p:style>
+        <p:txBody>
+          <a:bodyPr rtlCol="0" anchor="ctr"/>
+          <a:lstStyle/>
+          <a:p>
+            <a:pPr algn="ctr"/>
+            <a:endParaRPr lang="de-DE"/>
+          </a:p>
+        </p:txBody>
+      </p:sp>
+      <p:sp>
+        <p:nvSpPr>
+          <p:cNvPr id="24" name="Oval 23">
+            <a:extLst>
+              <a:ext uri="{FF2B5EF4-FFF2-40B4-BE49-F238E27FC236}">
+                <a16:creationId xmlns:a16="http://schemas.microsoft.com/office/drawing/2014/main" id="{913A2ABD-6A6B-4340-B348-B706E3104CAF}"/>
+              </a:ext>
+            </a:extLst>
+          </p:cNvPr>
+          <p:cNvSpPr/>
+          <p:nvPr/>
+        </p:nvSpPr>
+        <p:spPr>
+          <a:xfrm>
+            <a:off x="5300288" y="2776100"/>
+            <a:ext cx="1690111" cy="1690111"/>
+          </a:xfrm>
+          <a:prstGeom prst="ellipse">
+            <a:avLst/>
+          </a:prstGeom>
+          <a:solidFill>
+            <a:schemeClr val="bg1"/>
+          </a:solidFill>
+        </p:spPr>
+        <p:style>
+          <a:lnRef idx="2">
+            <a:schemeClr val="accent1">
+              <a:shade val="50000"/>
+            </a:schemeClr>
+          </a:lnRef>
+          <a:fillRef idx="1">
+            <a:schemeClr val="accent1"/>
+          </a:fillRef>
+          <a:effectRef idx="0">
+            <a:schemeClr val="accent1"/>
+          </a:effectRef>
+          <a:fontRef idx="minor">
+            <a:schemeClr val="lt1"/>
+          </a:fontRef>
+        </p:style>
+        <p:txBody>
+          <a:bodyPr rtlCol="0" anchor="ctr"/>
+          <a:lstStyle/>
+          <a:p>
+            <a:pPr algn="ctr"/>
+            <a:endParaRPr lang="de-DE"/>
+          </a:p>
+        </p:txBody>
+      </p:sp>
+      <p:sp>
+        <p:nvSpPr>
+          <p:cNvPr id="25" name="Oval 24">
+            <a:extLst>
+              <a:ext uri="{FF2B5EF4-FFF2-40B4-BE49-F238E27FC236}">
+                <a16:creationId xmlns:a16="http://schemas.microsoft.com/office/drawing/2014/main" id="{322B8243-F9CD-5642-B1FF-D13D629E2261}"/>
+              </a:ext>
+            </a:extLst>
+          </p:cNvPr>
+          <p:cNvSpPr/>
+          <p:nvPr/>
+        </p:nvSpPr>
+        <p:spPr>
+          <a:xfrm>
+            <a:off x="7565967" y="2750195"/>
+            <a:ext cx="1690111" cy="1690111"/>
+          </a:xfrm>
+          <a:prstGeom prst="ellipse">
+            <a:avLst/>
+          </a:prstGeom>
+          <a:solidFill>
+            <a:schemeClr val="bg1"/>
+          </a:solidFill>
+        </p:spPr>
+        <p:style>
+          <a:lnRef idx="2">
+            <a:schemeClr val="accent1">
+              <a:shade val="50000"/>
+            </a:schemeClr>
+          </a:lnRef>
+          <a:fillRef idx="1">
+            <a:schemeClr val="accent1"/>
+          </a:fillRef>
+          <a:effectRef idx="0">
+            <a:schemeClr val="accent1"/>
+          </a:effectRef>
+          <a:fontRef idx="minor">
+            <a:schemeClr val="lt1"/>
+          </a:fontRef>
+        </p:style>
+        <p:txBody>
+          <a:bodyPr rtlCol="0" anchor="ctr"/>
+          <a:lstStyle/>
+          <a:p>
+            <a:pPr algn="ctr"/>
+            <a:endParaRPr lang="de-DE"/>
+          </a:p>
+        </p:txBody>
+      </p:sp>
+      <p:sp>
+        <p:nvSpPr>
+          <p:cNvPr id="27" name="Oval 26">
+            <a:extLst>
+              <a:ext uri="{FF2B5EF4-FFF2-40B4-BE49-F238E27FC236}">
+                <a16:creationId xmlns:a16="http://schemas.microsoft.com/office/drawing/2014/main" id="{58FD0DB1-BA8C-9840-8E16-8F57D5B0A163}"/>
+              </a:ext>
+            </a:extLst>
+          </p:cNvPr>
+          <p:cNvSpPr/>
+          <p:nvPr/>
+        </p:nvSpPr>
+        <p:spPr>
+          <a:xfrm>
+            <a:off x="9816870" y="2776100"/>
+            <a:ext cx="1690111" cy="1690111"/>
+          </a:xfrm>
+          <a:prstGeom prst="ellipse">
+            <a:avLst/>
+          </a:prstGeom>
+          <a:solidFill>
+            <a:schemeClr val="bg1"/>
+          </a:solidFill>
+        </p:spPr>
+        <p:style>
+          <a:lnRef idx="2">
+            <a:schemeClr val="accent1">
+              <a:shade val="50000"/>
+            </a:schemeClr>
+          </a:lnRef>
+          <a:fillRef idx="1">
+            <a:schemeClr val="accent1"/>
+          </a:fillRef>
+          <a:effectRef idx="0">
+            <a:schemeClr val="accent1"/>
+          </a:effectRef>
+          <a:fontRef idx="minor">
+            <a:schemeClr val="lt1"/>
+          </a:fontRef>
+        </p:style>
+        <p:txBody>
+          <a:bodyPr rtlCol="0" anchor="ctr"/>
+          <a:lstStyle/>
+          <a:p>
+            <a:pPr algn="ctr"/>
+            <a:endParaRPr lang="de-DE"/>
+          </a:p>
+        </p:txBody>
+      </p:sp>
+      <p:sp>
+        <p:nvSpPr>
+          <p:cNvPr id="28" name="Titel 1">
+            <a:extLst>
+              <a:ext uri="{FF2B5EF4-FFF2-40B4-BE49-F238E27FC236}">
+                <a16:creationId xmlns:a16="http://schemas.microsoft.com/office/drawing/2014/main" id="{2BDF8157-FA38-0845-9ACE-42D28848285E}"/>
+              </a:ext>
+            </a:extLst>
+          </p:cNvPr>
+          <p:cNvSpPr txBox="1">
+            <a:spLocks/>
+          </p:cNvSpPr>
+          <p:nvPr/>
+        </p:nvSpPr>
+        <p:spPr>
+          <a:xfrm>
+            <a:off x="631405" y="4745873"/>
+            <a:ext cx="1958050" cy="1174408"/>
+          </a:xfrm>
+          <a:prstGeom prst="rect">
+            <a:avLst/>
+          </a:prstGeom>
+        </p:spPr>
+        <p:txBody>
+          <a:bodyPr vert="horz" lIns="91440" tIns="45720" rIns="91440" bIns="45720" rtlCol="0" anchor="b">
+            <a:normAutofit fontScale="97500" lnSpcReduction="10000"/>
+          </a:bodyPr>
+          <a:lstStyle>
+            <a:lvl1pPr algn="l" defTabSz="914400" rtl="0" eaLnBrk="1" latinLnBrk="0" hangingPunct="1">
+              <a:lnSpc>
+                <a:spcPct val="90000"/>
+              </a:lnSpc>
+              <a:spcBef>
+                <a:spcPct val="0"/>
+              </a:spcBef>
+              <a:buNone/>
+              <a:defRPr sz="3600" kern="1200" spc="-60" baseline="0">
+                <a:solidFill>
+                  <a:srgbClr val="FFFFFF"/>
+                </a:solidFill>
+                <a:latin typeface="+mj-lt"/>
+                <a:ea typeface="+mj-ea"/>
+                <a:cs typeface="+mj-cs"/>
+              </a:defRPr>
+            </a:lvl1pPr>
+          </a:lstStyle>
+          <a:p>
+            <a:pPr algn="ctr"/>
+            <a:r>
+              <a:rPr lang="en-US" sz="2400" b="1" spc="-100" dirty="0">
+                <a:solidFill>
+                  <a:schemeClr val="bg1"/>
+                </a:solidFill>
+              </a:rPr>
+              <a:t>Markus Stadler</a:t>
+            </a:r>
+          </a:p>
+          <a:p>
+            <a:pPr algn="ctr"/>
+            <a:endParaRPr lang="en-US" sz="2000" b="1" spc="-100" dirty="0">
+              <a:solidFill>
+                <a:schemeClr val="bg1"/>
+              </a:solidFill>
+            </a:endParaRPr>
+          </a:p>
+          <a:p>
+            <a:pPr algn="ctr"/>
+            <a:r>
+              <a:rPr lang="en-US" sz="2000" b="1" spc="-100" dirty="0">
+                <a:solidFill>
+                  <a:schemeClr val="bg1"/>
+                </a:solidFill>
+              </a:rPr>
+              <a:t>Backend </a:t>
+            </a:r>
+            <a:br>
+              <a:rPr lang="en-US" sz="2000" b="1" spc="-100" dirty="0">
+                <a:solidFill>
+                  <a:schemeClr val="bg1"/>
+                </a:solidFill>
+              </a:rPr>
+            </a:br>
+            <a:r>
+              <a:rPr lang="en-US" sz="2000" b="1" spc="-100" dirty="0" err="1">
+                <a:solidFill>
+                  <a:schemeClr val="bg1"/>
+                </a:solidFill>
+              </a:rPr>
+              <a:t>Keycloak</a:t>
+            </a:r>
+            <a:endParaRPr lang="en-US" sz="2400" b="1" spc="-100" dirty="0">
+              <a:solidFill>
+                <a:schemeClr val="bg1"/>
+              </a:solidFill>
+            </a:endParaRPr>
+          </a:p>
+        </p:txBody>
+      </p:sp>
+      <p:sp>
+        <p:nvSpPr>
+          <p:cNvPr id="29" name="Titel 1">
+            <a:extLst>
+              <a:ext uri="{FF2B5EF4-FFF2-40B4-BE49-F238E27FC236}">
+                <a16:creationId xmlns:a16="http://schemas.microsoft.com/office/drawing/2014/main" id="{EB1B1D0A-FED2-9A4F-925A-F4AEB6214C65}"/>
+              </a:ext>
+            </a:extLst>
+          </p:cNvPr>
+          <p:cNvSpPr txBox="1">
+            <a:spLocks/>
+          </p:cNvSpPr>
+          <p:nvPr/>
+        </p:nvSpPr>
+        <p:spPr>
+          <a:xfrm>
+            <a:off x="2900639" y="4781681"/>
+            <a:ext cx="1958050" cy="941308"/>
+          </a:xfrm>
+          <a:prstGeom prst="rect">
+            <a:avLst/>
+          </a:prstGeom>
+        </p:spPr>
+        <p:txBody>
+          <a:bodyPr vert="horz" lIns="91440" tIns="45720" rIns="91440" bIns="45720" rtlCol="0" anchor="b">
+            <a:normAutofit fontScale="97500" lnSpcReduction="10000"/>
+          </a:bodyPr>
+          <a:lstStyle>
+            <a:lvl1pPr algn="l" defTabSz="914400" rtl="0" eaLnBrk="1" latinLnBrk="0" hangingPunct="1">
+              <a:lnSpc>
+                <a:spcPct val="90000"/>
+              </a:lnSpc>
+              <a:spcBef>
+                <a:spcPct val="0"/>
+              </a:spcBef>
+              <a:buNone/>
+              <a:defRPr sz="3600" kern="1200" spc="-60" baseline="0">
+                <a:solidFill>
+                  <a:srgbClr val="FFFFFF"/>
+                </a:solidFill>
+                <a:latin typeface="+mj-lt"/>
+                <a:ea typeface="+mj-ea"/>
+                <a:cs typeface="+mj-cs"/>
+              </a:defRPr>
+            </a:lvl1pPr>
+          </a:lstStyle>
+          <a:p>
+            <a:pPr algn="ctr"/>
+            <a:r>
+              <a:rPr lang="en-US" sz="2400" b="1" spc="-100" dirty="0">
+                <a:solidFill>
+                  <a:schemeClr val="bg1"/>
+                </a:solidFill>
+              </a:rPr>
+              <a:t>Noah </a:t>
+            </a:r>
+            <a:r>
+              <a:rPr lang="en-US" sz="2400" b="1" spc="-100" dirty="0" err="1">
+                <a:solidFill>
+                  <a:schemeClr val="bg1"/>
+                </a:solidFill>
+              </a:rPr>
+              <a:t>Stallinger</a:t>
+            </a:r>
+            <a:endParaRPr lang="en-US" sz="2400" b="1" spc="-100" dirty="0">
+              <a:solidFill>
+                <a:schemeClr val="bg1"/>
+              </a:solidFill>
+            </a:endParaRPr>
+          </a:p>
+          <a:p>
+            <a:pPr algn="ctr"/>
+            <a:endParaRPr lang="en-US" sz="2400" b="1" spc="-100" dirty="0">
+              <a:solidFill>
+                <a:schemeClr val="bg1"/>
+              </a:solidFill>
+            </a:endParaRPr>
+          </a:p>
+          <a:p>
+            <a:pPr algn="ctr"/>
+            <a:r>
+              <a:rPr lang="en-US" sz="2100" b="1" spc="-100" dirty="0">
+                <a:solidFill>
+                  <a:schemeClr val="bg1"/>
+                </a:solidFill>
+              </a:rPr>
+              <a:t>Frontend</a:t>
+            </a:r>
+          </a:p>
+        </p:txBody>
+      </p:sp>
+      <p:sp>
+        <p:nvSpPr>
+          <p:cNvPr id="30" name="Titel 1">
+            <a:extLst>
+              <a:ext uri="{FF2B5EF4-FFF2-40B4-BE49-F238E27FC236}">
+                <a16:creationId xmlns:a16="http://schemas.microsoft.com/office/drawing/2014/main" id="{DF255AD6-85F1-4744-92B1-7D4BBD40452D}"/>
+              </a:ext>
+            </a:extLst>
+          </p:cNvPr>
+          <p:cNvSpPr txBox="1">
+            <a:spLocks/>
+          </p:cNvSpPr>
+          <p:nvPr/>
+        </p:nvSpPr>
+        <p:spPr>
+          <a:xfrm>
+            <a:off x="5354261" y="4814289"/>
+            <a:ext cx="1578908" cy="1105991"/>
+          </a:xfrm>
+          <a:prstGeom prst="rect">
+            <a:avLst/>
+          </a:prstGeom>
+        </p:spPr>
+        <p:txBody>
+          <a:bodyPr vert="horz" lIns="91440" tIns="45720" rIns="91440" bIns="45720" rtlCol="0" anchor="b">
+            <a:normAutofit fontScale="75000" lnSpcReduction="20000"/>
+          </a:bodyPr>
+          <a:lstStyle>
+            <a:lvl1pPr algn="l" defTabSz="914400" rtl="0" eaLnBrk="1" latinLnBrk="0" hangingPunct="1">
+              <a:lnSpc>
+                <a:spcPct val="90000"/>
+              </a:lnSpc>
+              <a:spcBef>
+                <a:spcPct val="0"/>
+              </a:spcBef>
+              <a:buNone/>
+              <a:defRPr sz="3600" kern="1200" spc="-60" baseline="0">
+                <a:solidFill>
+                  <a:srgbClr val="FFFFFF"/>
+                </a:solidFill>
+                <a:latin typeface="+mj-lt"/>
+                <a:ea typeface="+mj-ea"/>
+                <a:cs typeface="+mj-cs"/>
+              </a:defRPr>
+            </a:lvl1pPr>
+          </a:lstStyle>
+          <a:p>
+            <a:pPr algn="ctr"/>
+            <a:r>
+              <a:rPr lang="en-US" sz="3100" b="1" spc="-100" dirty="0">
+                <a:solidFill>
+                  <a:schemeClr val="bg1"/>
+                </a:solidFill>
+              </a:rPr>
+              <a:t>Julian Haas</a:t>
+            </a:r>
+            <a:br>
+              <a:rPr lang="en-US" sz="3100" b="1" spc="-100" dirty="0">
+                <a:solidFill>
+                  <a:schemeClr val="bg1"/>
+                </a:solidFill>
+              </a:rPr>
+            </a:br>
+            <a:endParaRPr lang="en-US" sz="3100" b="1" spc="-100" dirty="0">
+              <a:solidFill>
+                <a:schemeClr val="bg1"/>
+              </a:solidFill>
+            </a:endParaRPr>
+          </a:p>
+          <a:p>
+            <a:pPr algn="ctr"/>
+            <a:r>
+              <a:rPr lang="en-US" sz="2700" b="1" spc="-100" dirty="0">
+                <a:solidFill>
+                  <a:schemeClr val="bg1"/>
+                </a:solidFill>
+              </a:rPr>
+              <a:t> </a:t>
+            </a:r>
+            <a:r>
+              <a:rPr lang="en-US" sz="2700" b="1" spc="-100" dirty="0" err="1">
+                <a:solidFill>
+                  <a:schemeClr val="bg1"/>
+                </a:solidFill>
+              </a:rPr>
+              <a:t>Animationen</a:t>
+            </a:r>
+            <a:r>
+              <a:rPr lang="en-US" sz="2700" b="1" spc="-100" dirty="0">
+                <a:solidFill>
+                  <a:schemeClr val="bg1"/>
+                </a:solidFill>
+              </a:rPr>
+              <a:t>  Backend</a:t>
+            </a:r>
+          </a:p>
+        </p:txBody>
+      </p:sp>
+      <p:sp>
+        <p:nvSpPr>
+          <p:cNvPr id="31" name="Titel 1">
+            <a:extLst>
+              <a:ext uri="{FF2B5EF4-FFF2-40B4-BE49-F238E27FC236}">
+                <a16:creationId xmlns:a16="http://schemas.microsoft.com/office/drawing/2014/main" id="{D84E3F59-DD13-AA40-8450-EB4EC53AA966}"/>
+              </a:ext>
+            </a:extLst>
+          </p:cNvPr>
+          <p:cNvSpPr txBox="1">
+            <a:spLocks/>
+          </p:cNvSpPr>
+          <p:nvPr/>
+        </p:nvSpPr>
+        <p:spPr>
+          <a:xfrm>
+            <a:off x="7428741" y="4814290"/>
+            <a:ext cx="1958050" cy="908699"/>
+          </a:xfrm>
+          <a:prstGeom prst="rect">
+            <a:avLst/>
+          </a:prstGeom>
+        </p:spPr>
+        <p:txBody>
+          <a:bodyPr vert="horz" lIns="91440" tIns="45720" rIns="91440" bIns="45720" rtlCol="0" anchor="b">
+            <a:normAutofit fontScale="97500" lnSpcReduction="10000"/>
+          </a:bodyPr>
+          <a:lstStyle>
+            <a:lvl1pPr algn="l" defTabSz="914400" rtl="0" eaLnBrk="1" latinLnBrk="0" hangingPunct="1">
+              <a:lnSpc>
+                <a:spcPct val="90000"/>
+              </a:lnSpc>
+              <a:spcBef>
+                <a:spcPct val="0"/>
+              </a:spcBef>
+              <a:buNone/>
+              <a:defRPr sz="3600" kern="1200" spc="-60" baseline="0">
+                <a:solidFill>
+                  <a:srgbClr val="FFFFFF"/>
+                </a:solidFill>
+                <a:latin typeface="+mj-lt"/>
+                <a:ea typeface="+mj-ea"/>
+                <a:cs typeface="+mj-cs"/>
+              </a:defRPr>
+            </a:lvl1pPr>
+          </a:lstStyle>
+          <a:p>
+            <a:pPr algn="ctr"/>
+            <a:r>
+              <a:rPr lang="en-US" sz="2400" b="1" spc="-100" dirty="0">
+                <a:solidFill>
+                  <a:schemeClr val="bg1"/>
+                </a:solidFill>
+              </a:rPr>
+              <a:t>Stephan </a:t>
+            </a:r>
+            <a:r>
+              <a:rPr lang="en-US" sz="2400" b="1" spc="-100" dirty="0" err="1">
+                <a:solidFill>
+                  <a:schemeClr val="bg1"/>
+                </a:solidFill>
+              </a:rPr>
+              <a:t>Herbe</a:t>
+            </a:r>
+            <a:endParaRPr lang="en-US" sz="2400" b="1" spc="-100" dirty="0">
+              <a:solidFill>
+                <a:schemeClr val="bg1"/>
+              </a:solidFill>
+            </a:endParaRPr>
+          </a:p>
+          <a:p>
+            <a:pPr algn="ctr"/>
+            <a:endParaRPr lang="en-US" sz="2400" b="1" spc="-100" dirty="0">
+              <a:solidFill>
+                <a:schemeClr val="bg1"/>
+              </a:solidFill>
+            </a:endParaRPr>
+          </a:p>
+          <a:p>
+            <a:pPr algn="ctr"/>
+            <a:r>
+              <a:rPr lang="en-US" sz="2100" b="1" spc="-100" dirty="0">
+                <a:solidFill>
+                  <a:schemeClr val="bg1"/>
+                </a:solidFill>
+              </a:rPr>
+              <a:t>Frontend</a:t>
+            </a:r>
+          </a:p>
+        </p:txBody>
+      </p:sp>
+      <p:sp>
+        <p:nvSpPr>
+          <p:cNvPr id="32" name="Titel 1">
+            <a:extLst>
+              <a:ext uri="{FF2B5EF4-FFF2-40B4-BE49-F238E27FC236}">
+                <a16:creationId xmlns:a16="http://schemas.microsoft.com/office/drawing/2014/main" id="{0A4473AB-DD8A-2246-9526-8BA8E275EF38}"/>
+              </a:ext>
+            </a:extLst>
+          </p:cNvPr>
+          <p:cNvSpPr txBox="1">
+            <a:spLocks/>
+          </p:cNvSpPr>
+          <p:nvPr/>
+        </p:nvSpPr>
+        <p:spPr>
+          <a:xfrm>
+            <a:off x="9682900" y="4814290"/>
+            <a:ext cx="1958050" cy="908699"/>
+          </a:xfrm>
+          <a:prstGeom prst="rect">
+            <a:avLst/>
+          </a:prstGeom>
+        </p:spPr>
+        <p:txBody>
+          <a:bodyPr vert="horz" lIns="91440" tIns="45720" rIns="91440" bIns="45720" rtlCol="0" anchor="b">
+            <a:normAutofit fontScale="97500" lnSpcReduction="10000"/>
+          </a:bodyPr>
+          <a:lstStyle>
+            <a:lvl1pPr algn="l" defTabSz="914400" rtl="0" eaLnBrk="1" latinLnBrk="0" hangingPunct="1">
+              <a:lnSpc>
+                <a:spcPct val="90000"/>
+              </a:lnSpc>
+              <a:spcBef>
+                <a:spcPct val="0"/>
+              </a:spcBef>
+              <a:buNone/>
+              <a:defRPr sz="3600" kern="1200" spc="-60" baseline="0">
+                <a:solidFill>
+                  <a:srgbClr val="FFFFFF"/>
+                </a:solidFill>
+                <a:latin typeface="+mj-lt"/>
+                <a:ea typeface="+mj-ea"/>
+                <a:cs typeface="+mj-cs"/>
+              </a:defRPr>
+            </a:lvl1pPr>
+          </a:lstStyle>
+          <a:p>
+            <a:pPr algn="ctr"/>
+            <a:r>
+              <a:rPr lang="en-US" sz="2400" b="1" spc="-100" dirty="0">
+                <a:solidFill>
+                  <a:schemeClr val="bg1"/>
+                </a:solidFill>
+              </a:rPr>
+              <a:t>Moritz </a:t>
+            </a:r>
+            <a:r>
+              <a:rPr lang="en-US" sz="2400" b="1" spc="-100" dirty="0" err="1">
+                <a:solidFill>
+                  <a:schemeClr val="bg1"/>
+                </a:solidFill>
+              </a:rPr>
+              <a:t>Weibold</a:t>
+            </a:r>
+            <a:endParaRPr lang="en-US" sz="2400" b="1" spc="-100" dirty="0">
+              <a:solidFill>
+                <a:schemeClr val="bg1"/>
+              </a:solidFill>
+            </a:endParaRPr>
+          </a:p>
+          <a:p>
+            <a:pPr algn="ctr"/>
+            <a:endParaRPr lang="en-US" sz="2400" b="1" spc="-100" dirty="0">
+              <a:solidFill>
+                <a:schemeClr val="bg1"/>
+              </a:solidFill>
+            </a:endParaRPr>
+          </a:p>
+          <a:p>
+            <a:pPr algn="ctr"/>
+            <a:r>
+              <a:rPr lang="en-US" sz="2100" b="1" spc="-100" dirty="0">
+                <a:solidFill>
+                  <a:schemeClr val="bg1"/>
+                </a:solidFill>
+              </a:rPr>
+              <a:t>Frontend</a:t>
+            </a:r>
+          </a:p>
+        </p:txBody>
+      </p:sp>
+      <p:sp>
+        <p:nvSpPr>
+          <p:cNvPr id="37" name="Wolke 36">
+            <a:extLst>
+              <a:ext uri="{FF2B5EF4-FFF2-40B4-BE49-F238E27FC236}">
+                <a16:creationId xmlns:a16="http://schemas.microsoft.com/office/drawing/2014/main" id="{24656458-3573-9941-A0B4-FA0C528F5F6A}"/>
+              </a:ext>
+            </a:extLst>
+          </p:cNvPr>
+          <p:cNvSpPr/>
+          <p:nvPr/>
+        </p:nvSpPr>
+        <p:spPr>
+          <a:xfrm>
+            <a:off x="10557069" y="-1479881"/>
+            <a:ext cx="3729497" cy="3211032"/>
+          </a:xfrm>
+          <a:prstGeom prst="cloud">
+            <a:avLst/>
+          </a:prstGeom>
+          <a:solidFill>
+            <a:schemeClr val="bg1"/>
+          </a:solidFill>
+        </p:spPr>
+        <p:style>
+          <a:lnRef idx="2">
+            <a:schemeClr val="accent1">
+              <a:shade val="50000"/>
+            </a:schemeClr>
+          </a:lnRef>
+          <a:fillRef idx="1">
+            <a:schemeClr val="accent1"/>
+          </a:fillRef>
+          <a:effectRef idx="0">
+            <a:schemeClr val="accent1"/>
+          </a:effectRef>
+          <a:fontRef idx="minor">
+            <a:schemeClr val="lt1"/>
+          </a:fontRef>
+        </p:style>
+        <p:txBody>
+          <a:bodyPr rtlCol="0" anchor="ctr"/>
+          <a:lstStyle/>
+          <a:p>
+            <a:pPr algn="ctr"/>
+            <a:endParaRPr lang="de-DE"/>
+          </a:p>
+        </p:txBody>
+      </p:sp>
+      <p:sp>
+        <p:nvSpPr>
+          <p:cNvPr id="38" name="Wolke 37">
+            <a:extLst>
+              <a:ext uri="{FF2B5EF4-FFF2-40B4-BE49-F238E27FC236}">
+                <a16:creationId xmlns:a16="http://schemas.microsoft.com/office/drawing/2014/main" id="{710503B2-8E41-9E42-9E4D-F4BCAEA29B8E}"/>
+              </a:ext>
+            </a:extLst>
+          </p:cNvPr>
+          <p:cNvSpPr/>
+          <p:nvPr/>
+        </p:nvSpPr>
+        <p:spPr>
+          <a:xfrm>
+            <a:off x="-2284608" y="5920280"/>
+            <a:ext cx="3895038" cy="3211032"/>
+          </a:xfrm>
+          <a:prstGeom prst="cloud">
+            <a:avLst/>
+          </a:prstGeom>
+          <a:solidFill>
+            <a:schemeClr val="bg1"/>
+          </a:solidFill>
+        </p:spPr>
+        <p:style>
+          <a:lnRef idx="2">
+            <a:schemeClr val="accent1">
+              <a:shade val="50000"/>
+            </a:schemeClr>
+          </a:lnRef>
+          <a:fillRef idx="1">
+            <a:schemeClr val="accent1"/>
+          </a:fillRef>
+          <a:effectRef idx="0">
+            <a:schemeClr val="accent1"/>
+          </a:effectRef>
+          <a:fontRef idx="minor">
+            <a:schemeClr val="lt1"/>
+          </a:fontRef>
+        </p:style>
+        <p:txBody>
+          <a:bodyPr rtlCol="0" anchor="ctr"/>
+          <a:lstStyle/>
+          <a:p>
+            <a:pPr algn="ctr"/>
+            <a:endParaRPr lang="de-DE"/>
+          </a:p>
+        </p:txBody>
       </p:sp>
     </p:spTree>
     <p:extLst>
       <p:ext uri="{BB962C8B-B14F-4D97-AF65-F5344CB8AC3E}">
-        <p14:creationId xmlns:p14="http://schemas.microsoft.com/office/powerpoint/2010/main" val="1947262083"/>
+        <p14:creationId xmlns:p14="http://schemas.microsoft.com/office/powerpoint/2010/main" val="3232779718"/>
       </p:ext>
     </p:extLst>
   </p:cSld>
@@ -5748,6 +5762,14 @@
 <file path=ppt/slides/slide6.xml><?xml version="1.0" encoding="utf-8"?>
 <p:sld xmlns:a="http://schemas.openxmlformats.org/drawingml/2006/main" xmlns:r="http://schemas.openxmlformats.org/officeDocument/2006/relationships" xmlns:p="http://schemas.openxmlformats.org/presentationml/2006/main">
   <p:cSld>
+    <p:bg>
+      <p:bgPr>
+        <a:solidFill>
+          <a:schemeClr val="bg1"/>
+        </a:solidFill>
+        <a:effectLst/>
+      </p:bgPr>
+    </p:bg>
     <p:spTree>
       <p:nvGrpSpPr>
         <p:cNvPr id="1" name=""/>
@@ -5764,10 +5786,237 @@
       </p:grpSpPr>
       <p:sp>
         <p:nvSpPr>
+          <p:cNvPr id="10" name="Rectangle 9">
+            <a:extLst>
+              <a:ext uri="{FF2B5EF4-FFF2-40B4-BE49-F238E27FC236}">
+                <a16:creationId xmlns:a16="http://schemas.microsoft.com/office/drawing/2014/main" id="{DB8424AB-D56B-4256-866A-5B54DE93C20F}"/>
+              </a:ext>
+              <a:ext uri="{C183D7F6-B498-43B3-948B-1728B52AA6E4}">
+                <adec:decorative xmlns:adec="http://schemas.microsoft.com/office/drawing/2017/decorative" val="1"/>
+              </a:ext>
+            </a:extLst>
+          </p:cNvPr>
+          <p:cNvSpPr>
+            <a:spLocks noGrp="1" noRot="1" noChangeAspect="1" noMove="1" noResize="1" noEditPoints="1" noAdjustHandles="1" noChangeArrowheads="1" noChangeShapeType="1" noTextEdit="1"/>
+          </p:cNvSpPr>
+          <p:nvPr>
+            <p:extLst>
+              <p:ext uri="{386F3935-93C4-4BCD-93E2-E3B085C9AB24}">
+                <p16:designElem xmlns:p16="http://schemas.microsoft.com/office/powerpoint/2015/main" val="1"/>
+              </p:ext>
+            </p:extLst>
+          </p:nvPr>
+        </p:nvSpPr>
+        <p:spPr>
+          <a:xfrm>
+            <a:off x="0" y="761999"/>
+            <a:ext cx="9141619" cy="5334001"/>
+          </a:xfrm>
+          <a:prstGeom prst="rect">
+            <a:avLst/>
+          </a:prstGeom>
+          <a:solidFill>
+            <a:schemeClr val="accent1"/>
+          </a:solidFill>
+          <a:ln>
+            <a:noFill/>
+          </a:ln>
+        </p:spPr>
+        <p:style>
+          <a:lnRef idx="2">
+            <a:schemeClr val="accent1">
+              <a:shade val="50000"/>
+            </a:schemeClr>
+          </a:lnRef>
+          <a:fillRef idx="1">
+            <a:schemeClr val="accent1"/>
+          </a:fillRef>
+          <a:effectRef idx="0">
+            <a:schemeClr val="accent1"/>
+          </a:effectRef>
+          <a:fontRef idx="minor">
+            <a:schemeClr val="lt1"/>
+          </a:fontRef>
+        </p:style>
+      </p:sp>
+      <p:sp>
+        <p:nvSpPr>
+          <p:cNvPr id="12" name="Rectangle 11">
+            <a:extLst>
+              <a:ext uri="{FF2B5EF4-FFF2-40B4-BE49-F238E27FC236}">
+                <a16:creationId xmlns:a16="http://schemas.microsoft.com/office/drawing/2014/main" id="{FC999C28-AD33-4EB7-A5F1-C06D10A5FDF7}"/>
+              </a:ext>
+              <a:ext uri="{C183D7F6-B498-43B3-948B-1728B52AA6E4}">
+                <adec:decorative xmlns:adec="http://schemas.microsoft.com/office/drawing/2017/decorative" val="1"/>
+              </a:ext>
+            </a:extLst>
+          </p:cNvPr>
+          <p:cNvSpPr>
+            <a:spLocks noGrp="1" noRot="1" noChangeAspect="1" noMove="1" noResize="1" noEditPoints="1" noAdjustHandles="1" noChangeArrowheads="1" noChangeShapeType="1" noTextEdit="1"/>
+          </p:cNvSpPr>
+          <p:nvPr>
+            <p:extLst>
+              <p:ext uri="{386F3935-93C4-4BCD-93E2-E3B085C9AB24}">
+                <p16:designElem xmlns:p16="http://schemas.microsoft.com/office/powerpoint/2015/main" val="1"/>
+              </p:ext>
+            </p:extLst>
+          </p:nvPr>
+        </p:nvSpPr>
+        <p:spPr>
+          <a:xfrm>
+            <a:off x="9270263" y="761999"/>
+            <a:ext cx="2925318" cy="5334001"/>
+          </a:xfrm>
+          <a:prstGeom prst="rect">
+            <a:avLst/>
+          </a:prstGeom>
+          <a:solidFill>
+            <a:srgbClr val="C8C8C8">
+              <a:alpha val="49804"/>
+            </a:srgbClr>
+          </a:solidFill>
+          <a:ln>
+            <a:noFill/>
+          </a:ln>
+        </p:spPr>
+        <p:style>
+          <a:lnRef idx="2">
+            <a:schemeClr val="accent1">
+              <a:shade val="50000"/>
+            </a:schemeClr>
+          </a:lnRef>
+          <a:fillRef idx="1">
+            <a:schemeClr val="accent1"/>
+          </a:fillRef>
+          <a:effectRef idx="0">
+            <a:schemeClr val="accent1"/>
+          </a:effectRef>
+          <a:fontRef idx="minor">
+            <a:schemeClr val="lt1"/>
+          </a:fontRef>
+        </p:style>
+      </p:sp>
+      <p:sp useBgFill="1">
+        <p:nvSpPr>
+          <p:cNvPr id="14" name="Rectangle 13">
+            <a:extLst>
+              <a:ext uri="{FF2B5EF4-FFF2-40B4-BE49-F238E27FC236}">
+                <a16:creationId xmlns:a16="http://schemas.microsoft.com/office/drawing/2014/main" id="{0864E5C9-52C9-4572-AC75-548B9B9C2648}"/>
+              </a:ext>
+              <a:ext uri="{C183D7F6-B498-43B3-948B-1728B52AA6E4}">
+                <adec:decorative xmlns:adec="http://schemas.microsoft.com/office/drawing/2017/decorative" val="1"/>
+              </a:ext>
+            </a:extLst>
+          </p:cNvPr>
+          <p:cNvSpPr>
+            <a:spLocks noGrp="1" noRot="1" noChangeAspect="1" noMove="1" noResize="1" noEditPoints="1" noAdjustHandles="1" noChangeArrowheads="1" noChangeShapeType="1" noTextEdit="1"/>
+          </p:cNvSpPr>
+          <p:nvPr>
+            <p:extLst>
+              <p:ext uri="{386F3935-93C4-4BCD-93E2-E3B085C9AB24}">
+                <p16:designElem xmlns:p16="http://schemas.microsoft.com/office/powerpoint/2015/main" val="1"/>
+              </p:ext>
+            </p:extLst>
+          </p:nvPr>
+        </p:nvSpPr>
+        <p:spPr>
+          <a:xfrm>
+            <a:off x="0" y="0"/>
+            <a:ext cx="12191999" cy="6858000"/>
+          </a:xfrm>
+          <a:prstGeom prst="rect">
+            <a:avLst/>
+          </a:prstGeom>
+          <a:ln>
+            <a:noFill/>
+          </a:ln>
+        </p:spPr>
+        <p:style>
+          <a:lnRef idx="2">
+            <a:schemeClr val="accent1">
+              <a:shade val="50000"/>
+            </a:schemeClr>
+          </a:lnRef>
+          <a:fillRef idx="1">
+            <a:schemeClr val="accent1"/>
+          </a:fillRef>
+          <a:effectRef idx="0">
+            <a:schemeClr val="accent1"/>
+          </a:effectRef>
+          <a:fontRef idx="minor">
+            <a:schemeClr val="lt1"/>
+          </a:fontRef>
+        </p:style>
+        <p:txBody>
+          <a:bodyPr rtlCol="0" anchor="ctr"/>
+          <a:lstStyle/>
+          <a:p>
+            <a:pPr algn="ctr"/>
+            <a:endParaRPr lang="en-US"/>
+          </a:p>
+        </p:txBody>
+      </p:sp>
+      <p:sp>
+        <p:nvSpPr>
+          <p:cNvPr id="16" name="Rectangle 15">
+            <a:extLst>
+              <a:ext uri="{FF2B5EF4-FFF2-40B4-BE49-F238E27FC236}">
+                <a16:creationId xmlns:a16="http://schemas.microsoft.com/office/drawing/2014/main" id="{45CC6500-4DBD-4C34-BC14-2387FB483BEB}"/>
+              </a:ext>
+              <a:ext uri="{C183D7F6-B498-43B3-948B-1728B52AA6E4}">
+                <adec:decorative xmlns:adec="http://schemas.microsoft.com/office/drawing/2017/decorative" val="1"/>
+              </a:ext>
+            </a:extLst>
+          </p:cNvPr>
+          <p:cNvSpPr>
+            <a:spLocks noGrp="1" noRot="1" noChangeAspect="1" noMove="1" noResize="1" noEditPoints="1" noAdjustHandles="1" noChangeArrowheads="1" noChangeShapeType="1" noTextEdit="1"/>
+          </p:cNvSpPr>
+          <p:nvPr>
+            <p:extLst>
+              <p:ext uri="{386F3935-93C4-4BCD-93E2-E3B085C9AB24}">
+                <p16:designElem xmlns:p16="http://schemas.microsoft.com/office/powerpoint/2015/main" val="1"/>
+              </p:ext>
+            </p:extLst>
+          </p:nvPr>
+        </p:nvSpPr>
+        <p:spPr>
+          <a:xfrm>
+            <a:off x="1" y="761999"/>
+            <a:ext cx="4642228" cy="5334001"/>
+          </a:xfrm>
+          <a:prstGeom prst="rect">
+            <a:avLst/>
+          </a:prstGeom>
+          <a:solidFill>
+            <a:schemeClr val="accent1"/>
+          </a:solidFill>
+          <a:ln>
+            <a:noFill/>
+          </a:ln>
+        </p:spPr>
+        <p:style>
+          <a:lnRef idx="2">
+            <a:schemeClr val="accent1">
+              <a:shade val="50000"/>
+            </a:schemeClr>
+          </a:lnRef>
+          <a:fillRef idx="1">
+            <a:schemeClr val="accent1"/>
+          </a:fillRef>
+          <a:effectRef idx="0">
+            <a:schemeClr val="accent1"/>
+          </a:effectRef>
+          <a:fontRef idx="minor">
+            <a:schemeClr val="lt1"/>
+          </a:fontRef>
+        </p:style>
+      </p:sp>
+      <p:sp>
+        <p:nvSpPr>
           <p:cNvPr id="2" name="Titel 1">
             <a:extLst>
               <a:ext uri="{FF2B5EF4-FFF2-40B4-BE49-F238E27FC236}">
-                <a16:creationId xmlns:a16="http://schemas.microsoft.com/office/drawing/2014/main" id="{3BF3C525-72EB-0643-B6C5-0E34C05466C2}"/>
+                <a16:creationId xmlns:a16="http://schemas.microsoft.com/office/drawing/2014/main" id="{721F23DF-5CED-3144-8A0D-7673299CEC94}"/>
               </a:ext>
             </a:extLst>
           </p:cNvPr>
@@ -5778,14 +6027,21 @@
             <p:ph type="title"/>
           </p:nvPr>
         </p:nvSpPr>
-        <p:spPr/>
-        <p:txBody>
-          <a:bodyPr/>
-          <a:lstStyle/>
-          <a:p>
-            <a:r>
-              <a:rPr lang="de-DE" dirty="0"/>
-              <a:t>Ziele </a:t>
+        <p:spPr>
+          <a:xfrm>
+            <a:off x="1069849" y="1298448"/>
+            <a:ext cx="3258688" cy="3255264"/>
+          </a:xfrm>
+        </p:spPr>
+        <p:txBody>
+          <a:bodyPr vert="horz" lIns="91440" tIns="45720" rIns="91440" bIns="45720" rtlCol="0" anchor="b">
+            <a:normAutofit/>
+          </a:bodyPr>
+          <a:lstStyle/>
+          <a:p>
+            <a:r>
+              <a:rPr lang="en-US" sz="3200" spc="-100"/>
+              <a:t>Arbeitsverteilung</a:t>
             </a:r>
           </a:p>
         </p:txBody>
@@ -5795,7 +6051,7 @@
           <p:cNvPr id="3" name="Inhaltsplatzhalter 2">
             <a:extLst>
               <a:ext uri="{FF2B5EF4-FFF2-40B4-BE49-F238E27FC236}">
-                <a16:creationId xmlns:a16="http://schemas.microsoft.com/office/drawing/2014/main" id="{924623BB-5451-6F44-BEEB-C85AE6393483}"/>
+                <a16:creationId xmlns:a16="http://schemas.microsoft.com/office/drawing/2014/main" id="{6DF8BC9F-B3FD-D94B-AD6E-E7FD19CE5A24}"/>
               </a:ext>
             </a:extLst>
           </p:cNvPr>
@@ -5806,19 +6062,132 @@
             <p:ph idx="1"/>
           </p:nvPr>
         </p:nvSpPr>
-        <p:spPr/>
-        <p:txBody>
-          <a:bodyPr/>
-          <a:lstStyle/>
-          <a:p>
-            <a:endParaRPr lang="de-DE"/>
-          </a:p>
-        </p:txBody>
+        <p:spPr>
+          <a:xfrm>
+            <a:off x="1100015" y="4670246"/>
+            <a:ext cx="3228521" cy="914400"/>
+          </a:xfrm>
+        </p:spPr>
+        <p:txBody>
+          <a:bodyPr vert="horz" lIns="91440" tIns="45720" rIns="91440" bIns="45720" rtlCol="0" anchor="t">
+            <a:normAutofit/>
+          </a:bodyPr>
+          <a:lstStyle/>
+          <a:p>
+            <a:pPr marL="0" indent="0">
+              <a:buNone/>
+            </a:pPr>
+            <a:r>
+              <a:rPr lang="en-US" sz="2200">
+                <a:solidFill>
+                  <a:schemeClr val="accent1">
+                    <a:lumMod val="20000"/>
+                    <a:lumOff val="80000"/>
+                  </a:schemeClr>
+                </a:solidFill>
+              </a:rPr>
+              <a:t>Grafik zu Arbeitsstunden und Commits</a:t>
+            </a:r>
+          </a:p>
+        </p:txBody>
+      </p:sp>
+      <p:pic>
+        <p:nvPicPr>
+          <p:cNvPr id="5" name="Grafik 4" descr="Balkendiagramm">
+            <a:extLst>
+              <a:ext uri="{FF2B5EF4-FFF2-40B4-BE49-F238E27FC236}">
+                <a16:creationId xmlns:a16="http://schemas.microsoft.com/office/drawing/2014/main" id="{82BD5DA6-0C8C-DA43-AAE6-9C72F5CC7744}"/>
+              </a:ext>
+            </a:extLst>
+          </p:cNvPr>
+          <p:cNvPicPr>
+            <a:picLocks noChangeAspect="1"/>
+          </p:cNvPicPr>
+          <p:nvPr/>
+        </p:nvPicPr>
+        <p:blipFill>
+          <a:blip r:embed="rId2">
+            <a:extLst>
+              <a:ext uri="{96DAC541-7B7A-43D3-8B79-37D633B846F1}">
+                <asvg:svgBlip xmlns:asvg="http://schemas.microsoft.com/office/drawing/2016/SVG/main" r:embed="rId3"/>
+              </a:ext>
+            </a:extLst>
+          </a:blip>
+          <a:stretch>
+            <a:fillRect/>
+          </a:stretch>
+        </p:blipFill>
+        <p:spPr>
+          <a:xfrm>
+            <a:off x="5638950" y="759599"/>
+            <a:ext cx="5330650" cy="5330650"/>
+          </a:xfrm>
+          <a:prstGeom prst="rect">
+            <a:avLst/>
+          </a:prstGeom>
+        </p:spPr>
+      </p:pic>
+      <p:sp>
+        <p:nvSpPr>
+          <p:cNvPr id="18" name="Rectangle 17">
+            <a:extLst>
+              <a:ext uri="{FF2B5EF4-FFF2-40B4-BE49-F238E27FC236}">
+                <a16:creationId xmlns:a16="http://schemas.microsoft.com/office/drawing/2014/main" id="{4E34A3B6-BAD2-4156-BDC6-4736248BFDE0}"/>
+              </a:ext>
+              <a:ext uri="{C183D7F6-B498-43B3-948B-1728B52AA6E4}">
+                <adec:decorative xmlns:adec="http://schemas.microsoft.com/office/drawing/2017/decorative" val="1"/>
+              </a:ext>
+            </a:extLst>
+          </p:cNvPr>
+          <p:cNvSpPr>
+            <a:spLocks noGrp="1" noRot="1" noChangeAspect="1" noMove="1" noResize="1" noEditPoints="1" noAdjustHandles="1" noChangeArrowheads="1" noChangeShapeType="1" noTextEdit="1"/>
+          </p:cNvSpPr>
+          <p:nvPr>
+            <p:extLst>
+              <p:ext uri="{386F3935-93C4-4BCD-93E2-E3B085C9AB24}">
+                <p16:designElem xmlns:p16="http://schemas.microsoft.com/office/powerpoint/2015/main" val="1"/>
+              </p:ext>
+            </p:extLst>
+          </p:nvPr>
+        </p:nvSpPr>
+        <p:spPr>
+          <a:xfrm>
+            <a:off x="11815864" y="758952"/>
+            <a:ext cx="384048" cy="5330952"/>
+          </a:xfrm>
+          <a:prstGeom prst="rect">
+            <a:avLst/>
+          </a:prstGeom>
+          <a:solidFill>
+            <a:srgbClr val="C8C8C8">
+              <a:alpha val="49804"/>
+            </a:srgbClr>
+          </a:solidFill>
+          <a:ln>
+            <a:noFill/>
+          </a:ln>
+        </p:spPr>
+        <p:style>
+          <a:lnRef idx="2">
+            <a:schemeClr val="accent1">
+              <a:shade val="50000"/>
+            </a:schemeClr>
+          </a:lnRef>
+          <a:fillRef idx="1">
+            <a:schemeClr val="accent1"/>
+          </a:fillRef>
+          <a:effectRef idx="0">
+            <a:schemeClr val="accent1"/>
+          </a:effectRef>
+          <a:fontRef idx="minor">
+            <a:schemeClr val="lt1"/>
+          </a:fontRef>
+        </p:style>
       </p:sp>
     </p:spTree>
     <p:extLst>
       <p:ext uri="{BB962C8B-B14F-4D97-AF65-F5344CB8AC3E}">
-        <p14:creationId xmlns:p14="http://schemas.microsoft.com/office/powerpoint/2010/main" val="3679296423"/>
+        <p14:creationId xmlns:p14="http://schemas.microsoft.com/office/powerpoint/2010/main" val="1947262083"/>
       </p:ext>
     </p:extLst>
   </p:cSld>
@@ -5850,6 +6219,89 @@
           <p:cNvPr id="2" name="Titel 1">
             <a:extLst>
               <a:ext uri="{FF2B5EF4-FFF2-40B4-BE49-F238E27FC236}">
+                <a16:creationId xmlns:a16="http://schemas.microsoft.com/office/drawing/2014/main" id="{3BF3C525-72EB-0643-B6C5-0E34C05466C2}"/>
+              </a:ext>
+            </a:extLst>
+          </p:cNvPr>
+          <p:cNvSpPr>
+            <a:spLocks noGrp="1"/>
+          </p:cNvSpPr>
+          <p:nvPr>
+            <p:ph type="title"/>
+          </p:nvPr>
+        </p:nvSpPr>
+        <p:spPr/>
+        <p:txBody>
+          <a:bodyPr/>
+          <a:lstStyle/>
+          <a:p>
+            <a:r>
+              <a:rPr lang="de-DE" dirty="0"/>
+              <a:t>Ziele </a:t>
+            </a:r>
+          </a:p>
+        </p:txBody>
+      </p:sp>
+      <p:sp>
+        <p:nvSpPr>
+          <p:cNvPr id="3" name="Inhaltsplatzhalter 2">
+            <a:extLst>
+              <a:ext uri="{FF2B5EF4-FFF2-40B4-BE49-F238E27FC236}">
+                <a16:creationId xmlns:a16="http://schemas.microsoft.com/office/drawing/2014/main" id="{924623BB-5451-6F44-BEEB-C85AE6393483}"/>
+              </a:ext>
+            </a:extLst>
+          </p:cNvPr>
+          <p:cNvSpPr>
+            <a:spLocks noGrp="1"/>
+          </p:cNvSpPr>
+          <p:nvPr>
+            <p:ph idx="1"/>
+          </p:nvPr>
+        </p:nvSpPr>
+        <p:spPr/>
+        <p:txBody>
+          <a:bodyPr/>
+          <a:lstStyle/>
+          <a:p>
+            <a:endParaRPr lang="de-DE"/>
+          </a:p>
+        </p:txBody>
+      </p:sp>
+    </p:spTree>
+    <p:extLst>
+      <p:ext uri="{BB962C8B-B14F-4D97-AF65-F5344CB8AC3E}">
+        <p14:creationId xmlns:p14="http://schemas.microsoft.com/office/powerpoint/2010/main" val="3679296423"/>
+      </p:ext>
+    </p:extLst>
+  </p:cSld>
+  <p:clrMapOvr>
+    <a:masterClrMapping/>
+  </p:clrMapOvr>
+</p:sld>
+</file>
+
+<file path=ppt/slides/slide8.xml><?xml version="1.0" encoding="utf-8"?>
+<p:sld xmlns:a="http://schemas.openxmlformats.org/drawingml/2006/main" xmlns:r="http://schemas.openxmlformats.org/officeDocument/2006/relationships" xmlns:p="http://schemas.openxmlformats.org/presentationml/2006/main">
+  <p:cSld>
+    <p:spTree>
+      <p:nvGrpSpPr>
+        <p:cNvPr id="1" name=""/>
+        <p:cNvGrpSpPr/>
+        <p:nvPr/>
+      </p:nvGrpSpPr>
+      <p:grpSpPr>
+        <a:xfrm>
+          <a:off x="0" y="0"/>
+          <a:ext cx="0" cy="0"/>
+          <a:chOff x="0" y="0"/>
+          <a:chExt cx="0" cy="0"/>
+        </a:xfrm>
+      </p:grpSpPr>
+      <p:sp>
+        <p:nvSpPr>
+          <p:cNvPr id="2" name="Titel 1">
+            <a:extLst>
+              <a:ext uri="{FF2B5EF4-FFF2-40B4-BE49-F238E27FC236}">
                 <a16:creationId xmlns:a16="http://schemas.microsoft.com/office/drawing/2014/main" id="{274E5352-C72F-9340-9D67-A11FFB91DA06}"/>
               </a:ext>
             </a:extLst>
@@ -6048,7 +6500,7 @@
 </p:sld>
 </file>
 
-<file path=ppt/slides/slide8.xml><?xml version="1.0" encoding="utf-8"?>
+<file path=ppt/slides/slide9.xml><?xml version="1.0" encoding="utf-8"?>
 <p:sld xmlns:a="http://schemas.openxmlformats.org/drawingml/2006/main" xmlns:r="http://schemas.openxmlformats.org/officeDocument/2006/relationships" xmlns:p="http://schemas.openxmlformats.org/presentationml/2006/main">
   <p:cSld>
     <p:bg>
@@ -6441,89 +6893,6 @@
     <p:extLst>
       <p:ext uri="{BB962C8B-B14F-4D97-AF65-F5344CB8AC3E}">
         <p14:creationId xmlns:p14="http://schemas.microsoft.com/office/powerpoint/2010/main" val="90184059"/>
-      </p:ext>
-    </p:extLst>
-  </p:cSld>
-  <p:clrMapOvr>
-    <a:masterClrMapping/>
-  </p:clrMapOvr>
-</p:sld>
-</file>
-
-<file path=ppt/slides/slide9.xml><?xml version="1.0" encoding="utf-8"?>
-<p:sld xmlns:a="http://schemas.openxmlformats.org/drawingml/2006/main" xmlns:r="http://schemas.openxmlformats.org/officeDocument/2006/relationships" xmlns:p="http://schemas.openxmlformats.org/presentationml/2006/main">
-  <p:cSld>
-    <p:spTree>
-      <p:nvGrpSpPr>
-        <p:cNvPr id="1" name=""/>
-        <p:cNvGrpSpPr/>
-        <p:nvPr/>
-      </p:nvGrpSpPr>
-      <p:grpSpPr>
-        <a:xfrm>
-          <a:off x="0" y="0"/>
-          <a:ext cx="0" cy="0"/>
-          <a:chOff x="0" y="0"/>
-          <a:chExt cx="0" cy="0"/>
-        </a:xfrm>
-      </p:grpSpPr>
-      <p:sp>
-        <p:nvSpPr>
-          <p:cNvPr id="2" name="Titel 1">
-            <a:extLst>
-              <a:ext uri="{FF2B5EF4-FFF2-40B4-BE49-F238E27FC236}">
-                <a16:creationId xmlns:a16="http://schemas.microsoft.com/office/drawing/2014/main" id="{C51CC7BF-07C4-5F44-B0A3-93533E393119}"/>
-              </a:ext>
-            </a:extLst>
-          </p:cNvPr>
-          <p:cNvSpPr>
-            <a:spLocks noGrp="1"/>
-          </p:cNvSpPr>
-          <p:nvPr>
-            <p:ph type="ctrTitle"/>
-          </p:nvPr>
-        </p:nvSpPr>
-        <p:spPr/>
-        <p:txBody>
-          <a:bodyPr/>
-          <a:lstStyle/>
-          <a:p>
-            <a:r>
-              <a:rPr lang="de-DE" dirty="0"/>
-              <a:t>Danke für die Aufmerksamkeit</a:t>
-            </a:r>
-          </a:p>
-        </p:txBody>
-      </p:sp>
-      <p:sp>
-        <p:nvSpPr>
-          <p:cNvPr id="3" name="Untertitel 2">
-            <a:extLst>
-              <a:ext uri="{FF2B5EF4-FFF2-40B4-BE49-F238E27FC236}">
-                <a16:creationId xmlns:a16="http://schemas.microsoft.com/office/drawing/2014/main" id="{41F4940B-D5E8-9F49-8140-D94FE1503F32}"/>
-              </a:ext>
-            </a:extLst>
-          </p:cNvPr>
-          <p:cNvSpPr>
-            <a:spLocks noGrp="1"/>
-          </p:cNvSpPr>
-          <p:nvPr>
-            <p:ph type="subTitle" idx="1"/>
-          </p:nvPr>
-        </p:nvSpPr>
-        <p:spPr/>
-        <p:txBody>
-          <a:bodyPr/>
-          <a:lstStyle/>
-          <a:p>
-            <a:endParaRPr lang="de-DE"/>
-          </a:p>
-        </p:txBody>
-      </p:sp>
-    </p:spTree>
-    <p:extLst>
-      <p:ext uri="{BB962C8B-B14F-4D97-AF65-F5344CB8AC3E}">
-        <p14:creationId xmlns:p14="http://schemas.microsoft.com/office/powerpoint/2010/main" val="2635067140"/>
       </p:ext>
     </p:extLst>
   </p:cSld>

--- a/powerpoint/VitaChi_Präs.pptx
+++ b/powerpoint/VitaChi_Präs.pptx
@@ -7,14 +7,13 @@
   <p:sldIdLst>
     <p:sldId id="256" r:id="rId2"/>
     <p:sldId id="261" r:id="rId3"/>
-    <p:sldId id="264" r:id="rId4"/>
-    <p:sldId id="265" r:id="rId5"/>
-    <p:sldId id="257" r:id="rId6"/>
-    <p:sldId id="258" r:id="rId7"/>
-    <p:sldId id="263" r:id="rId8"/>
-    <p:sldId id="260" r:id="rId9"/>
-    <p:sldId id="262" r:id="rId10"/>
-    <p:sldId id="259" r:id="rId11"/>
+    <p:sldId id="265" r:id="rId4"/>
+    <p:sldId id="257" r:id="rId5"/>
+    <p:sldId id="258" r:id="rId6"/>
+    <p:sldId id="263" r:id="rId7"/>
+    <p:sldId id="260" r:id="rId8"/>
+    <p:sldId id="262" r:id="rId9"/>
+    <p:sldId id="259" r:id="rId10"/>
   </p:sldIdLst>
   <p:sldSz cx="12192000" cy="6858000"/>
   <p:notesSz cx="6858000" cy="9144000"/>
@@ -3612,89 +3611,6 @@
 </p:sld>
 </file>
 
-<file path=ppt/slides/slide10.xml><?xml version="1.0" encoding="utf-8"?>
-<p:sld xmlns:a="http://schemas.openxmlformats.org/drawingml/2006/main" xmlns:r="http://schemas.openxmlformats.org/officeDocument/2006/relationships" xmlns:p="http://schemas.openxmlformats.org/presentationml/2006/main">
-  <p:cSld>
-    <p:spTree>
-      <p:nvGrpSpPr>
-        <p:cNvPr id="1" name=""/>
-        <p:cNvGrpSpPr/>
-        <p:nvPr/>
-      </p:nvGrpSpPr>
-      <p:grpSpPr>
-        <a:xfrm>
-          <a:off x="0" y="0"/>
-          <a:ext cx="0" cy="0"/>
-          <a:chOff x="0" y="0"/>
-          <a:chExt cx="0" cy="0"/>
-        </a:xfrm>
-      </p:grpSpPr>
-      <p:sp>
-        <p:nvSpPr>
-          <p:cNvPr id="2" name="Titel 1">
-            <a:extLst>
-              <a:ext uri="{FF2B5EF4-FFF2-40B4-BE49-F238E27FC236}">
-                <a16:creationId xmlns:a16="http://schemas.microsoft.com/office/drawing/2014/main" id="{C51CC7BF-07C4-5F44-B0A3-93533E393119}"/>
-              </a:ext>
-            </a:extLst>
-          </p:cNvPr>
-          <p:cNvSpPr>
-            <a:spLocks noGrp="1"/>
-          </p:cNvSpPr>
-          <p:nvPr>
-            <p:ph type="ctrTitle"/>
-          </p:nvPr>
-        </p:nvSpPr>
-        <p:spPr/>
-        <p:txBody>
-          <a:bodyPr/>
-          <a:lstStyle/>
-          <a:p>
-            <a:r>
-              <a:rPr lang="de-DE" dirty="0"/>
-              <a:t>Danke für die Aufmerksamkeit</a:t>
-            </a:r>
-          </a:p>
-        </p:txBody>
-      </p:sp>
-      <p:sp>
-        <p:nvSpPr>
-          <p:cNvPr id="3" name="Untertitel 2">
-            <a:extLst>
-              <a:ext uri="{FF2B5EF4-FFF2-40B4-BE49-F238E27FC236}">
-                <a16:creationId xmlns:a16="http://schemas.microsoft.com/office/drawing/2014/main" id="{41F4940B-D5E8-9F49-8140-D94FE1503F32}"/>
-              </a:ext>
-            </a:extLst>
-          </p:cNvPr>
-          <p:cNvSpPr>
-            <a:spLocks noGrp="1"/>
-          </p:cNvSpPr>
-          <p:nvPr>
-            <p:ph type="subTitle" idx="1"/>
-          </p:nvPr>
-        </p:nvSpPr>
-        <p:spPr/>
-        <p:txBody>
-          <a:bodyPr/>
-          <a:lstStyle/>
-          <a:p>
-            <a:endParaRPr lang="de-DE"/>
-          </a:p>
-        </p:txBody>
-      </p:sp>
-    </p:spTree>
-    <p:extLst>
-      <p:ext uri="{BB962C8B-B14F-4D97-AF65-F5344CB8AC3E}">
-        <p14:creationId xmlns:p14="http://schemas.microsoft.com/office/powerpoint/2010/main" val="2635067140"/>
-      </p:ext>
-    </p:extLst>
-  </p:cSld>
-  <p:clrMapOvr>
-    <a:masterClrMapping/>
-  </p:clrMapOvr>
-</p:sld>
-</file>
-
 <file path=ppt/slides/slide2.xml><?xml version="1.0" encoding="utf-8"?>
 <p:sld xmlns:a="http://schemas.openxmlformats.org/drawingml/2006/main" xmlns:r="http://schemas.openxmlformats.org/officeDocument/2006/relationships" xmlns:p="http://schemas.openxmlformats.org/presentationml/2006/main">
   <p:cSld>
@@ -4016,20 +3932,6 @@
               </a:rPr>
               <a:t>Avatar zeigt 5 verschiedene Emotionen</a:t>
             </a:r>
-          </a:p>
-          <a:p>
-            <a:endParaRPr lang="de-DE" dirty="0">
-              <a:solidFill>
-                <a:schemeClr val="tx1"/>
-              </a:solidFill>
-            </a:endParaRPr>
-          </a:p>
-          <a:p>
-            <a:endParaRPr lang="de-DE" dirty="0">
-              <a:solidFill>
-                <a:schemeClr val="tx1"/>
-              </a:solidFill>
-            </a:endParaRPr>
           </a:p>
         </p:txBody>
       </p:sp>
@@ -4128,40 +4030,12 @@
           <a:chExt cx="0" cy="0"/>
         </a:xfrm>
       </p:grpSpPr>
-      <p:sp>
-        <p:nvSpPr>
-          <p:cNvPr id="2" name="Titel 1">
+      <p:pic>
+        <p:nvPicPr>
+          <p:cNvPr id="2" name="Grafik 1">
             <a:extLst>
               <a:ext uri="{FF2B5EF4-FFF2-40B4-BE49-F238E27FC236}">
-                <a16:creationId xmlns:a16="http://schemas.microsoft.com/office/drawing/2014/main" id="{97A7764F-D219-AC49-829F-F5D254C79E5F}"/>
-              </a:ext>
-            </a:extLst>
-          </p:cNvPr>
-          <p:cNvSpPr>
-            <a:spLocks noGrp="1"/>
-          </p:cNvSpPr>
-          <p:nvPr>
-            <p:ph type="title"/>
-          </p:nvPr>
-        </p:nvSpPr>
-        <p:spPr/>
-        <p:txBody>
-          <a:bodyPr/>
-          <a:lstStyle/>
-          <a:p>
-            <a:r>
-              <a:rPr lang="de-DE" dirty="0"/>
-              <a:t>Emotionen</a:t>
-            </a:r>
-          </a:p>
-        </p:txBody>
-      </p:sp>
-      <p:pic>
-        <p:nvPicPr>
-          <p:cNvPr id="5" name="Grafik 4">
-            <a:extLst>
-              <a:ext uri="{FF2B5EF4-FFF2-40B4-BE49-F238E27FC236}">
-                <a16:creationId xmlns:a16="http://schemas.microsoft.com/office/drawing/2014/main" id="{4FC00378-A9FF-E246-9DEA-EA2A97D8140D}"/>
+                <a16:creationId xmlns:a16="http://schemas.microsoft.com/office/drawing/2014/main" id="{9DEDB320-F9A9-9D49-9D6A-846026A97BC9}"/>
               </a:ext>
             </a:extLst>
           </p:cNvPr>
@@ -4178,8 +4052,8 @@
         </p:blipFill>
         <p:spPr>
           <a:xfrm>
-            <a:off x="8849033" y="1748123"/>
-            <a:ext cx="3632200" cy="3771900"/>
+            <a:off x="8410173" y="1397517"/>
+            <a:ext cx="3757647" cy="3902172"/>
           </a:xfrm>
           <a:prstGeom prst="rect">
             <a:avLst/>
@@ -4188,10 +4062,10 @@
       </p:pic>
       <p:pic>
         <p:nvPicPr>
-          <p:cNvPr id="7" name="Grafik 6">
+          <p:cNvPr id="3" name="Grafik 2">
             <a:extLst>
               <a:ext uri="{FF2B5EF4-FFF2-40B4-BE49-F238E27FC236}">
-                <a16:creationId xmlns:a16="http://schemas.microsoft.com/office/drawing/2014/main" id="{7DC06F20-50FD-7F48-91F3-2272B174A2F8}"/>
+                <a16:creationId xmlns:a16="http://schemas.microsoft.com/office/drawing/2014/main" id="{B7428D50-6546-F345-A3DF-5276D021CC0E}"/>
               </a:ext>
             </a:extLst>
           </p:cNvPr>
@@ -4208,7 +4082,7 @@
         </p:blipFill>
         <p:spPr>
           <a:xfrm>
-            <a:off x="6728436" y="1799373"/>
+            <a:off x="6294046" y="1552949"/>
             <a:ext cx="3632200" cy="3771900"/>
           </a:xfrm>
           <a:prstGeom prst="rect">
@@ -4218,10 +4092,10 @@
       </p:pic>
       <p:pic>
         <p:nvPicPr>
-          <p:cNvPr id="9" name="Grafik 8">
+          <p:cNvPr id="4" name="Grafik 3">
             <a:extLst>
               <a:ext uri="{FF2B5EF4-FFF2-40B4-BE49-F238E27FC236}">
-                <a16:creationId xmlns:a16="http://schemas.microsoft.com/office/drawing/2014/main" id="{E7FB4287-2572-434E-B5B7-1C98B986BCC1}"/>
+                <a16:creationId xmlns:a16="http://schemas.microsoft.com/office/drawing/2014/main" id="{64F75EAF-CCC6-0E48-9974-4D4896859C69}"/>
               </a:ext>
             </a:extLst>
           </p:cNvPr>
@@ -4238,7 +4112,7 @@
         </p:blipFill>
         <p:spPr>
           <a:xfrm>
-            <a:off x="4494113" y="1748123"/>
+            <a:off x="4161293" y="1552949"/>
             <a:ext cx="3632200" cy="3771900"/>
           </a:xfrm>
           <a:prstGeom prst="rect">
@@ -4248,10 +4122,10 @@
       </p:pic>
       <p:pic>
         <p:nvPicPr>
-          <p:cNvPr id="11" name="Grafik 10">
+          <p:cNvPr id="5" name="Grafik 4">
             <a:extLst>
               <a:ext uri="{FF2B5EF4-FFF2-40B4-BE49-F238E27FC236}">
-                <a16:creationId xmlns:a16="http://schemas.microsoft.com/office/drawing/2014/main" id="{DC7943E5-92B2-8A4C-9EE7-1B46C02226D9}"/>
+                <a16:creationId xmlns:a16="http://schemas.microsoft.com/office/drawing/2014/main" id="{3ABD38AF-CD44-1546-A296-064177F45B22}"/>
               </a:ext>
             </a:extLst>
           </p:cNvPr>
@@ -4268,7 +4142,7 @@
         </p:blipFill>
         <p:spPr>
           <a:xfrm>
-            <a:off x="2373516" y="1850622"/>
+            <a:off x="1956033" y="1543050"/>
             <a:ext cx="3632200" cy="3771900"/>
           </a:xfrm>
           <a:prstGeom prst="rect">
@@ -4278,10 +4152,10 @@
       </p:pic>
       <p:pic>
         <p:nvPicPr>
-          <p:cNvPr id="13" name="Grafik 12">
+          <p:cNvPr id="6" name="Grafik 5">
             <a:extLst>
               <a:ext uri="{FF2B5EF4-FFF2-40B4-BE49-F238E27FC236}">
-                <a16:creationId xmlns:a16="http://schemas.microsoft.com/office/drawing/2014/main" id="{3FC7A4C9-4DCB-FC43-8220-C261D06F4D8D}"/>
+                <a16:creationId xmlns:a16="http://schemas.microsoft.com/office/drawing/2014/main" id="{23327C6A-508F-3049-8ADF-FE142A87B7B0}"/>
               </a:ext>
             </a:extLst>
           </p:cNvPr>
@@ -4298,7 +4172,7 @@
         </p:blipFill>
         <p:spPr>
           <a:xfrm>
-            <a:off x="323144" y="1720349"/>
+            <a:off x="-263117" y="1477914"/>
             <a:ext cx="3757648" cy="3902173"/>
           </a:xfrm>
           <a:prstGeom prst="rect">
@@ -4306,10 +4180,59 @@
           </a:prstGeom>
         </p:spPr>
       </p:pic>
+      <p:sp>
+        <p:nvSpPr>
+          <p:cNvPr id="7" name="Ecken des Rechtecks auf der gleichen Seite abrunden 6">
+            <a:extLst>
+              <a:ext uri="{FF2B5EF4-FFF2-40B4-BE49-F238E27FC236}">
+                <a16:creationId xmlns:a16="http://schemas.microsoft.com/office/drawing/2014/main" id="{DE9A0A7F-A9FF-B747-99B0-560169F0CD10}"/>
+              </a:ext>
+            </a:extLst>
+          </p:cNvPr>
+          <p:cNvSpPr/>
+          <p:nvPr/>
+        </p:nvSpPr>
+        <p:spPr>
+          <a:xfrm>
+            <a:off x="0" y="5025424"/>
+            <a:ext cx="12192000" cy="2510072"/>
+          </a:xfrm>
+          <a:prstGeom prst="round2SameRect">
+            <a:avLst/>
+          </a:prstGeom>
+        </p:spPr>
+        <p:style>
+          <a:lnRef idx="2">
+            <a:schemeClr val="accent1">
+              <a:shade val="50000"/>
+            </a:schemeClr>
+          </a:lnRef>
+          <a:fillRef idx="1">
+            <a:schemeClr val="accent1"/>
+          </a:fillRef>
+          <a:effectRef idx="0">
+            <a:schemeClr val="accent1"/>
+          </a:effectRef>
+          <a:fontRef idx="minor">
+            <a:schemeClr val="lt1"/>
+          </a:fontRef>
+        </p:style>
+        <p:txBody>
+          <a:bodyPr rtlCol="0" anchor="ctr"/>
+          <a:lstStyle/>
+          <a:p>
+            <a:pPr algn="ctr"/>
+            <a:r>
+              <a:rPr lang="de-DE" sz="4800" dirty="0"/>
+              <a:t>Die Emotionen</a:t>
+            </a:r>
+          </a:p>
+        </p:txBody>
+      </p:sp>
     </p:spTree>
     <p:extLst>
       <p:ext uri="{BB962C8B-B14F-4D97-AF65-F5344CB8AC3E}">
-        <p14:creationId xmlns:p14="http://schemas.microsoft.com/office/powerpoint/2010/main" val="2120915873"/>
+        <p14:creationId xmlns:p14="http://schemas.microsoft.com/office/powerpoint/2010/main" val="2571870553"/>
       </p:ext>
     </p:extLst>
   </p:cSld>
@@ -4322,6 +4245,14 @@
 <file path=ppt/slides/slide4.xml><?xml version="1.0" encoding="utf-8"?>
 <p:sld xmlns:a="http://schemas.openxmlformats.org/drawingml/2006/main" xmlns:r="http://schemas.openxmlformats.org/officeDocument/2006/relationships" xmlns:p="http://schemas.openxmlformats.org/presentationml/2006/main">
   <p:cSld>
+    <p:bg>
+      <p:bgPr>
+        <a:solidFill>
+          <a:schemeClr val="bg1"/>
+        </a:solidFill>
+        <a:effectLst/>
+      </p:bgPr>
+    </p:bg>
     <p:spTree>
       <p:nvGrpSpPr>
         <p:cNvPr id="1" name=""/>
@@ -4336,12 +4267,304 @@
           <a:chExt cx="0" cy="0"/>
         </a:xfrm>
       </p:grpSpPr>
+      <p:sp>
+        <p:nvSpPr>
+          <p:cNvPr id="15" name="Rectangle 14">
+            <a:extLst>
+              <a:ext uri="{FF2B5EF4-FFF2-40B4-BE49-F238E27FC236}">
+                <a16:creationId xmlns:a16="http://schemas.microsoft.com/office/drawing/2014/main" id="{C162DF2A-64D1-4AA9-BA42-8A4063EADE09}"/>
+              </a:ext>
+              <a:ext uri="{C183D7F6-B498-43B3-948B-1728B52AA6E4}">
+                <adec:decorative xmlns:adec="http://schemas.microsoft.com/office/drawing/2017/decorative" val="1"/>
+              </a:ext>
+            </a:extLst>
+          </p:cNvPr>
+          <p:cNvSpPr>
+            <a:spLocks noGrp="1" noRot="1" noChangeAspect="1" noMove="1" noResize="1" noEditPoints="1" noAdjustHandles="1" noChangeArrowheads="1" noChangeShapeType="1" noTextEdit="1"/>
+          </p:cNvSpPr>
+          <p:nvPr>
+            <p:extLst>
+              <p:ext uri="{386F3935-93C4-4BCD-93E2-E3B085C9AB24}">
+                <p16:designElem xmlns:p16="http://schemas.microsoft.com/office/powerpoint/2015/main" val="1"/>
+              </p:ext>
+            </p:extLst>
+          </p:nvPr>
+        </p:nvSpPr>
+        <p:spPr>
+          <a:xfrm>
+            <a:off x="0" y="761999"/>
+            <a:ext cx="9141619" cy="5334001"/>
+          </a:xfrm>
+          <a:prstGeom prst="rect">
+            <a:avLst/>
+          </a:prstGeom>
+          <a:solidFill>
+            <a:schemeClr val="accent1"/>
+          </a:solidFill>
+          <a:ln>
+            <a:noFill/>
+          </a:ln>
+        </p:spPr>
+        <p:style>
+          <a:lnRef idx="2">
+            <a:schemeClr val="accent1">
+              <a:shade val="50000"/>
+            </a:schemeClr>
+          </a:lnRef>
+          <a:fillRef idx="1">
+            <a:schemeClr val="accent1"/>
+          </a:fillRef>
+          <a:effectRef idx="0">
+            <a:schemeClr val="accent1"/>
+          </a:effectRef>
+          <a:fontRef idx="minor">
+            <a:schemeClr val="lt1"/>
+          </a:fontRef>
+        </p:style>
+      </p:sp>
+      <p:sp>
+        <p:nvSpPr>
+          <p:cNvPr id="17" name="Rectangle 16">
+            <a:extLst>
+              <a:ext uri="{FF2B5EF4-FFF2-40B4-BE49-F238E27FC236}">
+                <a16:creationId xmlns:a16="http://schemas.microsoft.com/office/drawing/2014/main" id="{5D7C1373-63AF-4A75-909E-990E05356670}"/>
+              </a:ext>
+              <a:ext uri="{C183D7F6-B498-43B3-948B-1728B52AA6E4}">
+                <adec:decorative xmlns:adec="http://schemas.microsoft.com/office/drawing/2017/decorative" val="1"/>
+              </a:ext>
+            </a:extLst>
+          </p:cNvPr>
+          <p:cNvSpPr>
+            <a:spLocks noGrp="1" noRot="1" noChangeAspect="1" noMove="1" noResize="1" noEditPoints="1" noAdjustHandles="1" noChangeArrowheads="1" noChangeShapeType="1" noTextEdit="1"/>
+          </p:cNvSpPr>
+          <p:nvPr>
+            <p:extLst>
+              <p:ext uri="{386F3935-93C4-4BCD-93E2-E3B085C9AB24}">
+                <p16:designElem xmlns:p16="http://schemas.microsoft.com/office/powerpoint/2015/main" val="1"/>
+              </p:ext>
+            </p:extLst>
+          </p:nvPr>
+        </p:nvSpPr>
+        <p:spPr>
+          <a:xfrm>
+            <a:off x="9270263" y="761999"/>
+            <a:ext cx="2925318" cy="5334001"/>
+          </a:xfrm>
+          <a:prstGeom prst="rect">
+            <a:avLst/>
+          </a:prstGeom>
+          <a:solidFill>
+            <a:srgbClr val="C8C8C8">
+              <a:alpha val="49804"/>
+            </a:srgbClr>
+          </a:solidFill>
+          <a:ln>
+            <a:noFill/>
+          </a:ln>
+        </p:spPr>
+        <p:style>
+          <a:lnRef idx="2">
+            <a:schemeClr val="accent1">
+              <a:shade val="50000"/>
+            </a:schemeClr>
+          </a:lnRef>
+          <a:fillRef idx="1">
+            <a:schemeClr val="accent1"/>
+          </a:fillRef>
+          <a:effectRef idx="0">
+            <a:schemeClr val="accent1"/>
+          </a:effectRef>
+          <a:fontRef idx="minor">
+            <a:schemeClr val="lt1"/>
+          </a:fontRef>
+        </p:style>
+      </p:sp>
+      <p:sp useBgFill="1">
+        <p:nvSpPr>
+          <p:cNvPr id="19" name="Rectangle 18">
+            <a:extLst>
+              <a:ext uri="{FF2B5EF4-FFF2-40B4-BE49-F238E27FC236}">
+                <a16:creationId xmlns:a16="http://schemas.microsoft.com/office/drawing/2014/main" id="{5BDAAE7A-177F-4691-8F07-36CBBA6113AB}"/>
+              </a:ext>
+              <a:ext uri="{C183D7F6-B498-43B3-948B-1728B52AA6E4}">
+                <adec:decorative xmlns:adec="http://schemas.microsoft.com/office/drawing/2017/decorative" val="1"/>
+              </a:ext>
+            </a:extLst>
+          </p:cNvPr>
+          <p:cNvSpPr>
+            <a:spLocks noGrp="1" noRot="1" noChangeAspect="1" noMove="1" noResize="1" noEditPoints="1" noAdjustHandles="1" noChangeArrowheads="1" noChangeShapeType="1" noTextEdit="1"/>
+          </p:cNvSpPr>
+          <p:nvPr>
+            <p:extLst>
+              <p:ext uri="{386F3935-93C4-4BCD-93E2-E3B085C9AB24}">
+                <p16:designElem xmlns:p16="http://schemas.microsoft.com/office/powerpoint/2015/main" val="1"/>
+              </p:ext>
+            </p:extLst>
+          </p:nvPr>
+        </p:nvSpPr>
+        <p:spPr>
+          <a:xfrm>
+            <a:off x="1790" y="0"/>
+            <a:ext cx="12192000" cy="6858000"/>
+          </a:xfrm>
+          <a:prstGeom prst="rect">
+            <a:avLst/>
+          </a:prstGeom>
+          <a:ln>
+            <a:noFill/>
+          </a:ln>
+        </p:spPr>
+        <p:style>
+          <a:lnRef idx="2">
+            <a:schemeClr val="accent1">
+              <a:shade val="50000"/>
+            </a:schemeClr>
+          </a:lnRef>
+          <a:fillRef idx="1">
+            <a:schemeClr val="accent1"/>
+          </a:fillRef>
+          <a:effectRef idx="0">
+            <a:schemeClr val="accent1"/>
+          </a:effectRef>
+          <a:fontRef idx="minor">
+            <a:schemeClr val="lt1"/>
+          </a:fontRef>
+        </p:style>
+        <p:txBody>
+          <a:bodyPr rtlCol="0" anchor="ctr"/>
+          <a:lstStyle/>
+          <a:p>
+            <a:pPr algn="ctr"/>
+            <a:endParaRPr lang="en-US" dirty="0"/>
+          </a:p>
+        </p:txBody>
+      </p:sp>
+      <p:sp>
+        <p:nvSpPr>
+          <p:cNvPr id="21" name="Rectangle 20">
+            <a:extLst>
+              <a:ext uri="{FF2B5EF4-FFF2-40B4-BE49-F238E27FC236}">
+                <a16:creationId xmlns:a16="http://schemas.microsoft.com/office/drawing/2014/main" id="{5BF82D1D-28BC-4216-A1EA-F7D9C6D1AA82}"/>
+              </a:ext>
+              <a:ext uri="{C183D7F6-B498-43B3-948B-1728B52AA6E4}">
+                <adec:decorative xmlns:adec="http://schemas.microsoft.com/office/drawing/2017/decorative" val="1"/>
+              </a:ext>
+            </a:extLst>
+          </p:cNvPr>
+          <p:cNvSpPr>
+            <a:spLocks noGrp="1" noRot="1" noChangeAspect="1" noMove="1" noResize="1" noEditPoints="1" noAdjustHandles="1" noChangeArrowheads="1" noChangeShapeType="1" noTextEdit="1"/>
+          </p:cNvSpPr>
+          <p:nvPr>
+            <p:extLst>
+              <p:ext uri="{386F3935-93C4-4BCD-93E2-E3B085C9AB24}">
+                <p16:designElem xmlns:p16="http://schemas.microsoft.com/office/powerpoint/2015/main" val="1"/>
+              </p:ext>
+            </p:extLst>
+          </p:nvPr>
+        </p:nvSpPr>
+        <p:spPr>
+          <a:xfrm>
+            <a:off x="0" y="761999"/>
+            <a:ext cx="1286934" cy="5334001"/>
+          </a:xfrm>
+          <a:prstGeom prst="rect">
+            <a:avLst/>
+          </a:prstGeom>
+          <a:solidFill>
+            <a:schemeClr val="accent1"/>
+          </a:solidFill>
+          <a:ln>
+            <a:noFill/>
+          </a:ln>
+        </p:spPr>
+        <p:style>
+          <a:lnRef idx="2">
+            <a:schemeClr val="accent1">
+              <a:shade val="50000"/>
+            </a:schemeClr>
+          </a:lnRef>
+          <a:fillRef idx="1">
+            <a:schemeClr val="accent1"/>
+          </a:fillRef>
+          <a:effectRef idx="0">
+            <a:schemeClr val="accent1"/>
+          </a:effectRef>
+          <a:fontRef idx="minor">
+            <a:schemeClr val="lt1"/>
+          </a:fontRef>
+        </p:style>
+      </p:sp>
+      <p:sp>
+        <p:nvSpPr>
+          <p:cNvPr id="23" name="Rectangle 22">
+            <a:extLst>
+              <a:ext uri="{FF2B5EF4-FFF2-40B4-BE49-F238E27FC236}">
+                <a16:creationId xmlns:a16="http://schemas.microsoft.com/office/drawing/2014/main" id="{60A1DC48-C242-4442-822C-570436B809FC}"/>
+              </a:ext>
+              <a:ext uri="{C183D7F6-B498-43B3-948B-1728B52AA6E4}">
+                <adec:decorative xmlns:adec="http://schemas.microsoft.com/office/drawing/2017/decorative" val="1"/>
+              </a:ext>
+            </a:extLst>
+          </p:cNvPr>
+          <p:cNvSpPr>
+            <a:spLocks noGrp="1" noRot="1" noChangeAspect="1" noMove="1" noResize="1" noEditPoints="1" noAdjustHandles="1" noChangeArrowheads="1" noChangeShapeType="1" noTextEdit="1"/>
+          </p:cNvSpPr>
+          <p:nvPr>
+            <p:extLst>
+              <p:ext uri="{386F3935-93C4-4BCD-93E2-E3B085C9AB24}">
+                <p16:designElem xmlns:p16="http://schemas.microsoft.com/office/powerpoint/2015/main" val="1"/>
+              </p:ext>
+            </p:extLst>
+          </p:nvPr>
+        </p:nvSpPr>
+        <p:spPr>
+          <a:xfrm>
+            <a:off x="11685778" y="767825"/>
+            <a:ext cx="508012" cy="5328173"/>
+          </a:xfrm>
+          <a:prstGeom prst="rect">
+            <a:avLst/>
+          </a:prstGeom>
+          <a:solidFill>
+            <a:srgbClr val="C8C8C8">
+              <a:alpha val="50000"/>
+            </a:srgbClr>
+          </a:solidFill>
+          <a:ln>
+            <a:noFill/>
+          </a:ln>
+        </p:spPr>
+        <p:style>
+          <a:lnRef idx="2">
+            <a:schemeClr val="accent1">
+              <a:shade val="50000"/>
+            </a:schemeClr>
+          </a:lnRef>
+          <a:fillRef idx="1">
+            <a:schemeClr val="accent1"/>
+          </a:fillRef>
+          <a:effectRef idx="0">
+            <a:schemeClr val="accent1"/>
+          </a:effectRef>
+          <a:fontRef idx="minor">
+            <a:schemeClr val="lt1"/>
+          </a:fontRef>
+        </p:style>
+        <p:txBody>
+          <a:bodyPr rtlCol="0" anchor="ctr"/>
+          <a:lstStyle/>
+          <a:p>
+            <a:pPr algn="ctr"/>
+            <a:endParaRPr lang="en-US"/>
+          </a:p>
+        </p:txBody>
+      </p:sp>
       <p:pic>
         <p:nvPicPr>
-          <p:cNvPr id="2" name="Grafik 1">
+          <p:cNvPr id="12" name="Grafik 11">
             <a:extLst>
               <a:ext uri="{FF2B5EF4-FFF2-40B4-BE49-F238E27FC236}">
-                <a16:creationId xmlns:a16="http://schemas.microsoft.com/office/drawing/2014/main" id="{9DEDB320-F9A9-9D49-9D6A-846026A97BC9}"/>
+                <a16:creationId xmlns:a16="http://schemas.microsoft.com/office/drawing/2014/main" id="{3359FEF3-EF06-284A-8F16-E5DDD0F36618}"/>
               </a:ext>
             </a:extLst>
           </p:cNvPr>
@@ -4358,140 +4581,59 @@
         </p:blipFill>
         <p:spPr>
           <a:xfrm>
-            <a:off x="8487983" y="1543050"/>
-            <a:ext cx="3632200" cy="3771900"/>
+            <a:off x="0" y="-4636"/>
+            <a:ext cx="12293174" cy="6862636"/>
           </a:xfrm>
           <a:prstGeom prst="rect">
             <a:avLst/>
           </a:prstGeom>
         </p:spPr>
       </p:pic>
-      <p:pic>
-        <p:nvPicPr>
-          <p:cNvPr id="3" name="Grafik 2">
+      <p:sp>
+        <p:nvSpPr>
+          <p:cNvPr id="20" name="Titel 1">
             <a:extLst>
               <a:ext uri="{FF2B5EF4-FFF2-40B4-BE49-F238E27FC236}">
-                <a16:creationId xmlns:a16="http://schemas.microsoft.com/office/drawing/2014/main" id="{B7428D50-6546-F345-A3DF-5276D021CC0E}"/>
+                <a16:creationId xmlns:a16="http://schemas.microsoft.com/office/drawing/2014/main" id="{5079EB90-93AC-EC41-9A99-FD875851EC51}"/>
               </a:ext>
             </a:extLst>
           </p:cNvPr>
-          <p:cNvPicPr>
-            <a:picLocks noChangeAspect="1"/>
-          </p:cNvPicPr>
-          <p:nvPr/>
-        </p:nvPicPr>
-        <p:blipFill>
-          <a:blip r:embed="rId3"/>
-          <a:stretch>
-            <a:fillRect/>
-          </a:stretch>
-        </p:blipFill>
-        <p:spPr>
-          <a:xfrm>
-            <a:off x="6327297" y="1681790"/>
-            <a:ext cx="3632200" cy="3771900"/>
-          </a:xfrm>
-          <a:prstGeom prst="rect">
-            <a:avLst/>
-          </a:prstGeom>
-        </p:spPr>
-      </p:pic>
-      <p:pic>
-        <p:nvPicPr>
-          <p:cNvPr id="4" name="Grafik 3">
+          <p:cNvSpPr>
+            <a:spLocks noGrp="1"/>
+          </p:cNvSpPr>
+          <p:nvPr>
+            <p:ph type="title"/>
+          </p:nvPr>
+        </p:nvSpPr>
+        <p:spPr>
+          <a:xfrm>
+            <a:off x="4321738" y="680278"/>
+            <a:ext cx="3548523" cy="1048512"/>
+          </a:xfrm>
+        </p:spPr>
+        <p:txBody>
+          <a:bodyPr vert="horz" lIns="91440" tIns="45720" rIns="91440" bIns="45720" rtlCol="0" anchor="b">
+            <a:normAutofit fontScale="90000"/>
+          </a:bodyPr>
+          <a:lstStyle/>
+          <a:p>
+            <a:r>
+              <a:rPr lang="en-US" sz="7200" b="1" spc="-100" dirty="0">
+                <a:solidFill>
+                  <a:schemeClr val="bg1"/>
+                </a:solidFill>
+              </a:rPr>
+              <a:t>Das Team</a:t>
+            </a:r>
+          </a:p>
+        </p:txBody>
+      </p:sp>
+      <p:sp>
+        <p:nvSpPr>
+          <p:cNvPr id="16" name="Oval 15">
             <a:extLst>
               <a:ext uri="{FF2B5EF4-FFF2-40B4-BE49-F238E27FC236}">
-                <a16:creationId xmlns:a16="http://schemas.microsoft.com/office/drawing/2014/main" id="{64F75EAF-CCC6-0E48-9974-4D4896859C69}"/>
-              </a:ext>
-            </a:extLst>
-          </p:cNvPr>
-          <p:cNvPicPr>
-            <a:picLocks noChangeAspect="1"/>
-          </p:cNvPicPr>
-          <p:nvPr/>
-        </p:nvPicPr>
-        <p:blipFill>
-          <a:blip r:embed="rId4"/>
-          <a:stretch>
-            <a:fillRect/>
-          </a:stretch>
-        </p:blipFill>
-        <p:spPr>
-          <a:xfrm>
-            <a:off x="4094794" y="1681790"/>
-            <a:ext cx="3632200" cy="3771900"/>
-          </a:xfrm>
-          <a:prstGeom prst="rect">
-            <a:avLst/>
-          </a:prstGeom>
-        </p:spPr>
-      </p:pic>
-      <p:pic>
-        <p:nvPicPr>
-          <p:cNvPr id="5" name="Grafik 4">
-            <a:extLst>
-              <a:ext uri="{FF2B5EF4-FFF2-40B4-BE49-F238E27FC236}">
-                <a16:creationId xmlns:a16="http://schemas.microsoft.com/office/drawing/2014/main" id="{3ABD38AF-CD44-1546-A296-064177F45B22}"/>
-              </a:ext>
-            </a:extLst>
-          </p:cNvPr>
-          <p:cNvPicPr>
-            <a:picLocks noChangeAspect="1"/>
-          </p:cNvPicPr>
-          <p:nvPr/>
-        </p:nvPicPr>
-        <p:blipFill>
-          <a:blip r:embed="rId5"/>
-          <a:stretch>
-            <a:fillRect/>
-          </a:stretch>
-        </p:blipFill>
-        <p:spPr>
-          <a:xfrm>
-            <a:off x="1906159" y="1671891"/>
-            <a:ext cx="3632200" cy="3771900"/>
-          </a:xfrm>
-          <a:prstGeom prst="rect">
-            <a:avLst/>
-          </a:prstGeom>
-        </p:spPr>
-      </p:pic>
-      <p:pic>
-        <p:nvPicPr>
-          <p:cNvPr id="6" name="Grafik 5">
-            <a:extLst>
-              <a:ext uri="{FF2B5EF4-FFF2-40B4-BE49-F238E27FC236}">
-                <a16:creationId xmlns:a16="http://schemas.microsoft.com/office/drawing/2014/main" id="{23327C6A-508F-3049-8ADF-FE142A87B7B0}"/>
-              </a:ext>
-            </a:extLst>
-          </p:cNvPr>
-          <p:cNvPicPr>
-            <a:picLocks noChangeAspect="1"/>
-          </p:cNvPicPr>
-          <p:nvPr/>
-        </p:nvPicPr>
-        <p:blipFill>
-          <a:blip r:embed="rId6"/>
-          <a:stretch>
-            <a:fillRect/>
-          </a:stretch>
-        </p:blipFill>
-        <p:spPr>
-          <a:xfrm>
-            <a:off x="-312991" y="1606755"/>
-            <a:ext cx="3757648" cy="3902173"/>
-          </a:xfrm>
-          <a:prstGeom prst="rect">
-            <a:avLst/>
-          </a:prstGeom>
-        </p:spPr>
-      </p:pic>
-      <p:sp>
-        <p:nvSpPr>
-          <p:cNvPr id="7" name="Ecken des Rechtecks auf der gleichen Seite abrunden 6">
-            <a:extLst>
-              <a:ext uri="{FF2B5EF4-FFF2-40B4-BE49-F238E27FC236}">
-                <a16:creationId xmlns:a16="http://schemas.microsoft.com/office/drawing/2014/main" id="{DE9A0A7F-A9FF-B747-99B0-560169F0CD10}"/>
+                <a16:creationId xmlns:a16="http://schemas.microsoft.com/office/drawing/2014/main" id="{E672CD5F-4DC9-C144-8AA5-7229109DB33F}"/>
               </a:ext>
             </a:extLst>
           </p:cNvPr>
@@ -4500,12 +4642,15 @@
         </p:nvSpPr>
         <p:spPr>
           <a:xfrm>
-            <a:off x="0" y="5025424"/>
-            <a:ext cx="12192000" cy="2510072"/>
-          </a:xfrm>
-          <a:prstGeom prst="round2SameRect">
+            <a:off x="768930" y="2750198"/>
+            <a:ext cx="1690111" cy="1690111"/>
+          </a:xfrm>
+          <a:prstGeom prst="ellipse">
             <a:avLst/>
           </a:prstGeom>
+          <a:solidFill>
+            <a:schemeClr val="bg1"/>
+          </a:solidFill>
         </p:spPr>
         <p:style>
           <a:lnRef idx="2">
@@ -4528,17 +4673,777 @@
           <a:lstStyle/>
           <a:p>
             <a:pPr algn="ctr"/>
-            <a:r>
-              <a:rPr lang="de-DE" sz="4800" dirty="0"/>
-              <a:t>Die Emotionen</a:t>
-            </a:r>
+            <a:endParaRPr lang="de-DE"/>
+          </a:p>
+        </p:txBody>
+      </p:sp>
+      <p:sp>
+        <p:nvSpPr>
+          <p:cNvPr id="22" name="Oval 21">
+            <a:extLst>
+              <a:ext uri="{FF2B5EF4-FFF2-40B4-BE49-F238E27FC236}">
+                <a16:creationId xmlns:a16="http://schemas.microsoft.com/office/drawing/2014/main" id="{476EC5B8-1CC6-5A40-B4AC-6A51155FB5A6}"/>
+              </a:ext>
+            </a:extLst>
+          </p:cNvPr>
+          <p:cNvSpPr/>
+          <p:nvPr/>
+        </p:nvSpPr>
+        <p:spPr>
+          <a:xfrm>
+            <a:off x="3034609" y="2750196"/>
+            <a:ext cx="1690111" cy="1690111"/>
+          </a:xfrm>
+          <a:prstGeom prst="ellipse">
+            <a:avLst/>
+          </a:prstGeom>
+          <a:solidFill>
+            <a:schemeClr val="bg1"/>
+          </a:solidFill>
+        </p:spPr>
+        <p:style>
+          <a:lnRef idx="2">
+            <a:schemeClr val="accent1">
+              <a:shade val="50000"/>
+            </a:schemeClr>
+          </a:lnRef>
+          <a:fillRef idx="1">
+            <a:schemeClr val="accent1"/>
+          </a:fillRef>
+          <a:effectRef idx="0">
+            <a:schemeClr val="accent1"/>
+          </a:effectRef>
+          <a:fontRef idx="minor">
+            <a:schemeClr val="lt1"/>
+          </a:fontRef>
+        </p:style>
+        <p:txBody>
+          <a:bodyPr rtlCol="0" anchor="ctr"/>
+          <a:lstStyle/>
+          <a:p>
+            <a:pPr algn="ctr"/>
+            <a:endParaRPr lang="de-DE"/>
+          </a:p>
+        </p:txBody>
+      </p:sp>
+      <p:sp>
+        <p:nvSpPr>
+          <p:cNvPr id="24" name="Oval 23">
+            <a:extLst>
+              <a:ext uri="{FF2B5EF4-FFF2-40B4-BE49-F238E27FC236}">
+                <a16:creationId xmlns:a16="http://schemas.microsoft.com/office/drawing/2014/main" id="{913A2ABD-6A6B-4340-B348-B706E3104CAF}"/>
+              </a:ext>
+            </a:extLst>
+          </p:cNvPr>
+          <p:cNvSpPr/>
+          <p:nvPr/>
+        </p:nvSpPr>
+        <p:spPr>
+          <a:xfrm>
+            <a:off x="5300288" y="2776100"/>
+            <a:ext cx="1690111" cy="1690111"/>
+          </a:xfrm>
+          <a:prstGeom prst="ellipse">
+            <a:avLst/>
+          </a:prstGeom>
+          <a:solidFill>
+            <a:schemeClr val="bg1"/>
+          </a:solidFill>
+        </p:spPr>
+        <p:style>
+          <a:lnRef idx="2">
+            <a:schemeClr val="accent1">
+              <a:shade val="50000"/>
+            </a:schemeClr>
+          </a:lnRef>
+          <a:fillRef idx="1">
+            <a:schemeClr val="accent1"/>
+          </a:fillRef>
+          <a:effectRef idx="0">
+            <a:schemeClr val="accent1"/>
+          </a:effectRef>
+          <a:fontRef idx="minor">
+            <a:schemeClr val="lt1"/>
+          </a:fontRef>
+        </p:style>
+        <p:txBody>
+          <a:bodyPr rtlCol="0" anchor="ctr"/>
+          <a:lstStyle/>
+          <a:p>
+            <a:pPr algn="ctr"/>
+            <a:endParaRPr lang="de-DE"/>
+          </a:p>
+        </p:txBody>
+      </p:sp>
+      <p:sp>
+        <p:nvSpPr>
+          <p:cNvPr id="25" name="Oval 24">
+            <a:extLst>
+              <a:ext uri="{FF2B5EF4-FFF2-40B4-BE49-F238E27FC236}">
+                <a16:creationId xmlns:a16="http://schemas.microsoft.com/office/drawing/2014/main" id="{322B8243-F9CD-5642-B1FF-D13D629E2261}"/>
+              </a:ext>
+            </a:extLst>
+          </p:cNvPr>
+          <p:cNvSpPr/>
+          <p:nvPr/>
+        </p:nvSpPr>
+        <p:spPr>
+          <a:xfrm>
+            <a:off x="7565967" y="2750195"/>
+            <a:ext cx="1690111" cy="1690111"/>
+          </a:xfrm>
+          <a:prstGeom prst="ellipse">
+            <a:avLst/>
+          </a:prstGeom>
+          <a:solidFill>
+            <a:schemeClr val="bg1"/>
+          </a:solidFill>
+        </p:spPr>
+        <p:style>
+          <a:lnRef idx="2">
+            <a:schemeClr val="accent1">
+              <a:shade val="50000"/>
+            </a:schemeClr>
+          </a:lnRef>
+          <a:fillRef idx="1">
+            <a:schemeClr val="accent1"/>
+          </a:fillRef>
+          <a:effectRef idx="0">
+            <a:schemeClr val="accent1"/>
+          </a:effectRef>
+          <a:fontRef idx="minor">
+            <a:schemeClr val="lt1"/>
+          </a:fontRef>
+        </p:style>
+        <p:txBody>
+          <a:bodyPr rtlCol="0" anchor="ctr"/>
+          <a:lstStyle/>
+          <a:p>
+            <a:pPr algn="ctr"/>
+            <a:endParaRPr lang="de-DE"/>
+          </a:p>
+        </p:txBody>
+      </p:sp>
+      <p:sp>
+        <p:nvSpPr>
+          <p:cNvPr id="27" name="Oval 26">
+            <a:extLst>
+              <a:ext uri="{FF2B5EF4-FFF2-40B4-BE49-F238E27FC236}">
+                <a16:creationId xmlns:a16="http://schemas.microsoft.com/office/drawing/2014/main" id="{58FD0DB1-BA8C-9840-8E16-8F57D5B0A163}"/>
+              </a:ext>
+            </a:extLst>
+          </p:cNvPr>
+          <p:cNvSpPr/>
+          <p:nvPr/>
+        </p:nvSpPr>
+        <p:spPr>
+          <a:xfrm>
+            <a:off x="9816870" y="2776100"/>
+            <a:ext cx="1690111" cy="1690111"/>
+          </a:xfrm>
+          <a:prstGeom prst="ellipse">
+            <a:avLst/>
+          </a:prstGeom>
+          <a:solidFill>
+            <a:schemeClr val="bg1"/>
+          </a:solidFill>
+        </p:spPr>
+        <p:style>
+          <a:lnRef idx="2">
+            <a:schemeClr val="accent1">
+              <a:shade val="50000"/>
+            </a:schemeClr>
+          </a:lnRef>
+          <a:fillRef idx="1">
+            <a:schemeClr val="accent1"/>
+          </a:fillRef>
+          <a:effectRef idx="0">
+            <a:schemeClr val="accent1"/>
+          </a:effectRef>
+          <a:fontRef idx="minor">
+            <a:schemeClr val="lt1"/>
+          </a:fontRef>
+        </p:style>
+        <p:txBody>
+          <a:bodyPr rtlCol="0" anchor="ctr"/>
+          <a:lstStyle/>
+          <a:p>
+            <a:pPr algn="ctr"/>
+            <a:endParaRPr lang="de-DE"/>
+          </a:p>
+        </p:txBody>
+      </p:sp>
+      <p:sp>
+        <p:nvSpPr>
+          <p:cNvPr id="28" name="Titel 1">
+            <a:extLst>
+              <a:ext uri="{FF2B5EF4-FFF2-40B4-BE49-F238E27FC236}">
+                <a16:creationId xmlns:a16="http://schemas.microsoft.com/office/drawing/2014/main" id="{2BDF8157-FA38-0845-9ACE-42D28848285E}"/>
+              </a:ext>
+            </a:extLst>
+          </p:cNvPr>
+          <p:cNvSpPr txBox="1">
+            <a:spLocks/>
+          </p:cNvSpPr>
+          <p:nvPr/>
+        </p:nvSpPr>
+        <p:spPr>
+          <a:xfrm>
+            <a:off x="631405" y="4745873"/>
+            <a:ext cx="1958050" cy="1174408"/>
+          </a:xfrm>
+          <a:prstGeom prst="rect">
+            <a:avLst/>
+          </a:prstGeom>
+        </p:spPr>
+        <p:txBody>
+          <a:bodyPr vert="horz" lIns="91440" tIns="45720" rIns="91440" bIns="45720" rtlCol="0" anchor="b">
+            <a:normAutofit fontScale="97500" lnSpcReduction="10000"/>
+          </a:bodyPr>
+          <a:lstStyle>
+            <a:lvl1pPr algn="l" defTabSz="914400" rtl="0" eaLnBrk="1" latinLnBrk="0" hangingPunct="1">
+              <a:lnSpc>
+                <a:spcPct val="90000"/>
+              </a:lnSpc>
+              <a:spcBef>
+                <a:spcPct val="0"/>
+              </a:spcBef>
+              <a:buNone/>
+              <a:defRPr sz="3600" kern="1200" spc="-60" baseline="0">
+                <a:solidFill>
+                  <a:srgbClr val="FFFFFF"/>
+                </a:solidFill>
+                <a:latin typeface="+mj-lt"/>
+                <a:ea typeface="+mj-ea"/>
+                <a:cs typeface="+mj-cs"/>
+              </a:defRPr>
+            </a:lvl1pPr>
+          </a:lstStyle>
+          <a:p>
+            <a:pPr algn="ctr"/>
+            <a:r>
+              <a:rPr lang="en-US" sz="2400" b="1" spc="-100" dirty="0">
+                <a:solidFill>
+                  <a:schemeClr val="bg1"/>
+                </a:solidFill>
+              </a:rPr>
+              <a:t>Markus Stadler</a:t>
+            </a:r>
+          </a:p>
+          <a:p>
+            <a:pPr algn="ctr"/>
+            <a:endParaRPr lang="en-US" sz="2000" b="1" spc="-100" dirty="0">
+              <a:solidFill>
+                <a:schemeClr val="bg1"/>
+              </a:solidFill>
+            </a:endParaRPr>
+          </a:p>
+          <a:p>
+            <a:pPr algn="ctr"/>
+            <a:r>
+              <a:rPr lang="en-US" sz="2000" b="1" spc="-100" dirty="0">
+                <a:solidFill>
+                  <a:schemeClr val="bg1"/>
+                </a:solidFill>
+              </a:rPr>
+              <a:t>Backend </a:t>
+            </a:r>
+            <a:br>
+              <a:rPr lang="en-US" sz="2000" b="1" spc="-100" dirty="0">
+                <a:solidFill>
+                  <a:schemeClr val="bg1"/>
+                </a:solidFill>
+              </a:rPr>
+            </a:br>
+            <a:r>
+              <a:rPr lang="en-US" sz="2000" b="1" spc="-100" dirty="0" err="1">
+                <a:solidFill>
+                  <a:schemeClr val="bg1"/>
+                </a:solidFill>
+              </a:rPr>
+              <a:t>Keycloak</a:t>
+            </a:r>
+            <a:endParaRPr lang="en-US" sz="2400" b="1" spc="-100" dirty="0">
+              <a:solidFill>
+                <a:schemeClr val="bg1"/>
+              </a:solidFill>
+            </a:endParaRPr>
+          </a:p>
+        </p:txBody>
+      </p:sp>
+      <p:sp>
+        <p:nvSpPr>
+          <p:cNvPr id="29" name="Titel 1">
+            <a:extLst>
+              <a:ext uri="{FF2B5EF4-FFF2-40B4-BE49-F238E27FC236}">
+                <a16:creationId xmlns:a16="http://schemas.microsoft.com/office/drawing/2014/main" id="{EB1B1D0A-FED2-9A4F-925A-F4AEB6214C65}"/>
+              </a:ext>
+            </a:extLst>
+          </p:cNvPr>
+          <p:cNvSpPr txBox="1">
+            <a:spLocks/>
+          </p:cNvSpPr>
+          <p:nvPr/>
+        </p:nvSpPr>
+        <p:spPr>
+          <a:xfrm>
+            <a:off x="2900639" y="4781681"/>
+            <a:ext cx="1958050" cy="941308"/>
+          </a:xfrm>
+          <a:prstGeom prst="rect">
+            <a:avLst/>
+          </a:prstGeom>
+        </p:spPr>
+        <p:txBody>
+          <a:bodyPr vert="horz" lIns="91440" tIns="45720" rIns="91440" bIns="45720" rtlCol="0" anchor="b">
+            <a:normAutofit fontScale="97500" lnSpcReduction="10000"/>
+          </a:bodyPr>
+          <a:lstStyle>
+            <a:lvl1pPr algn="l" defTabSz="914400" rtl="0" eaLnBrk="1" latinLnBrk="0" hangingPunct="1">
+              <a:lnSpc>
+                <a:spcPct val="90000"/>
+              </a:lnSpc>
+              <a:spcBef>
+                <a:spcPct val="0"/>
+              </a:spcBef>
+              <a:buNone/>
+              <a:defRPr sz="3600" kern="1200" spc="-60" baseline="0">
+                <a:solidFill>
+                  <a:srgbClr val="FFFFFF"/>
+                </a:solidFill>
+                <a:latin typeface="+mj-lt"/>
+                <a:ea typeface="+mj-ea"/>
+                <a:cs typeface="+mj-cs"/>
+              </a:defRPr>
+            </a:lvl1pPr>
+          </a:lstStyle>
+          <a:p>
+            <a:pPr algn="ctr"/>
+            <a:r>
+              <a:rPr lang="en-US" sz="2400" b="1" spc="-100" dirty="0">
+                <a:solidFill>
+                  <a:schemeClr val="bg1"/>
+                </a:solidFill>
+              </a:rPr>
+              <a:t>Noah </a:t>
+            </a:r>
+            <a:r>
+              <a:rPr lang="en-US" sz="2400" b="1" spc="-100" dirty="0" err="1">
+                <a:solidFill>
+                  <a:schemeClr val="bg1"/>
+                </a:solidFill>
+              </a:rPr>
+              <a:t>Stallinger</a:t>
+            </a:r>
+            <a:endParaRPr lang="en-US" sz="2400" b="1" spc="-100" dirty="0">
+              <a:solidFill>
+                <a:schemeClr val="bg1"/>
+              </a:solidFill>
+            </a:endParaRPr>
+          </a:p>
+          <a:p>
+            <a:pPr algn="ctr"/>
+            <a:endParaRPr lang="en-US" sz="2400" b="1" spc="-100" dirty="0">
+              <a:solidFill>
+                <a:schemeClr val="bg1"/>
+              </a:solidFill>
+            </a:endParaRPr>
+          </a:p>
+          <a:p>
+            <a:pPr algn="ctr"/>
+            <a:r>
+              <a:rPr lang="en-US" sz="2100" b="1" spc="-100" dirty="0">
+                <a:solidFill>
+                  <a:schemeClr val="bg1"/>
+                </a:solidFill>
+              </a:rPr>
+              <a:t>Frontend</a:t>
+            </a:r>
+          </a:p>
+        </p:txBody>
+      </p:sp>
+      <p:sp>
+        <p:nvSpPr>
+          <p:cNvPr id="30" name="Titel 1">
+            <a:extLst>
+              <a:ext uri="{FF2B5EF4-FFF2-40B4-BE49-F238E27FC236}">
+                <a16:creationId xmlns:a16="http://schemas.microsoft.com/office/drawing/2014/main" id="{DF255AD6-85F1-4744-92B1-7D4BBD40452D}"/>
+              </a:ext>
+            </a:extLst>
+          </p:cNvPr>
+          <p:cNvSpPr txBox="1">
+            <a:spLocks/>
+          </p:cNvSpPr>
+          <p:nvPr/>
+        </p:nvSpPr>
+        <p:spPr>
+          <a:xfrm>
+            <a:off x="5354261" y="4814289"/>
+            <a:ext cx="1578908" cy="1105991"/>
+          </a:xfrm>
+          <a:prstGeom prst="rect">
+            <a:avLst/>
+          </a:prstGeom>
+        </p:spPr>
+        <p:txBody>
+          <a:bodyPr vert="horz" lIns="91440" tIns="45720" rIns="91440" bIns="45720" rtlCol="0" anchor="b">
+            <a:normAutofit fontScale="75000" lnSpcReduction="20000"/>
+          </a:bodyPr>
+          <a:lstStyle>
+            <a:lvl1pPr algn="l" defTabSz="914400" rtl="0" eaLnBrk="1" latinLnBrk="0" hangingPunct="1">
+              <a:lnSpc>
+                <a:spcPct val="90000"/>
+              </a:lnSpc>
+              <a:spcBef>
+                <a:spcPct val="0"/>
+              </a:spcBef>
+              <a:buNone/>
+              <a:defRPr sz="3600" kern="1200" spc="-60" baseline="0">
+                <a:solidFill>
+                  <a:srgbClr val="FFFFFF"/>
+                </a:solidFill>
+                <a:latin typeface="+mj-lt"/>
+                <a:ea typeface="+mj-ea"/>
+                <a:cs typeface="+mj-cs"/>
+              </a:defRPr>
+            </a:lvl1pPr>
+          </a:lstStyle>
+          <a:p>
+            <a:pPr algn="ctr"/>
+            <a:r>
+              <a:rPr lang="en-US" sz="3100" b="1" spc="-100" dirty="0">
+                <a:solidFill>
+                  <a:schemeClr val="bg1"/>
+                </a:solidFill>
+              </a:rPr>
+              <a:t>Julian Haas</a:t>
+            </a:r>
+            <a:br>
+              <a:rPr lang="en-US" sz="3100" b="1" spc="-100" dirty="0">
+                <a:solidFill>
+                  <a:schemeClr val="bg1"/>
+                </a:solidFill>
+              </a:rPr>
+            </a:br>
+            <a:endParaRPr lang="en-US" sz="3100" b="1" spc="-100" dirty="0">
+              <a:solidFill>
+                <a:schemeClr val="bg1"/>
+              </a:solidFill>
+            </a:endParaRPr>
+          </a:p>
+          <a:p>
+            <a:pPr algn="ctr"/>
+            <a:r>
+              <a:rPr lang="en-US" sz="2700" b="1" spc="-100" dirty="0">
+                <a:solidFill>
+                  <a:schemeClr val="bg1"/>
+                </a:solidFill>
+              </a:rPr>
+              <a:t> </a:t>
+            </a:r>
+            <a:r>
+              <a:rPr lang="en-US" sz="2700" b="1" spc="-100" dirty="0" err="1">
+                <a:solidFill>
+                  <a:schemeClr val="bg1"/>
+                </a:solidFill>
+              </a:rPr>
+              <a:t>Animationen</a:t>
+            </a:r>
+            <a:r>
+              <a:rPr lang="en-US" sz="2700" b="1" spc="-100" dirty="0">
+                <a:solidFill>
+                  <a:schemeClr val="bg1"/>
+                </a:solidFill>
+              </a:rPr>
+              <a:t>  Backend</a:t>
+            </a:r>
+          </a:p>
+        </p:txBody>
+      </p:sp>
+      <p:sp>
+        <p:nvSpPr>
+          <p:cNvPr id="31" name="Titel 1">
+            <a:extLst>
+              <a:ext uri="{FF2B5EF4-FFF2-40B4-BE49-F238E27FC236}">
+                <a16:creationId xmlns:a16="http://schemas.microsoft.com/office/drawing/2014/main" id="{D84E3F59-DD13-AA40-8450-EB4EC53AA966}"/>
+              </a:ext>
+            </a:extLst>
+          </p:cNvPr>
+          <p:cNvSpPr txBox="1">
+            <a:spLocks/>
+          </p:cNvSpPr>
+          <p:nvPr/>
+        </p:nvSpPr>
+        <p:spPr>
+          <a:xfrm>
+            <a:off x="7428741" y="4814290"/>
+            <a:ext cx="1958050" cy="908699"/>
+          </a:xfrm>
+          <a:prstGeom prst="rect">
+            <a:avLst/>
+          </a:prstGeom>
+        </p:spPr>
+        <p:txBody>
+          <a:bodyPr vert="horz" lIns="91440" tIns="45720" rIns="91440" bIns="45720" rtlCol="0" anchor="b">
+            <a:normAutofit fontScale="97500" lnSpcReduction="10000"/>
+          </a:bodyPr>
+          <a:lstStyle>
+            <a:lvl1pPr algn="l" defTabSz="914400" rtl="0" eaLnBrk="1" latinLnBrk="0" hangingPunct="1">
+              <a:lnSpc>
+                <a:spcPct val="90000"/>
+              </a:lnSpc>
+              <a:spcBef>
+                <a:spcPct val="0"/>
+              </a:spcBef>
+              <a:buNone/>
+              <a:defRPr sz="3600" kern="1200" spc="-60" baseline="0">
+                <a:solidFill>
+                  <a:srgbClr val="FFFFFF"/>
+                </a:solidFill>
+                <a:latin typeface="+mj-lt"/>
+                <a:ea typeface="+mj-ea"/>
+                <a:cs typeface="+mj-cs"/>
+              </a:defRPr>
+            </a:lvl1pPr>
+          </a:lstStyle>
+          <a:p>
+            <a:pPr algn="ctr"/>
+            <a:r>
+              <a:rPr lang="en-US" sz="2400" b="1" spc="-100" dirty="0">
+                <a:solidFill>
+                  <a:schemeClr val="bg1"/>
+                </a:solidFill>
+              </a:rPr>
+              <a:t>Stephan </a:t>
+            </a:r>
+            <a:r>
+              <a:rPr lang="en-US" sz="2400" b="1" spc="-100" dirty="0" err="1">
+                <a:solidFill>
+                  <a:schemeClr val="bg1"/>
+                </a:solidFill>
+              </a:rPr>
+              <a:t>Herbe</a:t>
+            </a:r>
+            <a:endParaRPr lang="en-US" sz="2400" b="1" spc="-100" dirty="0">
+              <a:solidFill>
+                <a:schemeClr val="bg1"/>
+              </a:solidFill>
+            </a:endParaRPr>
+          </a:p>
+          <a:p>
+            <a:pPr algn="ctr"/>
+            <a:endParaRPr lang="en-US" sz="2400" b="1" spc="-100" dirty="0">
+              <a:solidFill>
+                <a:schemeClr val="bg1"/>
+              </a:solidFill>
+            </a:endParaRPr>
+          </a:p>
+          <a:p>
+            <a:pPr algn="ctr"/>
+            <a:r>
+              <a:rPr lang="en-US" sz="2100" b="1" spc="-100" dirty="0">
+                <a:solidFill>
+                  <a:schemeClr val="bg1"/>
+                </a:solidFill>
+              </a:rPr>
+              <a:t>Frontend</a:t>
+            </a:r>
+          </a:p>
+        </p:txBody>
+      </p:sp>
+      <p:sp>
+        <p:nvSpPr>
+          <p:cNvPr id="32" name="Titel 1">
+            <a:extLst>
+              <a:ext uri="{FF2B5EF4-FFF2-40B4-BE49-F238E27FC236}">
+                <a16:creationId xmlns:a16="http://schemas.microsoft.com/office/drawing/2014/main" id="{0A4473AB-DD8A-2246-9526-8BA8E275EF38}"/>
+              </a:ext>
+            </a:extLst>
+          </p:cNvPr>
+          <p:cNvSpPr txBox="1">
+            <a:spLocks/>
+          </p:cNvSpPr>
+          <p:nvPr/>
+        </p:nvSpPr>
+        <p:spPr>
+          <a:xfrm>
+            <a:off x="9682900" y="4814290"/>
+            <a:ext cx="1958050" cy="908699"/>
+          </a:xfrm>
+          <a:prstGeom prst="rect">
+            <a:avLst/>
+          </a:prstGeom>
+        </p:spPr>
+        <p:txBody>
+          <a:bodyPr vert="horz" lIns="91440" tIns="45720" rIns="91440" bIns="45720" rtlCol="0" anchor="b">
+            <a:normAutofit fontScale="97500" lnSpcReduction="10000"/>
+          </a:bodyPr>
+          <a:lstStyle>
+            <a:lvl1pPr algn="l" defTabSz="914400" rtl="0" eaLnBrk="1" latinLnBrk="0" hangingPunct="1">
+              <a:lnSpc>
+                <a:spcPct val="90000"/>
+              </a:lnSpc>
+              <a:spcBef>
+                <a:spcPct val="0"/>
+              </a:spcBef>
+              <a:buNone/>
+              <a:defRPr sz="3600" kern="1200" spc="-60" baseline="0">
+                <a:solidFill>
+                  <a:srgbClr val="FFFFFF"/>
+                </a:solidFill>
+                <a:latin typeface="+mj-lt"/>
+                <a:ea typeface="+mj-ea"/>
+                <a:cs typeface="+mj-cs"/>
+              </a:defRPr>
+            </a:lvl1pPr>
+          </a:lstStyle>
+          <a:p>
+            <a:pPr algn="ctr"/>
+            <a:r>
+              <a:rPr lang="en-US" sz="2400" b="1" spc="-100" dirty="0">
+                <a:solidFill>
+                  <a:schemeClr val="bg1"/>
+                </a:solidFill>
+              </a:rPr>
+              <a:t>Moritz </a:t>
+            </a:r>
+            <a:r>
+              <a:rPr lang="en-US" sz="2400" b="1" spc="-100" dirty="0" err="1">
+                <a:solidFill>
+                  <a:schemeClr val="bg1"/>
+                </a:solidFill>
+              </a:rPr>
+              <a:t>Weibold</a:t>
+            </a:r>
+            <a:endParaRPr lang="en-US" sz="2400" b="1" spc="-100" dirty="0">
+              <a:solidFill>
+                <a:schemeClr val="bg1"/>
+              </a:solidFill>
+            </a:endParaRPr>
+          </a:p>
+          <a:p>
+            <a:pPr algn="ctr"/>
+            <a:endParaRPr lang="en-US" sz="2400" b="1" spc="-100" dirty="0">
+              <a:solidFill>
+                <a:schemeClr val="bg1"/>
+              </a:solidFill>
+            </a:endParaRPr>
+          </a:p>
+          <a:p>
+            <a:pPr algn="ctr"/>
+            <a:r>
+              <a:rPr lang="en-US" sz="2100" b="1" spc="-100" dirty="0">
+                <a:solidFill>
+                  <a:schemeClr val="bg1"/>
+                </a:solidFill>
+              </a:rPr>
+              <a:t>Frontend</a:t>
+            </a:r>
+          </a:p>
+        </p:txBody>
+      </p:sp>
+      <p:sp>
+        <p:nvSpPr>
+          <p:cNvPr id="37" name="Wolke 36">
+            <a:extLst>
+              <a:ext uri="{FF2B5EF4-FFF2-40B4-BE49-F238E27FC236}">
+                <a16:creationId xmlns:a16="http://schemas.microsoft.com/office/drawing/2014/main" id="{24656458-3573-9941-A0B4-FA0C528F5F6A}"/>
+              </a:ext>
+            </a:extLst>
+          </p:cNvPr>
+          <p:cNvSpPr/>
+          <p:nvPr/>
+        </p:nvSpPr>
+        <p:spPr>
+          <a:xfrm>
+            <a:off x="10557069" y="-1479881"/>
+            <a:ext cx="3729497" cy="3211032"/>
+          </a:xfrm>
+          <a:prstGeom prst="cloud">
+            <a:avLst/>
+          </a:prstGeom>
+          <a:solidFill>
+            <a:schemeClr val="bg1"/>
+          </a:solidFill>
+        </p:spPr>
+        <p:style>
+          <a:lnRef idx="2">
+            <a:schemeClr val="accent1">
+              <a:shade val="50000"/>
+            </a:schemeClr>
+          </a:lnRef>
+          <a:fillRef idx="1">
+            <a:schemeClr val="accent1"/>
+          </a:fillRef>
+          <a:effectRef idx="0">
+            <a:schemeClr val="accent1"/>
+          </a:effectRef>
+          <a:fontRef idx="minor">
+            <a:schemeClr val="lt1"/>
+          </a:fontRef>
+        </p:style>
+        <p:txBody>
+          <a:bodyPr rtlCol="0" anchor="ctr"/>
+          <a:lstStyle/>
+          <a:p>
+            <a:pPr algn="ctr"/>
+            <a:endParaRPr lang="de-DE"/>
+          </a:p>
+        </p:txBody>
+      </p:sp>
+      <p:sp>
+        <p:nvSpPr>
+          <p:cNvPr id="38" name="Wolke 37">
+            <a:extLst>
+              <a:ext uri="{FF2B5EF4-FFF2-40B4-BE49-F238E27FC236}">
+                <a16:creationId xmlns:a16="http://schemas.microsoft.com/office/drawing/2014/main" id="{710503B2-8E41-9E42-9E4D-F4BCAEA29B8E}"/>
+              </a:ext>
+            </a:extLst>
+          </p:cNvPr>
+          <p:cNvSpPr/>
+          <p:nvPr/>
+        </p:nvSpPr>
+        <p:spPr>
+          <a:xfrm>
+            <a:off x="-2284608" y="5920280"/>
+            <a:ext cx="3895038" cy="3211032"/>
+          </a:xfrm>
+          <a:prstGeom prst="cloud">
+            <a:avLst/>
+          </a:prstGeom>
+          <a:solidFill>
+            <a:schemeClr val="bg1"/>
+          </a:solidFill>
+        </p:spPr>
+        <p:style>
+          <a:lnRef idx="2">
+            <a:schemeClr val="accent1">
+              <a:shade val="50000"/>
+            </a:schemeClr>
+          </a:lnRef>
+          <a:fillRef idx="1">
+            <a:schemeClr val="accent1"/>
+          </a:fillRef>
+          <a:effectRef idx="0">
+            <a:schemeClr val="accent1"/>
+          </a:effectRef>
+          <a:fontRef idx="minor">
+            <a:schemeClr val="lt1"/>
+          </a:fontRef>
+        </p:style>
+        <p:txBody>
+          <a:bodyPr rtlCol="0" anchor="ctr"/>
+          <a:lstStyle/>
+          <a:p>
+            <a:pPr algn="ctr"/>
+            <a:endParaRPr lang="de-DE"/>
           </a:p>
         </p:txBody>
       </p:sp>
     </p:spTree>
     <p:extLst>
       <p:ext uri="{BB962C8B-B14F-4D97-AF65-F5344CB8AC3E}">
-        <p14:creationId xmlns:p14="http://schemas.microsoft.com/office/powerpoint/2010/main" val="2571870553"/>
+        <p14:creationId xmlns:p14="http://schemas.microsoft.com/office/powerpoint/2010/main" val="3232779718"/>
       </p:ext>
     </p:extLst>
   </p:cSld>
@@ -4575,10 +5480,10 @@
       </p:grpSpPr>
       <p:sp>
         <p:nvSpPr>
-          <p:cNvPr id="15" name="Rectangle 14">
+          <p:cNvPr id="10" name="Rectangle 9">
             <a:extLst>
               <a:ext uri="{FF2B5EF4-FFF2-40B4-BE49-F238E27FC236}">
-                <a16:creationId xmlns:a16="http://schemas.microsoft.com/office/drawing/2014/main" id="{C162DF2A-64D1-4AA9-BA42-8A4063EADE09}"/>
+                <a16:creationId xmlns:a16="http://schemas.microsoft.com/office/drawing/2014/main" id="{DB8424AB-D56B-4256-866A-5B54DE93C20F}"/>
               </a:ext>
               <a:ext uri="{C183D7F6-B498-43B3-948B-1728B52AA6E4}">
                 <adec:decorative xmlns:adec="http://schemas.microsoft.com/office/drawing/2017/decorative" val="1"/>
@@ -4630,10 +5535,10 @@
       </p:sp>
       <p:sp>
         <p:nvSpPr>
-          <p:cNvPr id="17" name="Rectangle 16">
+          <p:cNvPr id="12" name="Rectangle 11">
             <a:extLst>
               <a:ext uri="{FF2B5EF4-FFF2-40B4-BE49-F238E27FC236}">
-                <a16:creationId xmlns:a16="http://schemas.microsoft.com/office/drawing/2014/main" id="{5D7C1373-63AF-4A75-909E-990E05356670}"/>
+                <a16:creationId xmlns:a16="http://schemas.microsoft.com/office/drawing/2014/main" id="{FC999C28-AD33-4EB7-A5F1-C06D10A5FDF7}"/>
               </a:ext>
               <a:ext uri="{C183D7F6-B498-43B3-948B-1728B52AA6E4}">
                 <adec:decorative xmlns:adec="http://schemas.microsoft.com/office/drawing/2017/decorative" val="1"/>
@@ -4687,10 +5592,10 @@
       </p:sp>
       <p:sp useBgFill="1">
         <p:nvSpPr>
-          <p:cNvPr id="19" name="Rectangle 18">
+          <p:cNvPr id="14" name="Rectangle 13">
             <a:extLst>
               <a:ext uri="{FF2B5EF4-FFF2-40B4-BE49-F238E27FC236}">
-                <a16:creationId xmlns:a16="http://schemas.microsoft.com/office/drawing/2014/main" id="{5BDAAE7A-177F-4691-8F07-36CBBA6113AB}"/>
+                <a16:creationId xmlns:a16="http://schemas.microsoft.com/office/drawing/2014/main" id="{0864E5C9-52C9-4572-AC75-548B9B9C2648}"/>
               </a:ext>
               <a:ext uri="{C183D7F6-B498-43B3-948B-1728B52AA6E4}">
                 <adec:decorative xmlns:adec="http://schemas.microsoft.com/office/drawing/2017/decorative" val="1"/>
@@ -4710,8 +5615,8 @@
         </p:nvSpPr>
         <p:spPr>
           <a:xfrm>
-            <a:off x="1790" y="0"/>
-            <a:ext cx="12192000" cy="6858000"/>
+            <a:off x="0" y="0"/>
+            <a:ext cx="12191999" cy="6858000"/>
           </a:xfrm>
           <a:prstGeom prst="rect">
             <a:avLst/>
@@ -4741,16 +5646,16 @@
           <a:lstStyle/>
           <a:p>
             <a:pPr algn="ctr"/>
-            <a:endParaRPr lang="en-US" dirty="0"/>
-          </a:p>
-        </p:txBody>
-      </p:sp>
-      <p:sp>
-        <p:nvSpPr>
-          <p:cNvPr id="21" name="Rectangle 20">
+            <a:endParaRPr lang="en-US"/>
+          </a:p>
+        </p:txBody>
+      </p:sp>
+      <p:sp>
+        <p:nvSpPr>
+          <p:cNvPr id="16" name="Rectangle 15">
             <a:extLst>
               <a:ext uri="{FF2B5EF4-FFF2-40B4-BE49-F238E27FC236}">
-                <a16:creationId xmlns:a16="http://schemas.microsoft.com/office/drawing/2014/main" id="{5BF82D1D-28BC-4216-A1EA-F7D9C6D1AA82}"/>
+                <a16:creationId xmlns:a16="http://schemas.microsoft.com/office/drawing/2014/main" id="{45CC6500-4DBD-4C34-BC14-2387FB483BEB}"/>
               </a:ext>
               <a:ext uri="{C183D7F6-B498-43B3-948B-1728B52AA6E4}">
                 <adec:decorative xmlns:adec="http://schemas.microsoft.com/office/drawing/2017/decorative" val="1"/>
@@ -4770,8 +5675,8 @@
         </p:nvSpPr>
         <p:spPr>
           <a:xfrm>
-            <a:off x="0" y="761999"/>
-            <a:ext cx="1286934" cy="5334001"/>
+            <a:off x="1" y="761999"/>
+            <a:ext cx="4642228" cy="5334001"/>
           </a:xfrm>
           <a:prstGeom prst="rect">
             <a:avLst/>
@@ -4802,75 +5707,90 @@
       </p:sp>
       <p:sp>
         <p:nvSpPr>
-          <p:cNvPr id="23" name="Rectangle 22">
+          <p:cNvPr id="2" name="Titel 1">
             <a:extLst>
               <a:ext uri="{FF2B5EF4-FFF2-40B4-BE49-F238E27FC236}">
-                <a16:creationId xmlns:a16="http://schemas.microsoft.com/office/drawing/2014/main" id="{60A1DC48-C242-4442-822C-570436B809FC}"/>
-              </a:ext>
-              <a:ext uri="{C183D7F6-B498-43B3-948B-1728B52AA6E4}">
-                <adec:decorative xmlns:adec="http://schemas.microsoft.com/office/drawing/2017/decorative" val="1"/>
+                <a16:creationId xmlns:a16="http://schemas.microsoft.com/office/drawing/2014/main" id="{721F23DF-5CED-3144-8A0D-7673299CEC94}"/>
               </a:ext>
             </a:extLst>
           </p:cNvPr>
           <p:cNvSpPr>
-            <a:spLocks noGrp="1" noRot="1" noChangeAspect="1" noMove="1" noResize="1" noEditPoints="1" noAdjustHandles="1" noChangeArrowheads="1" noChangeShapeType="1" noTextEdit="1"/>
-          </p:cNvSpPr>
-          <p:nvPr>
-            <p:extLst>
-              <p:ext uri="{386F3935-93C4-4BCD-93E2-E3B085C9AB24}">
-                <p16:designElem xmlns:p16="http://schemas.microsoft.com/office/powerpoint/2015/main" val="1"/>
-              </p:ext>
-            </p:extLst>
-          </p:nvPr>
-        </p:nvSpPr>
-        <p:spPr>
-          <a:xfrm>
-            <a:off x="11685778" y="767825"/>
-            <a:ext cx="508012" cy="5328173"/>
-          </a:xfrm>
-          <a:prstGeom prst="rect">
-            <a:avLst/>
-          </a:prstGeom>
-          <a:solidFill>
-            <a:srgbClr val="C8C8C8">
-              <a:alpha val="50000"/>
-            </a:srgbClr>
-          </a:solidFill>
-          <a:ln>
-            <a:noFill/>
-          </a:ln>
-        </p:spPr>
-        <p:style>
-          <a:lnRef idx="2">
-            <a:schemeClr val="accent1">
-              <a:shade val="50000"/>
-            </a:schemeClr>
-          </a:lnRef>
-          <a:fillRef idx="1">
-            <a:schemeClr val="accent1"/>
-          </a:fillRef>
-          <a:effectRef idx="0">
-            <a:schemeClr val="accent1"/>
-          </a:effectRef>
-          <a:fontRef idx="minor">
-            <a:schemeClr val="lt1"/>
-          </a:fontRef>
-        </p:style>
-        <p:txBody>
-          <a:bodyPr rtlCol="0" anchor="ctr"/>
-          <a:lstStyle/>
-          <a:p>
-            <a:pPr algn="ctr"/>
-            <a:endParaRPr lang="en-US"/>
+            <a:spLocks noGrp="1"/>
+          </p:cNvSpPr>
+          <p:nvPr>
+            <p:ph type="title"/>
+          </p:nvPr>
+        </p:nvSpPr>
+        <p:spPr>
+          <a:xfrm>
+            <a:off x="1069849" y="1298448"/>
+            <a:ext cx="3258688" cy="3255264"/>
+          </a:xfrm>
+        </p:spPr>
+        <p:txBody>
+          <a:bodyPr vert="horz" lIns="91440" tIns="45720" rIns="91440" bIns="45720" rtlCol="0" anchor="b">
+            <a:normAutofit/>
+          </a:bodyPr>
+          <a:lstStyle/>
+          <a:p>
+            <a:r>
+              <a:rPr lang="en-US" sz="3200" spc="-100"/>
+              <a:t>Arbeitsverteilung</a:t>
+            </a:r>
+          </a:p>
+        </p:txBody>
+      </p:sp>
+      <p:sp>
+        <p:nvSpPr>
+          <p:cNvPr id="3" name="Inhaltsplatzhalter 2">
+            <a:extLst>
+              <a:ext uri="{FF2B5EF4-FFF2-40B4-BE49-F238E27FC236}">
+                <a16:creationId xmlns:a16="http://schemas.microsoft.com/office/drawing/2014/main" id="{6DF8BC9F-B3FD-D94B-AD6E-E7FD19CE5A24}"/>
+              </a:ext>
+            </a:extLst>
+          </p:cNvPr>
+          <p:cNvSpPr>
+            <a:spLocks noGrp="1"/>
+          </p:cNvSpPr>
+          <p:nvPr>
+            <p:ph idx="1"/>
+          </p:nvPr>
+        </p:nvSpPr>
+        <p:spPr>
+          <a:xfrm>
+            <a:off x="1100015" y="4670246"/>
+            <a:ext cx="3228521" cy="914400"/>
+          </a:xfrm>
+        </p:spPr>
+        <p:txBody>
+          <a:bodyPr vert="horz" lIns="91440" tIns="45720" rIns="91440" bIns="45720" rtlCol="0" anchor="t">
+            <a:normAutofit/>
+          </a:bodyPr>
+          <a:lstStyle/>
+          <a:p>
+            <a:pPr marL="0" indent="0">
+              <a:buNone/>
+            </a:pPr>
+            <a:r>
+              <a:rPr lang="en-US" sz="2200">
+                <a:solidFill>
+                  <a:schemeClr val="accent1">
+                    <a:lumMod val="20000"/>
+                    <a:lumOff val="80000"/>
+                  </a:schemeClr>
+                </a:solidFill>
+              </a:rPr>
+              <a:t>Grafik zu Arbeitsstunden und Commits</a:t>
+            </a:r>
           </a:p>
         </p:txBody>
       </p:sp>
       <p:pic>
         <p:nvPicPr>
-          <p:cNvPr id="12" name="Grafik 11">
+          <p:cNvPr id="5" name="Grafik 4" descr="Balkendiagramm">
             <a:extLst>
               <a:ext uri="{FF2B5EF4-FFF2-40B4-BE49-F238E27FC236}">
-                <a16:creationId xmlns:a16="http://schemas.microsoft.com/office/drawing/2014/main" id="{3359FEF3-EF06-284A-8F16-E5DDD0F36618}"/>
+                <a16:creationId xmlns:a16="http://schemas.microsoft.com/office/drawing/2014/main" id="{82BD5DA6-0C8C-DA43-AAE6-9C72F5CC7744}"/>
               </a:ext>
             </a:extLst>
           </p:cNvPr>
@@ -4880,15 +5800,21 @@
           <p:nvPr/>
         </p:nvPicPr>
         <p:blipFill>
-          <a:blip r:embed="rId2"/>
+          <a:blip r:embed="rId2">
+            <a:extLst>
+              <a:ext uri="{96DAC541-7B7A-43D3-8B79-37D633B846F1}">
+                <asvg:svgBlip xmlns:asvg="http://schemas.microsoft.com/office/drawing/2016/SVG/main" r:embed="rId3"/>
+              </a:ext>
+            </a:extLst>
+          </a:blip>
           <a:stretch>
             <a:fillRect/>
           </a:stretch>
         </p:blipFill>
         <p:spPr>
           <a:xfrm>
-            <a:off x="0" y="-4636"/>
-            <a:ext cx="12293174" cy="6862636"/>
+            <a:off x="5638950" y="759599"/>
+            <a:ext cx="5330650" cy="5330650"/>
           </a:xfrm>
           <a:prstGeom prst="rect">
             <a:avLst/>
@@ -4897,66 +5823,43 @@
       </p:pic>
       <p:sp>
         <p:nvSpPr>
-          <p:cNvPr id="20" name="Titel 1">
+          <p:cNvPr id="18" name="Rectangle 17">
             <a:extLst>
               <a:ext uri="{FF2B5EF4-FFF2-40B4-BE49-F238E27FC236}">
-                <a16:creationId xmlns:a16="http://schemas.microsoft.com/office/drawing/2014/main" id="{5079EB90-93AC-EC41-9A99-FD875851EC51}"/>
+                <a16:creationId xmlns:a16="http://schemas.microsoft.com/office/drawing/2014/main" id="{4E34A3B6-BAD2-4156-BDC6-4736248BFDE0}"/>
+              </a:ext>
+              <a:ext uri="{C183D7F6-B498-43B3-948B-1728B52AA6E4}">
+                <adec:decorative xmlns:adec="http://schemas.microsoft.com/office/drawing/2017/decorative" val="1"/>
               </a:ext>
             </a:extLst>
           </p:cNvPr>
           <p:cNvSpPr>
-            <a:spLocks noGrp="1"/>
-          </p:cNvSpPr>
-          <p:nvPr>
-            <p:ph type="title"/>
-          </p:nvPr>
-        </p:nvSpPr>
-        <p:spPr>
-          <a:xfrm>
-            <a:off x="4321738" y="680278"/>
-            <a:ext cx="3548523" cy="1048512"/>
-          </a:xfrm>
-        </p:spPr>
-        <p:txBody>
-          <a:bodyPr vert="horz" lIns="91440" tIns="45720" rIns="91440" bIns="45720" rtlCol="0" anchor="b">
-            <a:normAutofit fontScale="90000"/>
-          </a:bodyPr>
-          <a:lstStyle/>
-          <a:p>
-            <a:r>
-              <a:rPr lang="en-US" sz="7200" b="1" spc="-100" dirty="0">
-                <a:solidFill>
-                  <a:schemeClr val="bg1"/>
-                </a:solidFill>
-              </a:rPr>
-              <a:t>Das Team</a:t>
-            </a:r>
-          </a:p>
-        </p:txBody>
-      </p:sp>
-      <p:sp>
-        <p:nvSpPr>
-          <p:cNvPr id="16" name="Oval 15">
-            <a:extLst>
-              <a:ext uri="{FF2B5EF4-FFF2-40B4-BE49-F238E27FC236}">
-                <a16:creationId xmlns:a16="http://schemas.microsoft.com/office/drawing/2014/main" id="{E672CD5F-4DC9-C144-8AA5-7229109DB33F}"/>
-              </a:ext>
-            </a:extLst>
-          </p:cNvPr>
-          <p:cNvSpPr/>
-          <p:nvPr/>
-        </p:nvSpPr>
-        <p:spPr>
-          <a:xfrm>
-            <a:off x="768930" y="2750198"/>
-            <a:ext cx="1690111" cy="1690111"/>
-          </a:xfrm>
-          <a:prstGeom prst="ellipse">
+            <a:spLocks noGrp="1" noRot="1" noChangeAspect="1" noMove="1" noResize="1" noEditPoints="1" noAdjustHandles="1" noChangeArrowheads="1" noChangeShapeType="1" noTextEdit="1"/>
+          </p:cNvSpPr>
+          <p:nvPr>
+            <p:extLst>
+              <p:ext uri="{386F3935-93C4-4BCD-93E2-E3B085C9AB24}">
+                <p16:designElem xmlns:p16="http://schemas.microsoft.com/office/powerpoint/2015/main" val="1"/>
+              </p:ext>
+            </p:extLst>
+          </p:nvPr>
+        </p:nvSpPr>
+        <p:spPr>
+          <a:xfrm>
+            <a:off x="11815864" y="758952"/>
+            <a:ext cx="384048" cy="5330952"/>
+          </a:xfrm>
+          <a:prstGeom prst="rect">
             <a:avLst/>
           </a:prstGeom>
           <a:solidFill>
-            <a:schemeClr val="bg1"/>
+            <a:srgbClr val="C8C8C8">
+              <a:alpha val="49804"/>
+            </a:srgbClr>
           </a:solidFill>
+          <a:ln>
+            <a:noFill/>
+          </a:ln>
         </p:spPr>
         <p:style>
           <a:lnRef idx="2">
@@ -4974,782 +5877,11 @@
             <a:schemeClr val="lt1"/>
           </a:fontRef>
         </p:style>
-        <p:txBody>
-          <a:bodyPr rtlCol="0" anchor="ctr"/>
-          <a:lstStyle/>
-          <a:p>
-            <a:pPr algn="ctr"/>
-            <a:endParaRPr lang="de-DE"/>
-          </a:p>
-        </p:txBody>
-      </p:sp>
-      <p:sp>
-        <p:nvSpPr>
-          <p:cNvPr id="22" name="Oval 21">
-            <a:extLst>
-              <a:ext uri="{FF2B5EF4-FFF2-40B4-BE49-F238E27FC236}">
-                <a16:creationId xmlns:a16="http://schemas.microsoft.com/office/drawing/2014/main" id="{476EC5B8-1CC6-5A40-B4AC-6A51155FB5A6}"/>
-              </a:ext>
-            </a:extLst>
-          </p:cNvPr>
-          <p:cNvSpPr/>
-          <p:nvPr/>
-        </p:nvSpPr>
-        <p:spPr>
-          <a:xfrm>
-            <a:off x="3034609" y="2750196"/>
-            <a:ext cx="1690111" cy="1690111"/>
-          </a:xfrm>
-          <a:prstGeom prst="ellipse">
-            <a:avLst/>
-          </a:prstGeom>
-          <a:solidFill>
-            <a:schemeClr val="bg1"/>
-          </a:solidFill>
-        </p:spPr>
-        <p:style>
-          <a:lnRef idx="2">
-            <a:schemeClr val="accent1">
-              <a:shade val="50000"/>
-            </a:schemeClr>
-          </a:lnRef>
-          <a:fillRef idx="1">
-            <a:schemeClr val="accent1"/>
-          </a:fillRef>
-          <a:effectRef idx="0">
-            <a:schemeClr val="accent1"/>
-          </a:effectRef>
-          <a:fontRef idx="minor">
-            <a:schemeClr val="lt1"/>
-          </a:fontRef>
-        </p:style>
-        <p:txBody>
-          <a:bodyPr rtlCol="0" anchor="ctr"/>
-          <a:lstStyle/>
-          <a:p>
-            <a:pPr algn="ctr"/>
-            <a:endParaRPr lang="de-DE"/>
-          </a:p>
-        </p:txBody>
-      </p:sp>
-      <p:sp>
-        <p:nvSpPr>
-          <p:cNvPr id="24" name="Oval 23">
-            <a:extLst>
-              <a:ext uri="{FF2B5EF4-FFF2-40B4-BE49-F238E27FC236}">
-                <a16:creationId xmlns:a16="http://schemas.microsoft.com/office/drawing/2014/main" id="{913A2ABD-6A6B-4340-B348-B706E3104CAF}"/>
-              </a:ext>
-            </a:extLst>
-          </p:cNvPr>
-          <p:cNvSpPr/>
-          <p:nvPr/>
-        </p:nvSpPr>
-        <p:spPr>
-          <a:xfrm>
-            <a:off x="5300288" y="2776100"/>
-            <a:ext cx="1690111" cy="1690111"/>
-          </a:xfrm>
-          <a:prstGeom prst="ellipse">
-            <a:avLst/>
-          </a:prstGeom>
-          <a:solidFill>
-            <a:schemeClr val="bg1"/>
-          </a:solidFill>
-        </p:spPr>
-        <p:style>
-          <a:lnRef idx="2">
-            <a:schemeClr val="accent1">
-              <a:shade val="50000"/>
-            </a:schemeClr>
-          </a:lnRef>
-          <a:fillRef idx="1">
-            <a:schemeClr val="accent1"/>
-          </a:fillRef>
-          <a:effectRef idx="0">
-            <a:schemeClr val="accent1"/>
-          </a:effectRef>
-          <a:fontRef idx="minor">
-            <a:schemeClr val="lt1"/>
-          </a:fontRef>
-        </p:style>
-        <p:txBody>
-          <a:bodyPr rtlCol="0" anchor="ctr"/>
-          <a:lstStyle/>
-          <a:p>
-            <a:pPr algn="ctr"/>
-            <a:endParaRPr lang="de-DE"/>
-          </a:p>
-        </p:txBody>
-      </p:sp>
-      <p:sp>
-        <p:nvSpPr>
-          <p:cNvPr id="25" name="Oval 24">
-            <a:extLst>
-              <a:ext uri="{FF2B5EF4-FFF2-40B4-BE49-F238E27FC236}">
-                <a16:creationId xmlns:a16="http://schemas.microsoft.com/office/drawing/2014/main" id="{322B8243-F9CD-5642-B1FF-D13D629E2261}"/>
-              </a:ext>
-            </a:extLst>
-          </p:cNvPr>
-          <p:cNvSpPr/>
-          <p:nvPr/>
-        </p:nvSpPr>
-        <p:spPr>
-          <a:xfrm>
-            <a:off x="7565967" y="2750195"/>
-            <a:ext cx="1690111" cy="1690111"/>
-          </a:xfrm>
-          <a:prstGeom prst="ellipse">
-            <a:avLst/>
-          </a:prstGeom>
-          <a:solidFill>
-            <a:schemeClr val="bg1"/>
-          </a:solidFill>
-        </p:spPr>
-        <p:style>
-          <a:lnRef idx="2">
-            <a:schemeClr val="accent1">
-              <a:shade val="50000"/>
-            </a:schemeClr>
-          </a:lnRef>
-          <a:fillRef idx="1">
-            <a:schemeClr val="accent1"/>
-          </a:fillRef>
-          <a:effectRef idx="0">
-            <a:schemeClr val="accent1"/>
-          </a:effectRef>
-          <a:fontRef idx="minor">
-            <a:schemeClr val="lt1"/>
-          </a:fontRef>
-        </p:style>
-        <p:txBody>
-          <a:bodyPr rtlCol="0" anchor="ctr"/>
-          <a:lstStyle/>
-          <a:p>
-            <a:pPr algn="ctr"/>
-            <a:endParaRPr lang="de-DE"/>
-          </a:p>
-        </p:txBody>
-      </p:sp>
-      <p:sp>
-        <p:nvSpPr>
-          <p:cNvPr id="27" name="Oval 26">
-            <a:extLst>
-              <a:ext uri="{FF2B5EF4-FFF2-40B4-BE49-F238E27FC236}">
-                <a16:creationId xmlns:a16="http://schemas.microsoft.com/office/drawing/2014/main" id="{58FD0DB1-BA8C-9840-8E16-8F57D5B0A163}"/>
-              </a:ext>
-            </a:extLst>
-          </p:cNvPr>
-          <p:cNvSpPr/>
-          <p:nvPr/>
-        </p:nvSpPr>
-        <p:spPr>
-          <a:xfrm>
-            <a:off x="9816870" y="2776100"/>
-            <a:ext cx="1690111" cy="1690111"/>
-          </a:xfrm>
-          <a:prstGeom prst="ellipse">
-            <a:avLst/>
-          </a:prstGeom>
-          <a:solidFill>
-            <a:schemeClr val="bg1"/>
-          </a:solidFill>
-        </p:spPr>
-        <p:style>
-          <a:lnRef idx="2">
-            <a:schemeClr val="accent1">
-              <a:shade val="50000"/>
-            </a:schemeClr>
-          </a:lnRef>
-          <a:fillRef idx="1">
-            <a:schemeClr val="accent1"/>
-          </a:fillRef>
-          <a:effectRef idx="0">
-            <a:schemeClr val="accent1"/>
-          </a:effectRef>
-          <a:fontRef idx="minor">
-            <a:schemeClr val="lt1"/>
-          </a:fontRef>
-        </p:style>
-        <p:txBody>
-          <a:bodyPr rtlCol="0" anchor="ctr"/>
-          <a:lstStyle/>
-          <a:p>
-            <a:pPr algn="ctr"/>
-            <a:endParaRPr lang="de-DE"/>
-          </a:p>
-        </p:txBody>
-      </p:sp>
-      <p:sp>
-        <p:nvSpPr>
-          <p:cNvPr id="28" name="Titel 1">
-            <a:extLst>
-              <a:ext uri="{FF2B5EF4-FFF2-40B4-BE49-F238E27FC236}">
-                <a16:creationId xmlns:a16="http://schemas.microsoft.com/office/drawing/2014/main" id="{2BDF8157-FA38-0845-9ACE-42D28848285E}"/>
-              </a:ext>
-            </a:extLst>
-          </p:cNvPr>
-          <p:cNvSpPr txBox="1">
-            <a:spLocks/>
-          </p:cNvSpPr>
-          <p:nvPr/>
-        </p:nvSpPr>
-        <p:spPr>
-          <a:xfrm>
-            <a:off x="631405" y="4745873"/>
-            <a:ext cx="1958050" cy="1174408"/>
-          </a:xfrm>
-          <a:prstGeom prst="rect">
-            <a:avLst/>
-          </a:prstGeom>
-        </p:spPr>
-        <p:txBody>
-          <a:bodyPr vert="horz" lIns="91440" tIns="45720" rIns="91440" bIns="45720" rtlCol="0" anchor="b">
-            <a:normAutofit fontScale="97500" lnSpcReduction="10000"/>
-          </a:bodyPr>
-          <a:lstStyle>
-            <a:lvl1pPr algn="l" defTabSz="914400" rtl="0" eaLnBrk="1" latinLnBrk="0" hangingPunct="1">
-              <a:lnSpc>
-                <a:spcPct val="90000"/>
-              </a:lnSpc>
-              <a:spcBef>
-                <a:spcPct val="0"/>
-              </a:spcBef>
-              <a:buNone/>
-              <a:defRPr sz="3600" kern="1200" spc="-60" baseline="0">
-                <a:solidFill>
-                  <a:srgbClr val="FFFFFF"/>
-                </a:solidFill>
-                <a:latin typeface="+mj-lt"/>
-                <a:ea typeface="+mj-ea"/>
-                <a:cs typeface="+mj-cs"/>
-              </a:defRPr>
-            </a:lvl1pPr>
-          </a:lstStyle>
-          <a:p>
-            <a:pPr algn="ctr"/>
-            <a:r>
-              <a:rPr lang="en-US" sz="2400" b="1" spc="-100" dirty="0">
-                <a:solidFill>
-                  <a:schemeClr val="bg1"/>
-                </a:solidFill>
-              </a:rPr>
-              <a:t>Markus Stadler</a:t>
-            </a:r>
-          </a:p>
-          <a:p>
-            <a:pPr algn="ctr"/>
-            <a:endParaRPr lang="en-US" sz="2000" b="1" spc="-100" dirty="0">
-              <a:solidFill>
-                <a:schemeClr val="bg1"/>
-              </a:solidFill>
-            </a:endParaRPr>
-          </a:p>
-          <a:p>
-            <a:pPr algn="ctr"/>
-            <a:r>
-              <a:rPr lang="en-US" sz="2000" b="1" spc="-100" dirty="0">
-                <a:solidFill>
-                  <a:schemeClr val="bg1"/>
-                </a:solidFill>
-              </a:rPr>
-              <a:t>Backend </a:t>
-            </a:r>
-            <a:br>
-              <a:rPr lang="en-US" sz="2000" b="1" spc="-100" dirty="0">
-                <a:solidFill>
-                  <a:schemeClr val="bg1"/>
-                </a:solidFill>
-              </a:rPr>
-            </a:br>
-            <a:r>
-              <a:rPr lang="en-US" sz="2000" b="1" spc="-100" dirty="0" err="1">
-                <a:solidFill>
-                  <a:schemeClr val="bg1"/>
-                </a:solidFill>
-              </a:rPr>
-              <a:t>Keycloak</a:t>
-            </a:r>
-            <a:endParaRPr lang="en-US" sz="2400" b="1" spc="-100" dirty="0">
-              <a:solidFill>
-                <a:schemeClr val="bg1"/>
-              </a:solidFill>
-            </a:endParaRPr>
-          </a:p>
-        </p:txBody>
-      </p:sp>
-      <p:sp>
-        <p:nvSpPr>
-          <p:cNvPr id="29" name="Titel 1">
-            <a:extLst>
-              <a:ext uri="{FF2B5EF4-FFF2-40B4-BE49-F238E27FC236}">
-                <a16:creationId xmlns:a16="http://schemas.microsoft.com/office/drawing/2014/main" id="{EB1B1D0A-FED2-9A4F-925A-F4AEB6214C65}"/>
-              </a:ext>
-            </a:extLst>
-          </p:cNvPr>
-          <p:cNvSpPr txBox="1">
-            <a:spLocks/>
-          </p:cNvSpPr>
-          <p:nvPr/>
-        </p:nvSpPr>
-        <p:spPr>
-          <a:xfrm>
-            <a:off x="2900639" y="4781681"/>
-            <a:ext cx="1958050" cy="941308"/>
-          </a:xfrm>
-          <a:prstGeom prst="rect">
-            <a:avLst/>
-          </a:prstGeom>
-        </p:spPr>
-        <p:txBody>
-          <a:bodyPr vert="horz" lIns="91440" tIns="45720" rIns="91440" bIns="45720" rtlCol="0" anchor="b">
-            <a:normAutofit fontScale="97500" lnSpcReduction="10000"/>
-          </a:bodyPr>
-          <a:lstStyle>
-            <a:lvl1pPr algn="l" defTabSz="914400" rtl="0" eaLnBrk="1" latinLnBrk="0" hangingPunct="1">
-              <a:lnSpc>
-                <a:spcPct val="90000"/>
-              </a:lnSpc>
-              <a:spcBef>
-                <a:spcPct val="0"/>
-              </a:spcBef>
-              <a:buNone/>
-              <a:defRPr sz="3600" kern="1200" spc="-60" baseline="0">
-                <a:solidFill>
-                  <a:srgbClr val="FFFFFF"/>
-                </a:solidFill>
-                <a:latin typeface="+mj-lt"/>
-                <a:ea typeface="+mj-ea"/>
-                <a:cs typeface="+mj-cs"/>
-              </a:defRPr>
-            </a:lvl1pPr>
-          </a:lstStyle>
-          <a:p>
-            <a:pPr algn="ctr"/>
-            <a:r>
-              <a:rPr lang="en-US" sz="2400" b="1" spc="-100" dirty="0">
-                <a:solidFill>
-                  <a:schemeClr val="bg1"/>
-                </a:solidFill>
-              </a:rPr>
-              <a:t>Noah </a:t>
-            </a:r>
-            <a:r>
-              <a:rPr lang="en-US" sz="2400" b="1" spc="-100" dirty="0" err="1">
-                <a:solidFill>
-                  <a:schemeClr val="bg1"/>
-                </a:solidFill>
-              </a:rPr>
-              <a:t>Stallinger</a:t>
-            </a:r>
-            <a:endParaRPr lang="en-US" sz="2400" b="1" spc="-100" dirty="0">
-              <a:solidFill>
-                <a:schemeClr val="bg1"/>
-              </a:solidFill>
-            </a:endParaRPr>
-          </a:p>
-          <a:p>
-            <a:pPr algn="ctr"/>
-            <a:endParaRPr lang="en-US" sz="2400" b="1" spc="-100" dirty="0">
-              <a:solidFill>
-                <a:schemeClr val="bg1"/>
-              </a:solidFill>
-            </a:endParaRPr>
-          </a:p>
-          <a:p>
-            <a:pPr algn="ctr"/>
-            <a:r>
-              <a:rPr lang="en-US" sz="2100" b="1" spc="-100" dirty="0">
-                <a:solidFill>
-                  <a:schemeClr val="bg1"/>
-                </a:solidFill>
-              </a:rPr>
-              <a:t>Frontend</a:t>
-            </a:r>
-          </a:p>
-        </p:txBody>
-      </p:sp>
-      <p:sp>
-        <p:nvSpPr>
-          <p:cNvPr id="30" name="Titel 1">
-            <a:extLst>
-              <a:ext uri="{FF2B5EF4-FFF2-40B4-BE49-F238E27FC236}">
-                <a16:creationId xmlns:a16="http://schemas.microsoft.com/office/drawing/2014/main" id="{DF255AD6-85F1-4744-92B1-7D4BBD40452D}"/>
-              </a:ext>
-            </a:extLst>
-          </p:cNvPr>
-          <p:cNvSpPr txBox="1">
-            <a:spLocks/>
-          </p:cNvSpPr>
-          <p:nvPr/>
-        </p:nvSpPr>
-        <p:spPr>
-          <a:xfrm>
-            <a:off x="5354261" y="4814289"/>
-            <a:ext cx="1578908" cy="1105991"/>
-          </a:xfrm>
-          <a:prstGeom prst="rect">
-            <a:avLst/>
-          </a:prstGeom>
-        </p:spPr>
-        <p:txBody>
-          <a:bodyPr vert="horz" lIns="91440" tIns="45720" rIns="91440" bIns="45720" rtlCol="0" anchor="b">
-            <a:normAutofit fontScale="75000" lnSpcReduction="20000"/>
-          </a:bodyPr>
-          <a:lstStyle>
-            <a:lvl1pPr algn="l" defTabSz="914400" rtl="0" eaLnBrk="1" latinLnBrk="0" hangingPunct="1">
-              <a:lnSpc>
-                <a:spcPct val="90000"/>
-              </a:lnSpc>
-              <a:spcBef>
-                <a:spcPct val="0"/>
-              </a:spcBef>
-              <a:buNone/>
-              <a:defRPr sz="3600" kern="1200" spc="-60" baseline="0">
-                <a:solidFill>
-                  <a:srgbClr val="FFFFFF"/>
-                </a:solidFill>
-                <a:latin typeface="+mj-lt"/>
-                <a:ea typeface="+mj-ea"/>
-                <a:cs typeface="+mj-cs"/>
-              </a:defRPr>
-            </a:lvl1pPr>
-          </a:lstStyle>
-          <a:p>
-            <a:pPr algn="ctr"/>
-            <a:r>
-              <a:rPr lang="en-US" sz="3100" b="1" spc="-100" dirty="0">
-                <a:solidFill>
-                  <a:schemeClr val="bg1"/>
-                </a:solidFill>
-              </a:rPr>
-              <a:t>Julian Haas</a:t>
-            </a:r>
-            <a:br>
-              <a:rPr lang="en-US" sz="3100" b="1" spc="-100" dirty="0">
-                <a:solidFill>
-                  <a:schemeClr val="bg1"/>
-                </a:solidFill>
-              </a:rPr>
-            </a:br>
-            <a:endParaRPr lang="en-US" sz="3100" b="1" spc="-100" dirty="0">
-              <a:solidFill>
-                <a:schemeClr val="bg1"/>
-              </a:solidFill>
-            </a:endParaRPr>
-          </a:p>
-          <a:p>
-            <a:pPr algn="ctr"/>
-            <a:r>
-              <a:rPr lang="en-US" sz="2700" b="1" spc="-100" dirty="0">
-                <a:solidFill>
-                  <a:schemeClr val="bg1"/>
-                </a:solidFill>
-              </a:rPr>
-              <a:t> </a:t>
-            </a:r>
-            <a:r>
-              <a:rPr lang="en-US" sz="2700" b="1" spc="-100" dirty="0" err="1">
-                <a:solidFill>
-                  <a:schemeClr val="bg1"/>
-                </a:solidFill>
-              </a:rPr>
-              <a:t>Animationen</a:t>
-            </a:r>
-            <a:r>
-              <a:rPr lang="en-US" sz="2700" b="1" spc="-100" dirty="0">
-                <a:solidFill>
-                  <a:schemeClr val="bg1"/>
-                </a:solidFill>
-              </a:rPr>
-              <a:t>  Backend</a:t>
-            </a:r>
-          </a:p>
-        </p:txBody>
-      </p:sp>
-      <p:sp>
-        <p:nvSpPr>
-          <p:cNvPr id="31" name="Titel 1">
-            <a:extLst>
-              <a:ext uri="{FF2B5EF4-FFF2-40B4-BE49-F238E27FC236}">
-                <a16:creationId xmlns:a16="http://schemas.microsoft.com/office/drawing/2014/main" id="{D84E3F59-DD13-AA40-8450-EB4EC53AA966}"/>
-              </a:ext>
-            </a:extLst>
-          </p:cNvPr>
-          <p:cNvSpPr txBox="1">
-            <a:spLocks/>
-          </p:cNvSpPr>
-          <p:nvPr/>
-        </p:nvSpPr>
-        <p:spPr>
-          <a:xfrm>
-            <a:off x="7428741" y="4814290"/>
-            <a:ext cx="1958050" cy="908699"/>
-          </a:xfrm>
-          <a:prstGeom prst="rect">
-            <a:avLst/>
-          </a:prstGeom>
-        </p:spPr>
-        <p:txBody>
-          <a:bodyPr vert="horz" lIns="91440" tIns="45720" rIns="91440" bIns="45720" rtlCol="0" anchor="b">
-            <a:normAutofit fontScale="97500" lnSpcReduction="10000"/>
-          </a:bodyPr>
-          <a:lstStyle>
-            <a:lvl1pPr algn="l" defTabSz="914400" rtl="0" eaLnBrk="1" latinLnBrk="0" hangingPunct="1">
-              <a:lnSpc>
-                <a:spcPct val="90000"/>
-              </a:lnSpc>
-              <a:spcBef>
-                <a:spcPct val="0"/>
-              </a:spcBef>
-              <a:buNone/>
-              <a:defRPr sz="3600" kern="1200" spc="-60" baseline="0">
-                <a:solidFill>
-                  <a:srgbClr val="FFFFFF"/>
-                </a:solidFill>
-                <a:latin typeface="+mj-lt"/>
-                <a:ea typeface="+mj-ea"/>
-                <a:cs typeface="+mj-cs"/>
-              </a:defRPr>
-            </a:lvl1pPr>
-          </a:lstStyle>
-          <a:p>
-            <a:pPr algn="ctr"/>
-            <a:r>
-              <a:rPr lang="en-US" sz="2400" b="1" spc="-100" dirty="0">
-                <a:solidFill>
-                  <a:schemeClr val="bg1"/>
-                </a:solidFill>
-              </a:rPr>
-              <a:t>Stephan </a:t>
-            </a:r>
-            <a:r>
-              <a:rPr lang="en-US" sz="2400" b="1" spc="-100" dirty="0" err="1">
-                <a:solidFill>
-                  <a:schemeClr val="bg1"/>
-                </a:solidFill>
-              </a:rPr>
-              <a:t>Herbe</a:t>
-            </a:r>
-            <a:endParaRPr lang="en-US" sz="2400" b="1" spc="-100" dirty="0">
-              <a:solidFill>
-                <a:schemeClr val="bg1"/>
-              </a:solidFill>
-            </a:endParaRPr>
-          </a:p>
-          <a:p>
-            <a:pPr algn="ctr"/>
-            <a:endParaRPr lang="en-US" sz="2400" b="1" spc="-100" dirty="0">
-              <a:solidFill>
-                <a:schemeClr val="bg1"/>
-              </a:solidFill>
-            </a:endParaRPr>
-          </a:p>
-          <a:p>
-            <a:pPr algn="ctr"/>
-            <a:r>
-              <a:rPr lang="en-US" sz="2100" b="1" spc="-100" dirty="0">
-                <a:solidFill>
-                  <a:schemeClr val="bg1"/>
-                </a:solidFill>
-              </a:rPr>
-              <a:t>Frontend</a:t>
-            </a:r>
-          </a:p>
-        </p:txBody>
-      </p:sp>
-      <p:sp>
-        <p:nvSpPr>
-          <p:cNvPr id="32" name="Titel 1">
-            <a:extLst>
-              <a:ext uri="{FF2B5EF4-FFF2-40B4-BE49-F238E27FC236}">
-                <a16:creationId xmlns:a16="http://schemas.microsoft.com/office/drawing/2014/main" id="{0A4473AB-DD8A-2246-9526-8BA8E275EF38}"/>
-              </a:ext>
-            </a:extLst>
-          </p:cNvPr>
-          <p:cNvSpPr txBox="1">
-            <a:spLocks/>
-          </p:cNvSpPr>
-          <p:nvPr/>
-        </p:nvSpPr>
-        <p:spPr>
-          <a:xfrm>
-            <a:off x="9682900" y="4814290"/>
-            <a:ext cx="1958050" cy="908699"/>
-          </a:xfrm>
-          <a:prstGeom prst="rect">
-            <a:avLst/>
-          </a:prstGeom>
-        </p:spPr>
-        <p:txBody>
-          <a:bodyPr vert="horz" lIns="91440" tIns="45720" rIns="91440" bIns="45720" rtlCol="0" anchor="b">
-            <a:normAutofit fontScale="97500" lnSpcReduction="10000"/>
-          </a:bodyPr>
-          <a:lstStyle>
-            <a:lvl1pPr algn="l" defTabSz="914400" rtl="0" eaLnBrk="1" latinLnBrk="0" hangingPunct="1">
-              <a:lnSpc>
-                <a:spcPct val="90000"/>
-              </a:lnSpc>
-              <a:spcBef>
-                <a:spcPct val="0"/>
-              </a:spcBef>
-              <a:buNone/>
-              <a:defRPr sz="3600" kern="1200" spc="-60" baseline="0">
-                <a:solidFill>
-                  <a:srgbClr val="FFFFFF"/>
-                </a:solidFill>
-                <a:latin typeface="+mj-lt"/>
-                <a:ea typeface="+mj-ea"/>
-                <a:cs typeface="+mj-cs"/>
-              </a:defRPr>
-            </a:lvl1pPr>
-          </a:lstStyle>
-          <a:p>
-            <a:pPr algn="ctr"/>
-            <a:r>
-              <a:rPr lang="en-US" sz="2400" b="1" spc="-100" dirty="0">
-                <a:solidFill>
-                  <a:schemeClr val="bg1"/>
-                </a:solidFill>
-              </a:rPr>
-              <a:t>Moritz </a:t>
-            </a:r>
-            <a:r>
-              <a:rPr lang="en-US" sz="2400" b="1" spc="-100" dirty="0" err="1">
-                <a:solidFill>
-                  <a:schemeClr val="bg1"/>
-                </a:solidFill>
-              </a:rPr>
-              <a:t>Weibold</a:t>
-            </a:r>
-            <a:endParaRPr lang="en-US" sz="2400" b="1" spc="-100" dirty="0">
-              <a:solidFill>
-                <a:schemeClr val="bg1"/>
-              </a:solidFill>
-            </a:endParaRPr>
-          </a:p>
-          <a:p>
-            <a:pPr algn="ctr"/>
-            <a:endParaRPr lang="en-US" sz="2400" b="1" spc="-100" dirty="0">
-              <a:solidFill>
-                <a:schemeClr val="bg1"/>
-              </a:solidFill>
-            </a:endParaRPr>
-          </a:p>
-          <a:p>
-            <a:pPr algn="ctr"/>
-            <a:r>
-              <a:rPr lang="en-US" sz="2100" b="1" spc="-100" dirty="0">
-                <a:solidFill>
-                  <a:schemeClr val="bg1"/>
-                </a:solidFill>
-              </a:rPr>
-              <a:t>Frontend</a:t>
-            </a:r>
-          </a:p>
-        </p:txBody>
-      </p:sp>
-      <p:sp>
-        <p:nvSpPr>
-          <p:cNvPr id="37" name="Wolke 36">
-            <a:extLst>
-              <a:ext uri="{FF2B5EF4-FFF2-40B4-BE49-F238E27FC236}">
-                <a16:creationId xmlns:a16="http://schemas.microsoft.com/office/drawing/2014/main" id="{24656458-3573-9941-A0B4-FA0C528F5F6A}"/>
-              </a:ext>
-            </a:extLst>
-          </p:cNvPr>
-          <p:cNvSpPr/>
-          <p:nvPr/>
-        </p:nvSpPr>
-        <p:spPr>
-          <a:xfrm>
-            <a:off x="10557069" y="-1479881"/>
-            <a:ext cx="3729497" cy="3211032"/>
-          </a:xfrm>
-          <a:prstGeom prst="cloud">
-            <a:avLst/>
-          </a:prstGeom>
-          <a:solidFill>
-            <a:schemeClr val="bg1"/>
-          </a:solidFill>
-        </p:spPr>
-        <p:style>
-          <a:lnRef idx="2">
-            <a:schemeClr val="accent1">
-              <a:shade val="50000"/>
-            </a:schemeClr>
-          </a:lnRef>
-          <a:fillRef idx="1">
-            <a:schemeClr val="accent1"/>
-          </a:fillRef>
-          <a:effectRef idx="0">
-            <a:schemeClr val="accent1"/>
-          </a:effectRef>
-          <a:fontRef idx="minor">
-            <a:schemeClr val="lt1"/>
-          </a:fontRef>
-        </p:style>
-        <p:txBody>
-          <a:bodyPr rtlCol="0" anchor="ctr"/>
-          <a:lstStyle/>
-          <a:p>
-            <a:pPr algn="ctr"/>
-            <a:endParaRPr lang="de-DE"/>
-          </a:p>
-        </p:txBody>
-      </p:sp>
-      <p:sp>
-        <p:nvSpPr>
-          <p:cNvPr id="38" name="Wolke 37">
-            <a:extLst>
-              <a:ext uri="{FF2B5EF4-FFF2-40B4-BE49-F238E27FC236}">
-                <a16:creationId xmlns:a16="http://schemas.microsoft.com/office/drawing/2014/main" id="{710503B2-8E41-9E42-9E4D-F4BCAEA29B8E}"/>
-              </a:ext>
-            </a:extLst>
-          </p:cNvPr>
-          <p:cNvSpPr/>
-          <p:nvPr/>
-        </p:nvSpPr>
-        <p:spPr>
-          <a:xfrm>
-            <a:off x="-2284608" y="5920280"/>
-            <a:ext cx="3895038" cy="3211032"/>
-          </a:xfrm>
-          <a:prstGeom prst="cloud">
-            <a:avLst/>
-          </a:prstGeom>
-          <a:solidFill>
-            <a:schemeClr val="bg1"/>
-          </a:solidFill>
-        </p:spPr>
-        <p:style>
-          <a:lnRef idx="2">
-            <a:schemeClr val="accent1">
-              <a:shade val="50000"/>
-            </a:schemeClr>
-          </a:lnRef>
-          <a:fillRef idx="1">
-            <a:schemeClr val="accent1"/>
-          </a:fillRef>
-          <a:effectRef idx="0">
-            <a:schemeClr val="accent1"/>
-          </a:effectRef>
-          <a:fontRef idx="minor">
-            <a:schemeClr val="lt1"/>
-          </a:fontRef>
-        </p:style>
-        <p:txBody>
-          <a:bodyPr rtlCol="0" anchor="ctr"/>
-          <a:lstStyle/>
-          <a:p>
-            <a:pPr algn="ctr"/>
-            <a:endParaRPr lang="de-DE"/>
-          </a:p>
-        </p:txBody>
       </p:sp>
     </p:spTree>
     <p:extLst>
       <p:ext uri="{BB962C8B-B14F-4D97-AF65-F5344CB8AC3E}">
-        <p14:creationId xmlns:p14="http://schemas.microsoft.com/office/powerpoint/2010/main" val="3232779718"/>
+        <p14:creationId xmlns:p14="http://schemas.microsoft.com/office/powerpoint/2010/main" val="1947262083"/>
       </p:ext>
     </p:extLst>
   </p:cSld>
@@ -5762,14 +5894,6 @@
 <file path=ppt/slides/slide6.xml><?xml version="1.0" encoding="utf-8"?>
 <p:sld xmlns:a="http://schemas.openxmlformats.org/drawingml/2006/main" xmlns:r="http://schemas.openxmlformats.org/officeDocument/2006/relationships" xmlns:p="http://schemas.openxmlformats.org/presentationml/2006/main">
   <p:cSld>
-    <p:bg>
-      <p:bgPr>
-        <a:solidFill>
-          <a:schemeClr val="bg1"/>
-        </a:solidFill>
-        <a:effectLst/>
-      </p:bgPr>
-    </p:bg>
     <p:spTree>
       <p:nvGrpSpPr>
         <p:cNvPr id="1" name=""/>
@@ -5786,237 +5910,10 @@
       </p:grpSpPr>
       <p:sp>
         <p:nvSpPr>
-          <p:cNvPr id="10" name="Rectangle 9">
-            <a:extLst>
-              <a:ext uri="{FF2B5EF4-FFF2-40B4-BE49-F238E27FC236}">
-                <a16:creationId xmlns:a16="http://schemas.microsoft.com/office/drawing/2014/main" id="{DB8424AB-D56B-4256-866A-5B54DE93C20F}"/>
-              </a:ext>
-              <a:ext uri="{C183D7F6-B498-43B3-948B-1728B52AA6E4}">
-                <adec:decorative xmlns:adec="http://schemas.microsoft.com/office/drawing/2017/decorative" val="1"/>
-              </a:ext>
-            </a:extLst>
-          </p:cNvPr>
-          <p:cNvSpPr>
-            <a:spLocks noGrp="1" noRot="1" noChangeAspect="1" noMove="1" noResize="1" noEditPoints="1" noAdjustHandles="1" noChangeArrowheads="1" noChangeShapeType="1" noTextEdit="1"/>
-          </p:cNvSpPr>
-          <p:nvPr>
-            <p:extLst>
-              <p:ext uri="{386F3935-93C4-4BCD-93E2-E3B085C9AB24}">
-                <p16:designElem xmlns:p16="http://schemas.microsoft.com/office/powerpoint/2015/main" val="1"/>
-              </p:ext>
-            </p:extLst>
-          </p:nvPr>
-        </p:nvSpPr>
-        <p:spPr>
-          <a:xfrm>
-            <a:off x="0" y="761999"/>
-            <a:ext cx="9141619" cy="5334001"/>
-          </a:xfrm>
-          <a:prstGeom prst="rect">
-            <a:avLst/>
-          </a:prstGeom>
-          <a:solidFill>
-            <a:schemeClr val="accent1"/>
-          </a:solidFill>
-          <a:ln>
-            <a:noFill/>
-          </a:ln>
-        </p:spPr>
-        <p:style>
-          <a:lnRef idx="2">
-            <a:schemeClr val="accent1">
-              <a:shade val="50000"/>
-            </a:schemeClr>
-          </a:lnRef>
-          <a:fillRef idx="1">
-            <a:schemeClr val="accent1"/>
-          </a:fillRef>
-          <a:effectRef idx="0">
-            <a:schemeClr val="accent1"/>
-          </a:effectRef>
-          <a:fontRef idx="minor">
-            <a:schemeClr val="lt1"/>
-          </a:fontRef>
-        </p:style>
-      </p:sp>
-      <p:sp>
-        <p:nvSpPr>
-          <p:cNvPr id="12" name="Rectangle 11">
-            <a:extLst>
-              <a:ext uri="{FF2B5EF4-FFF2-40B4-BE49-F238E27FC236}">
-                <a16:creationId xmlns:a16="http://schemas.microsoft.com/office/drawing/2014/main" id="{FC999C28-AD33-4EB7-A5F1-C06D10A5FDF7}"/>
-              </a:ext>
-              <a:ext uri="{C183D7F6-B498-43B3-948B-1728B52AA6E4}">
-                <adec:decorative xmlns:adec="http://schemas.microsoft.com/office/drawing/2017/decorative" val="1"/>
-              </a:ext>
-            </a:extLst>
-          </p:cNvPr>
-          <p:cNvSpPr>
-            <a:spLocks noGrp="1" noRot="1" noChangeAspect="1" noMove="1" noResize="1" noEditPoints="1" noAdjustHandles="1" noChangeArrowheads="1" noChangeShapeType="1" noTextEdit="1"/>
-          </p:cNvSpPr>
-          <p:nvPr>
-            <p:extLst>
-              <p:ext uri="{386F3935-93C4-4BCD-93E2-E3B085C9AB24}">
-                <p16:designElem xmlns:p16="http://schemas.microsoft.com/office/powerpoint/2015/main" val="1"/>
-              </p:ext>
-            </p:extLst>
-          </p:nvPr>
-        </p:nvSpPr>
-        <p:spPr>
-          <a:xfrm>
-            <a:off x="9270263" y="761999"/>
-            <a:ext cx="2925318" cy="5334001"/>
-          </a:xfrm>
-          <a:prstGeom prst="rect">
-            <a:avLst/>
-          </a:prstGeom>
-          <a:solidFill>
-            <a:srgbClr val="C8C8C8">
-              <a:alpha val="49804"/>
-            </a:srgbClr>
-          </a:solidFill>
-          <a:ln>
-            <a:noFill/>
-          </a:ln>
-        </p:spPr>
-        <p:style>
-          <a:lnRef idx="2">
-            <a:schemeClr val="accent1">
-              <a:shade val="50000"/>
-            </a:schemeClr>
-          </a:lnRef>
-          <a:fillRef idx="1">
-            <a:schemeClr val="accent1"/>
-          </a:fillRef>
-          <a:effectRef idx="0">
-            <a:schemeClr val="accent1"/>
-          </a:effectRef>
-          <a:fontRef idx="minor">
-            <a:schemeClr val="lt1"/>
-          </a:fontRef>
-        </p:style>
-      </p:sp>
-      <p:sp useBgFill="1">
-        <p:nvSpPr>
-          <p:cNvPr id="14" name="Rectangle 13">
-            <a:extLst>
-              <a:ext uri="{FF2B5EF4-FFF2-40B4-BE49-F238E27FC236}">
-                <a16:creationId xmlns:a16="http://schemas.microsoft.com/office/drawing/2014/main" id="{0864E5C9-52C9-4572-AC75-548B9B9C2648}"/>
-              </a:ext>
-              <a:ext uri="{C183D7F6-B498-43B3-948B-1728B52AA6E4}">
-                <adec:decorative xmlns:adec="http://schemas.microsoft.com/office/drawing/2017/decorative" val="1"/>
-              </a:ext>
-            </a:extLst>
-          </p:cNvPr>
-          <p:cNvSpPr>
-            <a:spLocks noGrp="1" noRot="1" noChangeAspect="1" noMove="1" noResize="1" noEditPoints="1" noAdjustHandles="1" noChangeArrowheads="1" noChangeShapeType="1" noTextEdit="1"/>
-          </p:cNvSpPr>
-          <p:nvPr>
-            <p:extLst>
-              <p:ext uri="{386F3935-93C4-4BCD-93E2-E3B085C9AB24}">
-                <p16:designElem xmlns:p16="http://schemas.microsoft.com/office/powerpoint/2015/main" val="1"/>
-              </p:ext>
-            </p:extLst>
-          </p:nvPr>
-        </p:nvSpPr>
-        <p:spPr>
-          <a:xfrm>
-            <a:off x="0" y="0"/>
-            <a:ext cx="12191999" cy="6858000"/>
-          </a:xfrm>
-          <a:prstGeom prst="rect">
-            <a:avLst/>
-          </a:prstGeom>
-          <a:ln>
-            <a:noFill/>
-          </a:ln>
-        </p:spPr>
-        <p:style>
-          <a:lnRef idx="2">
-            <a:schemeClr val="accent1">
-              <a:shade val="50000"/>
-            </a:schemeClr>
-          </a:lnRef>
-          <a:fillRef idx="1">
-            <a:schemeClr val="accent1"/>
-          </a:fillRef>
-          <a:effectRef idx="0">
-            <a:schemeClr val="accent1"/>
-          </a:effectRef>
-          <a:fontRef idx="minor">
-            <a:schemeClr val="lt1"/>
-          </a:fontRef>
-        </p:style>
-        <p:txBody>
-          <a:bodyPr rtlCol="0" anchor="ctr"/>
-          <a:lstStyle/>
-          <a:p>
-            <a:pPr algn="ctr"/>
-            <a:endParaRPr lang="en-US"/>
-          </a:p>
-        </p:txBody>
-      </p:sp>
-      <p:sp>
-        <p:nvSpPr>
-          <p:cNvPr id="16" name="Rectangle 15">
-            <a:extLst>
-              <a:ext uri="{FF2B5EF4-FFF2-40B4-BE49-F238E27FC236}">
-                <a16:creationId xmlns:a16="http://schemas.microsoft.com/office/drawing/2014/main" id="{45CC6500-4DBD-4C34-BC14-2387FB483BEB}"/>
-              </a:ext>
-              <a:ext uri="{C183D7F6-B498-43B3-948B-1728B52AA6E4}">
-                <adec:decorative xmlns:adec="http://schemas.microsoft.com/office/drawing/2017/decorative" val="1"/>
-              </a:ext>
-            </a:extLst>
-          </p:cNvPr>
-          <p:cNvSpPr>
-            <a:spLocks noGrp="1" noRot="1" noChangeAspect="1" noMove="1" noResize="1" noEditPoints="1" noAdjustHandles="1" noChangeArrowheads="1" noChangeShapeType="1" noTextEdit="1"/>
-          </p:cNvSpPr>
-          <p:nvPr>
-            <p:extLst>
-              <p:ext uri="{386F3935-93C4-4BCD-93E2-E3B085C9AB24}">
-                <p16:designElem xmlns:p16="http://schemas.microsoft.com/office/powerpoint/2015/main" val="1"/>
-              </p:ext>
-            </p:extLst>
-          </p:nvPr>
-        </p:nvSpPr>
-        <p:spPr>
-          <a:xfrm>
-            <a:off x="1" y="761999"/>
-            <a:ext cx="4642228" cy="5334001"/>
-          </a:xfrm>
-          <a:prstGeom prst="rect">
-            <a:avLst/>
-          </a:prstGeom>
-          <a:solidFill>
-            <a:schemeClr val="accent1"/>
-          </a:solidFill>
-          <a:ln>
-            <a:noFill/>
-          </a:ln>
-        </p:spPr>
-        <p:style>
-          <a:lnRef idx="2">
-            <a:schemeClr val="accent1">
-              <a:shade val="50000"/>
-            </a:schemeClr>
-          </a:lnRef>
-          <a:fillRef idx="1">
-            <a:schemeClr val="accent1"/>
-          </a:fillRef>
-          <a:effectRef idx="0">
-            <a:schemeClr val="accent1"/>
-          </a:effectRef>
-          <a:fontRef idx="minor">
-            <a:schemeClr val="lt1"/>
-          </a:fontRef>
-        </p:style>
-      </p:sp>
-      <p:sp>
-        <p:nvSpPr>
           <p:cNvPr id="2" name="Titel 1">
             <a:extLst>
               <a:ext uri="{FF2B5EF4-FFF2-40B4-BE49-F238E27FC236}">
-                <a16:creationId xmlns:a16="http://schemas.microsoft.com/office/drawing/2014/main" id="{721F23DF-5CED-3144-8A0D-7673299CEC94}"/>
+                <a16:creationId xmlns:a16="http://schemas.microsoft.com/office/drawing/2014/main" id="{3BF3C525-72EB-0643-B6C5-0E34C05466C2}"/>
               </a:ext>
             </a:extLst>
           </p:cNvPr>
@@ -6027,21 +5924,14 @@
             <p:ph type="title"/>
           </p:nvPr>
         </p:nvSpPr>
-        <p:spPr>
-          <a:xfrm>
-            <a:off x="1069849" y="1298448"/>
-            <a:ext cx="3258688" cy="3255264"/>
-          </a:xfrm>
-        </p:spPr>
-        <p:txBody>
-          <a:bodyPr vert="horz" lIns="91440" tIns="45720" rIns="91440" bIns="45720" rtlCol="0" anchor="b">
-            <a:normAutofit/>
-          </a:bodyPr>
-          <a:lstStyle/>
-          <a:p>
-            <a:r>
-              <a:rPr lang="en-US" sz="3200" spc="-100"/>
-              <a:t>Arbeitsverteilung</a:t>
+        <p:spPr/>
+        <p:txBody>
+          <a:bodyPr/>
+          <a:lstStyle/>
+          <a:p>
+            <a:r>
+              <a:rPr lang="de-DE" dirty="0"/>
+              <a:t>Ziele </a:t>
             </a:r>
           </a:p>
         </p:txBody>
@@ -6051,7 +5941,7 @@
           <p:cNvPr id="3" name="Inhaltsplatzhalter 2">
             <a:extLst>
               <a:ext uri="{FF2B5EF4-FFF2-40B4-BE49-F238E27FC236}">
-                <a16:creationId xmlns:a16="http://schemas.microsoft.com/office/drawing/2014/main" id="{6DF8BC9F-B3FD-D94B-AD6E-E7FD19CE5A24}"/>
+                <a16:creationId xmlns:a16="http://schemas.microsoft.com/office/drawing/2014/main" id="{924623BB-5451-6F44-BEEB-C85AE6393483}"/>
               </a:ext>
             </a:extLst>
           </p:cNvPr>
@@ -6062,132 +5952,19 @@
             <p:ph idx="1"/>
           </p:nvPr>
         </p:nvSpPr>
-        <p:spPr>
-          <a:xfrm>
-            <a:off x="1100015" y="4670246"/>
-            <a:ext cx="3228521" cy="914400"/>
-          </a:xfrm>
-        </p:spPr>
-        <p:txBody>
-          <a:bodyPr vert="horz" lIns="91440" tIns="45720" rIns="91440" bIns="45720" rtlCol="0" anchor="t">
-            <a:normAutofit/>
-          </a:bodyPr>
-          <a:lstStyle/>
-          <a:p>
-            <a:pPr marL="0" indent="0">
-              <a:buNone/>
-            </a:pPr>
-            <a:r>
-              <a:rPr lang="en-US" sz="2200">
-                <a:solidFill>
-                  <a:schemeClr val="accent1">
-                    <a:lumMod val="20000"/>
-                    <a:lumOff val="80000"/>
-                  </a:schemeClr>
-                </a:solidFill>
-              </a:rPr>
-              <a:t>Grafik zu Arbeitsstunden und Commits</a:t>
-            </a:r>
-          </a:p>
-        </p:txBody>
-      </p:sp>
-      <p:pic>
-        <p:nvPicPr>
-          <p:cNvPr id="5" name="Grafik 4" descr="Balkendiagramm">
-            <a:extLst>
-              <a:ext uri="{FF2B5EF4-FFF2-40B4-BE49-F238E27FC236}">
-                <a16:creationId xmlns:a16="http://schemas.microsoft.com/office/drawing/2014/main" id="{82BD5DA6-0C8C-DA43-AAE6-9C72F5CC7744}"/>
-              </a:ext>
-            </a:extLst>
-          </p:cNvPr>
-          <p:cNvPicPr>
-            <a:picLocks noChangeAspect="1"/>
-          </p:cNvPicPr>
-          <p:nvPr/>
-        </p:nvPicPr>
-        <p:blipFill>
-          <a:blip r:embed="rId2">
-            <a:extLst>
-              <a:ext uri="{96DAC541-7B7A-43D3-8B79-37D633B846F1}">
-                <asvg:svgBlip xmlns:asvg="http://schemas.microsoft.com/office/drawing/2016/SVG/main" r:embed="rId3"/>
-              </a:ext>
-            </a:extLst>
-          </a:blip>
-          <a:stretch>
-            <a:fillRect/>
-          </a:stretch>
-        </p:blipFill>
-        <p:spPr>
-          <a:xfrm>
-            <a:off x="5638950" y="759599"/>
-            <a:ext cx="5330650" cy="5330650"/>
-          </a:xfrm>
-          <a:prstGeom prst="rect">
-            <a:avLst/>
-          </a:prstGeom>
-        </p:spPr>
-      </p:pic>
-      <p:sp>
-        <p:nvSpPr>
-          <p:cNvPr id="18" name="Rectangle 17">
-            <a:extLst>
-              <a:ext uri="{FF2B5EF4-FFF2-40B4-BE49-F238E27FC236}">
-                <a16:creationId xmlns:a16="http://schemas.microsoft.com/office/drawing/2014/main" id="{4E34A3B6-BAD2-4156-BDC6-4736248BFDE0}"/>
-              </a:ext>
-              <a:ext uri="{C183D7F6-B498-43B3-948B-1728B52AA6E4}">
-                <adec:decorative xmlns:adec="http://schemas.microsoft.com/office/drawing/2017/decorative" val="1"/>
-              </a:ext>
-            </a:extLst>
-          </p:cNvPr>
-          <p:cNvSpPr>
-            <a:spLocks noGrp="1" noRot="1" noChangeAspect="1" noMove="1" noResize="1" noEditPoints="1" noAdjustHandles="1" noChangeArrowheads="1" noChangeShapeType="1" noTextEdit="1"/>
-          </p:cNvSpPr>
-          <p:nvPr>
-            <p:extLst>
-              <p:ext uri="{386F3935-93C4-4BCD-93E2-E3B085C9AB24}">
-                <p16:designElem xmlns:p16="http://schemas.microsoft.com/office/powerpoint/2015/main" val="1"/>
-              </p:ext>
-            </p:extLst>
-          </p:nvPr>
-        </p:nvSpPr>
-        <p:spPr>
-          <a:xfrm>
-            <a:off x="11815864" y="758952"/>
-            <a:ext cx="384048" cy="5330952"/>
-          </a:xfrm>
-          <a:prstGeom prst="rect">
-            <a:avLst/>
-          </a:prstGeom>
-          <a:solidFill>
-            <a:srgbClr val="C8C8C8">
-              <a:alpha val="49804"/>
-            </a:srgbClr>
-          </a:solidFill>
-          <a:ln>
-            <a:noFill/>
-          </a:ln>
-        </p:spPr>
-        <p:style>
-          <a:lnRef idx="2">
-            <a:schemeClr val="accent1">
-              <a:shade val="50000"/>
-            </a:schemeClr>
-          </a:lnRef>
-          <a:fillRef idx="1">
-            <a:schemeClr val="accent1"/>
-          </a:fillRef>
-          <a:effectRef idx="0">
-            <a:schemeClr val="accent1"/>
-          </a:effectRef>
-          <a:fontRef idx="minor">
-            <a:schemeClr val="lt1"/>
-          </a:fontRef>
-        </p:style>
+        <p:spPr/>
+        <p:txBody>
+          <a:bodyPr/>
+          <a:lstStyle/>
+          <a:p>
+            <a:endParaRPr lang="de-DE"/>
+          </a:p>
+        </p:txBody>
       </p:sp>
     </p:spTree>
     <p:extLst>
       <p:ext uri="{BB962C8B-B14F-4D97-AF65-F5344CB8AC3E}">
-        <p14:creationId xmlns:p14="http://schemas.microsoft.com/office/powerpoint/2010/main" val="1947262083"/>
+        <p14:creationId xmlns:p14="http://schemas.microsoft.com/office/powerpoint/2010/main" val="3679296423"/>
       </p:ext>
     </p:extLst>
   </p:cSld>
@@ -6219,89 +5996,6 @@
           <p:cNvPr id="2" name="Titel 1">
             <a:extLst>
               <a:ext uri="{FF2B5EF4-FFF2-40B4-BE49-F238E27FC236}">
-                <a16:creationId xmlns:a16="http://schemas.microsoft.com/office/drawing/2014/main" id="{3BF3C525-72EB-0643-B6C5-0E34C05466C2}"/>
-              </a:ext>
-            </a:extLst>
-          </p:cNvPr>
-          <p:cNvSpPr>
-            <a:spLocks noGrp="1"/>
-          </p:cNvSpPr>
-          <p:nvPr>
-            <p:ph type="title"/>
-          </p:nvPr>
-        </p:nvSpPr>
-        <p:spPr/>
-        <p:txBody>
-          <a:bodyPr/>
-          <a:lstStyle/>
-          <a:p>
-            <a:r>
-              <a:rPr lang="de-DE" dirty="0"/>
-              <a:t>Ziele </a:t>
-            </a:r>
-          </a:p>
-        </p:txBody>
-      </p:sp>
-      <p:sp>
-        <p:nvSpPr>
-          <p:cNvPr id="3" name="Inhaltsplatzhalter 2">
-            <a:extLst>
-              <a:ext uri="{FF2B5EF4-FFF2-40B4-BE49-F238E27FC236}">
-                <a16:creationId xmlns:a16="http://schemas.microsoft.com/office/drawing/2014/main" id="{924623BB-5451-6F44-BEEB-C85AE6393483}"/>
-              </a:ext>
-            </a:extLst>
-          </p:cNvPr>
-          <p:cNvSpPr>
-            <a:spLocks noGrp="1"/>
-          </p:cNvSpPr>
-          <p:nvPr>
-            <p:ph idx="1"/>
-          </p:nvPr>
-        </p:nvSpPr>
-        <p:spPr/>
-        <p:txBody>
-          <a:bodyPr/>
-          <a:lstStyle/>
-          <a:p>
-            <a:endParaRPr lang="de-DE"/>
-          </a:p>
-        </p:txBody>
-      </p:sp>
-    </p:spTree>
-    <p:extLst>
-      <p:ext uri="{BB962C8B-B14F-4D97-AF65-F5344CB8AC3E}">
-        <p14:creationId xmlns:p14="http://schemas.microsoft.com/office/powerpoint/2010/main" val="3679296423"/>
-      </p:ext>
-    </p:extLst>
-  </p:cSld>
-  <p:clrMapOvr>
-    <a:masterClrMapping/>
-  </p:clrMapOvr>
-</p:sld>
-</file>
-
-<file path=ppt/slides/slide8.xml><?xml version="1.0" encoding="utf-8"?>
-<p:sld xmlns:a="http://schemas.openxmlformats.org/drawingml/2006/main" xmlns:r="http://schemas.openxmlformats.org/officeDocument/2006/relationships" xmlns:p="http://schemas.openxmlformats.org/presentationml/2006/main">
-  <p:cSld>
-    <p:spTree>
-      <p:nvGrpSpPr>
-        <p:cNvPr id="1" name=""/>
-        <p:cNvGrpSpPr/>
-        <p:nvPr/>
-      </p:nvGrpSpPr>
-      <p:grpSpPr>
-        <a:xfrm>
-          <a:off x="0" y="0"/>
-          <a:ext cx="0" cy="0"/>
-          <a:chOff x="0" y="0"/>
-          <a:chExt cx="0" cy="0"/>
-        </a:xfrm>
-      </p:grpSpPr>
-      <p:sp>
-        <p:nvSpPr>
-          <p:cNvPr id="2" name="Titel 1">
-            <a:extLst>
-              <a:ext uri="{FF2B5EF4-FFF2-40B4-BE49-F238E27FC236}">
                 <a16:creationId xmlns:a16="http://schemas.microsoft.com/office/drawing/2014/main" id="{274E5352-C72F-9340-9D67-A11FFB91DA06}"/>
               </a:ext>
             </a:extLst>
@@ -6500,7 +6194,7 @@
 </p:sld>
 </file>
 
-<file path=ppt/slides/slide9.xml><?xml version="1.0" encoding="utf-8"?>
+<file path=ppt/slides/slide8.xml><?xml version="1.0" encoding="utf-8"?>
 <p:sld xmlns:a="http://schemas.openxmlformats.org/drawingml/2006/main" xmlns:r="http://schemas.openxmlformats.org/officeDocument/2006/relationships" xmlns:p="http://schemas.openxmlformats.org/presentationml/2006/main">
   <p:cSld>
     <p:bg>
@@ -6893,6 +6587,89 @@
     <p:extLst>
       <p:ext uri="{BB962C8B-B14F-4D97-AF65-F5344CB8AC3E}">
         <p14:creationId xmlns:p14="http://schemas.microsoft.com/office/powerpoint/2010/main" val="90184059"/>
+      </p:ext>
+    </p:extLst>
+  </p:cSld>
+  <p:clrMapOvr>
+    <a:masterClrMapping/>
+  </p:clrMapOvr>
+</p:sld>
+</file>
+
+<file path=ppt/slides/slide9.xml><?xml version="1.0" encoding="utf-8"?>
+<p:sld xmlns:a="http://schemas.openxmlformats.org/drawingml/2006/main" xmlns:r="http://schemas.openxmlformats.org/officeDocument/2006/relationships" xmlns:p="http://schemas.openxmlformats.org/presentationml/2006/main">
+  <p:cSld>
+    <p:spTree>
+      <p:nvGrpSpPr>
+        <p:cNvPr id="1" name=""/>
+        <p:cNvGrpSpPr/>
+        <p:nvPr/>
+      </p:nvGrpSpPr>
+      <p:grpSpPr>
+        <a:xfrm>
+          <a:off x="0" y="0"/>
+          <a:ext cx="0" cy="0"/>
+          <a:chOff x="0" y="0"/>
+          <a:chExt cx="0" cy="0"/>
+        </a:xfrm>
+      </p:grpSpPr>
+      <p:sp>
+        <p:nvSpPr>
+          <p:cNvPr id="2" name="Titel 1">
+            <a:extLst>
+              <a:ext uri="{FF2B5EF4-FFF2-40B4-BE49-F238E27FC236}">
+                <a16:creationId xmlns:a16="http://schemas.microsoft.com/office/drawing/2014/main" id="{C51CC7BF-07C4-5F44-B0A3-93533E393119}"/>
+              </a:ext>
+            </a:extLst>
+          </p:cNvPr>
+          <p:cNvSpPr>
+            <a:spLocks noGrp="1"/>
+          </p:cNvSpPr>
+          <p:nvPr>
+            <p:ph type="ctrTitle"/>
+          </p:nvPr>
+        </p:nvSpPr>
+        <p:spPr/>
+        <p:txBody>
+          <a:bodyPr/>
+          <a:lstStyle/>
+          <a:p>
+            <a:r>
+              <a:rPr lang="de-DE" dirty="0"/>
+              <a:t>Danke für die Aufmerksamkeit</a:t>
+            </a:r>
+          </a:p>
+        </p:txBody>
+      </p:sp>
+      <p:sp>
+        <p:nvSpPr>
+          <p:cNvPr id="3" name="Untertitel 2">
+            <a:extLst>
+              <a:ext uri="{FF2B5EF4-FFF2-40B4-BE49-F238E27FC236}">
+                <a16:creationId xmlns:a16="http://schemas.microsoft.com/office/drawing/2014/main" id="{41F4940B-D5E8-9F49-8140-D94FE1503F32}"/>
+              </a:ext>
+            </a:extLst>
+          </p:cNvPr>
+          <p:cNvSpPr>
+            <a:spLocks noGrp="1"/>
+          </p:cNvSpPr>
+          <p:nvPr>
+            <p:ph type="subTitle" idx="1"/>
+          </p:nvPr>
+        </p:nvSpPr>
+        <p:spPr/>
+        <p:txBody>
+          <a:bodyPr/>
+          <a:lstStyle/>
+          <a:p>
+            <a:endParaRPr lang="de-DE"/>
+          </a:p>
+        </p:txBody>
+      </p:sp>
+    </p:spTree>
+    <p:extLst>
+      <p:ext uri="{BB962C8B-B14F-4D97-AF65-F5344CB8AC3E}">
+        <p14:creationId xmlns:p14="http://schemas.microsoft.com/office/powerpoint/2010/main" val="2635067140"/>
       </p:ext>
     </p:extLst>
   </p:cSld>
